--- a/CFObjective_2012_Concurrency/preso/concurrency_zen.pptx
+++ b/CFObjective_2012_Concurrency/preso/concurrency_zen.pptx
@@ -5,7 +5,7 @@
     <p:sldMasterId id="2147483660" r:id="rId1"/>
   </p:sldMasterIdLst>
   <p:notesMasterIdLst>
-    <p:notesMasterId r:id="rId59"/>
+    <p:notesMasterId r:id="rId61"/>
   </p:notesMasterIdLst>
   <p:sldIdLst>
     <p:sldId id="256" r:id="rId2"/>
@@ -54,17 +54,19 @@
     <p:sldId id="321" r:id="rId45"/>
     <p:sldId id="328" r:id="rId46"/>
     <p:sldId id="333" r:id="rId47"/>
-    <p:sldId id="329" r:id="rId48"/>
-    <p:sldId id="330" r:id="rId49"/>
-    <p:sldId id="331" r:id="rId50"/>
-    <p:sldId id="332" r:id="rId51"/>
-    <p:sldId id="278" r:id="rId52"/>
-    <p:sldId id="309" r:id="rId53"/>
-    <p:sldId id="318" r:id="rId54"/>
-    <p:sldId id="339" r:id="rId55"/>
-    <p:sldId id="281" r:id="rId56"/>
-    <p:sldId id="282" r:id="rId57"/>
-    <p:sldId id="290" r:id="rId58"/>
+    <p:sldId id="342" r:id="rId48"/>
+    <p:sldId id="343" r:id="rId49"/>
+    <p:sldId id="329" r:id="rId50"/>
+    <p:sldId id="330" r:id="rId51"/>
+    <p:sldId id="331" r:id="rId52"/>
+    <p:sldId id="332" r:id="rId53"/>
+    <p:sldId id="278" r:id="rId54"/>
+    <p:sldId id="309" r:id="rId55"/>
+    <p:sldId id="318" r:id="rId56"/>
+    <p:sldId id="339" r:id="rId57"/>
+    <p:sldId id="281" r:id="rId58"/>
+    <p:sldId id="282" r:id="rId59"/>
+    <p:sldId id="290" r:id="rId60"/>
   </p:sldIdLst>
   <p:sldSz cx="9144000" cy="6858000" type="screen4x3"/>
   <p:notesSz cx="6858000" cy="9144000"/>
@@ -248,7 +250,7 @@
           <a:p>
             <a:fld id="{2B034D88-0871-44C9-8176-DC4F009389D7}" type="datetimeFigureOut">
               <a:rPr lang="en-US" smtClean="0"/>
-              <a:t>4/28/2012</a:t>
+              <a:t>4/30/2012</a:t>
             </a:fld>
             <a:endParaRPr lang="en-US"/>
           </a:p>
@@ -584,11 +586,7 @@
           <a:p>
             <a:r>
               <a:rPr lang="en-US" baseline="0" dirty="0" smtClean="0"/>
-              <a:t>I was stupid! I’ve learned a lot since then, and that’s what I’m here to talk </a:t>
-            </a:r>
-            <a:r>
-              <a:rPr lang="en-US" baseline="0" dirty="0" smtClean="0"/>
-              <a:t>about.</a:t>
+              <a:t>I was stupid! I’ve learned a lot since then, and that’s what I’m here to talk about.</a:t>
             </a:r>
           </a:p>
           <a:p>
@@ -1038,13 +1036,9 @@
             </a:r>
             <a:r>
               <a:rPr lang="en-US" baseline="0" dirty="0" smtClean="0"/>
-              <a:t> code, or look in the code samples that you can download with </a:t>
-            </a:r>
-            <a:r>
-              <a:rPr lang="en-US" baseline="0" smtClean="0"/>
-              <a:t>this presentation</a:t>
-            </a:r>
-            <a:endParaRPr lang="en-US"/>
+              <a:t> code, or look in the code samples that you can download with this presentation</a:t>
+            </a:r>
+            <a:endParaRPr lang="en-US" dirty="0"/>
           </a:p>
         </p:txBody>
       </p:sp>
@@ -1066,6 +1060,246 @@
             <a:fld id="{6C56C9CB-02E9-46E8-8F88-300ACCB0EB4A}" type="slidenum">
               <a:rPr lang="en-US" smtClean="0"/>
               <a:t>47</a:t>
+            </a:fld>
+            <a:endParaRPr lang="en-US"/>
+          </a:p>
+        </p:txBody>
+      </p:sp>
+    </p:spTree>
+    <p:extLst>
+      <p:ext uri="{BB962C8B-B14F-4D97-AF65-F5344CB8AC3E}">
+        <p14:creationId xmlns:p14="http://schemas.microsoft.com/office/powerpoint/2010/main" val="1267613892"/>
+      </p:ext>
+    </p:extLst>
+  </p:cSld>
+  <p:clrMapOvr>
+    <a:masterClrMapping/>
+  </p:clrMapOvr>
+</p:notes>
+</file>
+
+<file path=ppt/notesSlides/notesSlide14.xml><?xml version="1.0" encoding="utf-8"?>
+<p:notes xmlns:a="http://schemas.openxmlformats.org/drawingml/2006/main" xmlns:r="http://schemas.openxmlformats.org/officeDocument/2006/relationships" xmlns:p="http://schemas.openxmlformats.org/presentationml/2006/main">
+  <p:cSld>
+    <p:spTree>
+      <p:nvGrpSpPr>
+        <p:cNvPr id="1" name=""/>
+        <p:cNvGrpSpPr/>
+        <p:nvPr/>
+      </p:nvGrpSpPr>
+      <p:grpSpPr>
+        <a:xfrm>
+          <a:off x="0" y="0"/>
+          <a:ext cx="0" cy="0"/>
+          <a:chOff x="0" y="0"/>
+          <a:chExt cx="0" cy="0"/>
+        </a:xfrm>
+      </p:grpSpPr>
+      <p:sp>
+        <p:nvSpPr>
+          <p:cNvPr id="2" name="Slide Image Placeholder 1"/>
+          <p:cNvSpPr>
+            <a:spLocks noGrp="1" noRot="1" noChangeAspect="1"/>
+          </p:cNvSpPr>
+          <p:nvPr>
+            <p:ph type="sldImg"/>
+          </p:nvPr>
+        </p:nvSpPr>
+        <p:spPr/>
+      </p:sp>
+      <p:sp>
+        <p:nvSpPr>
+          <p:cNvPr id="3" name="Notes Placeholder 2"/>
+          <p:cNvSpPr>
+            <a:spLocks noGrp="1"/>
+          </p:cNvSpPr>
+          <p:nvPr>
+            <p:ph type="body" idx="1"/>
+          </p:nvPr>
+        </p:nvSpPr>
+        <p:spPr/>
+        <p:txBody>
+          <a:bodyPr/>
+          <a:lstStyle/>
+          <a:p>
+            <a:r>
+              <a:rPr lang="en-US" dirty="0" smtClean="0"/>
+              <a:t>Originally, I was going to show you how to do all of this with the java objects directly; however, while developing the presentation</a:t>
+            </a:r>
+            <a:r>
+              <a:rPr lang="en-US" baseline="0" dirty="0" smtClean="0"/>
+              <a:t> and all the examples, patterns emerged and it was obvious that a library needed to be written to kind of lube the friction between CF and Java.</a:t>
+            </a:r>
+          </a:p>
+          <a:p>
+            <a:endParaRPr lang="en-US" baseline="0" dirty="0" smtClean="0"/>
+          </a:p>
+          <a:p>
+            <a:r>
+              <a:rPr lang="en-US" baseline="0" dirty="0" smtClean="0"/>
+              <a:t>Very important to know though that it’s not a “wrapper” library… I’m not hiding Java from you… just making it a bit easier to contend with.</a:t>
+            </a:r>
+          </a:p>
+          <a:p>
+            <a:endParaRPr lang="en-US" baseline="0" dirty="0" smtClean="0"/>
+          </a:p>
+          <a:p>
+            <a:r>
+              <a:rPr lang="en-US" baseline="0" dirty="0" smtClean="0"/>
+              <a:t>And if you don’t want to use it but want to work with Java directly, you can either look at </a:t>
+            </a:r>
+            <a:r>
+              <a:rPr lang="en-US" baseline="0" dirty="0" err="1" smtClean="0"/>
+              <a:t>cfconcurrent’s</a:t>
+            </a:r>
+            <a:r>
+              <a:rPr lang="en-US" baseline="0" dirty="0" smtClean="0"/>
+              <a:t> code, or look in the code samples that you can download with this presentation</a:t>
+            </a:r>
+            <a:endParaRPr lang="en-US" dirty="0"/>
+          </a:p>
+        </p:txBody>
+      </p:sp>
+      <p:sp>
+        <p:nvSpPr>
+          <p:cNvPr id="4" name="Slide Number Placeholder 3"/>
+          <p:cNvSpPr>
+            <a:spLocks noGrp="1"/>
+          </p:cNvSpPr>
+          <p:nvPr>
+            <p:ph type="sldNum" sz="quarter" idx="10"/>
+          </p:nvPr>
+        </p:nvSpPr>
+        <p:spPr/>
+        <p:txBody>
+          <a:bodyPr/>
+          <a:lstStyle/>
+          <a:p>
+            <a:fld id="{6C56C9CB-02E9-46E8-8F88-300ACCB0EB4A}" type="slidenum">
+              <a:rPr lang="en-US" smtClean="0"/>
+              <a:t>48</a:t>
+            </a:fld>
+            <a:endParaRPr lang="en-US"/>
+          </a:p>
+        </p:txBody>
+      </p:sp>
+    </p:spTree>
+    <p:extLst>
+      <p:ext uri="{BB962C8B-B14F-4D97-AF65-F5344CB8AC3E}">
+        <p14:creationId xmlns:p14="http://schemas.microsoft.com/office/powerpoint/2010/main" val="1267613892"/>
+      </p:ext>
+    </p:extLst>
+  </p:cSld>
+  <p:clrMapOvr>
+    <a:masterClrMapping/>
+  </p:clrMapOvr>
+</p:notes>
+</file>
+
+<file path=ppt/notesSlides/notesSlide15.xml><?xml version="1.0" encoding="utf-8"?>
+<p:notes xmlns:a="http://schemas.openxmlformats.org/drawingml/2006/main" xmlns:r="http://schemas.openxmlformats.org/officeDocument/2006/relationships" xmlns:p="http://schemas.openxmlformats.org/presentationml/2006/main">
+  <p:cSld>
+    <p:spTree>
+      <p:nvGrpSpPr>
+        <p:cNvPr id="1" name=""/>
+        <p:cNvGrpSpPr/>
+        <p:nvPr/>
+      </p:nvGrpSpPr>
+      <p:grpSpPr>
+        <a:xfrm>
+          <a:off x="0" y="0"/>
+          <a:ext cx="0" cy="0"/>
+          <a:chOff x="0" y="0"/>
+          <a:chExt cx="0" cy="0"/>
+        </a:xfrm>
+      </p:grpSpPr>
+      <p:sp>
+        <p:nvSpPr>
+          <p:cNvPr id="2" name="Slide Image Placeholder 1"/>
+          <p:cNvSpPr>
+            <a:spLocks noGrp="1" noRot="1" noChangeAspect="1"/>
+          </p:cNvSpPr>
+          <p:nvPr>
+            <p:ph type="sldImg"/>
+          </p:nvPr>
+        </p:nvSpPr>
+        <p:spPr/>
+      </p:sp>
+      <p:sp>
+        <p:nvSpPr>
+          <p:cNvPr id="3" name="Notes Placeholder 2"/>
+          <p:cNvSpPr>
+            <a:spLocks noGrp="1"/>
+          </p:cNvSpPr>
+          <p:nvPr>
+            <p:ph type="body" idx="1"/>
+          </p:nvPr>
+        </p:nvSpPr>
+        <p:spPr/>
+        <p:txBody>
+          <a:bodyPr/>
+          <a:lstStyle/>
+          <a:p>
+            <a:r>
+              <a:rPr lang="en-US" dirty="0" smtClean="0"/>
+              <a:t>Originally, I was going to show you how to do all of this with the java objects directly; however, while developing the presentation</a:t>
+            </a:r>
+            <a:r>
+              <a:rPr lang="en-US" baseline="0" dirty="0" smtClean="0"/>
+              <a:t> and all the examples, patterns emerged and it was obvious that a library needed to be written to kind of lube the friction between CF and Java.</a:t>
+            </a:r>
+          </a:p>
+          <a:p>
+            <a:endParaRPr lang="en-US" baseline="0" dirty="0" smtClean="0"/>
+          </a:p>
+          <a:p>
+            <a:r>
+              <a:rPr lang="en-US" baseline="0" dirty="0" smtClean="0"/>
+              <a:t>Very important to know though that it’s not a “wrapper” library… I’m not hiding Java from you… just making it a bit easier to contend with.</a:t>
+            </a:r>
+          </a:p>
+          <a:p>
+            <a:endParaRPr lang="en-US" baseline="0" dirty="0" smtClean="0"/>
+          </a:p>
+          <a:p>
+            <a:r>
+              <a:rPr lang="en-US" baseline="0" dirty="0" smtClean="0"/>
+              <a:t>And if you don’t want to use it but want to work with Java directly, you can either look at </a:t>
+            </a:r>
+            <a:r>
+              <a:rPr lang="en-US" baseline="0" dirty="0" err="1" smtClean="0"/>
+              <a:t>cfconcurrent’s</a:t>
+            </a:r>
+            <a:r>
+              <a:rPr lang="en-US" baseline="0" dirty="0" smtClean="0"/>
+              <a:t> code, or look in the code samples that you can download with </a:t>
+            </a:r>
+            <a:r>
+              <a:rPr lang="en-US" baseline="0" smtClean="0"/>
+              <a:t>this presentation</a:t>
+            </a:r>
+            <a:endParaRPr lang="en-US"/>
+          </a:p>
+        </p:txBody>
+      </p:sp>
+      <p:sp>
+        <p:nvSpPr>
+          <p:cNvPr id="4" name="Slide Number Placeholder 3"/>
+          <p:cNvSpPr>
+            <a:spLocks noGrp="1"/>
+          </p:cNvSpPr>
+          <p:nvPr>
+            <p:ph type="sldNum" sz="quarter" idx="10"/>
+          </p:nvPr>
+        </p:nvSpPr>
+        <p:spPr/>
+        <p:txBody>
+          <a:bodyPr/>
+          <a:lstStyle/>
+          <a:p>
+            <a:fld id="{6C56C9CB-02E9-46E8-8F88-300ACCB0EB4A}" type="slidenum">
+              <a:rPr lang="en-US" smtClean="0"/>
+              <a:t>49</a:t>
             </a:fld>
             <a:endParaRPr lang="en-US"/>
           </a:p>
@@ -3750,7 +3984,7 @@
           <a:p>
             <a:fld id="{791AA3A7-703C-498A-BF23-FBC4F5178255}" type="datetimeFigureOut">
               <a:rPr lang="en-US" smtClean="0"/>
-              <a:t>4/28/2012</a:t>
+              <a:t>4/30/2012</a:t>
             </a:fld>
             <a:endParaRPr lang="en-US"/>
           </a:p>
@@ -3931,7 +4165,7 @@
           <a:p>
             <a:fld id="{791AA3A7-703C-498A-BF23-FBC4F5178255}" type="datetimeFigureOut">
               <a:rPr lang="en-US" smtClean="0"/>
-              <a:t>4/28/2012</a:t>
+              <a:t>4/30/2012</a:t>
             </a:fld>
             <a:endParaRPr lang="en-US"/>
           </a:p>
@@ -4082,7 +4316,7 @@
           <a:p>
             <a:fld id="{791AA3A7-703C-498A-BF23-FBC4F5178255}" type="datetimeFigureOut">
               <a:rPr lang="en-US" smtClean="0"/>
-              <a:t>4/28/2012</a:t>
+              <a:t>4/30/2012</a:t>
             </a:fld>
             <a:endParaRPr lang="en-US"/>
           </a:p>
@@ -5908,7 +6142,7 @@
           <a:p>
             <a:fld id="{791AA3A7-703C-498A-BF23-FBC4F5178255}" type="datetimeFigureOut">
               <a:rPr lang="en-US" smtClean="0"/>
-              <a:t>4/28/2012</a:t>
+              <a:t>4/30/2012</a:t>
             </a:fld>
             <a:endParaRPr lang="en-US"/>
           </a:p>
@@ -7778,7 +8012,7 @@
           <a:p>
             <a:fld id="{791AA3A7-703C-498A-BF23-FBC4F5178255}" type="datetimeFigureOut">
               <a:rPr lang="en-US" smtClean="0"/>
-              <a:t>4/28/2012</a:t>
+              <a:t>4/30/2012</a:t>
             </a:fld>
             <a:endParaRPr lang="en-US"/>
           </a:p>
@@ -7891,7 +8125,7 @@
           <a:p>
             <a:fld id="{791AA3A7-703C-498A-BF23-FBC4F5178255}" type="datetimeFigureOut">
               <a:rPr lang="en-US" smtClean="0"/>
-              <a:t>4/28/2012</a:t>
+              <a:t>4/30/2012</a:t>
             </a:fld>
             <a:endParaRPr lang="en-US"/>
           </a:p>
@@ -8432,7 +8666,7 @@
           <a:p>
             <a:fld id="{791AA3A7-703C-498A-BF23-FBC4F5178255}" type="datetimeFigureOut">
               <a:rPr lang="en-US" smtClean="0"/>
-              <a:t>4/28/2012</a:t>
+              <a:t>4/30/2012</a:t>
             </a:fld>
             <a:endParaRPr lang="en-US"/>
           </a:p>
@@ -8545,7 +8779,7 @@
           <a:p>
             <a:fld id="{791AA3A7-703C-498A-BF23-FBC4F5178255}" type="datetimeFigureOut">
               <a:rPr lang="en-US" smtClean="0"/>
-              <a:t>4/28/2012</a:t>
+              <a:t>4/30/2012</a:t>
             </a:fld>
             <a:endParaRPr lang="en-US"/>
           </a:p>
@@ -10256,7 +10490,7 @@
           <a:p>
             <a:fld id="{791AA3A7-703C-498A-BF23-FBC4F5178255}" type="datetimeFigureOut">
               <a:rPr lang="en-US" smtClean="0"/>
-              <a:t>4/28/2012</a:t>
+              <a:t>4/30/2012</a:t>
             </a:fld>
             <a:endParaRPr lang="en-US"/>
           </a:p>
@@ -10407,7 +10641,7 @@
           <a:p>
             <a:fld id="{791AA3A7-703C-498A-BF23-FBC4F5178255}" type="datetimeFigureOut">
               <a:rPr lang="en-US" smtClean="0"/>
-              <a:t>4/28/2012</a:t>
+              <a:t>4/30/2012</a:t>
             </a:fld>
             <a:endParaRPr lang="en-US"/>
           </a:p>
@@ -14022,7 +14256,7 @@
           <a:p>
             <a:fld id="{791AA3A7-703C-498A-BF23-FBC4F5178255}" type="datetimeFigureOut">
               <a:rPr lang="en-US" smtClean="0"/>
-              <a:t>4/28/2012</a:t>
+              <a:t>4/30/2012</a:t>
             </a:fld>
             <a:endParaRPr lang="en-US"/>
           </a:p>
@@ -15881,7 +16115,7 @@
           <a:p>
             <a:fld id="{791AA3A7-703C-498A-BF23-FBC4F5178255}" type="datetimeFigureOut">
               <a:rPr lang="en-US" smtClean="0"/>
-              <a:t>4/28/2012</a:t>
+              <a:t>4/30/2012</a:t>
             </a:fld>
             <a:endParaRPr lang="en-US"/>
           </a:p>
@@ -24458,22 +24692,7 @@
                   </a:outerShdw>
                 </a:effectLst>
               </a:rPr>
-              <a:t> </a:t>
-            </a:r>
-            <a:r>
-              <a:rPr lang="en-US" sz="2800" dirty="0" smtClean="0">
-                <a:solidFill>
-                  <a:srgbClr val="FF0000"/>
-                </a:solidFill>
-                <a:effectLst>
-                  <a:outerShdw blurRad="50800" dist="38100" dir="2700000" algn="tl" rotWithShape="0">
-                    <a:prstClr val="black">
-                      <a:alpha val="40000"/>
-                    </a:prstClr>
-                  </a:outerShdw>
-                </a:effectLst>
-              </a:rPr>
-              <a:t>in ColdFusion</a:t>
+              <a:t> in ColdFusion</a:t>
             </a:r>
             <a:endParaRPr lang="en-US" sz="2800" dirty="0">
               <a:solidFill>
@@ -25591,11 +25810,11 @@
           <a:p>
             <a:r>
               <a:rPr lang="en-US" dirty="0" smtClean="0"/>
-              <a:t>A Meme-a-</a:t>
-            </a:r>
-            <a:r>
-              <a:rPr lang="en-US" dirty="0" err="1" smtClean="0"/>
-              <a:t>Paganza</a:t>
+              <a:t>A </a:t>
+            </a:r>
+            <a:r>
+              <a:rPr lang="en-US" dirty="0" smtClean="0"/>
+              <a:t>Meme-Extravaganza</a:t>
             </a:r>
             <a:endParaRPr lang="en-US" dirty="0" smtClean="0"/>
           </a:p>
@@ -25964,37 +26183,7 @@
                   </a:outerShdw>
                 </a:effectLst>
               </a:rPr>
-              <a:t>1. We’ll </a:t>
-            </a:r>
-            <a:r>
-              <a:rPr lang="en-US" sz="3600" dirty="0" smtClean="0">
-                <a:solidFill>
-                  <a:srgbClr val="002060"/>
-                </a:solidFill>
-                <a:effectLst>
-                  <a:outerShdw blurRad="50800" dist="38100" dir="2700000" algn="tl" rotWithShape="0">
-                    <a:prstClr val="black">
-                      <a:alpha val="40000"/>
-                    </a:prstClr>
-                  </a:outerShdw>
-                </a:effectLst>
-              </a:rPr>
-              <a:t>start with the code you </a:t>
-            </a:r>
-            <a:r>
-              <a:rPr lang="en-US" sz="3600" dirty="0" smtClean="0">
-                <a:solidFill>
-                  <a:srgbClr val="002060"/>
-                </a:solidFill>
-                <a:effectLst>
-                  <a:outerShdw blurRad="50800" dist="38100" dir="2700000" algn="tl" rotWithShape="0">
-                    <a:prstClr val="black">
-                      <a:alpha val="40000"/>
-                    </a:prstClr>
-                  </a:outerShdw>
-                </a:effectLst>
-              </a:rPr>
-              <a:t>write that   </a:t>
+              <a:t>1. We’ll start with the code you write that   </a:t>
             </a:r>
           </a:p>
           <a:p>
@@ -26016,18 +26205,6 @@
               </a:rPr>
               <a:t>	does the work of your program (tasks)</a:t>
             </a:r>
-            <a:endParaRPr lang="en-US" sz="3600" dirty="0" smtClean="0">
-              <a:solidFill>
-                <a:srgbClr val="002060"/>
-              </a:solidFill>
-              <a:effectLst>
-                <a:outerShdw blurRad="50800" dist="38100" dir="2700000" algn="tl" rotWithShape="0">
-                  <a:prstClr val="black">
-                    <a:alpha val="40000"/>
-                  </a:prstClr>
-                </a:outerShdw>
-              </a:effectLst>
-            </a:endParaRPr>
           </a:p>
         </p:txBody>
       </p:sp>
@@ -33799,22 +33976,7 @@
                   </a:outerShdw>
                 </a:effectLst>
               </a:rPr>
-              <a:t> at the </a:t>
-            </a:r>
-            <a:r>
-              <a:rPr lang="en-US" sz="4400" dirty="0" smtClean="0">
-                <a:solidFill>
-                  <a:srgbClr val="FF0000"/>
-                </a:solidFill>
-                <a:effectLst>
-                  <a:outerShdw blurRad="50800" dist="38100" dir="2700000" algn="tl" rotWithShape="0">
-                    <a:prstClr val="black">
-                      <a:alpha val="40000"/>
-                    </a:prstClr>
-                  </a:outerShdw>
-                </a:effectLst>
-              </a:rPr>
-              <a:t>end</a:t>
+              <a:t> at the end</a:t>
             </a:r>
           </a:p>
           <a:p>
@@ -33852,18 +34014,6 @@
               </a:rPr>
               <a:t>and Conquer”</a:t>
             </a:r>
-            <a:endParaRPr lang="en-US" sz="4400" dirty="0" smtClean="0">
-              <a:solidFill>
-                <a:srgbClr val="FF0000"/>
-              </a:solidFill>
-              <a:effectLst>
-                <a:outerShdw blurRad="50800" dist="38100" dir="2700000" algn="tl" rotWithShape="0">
-                  <a:prstClr val="black">
-                    <a:alpha val="40000"/>
-                  </a:prstClr>
-                </a:outerShdw>
-              </a:effectLst>
-            </a:endParaRPr>
           </a:p>
         </p:txBody>
       </p:sp>
@@ -35389,16 +35539,10 @@
                   </a:outerShdw>
                 </a:effectLst>
               </a:rPr>
-              <a:t>( task )</a:t>
-            </a:r>
-          </a:p>
-          <a:p>
-            <a:pPr marL="0" indent="0">
-              <a:buFont typeface="Symbol" pitchFamily="18" charset="2"/>
-              <a:buNone/>
-            </a:pPr>
-            <a:r>
-              <a:rPr lang="en-US" sz="3200" dirty="0" err="1">
+              <a:t>( task </a:t>
+            </a:r>
+            <a:r>
+              <a:rPr lang="en-US" sz="3200" dirty="0" smtClean="0">
                 <a:solidFill>
                   <a:srgbClr val="FF0000"/>
                 </a:solidFill>
@@ -35410,38 +35554,20 @@
                   </a:outerShdw>
                 </a:effectLst>
               </a:rPr>
-              <a:t>s</a:t>
-            </a:r>
-            <a:r>
-              <a:rPr lang="en-US" sz="3200" dirty="0" err="1" smtClean="0">
-                <a:solidFill>
-                  <a:srgbClr val="FF0000"/>
-                </a:solidFill>
-                <a:effectLst>
-                  <a:outerShdw blurRad="50800" dist="38100" dir="2700000" algn="tl" rotWithShape="0">
-                    <a:prstClr val="black">
-                      <a:alpha val="40000"/>
-                    </a:prstClr>
-                  </a:outerShdw>
-                </a:effectLst>
-              </a:rPr>
-              <a:t>ervice.invoke</a:t>
-            </a:r>
-            <a:r>
-              <a:rPr lang="en-US" sz="3200" dirty="0" smtClean="0">
-                <a:solidFill>
-                  <a:srgbClr val="FF0000"/>
-                </a:solidFill>
-                <a:effectLst>
-                  <a:outerShdw blurRad="50800" dist="38100" dir="2700000" algn="tl" rotWithShape="0">
-                    <a:prstClr val="black">
-                      <a:alpha val="40000"/>
-                    </a:prstClr>
-                  </a:outerShdw>
-                </a:effectLst>
-              </a:rPr>
-              <a:t>(task)</a:t>
-            </a:r>
+              <a:t>)</a:t>
+            </a:r>
+            <a:endParaRPr lang="en-US" sz="3200" dirty="0" smtClean="0">
+              <a:solidFill>
+                <a:srgbClr val="FF0000"/>
+              </a:solidFill>
+              <a:effectLst>
+                <a:outerShdw blurRad="50800" dist="38100" dir="2700000" algn="tl" rotWithShape="0">
+                  <a:prstClr val="black">
+                    <a:alpha val="40000"/>
+                  </a:prstClr>
+                </a:outerShdw>
+              </a:effectLst>
+            </a:endParaRPr>
           </a:p>
           <a:p>
             <a:pPr marL="0" indent="0">
@@ -35799,7 +35925,821 @@
       </p:grpSpPr>
       <p:sp>
         <p:nvSpPr>
-          <p:cNvPr id="3" name="Title 2"/>
+          <p:cNvPr id="4" name="Content Placeholder 1"/>
+          <p:cNvSpPr txBox="1">
+            <a:spLocks/>
+          </p:cNvSpPr>
+          <p:nvPr/>
+        </p:nvSpPr>
+        <p:spPr>
+          <a:xfrm>
+            <a:off x="533400" y="2667000"/>
+            <a:ext cx="8229600" cy="914400"/>
+          </a:xfrm>
+          <a:prstGeom prst="rect">
+            <a:avLst/>
+          </a:prstGeom>
+        </p:spPr>
+        <p:txBody>
+          <a:bodyPr vert="horz" lIns="91440" tIns="45720" rIns="91440" bIns="45720" rtlCol="0">
+            <a:noAutofit/>
+          </a:bodyPr>
+          <a:lstStyle>
+            <a:lvl1pPr marL="274320" indent="-274320" algn="l" defTabSz="914400" rtl="0" eaLnBrk="1" latinLnBrk="0" hangingPunct="1">
+              <a:spcBef>
+                <a:spcPct val="20000"/>
+              </a:spcBef>
+              <a:buClr>
+                <a:schemeClr val="accent1"/>
+              </a:buClr>
+              <a:buSzPct val="100000"/>
+              <a:buFont typeface="Symbol" pitchFamily="18" charset="2"/>
+              <a:buChar char=""/>
+              <a:defRPr sz="2400" kern="1200">
+                <a:solidFill>
+                  <a:schemeClr val="tx2"/>
+                </a:solidFill>
+                <a:latin typeface="+mn-lt"/>
+                <a:ea typeface="+mn-ea"/>
+                <a:cs typeface="+mn-cs"/>
+              </a:defRPr>
+            </a:lvl1pPr>
+            <a:lvl2pPr marL="576263" indent="-274320" algn="l" defTabSz="914400" rtl="0" eaLnBrk="1" latinLnBrk="0" hangingPunct="1">
+              <a:spcBef>
+                <a:spcPct val="20000"/>
+              </a:spcBef>
+              <a:buClr>
+                <a:schemeClr val="accent1"/>
+              </a:buClr>
+              <a:buSzPct val="100000"/>
+              <a:buFont typeface="Symbol" pitchFamily="18" charset="2"/>
+              <a:buChar char=""/>
+              <a:defRPr sz="2200" kern="1200">
+                <a:solidFill>
+                  <a:schemeClr val="tx2"/>
+                </a:solidFill>
+                <a:latin typeface="+mn-lt"/>
+                <a:ea typeface="+mn-ea"/>
+                <a:cs typeface="+mn-cs"/>
+              </a:defRPr>
+            </a:lvl2pPr>
+            <a:lvl3pPr marL="855663" indent="-228600" algn="l" defTabSz="914400" rtl="0" eaLnBrk="1" latinLnBrk="0" hangingPunct="1">
+              <a:spcBef>
+                <a:spcPct val="20000"/>
+              </a:spcBef>
+              <a:buClr>
+                <a:schemeClr val="accent1"/>
+              </a:buClr>
+              <a:buSzPct val="100000"/>
+              <a:buFont typeface="Symbol" pitchFamily="18" charset="2"/>
+              <a:buChar char=""/>
+              <a:defRPr sz="2000" kern="1200">
+                <a:solidFill>
+                  <a:schemeClr val="tx2"/>
+                </a:solidFill>
+                <a:latin typeface="+mn-lt"/>
+                <a:ea typeface="+mn-ea"/>
+                <a:cs typeface="+mn-cs"/>
+              </a:defRPr>
+            </a:lvl3pPr>
+            <a:lvl4pPr marL="1143000" indent="-228600" algn="l" defTabSz="914400" rtl="0" eaLnBrk="1" latinLnBrk="0" hangingPunct="1">
+              <a:spcBef>
+                <a:spcPct val="20000"/>
+              </a:spcBef>
+              <a:buClr>
+                <a:schemeClr val="accent1"/>
+              </a:buClr>
+              <a:buSzPct val="100000"/>
+              <a:buFont typeface="Symbol" pitchFamily="18" charset="2"/>
+              <a:buChar char=""/>
+              <a:defRPr sz="1800" kern="1200">
+                <a:solidFill>
+                  <a:schemeClr val="tx2"/>
+                </a:solidFill>
+                <a:latin typeface="+mn-lt"/>
+                <a:ea typeface="+mn-ea"/>
+                <a:cs typeface="+mn-cs"/>
+              </a:defRPr>
+            </a:lvl4pPr>
+            <a:lvl5pPr marL="1463040" indent="-228600" algn="l" defTabSz="914400" rtl="0" eaLnBrk="1" latinLnBrk="0" hangingPunct="1">
+              <a:spcBef>
+                <a:spcPct val="20000"/>
+              </a:spcBef>
+              <a:buClr>
+                <a:schemeClr val="accent1"/>
+              </a:buClr>
+              <a:buSzPct val="100000"/>
+              <a:buFont typeface="Symbol" pitchFamily="18" charset="2"/>
+              <a:buChar char=""/>
+              <a:defRPr sz="1600" kern="1200">
+                <a:solidFill>
+                  <a:schemeClr val="tx2"/>
+                </a:solidFill>
+                <a:latin typeface="+mn-lt"/>
+                <a:ea typeface="+mn-ea"/>
+                <a:cs typeface="+mn-cs"/>
+              </a:defRPr>
+            </a:lvl5pPr>
+            <a:lvl6pPr marL="1783080" indent="-228600" algn="l" defTabSz="914400" rtl="0" eaLnBrk="1" latinLnBrk="0" hangingPunct="1">
+              <a:spcBef>
+                <a:spcPts val="384"/>
+              </a:spcBef>
+              <a:buClr>
+                <a:schemeClr val="accent1"/>
+              </a:buClr>
+              <a:buFont typeface="Symbol" pitchFamily="18" charset="2"/>
+              <a:buChar char="*"/>
+              <a:defRPr sz="1400" kern="1200">
+                <a:solidFill>
+                  <a:schemeClr val="tx2"/>
+                </a:solidFill>
+                <a:latin typeface="+mn-lt"/>
+                <a:ea typeface="+mn-ea"/>
+                <a:cs typeface="+mn-cs"/>
+              </a:defRPr>
+            </a:lvl6pPr>
+            <a:lvl7pPr marL="2103120" indent="-228600" algn="l" defTabSz="914400" rtl="0" eaLnBrk="1" latinLnBrk="0" hangingPunct="1">
+              <a:spcBef>
+                <a:spcPts val="384"/>
+              </a:spcBef>
+              <a:buClr>
+                <a:schemeClr val="accent1"/>
+              </a:buClr>
+              <a:buFont typeface="Symbol" pitchFamily="18" charset="2"/>
+              <a:buChar char="*"/>
+              <a:defRPr sz="1400" kern="1200">
+                <a:solidFill>
+                  <a:schemeClr val="tx2"/>
+                </a:solidFill>
+                <a:latin typeface="+mn-lt"/>
+                <a:ea typeface="+mn-ea"/>
+                <a:cs typeface="+mn-cs"/>
+              </a:defRPr>
+            </a:lvl7pPr>
+            <a:lvl8pPr marL="2423160" indent="-228600" algn="l" defTabSz="914400" rtl="0" eaLnBrk="1" latinLnBrk="0" hangingPunct="1">
+              <a:spcBef>
+                <a:spcPts val="384"/>
+              </a:spcBef>
+              <a:buClr>
+                <a:schemeClr val="accent1"/>
+              </a:buClr>
+              <a:buFont typeface="Symbol" pitchFamily="18" charset="2"/>
+              <a:buChar char="*"/>
+              <a:defRPr sz="1400" kern="1200">
+                <a:solidFill>
+                  <a:schemeClr val="tx2"/>
+                </a:solidFill>
+                <a:latin typeface="+mn-lt"/>
+                <a:ea typeface="+mn-ea"/>
+                <a:cs typeface="+mn-cs"/>
+              </a:defRPr>
+            </a:lvl8pPr>
+            <a:lvl9pPr marL="2743200" indent="-228600" algn="l" defTabSz="914400" rtl="0" eaLnBrk="1" latinLnBrk="0" hangingPunct="1">
+              <a:spcBef>
+                <a:spcPts val="384"/>
+              </a:spcBef>
+              <a:buClr>
+                <a:schemeClr val="accent1"/>
+              </a:buClr>
+              <a:buFont typeface="Symbol" pitchFamily="18" charset="2"/>
+              <a:buChar char="*"/>
+              <a:defRPr sz="1400" kern="1200">
+                <a:solidFill>
+                  <a:schemeClr val="tx2"/>
+                </a:solidFill>
+                <a:latin typeface="+mn-lt"/>
+                <a:ea typeface="+mn-ea"/>
+                <a:cs typeface="+mn-cs"/>
+              </a:defRPr>
+            </a:lvl9pPr>
+          </a:lstStyle>
+          <a:p>
+            <a:pPr marL="0" indent="0" algn="ctr">
+              <a:buNone/>
+            </a:pPr>
+            <a:r>
+              <a:rPr lang="en-US" sz="3200" dirty="0" smtClean="0">
+                <a:solidFill>
+                  <a:srgbClr val="FF0000"/>
+                </a:solidFill>
+                <a:effectLst>
+                  <a:outerShdw blurRad="50800" dist="38100" dir="2700000" algn="tl" rotWithShape="0">
+                    <a:prstClr val="black">
+                      <a:alpha val="40000"/>
+                    </a:prstClr>
+                  </a:outerShdw>
+                </a:effectLst>
+              </a:rPr>
+              <a:t>submit returns a “</a:t>
+            </a:r>
+            <a:r>
+              <a:rPr lang="en-US" sz="3200" dirty="0" smtClean="0">
+                <a:effectLst>
+                  <a:outerShdw blurRad="50800" dist="38100" dir="2700000" algn="tl" rotWithShape="0">
+                    <a:prstClr val="black">
+                      <a:alpha val="40000"/>
+                    </a:prstClr>
+                  </a:outerShdw>
+                </a:effectLst>
+                <a:latin typeface="Consolas" pitchFamily="49" charset="0"/>
+                <a:cs typeface="Consolas" pitchFamily="49" charset="0"/>
+              </a:rPr>
+              <a:t>Future</a:t>
+            </a:r>
+            <a:r>
+              <a:rPr lang="en-US" sz="3200" dirty="0" smtClean="0">
+                <a:solidFill>
+                  <a:srgbClr val="FF0000"/>
+                </a:solidFill>
+                <a:effectLst>
+                  <a:outerShdw blurRad="50800" dist="38100" dir="2700000" algn="tl" rotWithShape="0">
+                    <a:prstClr val="black">
+                      <a:alpha val="40000"/>
+                    </a:prstClr>
+                  </a:outerShdw>
+                </a:effectLst>
+              </a:rPr>
+              <a:t>”</a:t>
+            </a:r>
+          </a:p>
+          <a:p>
+            <a:pPr marL="0" indent="0" algn="ctr">
+              <a:buNone/>
+            </a:pPr>
+            <a:endParaRPr lang="en-US" sz="3200" dirty="0">
+              <a:solidFill>
+                <a:srgbClr val="FF0000"/>
+              </a:solidFill>
+              <a:effectLst>
+                <a:outerShdw blurRad="50800" dist="38100" dir="2700000" algn="tl" rotWithShape="0">
+                  <a:prstClr val="black">
+                    <a:alpha val="40000"/>
+                  </a:prstClr>
+                </a:outerShdw>
+              </a:effectLst>
+            </a:endParaRPr>
+          </a:p>
+        </p:txBody>
+      </p:sp>
+      <p:sp>
+        <p:nvSpPr>
+          <p:cNvPr id="7" name="Content Placeholder 1"/>
+          <p:cNvSpPr txBox="1">
+            <a:spLocks/>
+          </p:cNvSpPr>
+          <p:nvPr/>
+        </p:nvSpPr>
+        <p:spPr>
+          <a:xfrm>
+            <a:off x="533400" y="3581400"/>
+            <a:ext cx="8229600" cy="914400"/>
+          </a:xfrm>
+          <a:prstGeom prst="rect">
+            <a:avLst/>
+          </a:prstGeom>
+        </p:spPr>
+        <p:txBody>
+          <a:bodyPr vert="horz" lIns="91440" tIns="45720" rIns="91440" bIns="45720" rtlCol="0">
+            <a:noAutofit/>
+          </a:bodyPr>
+          <a:lstStyle>
+            <a:lvl1pPr marL="274320" indent="-274320" algn="l" defTabSz="914400" rtl="0" eaLnBrk="1" latinLnBrk="0" hangingPunct="1">
+              <a:spcBef>
+                <a:spcPct val="20000"/>
+              </a:spcBef>
+              <a:buClr>
+                <a:schemeClr val="accent1"/>
+              </a:buClr>
+              <a:buSzPct val="100000"/>
+              <a:buFont typeface="Symbol" pitchFamily="18" charset="2"/>
+              <a:buChar char=""/>
+              <a:defRPr sz="2400" kern="1200">
+                <a:solidFill>
+                  <a:schemeClr val="tx2"/>
+                </a:solidFill>
+                <a:latin typeface="+mn-lt"/>
+                <a:ea typeface="+mn-ea"/>
+                <a:cs typeface="+mn-cs"/>
+              </a:defRPr>
+            </a:lvl1pPr>
+            <a:lvl2pPr marL="576263" indent="-274320" algn="l" defTabSz="914400" rtl="0" eaLnBrk="1" latinLnBrk="0" hangingPunct="1">
+              <a:spcBef>
+                <a:spcPct val="20000"/>
+              </a:spcBef>
+              <a:buClr>
+                <a:schemeClr val="accent1"/>
+              </a:buClr>
+              <a:buSzPct val="100000"/>
+              <a:buFont typeface="Symbol" pitchFamily="18" charset="2"/>
+              <a:buChar char=""/>
+              <a:defRPr sz="2200" kern="1200">
+                <a:solidFill>
+                  <a:schemeClr val="tx2"/>
+                </a:solidFill>
+                <a:latin typeface="+mn-lt"/>
+                <a:ea typeface="+mn-ea"/>
+                <a:cs typeface="+mn-cs"/>
+              </a:defRPr>
+            </a:lvl2pPr>
+            <a:lvl3pPr marL="855663" indent="-228600" algn="l" defTabSz="914400" rtl="0" eaLnBrk="1" latinLnBrk="0" hangingPunct="1">
+              <a:spcBef>
+                <a:spcPct val="20000"/>
+              </a:spcBef>
+              <a:buClr>
+                <a:schemeClr val="accent1"/>
+              </a:buClr>
+              <a:buSzPct val="100000"/>
+              <a:buFont typeface="Symbol" pitchFamily="18" charset="2"/>
+              <a:buChar char=""/>
+              <a:defRPr sz="2000" kern="1200">
+                <a:solidFill>
+                  <a:schemeClr val="tx2"/>
+                </a:solidFill>
+                <a:latin typeface="+mn-lt"/>
+                <a:ea typeface="+mn-ea"/>
+                <a:cs typeface="+mn-cs"/>
+              </a:defRPr>
+            </a:lvl3pPr>
+            <a:lvl4pPr marL="1143000" indent="-228600" algn="l" defTabSz="914400" rtl="0" eaLnBrk="1" latinLnBrk="0" hangingPunct="1">
+              <a:spcBef>
+                <a:spcPct val="20000"/>
+              </a:spcBef>
+              <a:buClr>
+                <a:schemeClr val="accent1"/>
+              </a:buClr>
+              <a:buSzPct val="100000"/>
+              <a:buFont typeface="Symbol" pitchFamily="18" charset="2"/>
+              <a:buChar char=""/>
+              <a:defRPr sz="1800" kern="1200">
+                <a:solidFill>
+                  <a:schemeClr val="tx2"/>
+                </a:solidFill>
+                <a:latin typeface="+mn-lt"/>
+                <a:ea typeface="+mn-ea"/>
+                <a:cs typeface="+mn-cs"/>
+              </a:defRPr>
+            </a:lvl4pPr>
+            <a:lvl5pPr marL="1463040" indent="-228600" algn="l" defTabSz="914400" rtl="0" eaLnBrk="1" latinLnBrk="0" hangingPunct="1">
+              <a:spcBef>
+                <a:spcPct val="20000"/>
+              </a:spcBef>
+              <a:buClr>
+                <a:schemeClr val="accent1"/>
+              </a:buClr>
+              <a:buSzPct val="100000"/>
+              <a:buFont typeface="Symbol" pitchFamily="18" charset="2"/>
+              <a:buChar char=""/>
+              <a:defRPr sz="1600" kern="1200">
+                <a:solidFill>
+                  <a:schemeClr val="tx2"/>
+                </a:solidFill>
+                <a:latin typeface="+mn-lt"/>
+                <a:ea typeface="+mn-ea"/>
+                <a:cs typeface="+mn-cs"/>
+              </a:defRPr>
+            </a:lvl5pPr>
+            <a:lvl6pPr marL="1783080" indent="-228600" algn="l" defTabSz="914400" rtl="0" eaLnBrk="1" latinLnBrk="0" hangingPunct="1">
+              <a:spcBef>
+                <a:spcPts val="384"/>
+              </a:spcBef>
+              <a:buClr>
+                <a:schemeClr val="accent1"/>
+              </a:buClr>
+              <a:buFont typeface="Symbol" pitchFamily="18" charset="2"/>
+              <a:buChar char="*"/>
+              <a:defRPr sz="1400" kern="1200">
+                <a:solidFill>
+                  <a:schemeClr val="tx2"/>
+                </a:solidFill>
+                <a:latin typeface="+mn-lt"/>
+                <a:ea typeface="+mn-ea"/>
+                <a:cs typeface="+mn-cs"/>
+              </a:defRPr>
+            </a:lvl6pPr>
+            <a:lvl7pPr marL="2103120" indent="-228600" algn="l" defTabSz="914400" rtl="0" eaLnBrk="1" latinLnBrk="0" hangingPunct="1">
+              <a:spcBef>
+                <a:spcPts val="384"/>
+              </a:spcBef>
+              <a:buClr>
+                <a:schemeClr val="accent1"/>
+              </a:buClr>
+              <a:buFont typeface="Symbol" pitchFamily="18" charset="2"/>
+              <a:buChar char="*"/>
+              <a:defRPr sz="1400" kern="1200">
+                <a:solidFill>
+                  <a:schemeClr val="tx2"/>
+                </a:solidFill>
+                <a:latin typeface="+mn-lt"/>
+                <a:ea typeface="+mn-ea"/>
+                <a:cs typeface="+mn-cs"/>
+              </a:defRPr>
+            </a:lvl7pPr>
+            <a:lvl8pPr marL="2423160" indent="-228600" algn="l" defTabSz="914400" rtl="0" eaLnBrk="1" latinLnBrk="0" hangingPunct="1">
+              <a:spcBef>
+                <a:spcPts val="384"/>
+              </a:spcBef>
+              <a:buClr>
+                <a:schemeClr val="accent1"/>
+              </a:buClr>
+              <a:buFont typeface="Symbol" pitchFamily="18" charset="2"/>
+              <a:buChar char="*"/>
+              <a:defRPr sz="1400" kern="1200">
+                <a:solidFill>
+                  <a:schemeClr val="tx2"/>
+                </a:solidFill>
+                <a:latin typeface="+mn-lt"/>
+                <a:ea typeface="+mn-ea"/>
+                <a:cs typeface="+mn-cs"/>
+              </a:defRPr>
+            </a:lvl8pPr>
+            <a:lvl9pPr marL="2743200" indent="-228600" algn="l" defTabSz="914400" rtl="0" eaLnBrk="1" latinLnBrk="0" hangingPunct="1">
+              <a:spcBef>
+                <a:spcPts val="384"/>
+              </a:spcBef>
+              <a:buClr>
+                <a:schemeClr val="accent1"/>
+              </a:buClr>
+              <a:buFont typeface="Symbol" pitchFamily="18" charset="2"/>
+              <a:buChar char="*"/>
+              <a:defRPr sz="1400" kern="1200">
+                <a:solidFill>
+                  <a:schemeClr val="tx2"/>
+                </a:solidFill>
+                <a:latin typeface="+mn-lt"/>
+                <a:ea typeface="+mn-ea"/>
+                <a:cs typeface="+mn-cs"/>
+              </a:defRPr>
+            </a:lvl9pPr>
+          </a:lstStyle>
+          <a:p>
+            <a:pPr marL="0" indent="0" algn="ctr">
+              <a:buNone/>
+            </a:pPr>
+            <a:r>
+              <a:rPr lang="en-US" sz="3200" dirty="0" err="1" smtClean="0">
+                <a:solidFill>
+                  <a:srgbClr val="FF0000"/>
+                </a:solidFill>
+                <a:effectLst>
+                  <a:outerShdw blurRad="50800" dist="38100" dir="2700000" algn="tl" rotWithShape="0">
+                    <a:prstClr val="black">
+                      <a:alpha val="40000"/>
+                    </a:prstClr>
+                  </a:outerShdw>
+                </a:effectLst>
+              </a:rPr>
+              <a:t>invokeAll</a:t>
+            </a:r>
+            <a:r>
+              <a:rPr lang="en-US" sz="3200" dirty="0" smtClean="0">
+                <a:solidFill>
+                  <a:srgbClr val="FF0000"/>
+                </a:solidFill>
+                <a:effectLst>
+                  <a:outerShdw blurRad="50800" dist="38100" dir="2700000" algn="tl" rotWithShape="0">
+                    <a:prstClr val="black">
+                      <a:alpha val="40000"/>
+                    </a:prstClr>
+                  </a:outerShdw>
+                </a:effectLst>
+              </a:rPr>
+              <a:t>/Any return array of “</a:t>
+            </a:r>
+            <a:r>
+              <a:rPr lang="en-US" sz="3200" dirty="0" err="1" smtClean="0">
+                <a:effectLst>
+                  <a:outerShdw blurRad="50800" dist="38100" dir="2700000" algn="tl" rotWithShape="0">
+                    <a:prstClr val="black">
+                      <a:alpha val="40000"/>
+                    </a:prstClr>
+                  </a:outerShdw>
+                </a:effectLst>
+                <a:latin typeface="Consolas" pitchFamily="49" charset="0"/>
+                <a:cs typeface="Consolas" pitchFamily="49" charset="0"/>
+              </a:rPr>
+              <a:t>Future</a:t>
+            </a:r>
+            <a:r>
+              <a:rPr lang="en-US" sz="3200" dirty="0" err="1" smtClean="0">
+                <a:solidFill>
+                  <a:srgbClr val="FF0000"/>
+                </a:solidFill>
+                <a:effectLst>
+                  <a:outerShdw blurRad="50800" dist="38100" dir="2700000" algn="tl" rotWithShape="0">
+                    <a:prstClr val="black">
+                      <a:alpha val="40000"/>
+                    </a:prstClr>
+                  </a:outerShdw>
+                </a:effectLst>
+              </a:rPr>
+              <a:t>”s</a:t>
+            </a:r>
+            <a:endParaRPr lang="en-US" sz="3200" dirty="0" smtClean="0">
+              <a:solidFill>
+                <a:srgbClr val="FF0000"/>
+              </a:solidFill>
+              <a:effectLst>
+                <a:outerShdw blurRad="50800" dist="38100" dir="2700000" algn="tl" rotWithShape="0">
+                  <a:prstClr val="black">
+                    <a:alpha val="40000"/>
+                  </a:prstClr>
+                </a:outerShdw>
+              </a:effectLst>
+            </a:endParaRPr>
+          </a:p>
+          <a:p>
+            <a:pPr marL="0" indent="0" algn="ctr">
+              <a:buNone/>
+            </a:pPr>
+            <a:endParaRPr lang="en-US" sz="3200" dirty="0">
+              <a:solidFill>
+                <a:srgbClr val="FF0000"/>
+              </a:solidFill>
+              <a:effectLst>
+                <a:outerShdw blurRad="50800" dist="38100" dir="2700000" algn="tl" rotWithShape="0">
+                  <a:prstClr val="black">
+                    <a:alpha val="40000"/>
+                  </a:prstClr>
+                </a:outerShdw>
+              </a:effectLst>
+            </a:endParaRPr>
+          </a:p>
+        </p:txBody>
+      </p:sp>
+      <p:sp>
+        <p:nvSpPr>
+          <p:cNvPr id="8" name="Content Placeholder 1"/>
+          <p:cNvSpPr txBox="1">
+            <a:spLocks/>
+          </p:cNvSpPr>
+          <p:nvPr/>
+        </p:nvSpPr>
+        <p:spPr>
+          <a:xfrm>
+            <a:off x="533400" y="4495800"/>
+            <a:ext cx="8229600" cy="914400"/>
+          </a:xfrm>
+          <a:prstGeom prst="rect">
+            <a:avLst/>
+          </a:prstGeom>
+        </p:spPr>
+        <p:txBody>
+          <a:bodyPr vert="horz" lIns="91440" tIns="45720" rIns="91440" bIns="45720" rtlCol="0">
+            <a:noAutofit/>
+          </a:bodyPr>
+          <a:lstStyle>
+            <a:lvl1pPr marL="274320" indent="-274320" algn="l" defTabSz="914400" rtl="0" eaLnBrk="1" latinLnBrk="0" hangingPunct="1">
+              <a:spcBef>
+                <a:spcPct val="20000"/>
+              </a:spcBef>
+              <a:buClr>
+                <a:schemeClr val="accent1"/>
+              </a:buClr>
+              <a:buSzPct val="100000"/>
+              <a:buFont typeface="Symbol" pitchFamily="18" charset="2"/>
+              <a:buChar char=""/>
+              <a:defRPr sz="2400" kern="1200">
+                <a:solidFill>
+                  <a:schemeClr val="tx2"/>
+                </a:solidFill>
+                <a:latin typeface="+mn-lt"/>
+                <a:ea typeface="+mn-ea"/>
+                <a:cs typeface="+mn-cs"/>
+              </a:defRPr>
+            </a:lvl1pPr>
+            <a:lvl2pPr marL="576263" indent="-274320" algn="l" defTabSz="914400" rtl="0" eaLnBrk="1" latinLnBrk="0" hangingPunct="1">
+              <a:spcBef>
+                <a:spcPct val="20000"/>
+              </a:spcBef>
+              <a:buClr>
+                <a:schemeClr val="accent1"/>
+              </a:buClr>
+              <a:buSzPct val="100000"/>
+              <a:buFont typeface="Symbol" pitchFamily="18" charset="2"/>
+              <a:buChar char=""/>
+              <a:defRPr sz="2200" kern="1200">
+                <a:solidFill>
+                  <a:schemeClr val="tx2"/>
+                </a:solidFill>
+                <a:latin typeface="+mn-lt"/>
+                <a:ea typeface="+mn-ea"/>
+                <a:cs typeface="+mn-cs"/>
+              </a:defRPr>
+            </a:lvl2pPr>
+            <a:lvl3pPr marL="855663" indent="-228600" algn="l" defTabSz="914400" rtl="0" eaLnBrk="1" latinLnBrk="0" hangingPunct="1">
+              <a:spcBef>
+                <a:spcPct val="20000"/>
+              </a:spcBef>
+              <a:buClr>
+                <a:schemeClr val="accent1"/>
+              </a:buClr>
+              <a:buSzPct val="100000"/>
+              <a:buFont typeface="Symbol" pitchFamily="18" charset="2"/>
+              <a:buChar char=""/>
+              <a:defRPr sz="2000" kern="1200">
+                <a:solidFill>
+                  <a:schemeClr val="tx2"/>
+                </a:solidFill>
+                <a:latin typeface="+mn-lt"/>
+                <a:ea typeface="+mn-ea"/>
+                <a:cs typeface="+mn-cs"/>
+              </a:defRPr>
+            </a:lvl3pPr>
+            <a:lvl4pPr marL="1143000" indent="-228600" algn="l" defTabSz="914400" rtl="0" eaLnBrk="1" latinLnBrk="0" hangingPunct="1">
+              <a:spcBef>
+                <a:spcPct val="20000"/>
+              </a:spcBef>
+              <a:buClr>
+                <a:schemeClr val="accent1"/>
+              </a:buClr>
+              <a:buSzPct val="100000"/>
+              <a:buFont typeface="Symbol" pitchFamily="18" charset="2"/>
+              <a:buChar char=""/>
+              <a:defRPr sz="1800" kern="1200">
+                <a:solidFill>
+                  <a:schemeClr val="tx2"/>
+                </a:solidFill>
+                <a:latin typeface="+mn-lt"/>
+                <a:ea typeface="+mn-ea"/>
+                <a:cs typeface="+mn-cs"/>
+              </a:defRPr>
+            </a:lvl4pPr>
+            <a:lvl5pPr marL="1463040" indent="-228600" algn="l" defTabSz="914400" rtl="0" eaLnBrk="1" latinLnBrk="0" hangingPunct="1">
+              <a:spcBef>
+                <a:spcPct val="20000"/>
+              </a:spcBef>
+              <a:buClr>
+                <a:schemeClr val="accent1"/>
+              </a:buClr>
+              <a:buSzPct val="100000"/>
+              <a:buFont typeface="Symbol" pitchFamily="18" charset="2"/>
+              <a:buChar char=""/>
+              <a:defRPr sz="1600" kern="1200">
+                <a:solidFill>
+                  <a:schemeClr val="tx2"/>
+                </a:solidFill>
+                <a:latin typeface="+mn-lt"/>
+                <a:ea typeface="+mn-ea"/>
+                <a:cs typeface="+mn-cs"/>
+              </a:defRPr>
+            </a:lvl5pPr>
+            <a:lvl6pPr marL="1783080" indent="-228600" algn="l" defTabSz="914400" rtl="0" eaLnBrk="1" latinLnBrk="0" hangingPunct="1">
+              <a:spcBef>
+                <a:spcPts val="384"/>
+              </a:spcBef>
+              <a:buClr>
+                <a:schemeClr val="accent1"/>
+              </a:buClr>
+              <a:buFont typeface="Symbol" pitchFamily="18" charset="2"/>
+              <a:buChar char="*"/>
+              <a:defRPr sz="1400" kern="1200">
+                <a:solidFill>
+                  <a:schemeClr val="tx2"/>
+                </a:solidFill>
+                <a:latin typeface="+mn-lt"/>
+                <a:ea typeface="+mn-ea"/>
+                <a:cs typeface="+mn-cs"/>
+              </a:defRPr>
+            </a:lvl6pPr>
+            <a:lvl7pPr marL="2103120" indent="-228600" algn="l" defTabSz="914400" rtl="0" eaLnBrk="1" latinLnBrk="0" hangingPunct="1">
+              <a:spcBef>
+                <a:spcPts val="384"/>
+              </a:spcBef>
+              <a:buClr>
+                <a:schemeClr val="accent1"/>
+              </a:buClr>
+              <a:buFont typeface="Symbol" pitchFamily="18" charset="2"/>
+              <a:buChar char="*"/>
+              <a:defRPr sz="1400" kern="1200">
+                <a:solidFill>
+                  <a:schemeClr val="tx2"/>
+                </a:solidFill>
+                <a:latin typeface="+mn-lt"/>
+                <a:ea typeface="+mn-ea"/>
+                <a:cs typeface="+mn-cs"/>
+              </a:defRPr>
+            </a:lvl7pPr>
+            <a:lvl8pPr marL="2423160" indent="-228600" algn="l" defTabSz="914400" rtl="0" eaLnBrk="1" latinLnBrk="0" hangingPunct="1">
+              <a:spcBef>
+                <a:spcPts val="384"/>
+              </a:spcBef>
+              <a:buClr>
+                <a:schemeClr val="accent1"/>
+              </a:buClr>
+              <a:buFont typeface="Symbol" pitchFamily="18" charset="2"/>
+              <a:buChar char="*"/>
+              <a:defRPr sz="1400" kern="1200">
+                <a:solidFill>
+                  <a:schemeClr val="tx2"/>
+                </a:solidFill>
+                <a:latin typeface="+mn-lt"/>
+                <a:ea typeface="+mn-ea"/>
+                <a:cs typeface="+mn-cs"/>
+              </a:defRPr>
+            </a:lvl8pPr>
+            <a:lvl9pPr marL="2743200" indent="-228600" algn="l" defTabSz="914400" rtl="0" eaLnBrk="1" latinLnBrk="0" hangingPunct="1">
+              <a:spcBef>
+                <a:spcPts val="384"/>
+              </a:spcBef>
+              <a:buClr>
+                <a:schemeClr val="accent1"/>
+              </a:buClr>
+              <a:buFont typeface="Symbol" pitchFamily="18" charset="2"/>
+              <a:buChar char="*"/>
+              <a:defRPr sz="1400" kern="1200">
+                <a:solidFill>
+                  <a:schemeClr val="tx2"/>
+                </a:solidFill>
+                <a:latin typeface="+mn-lt"/>
+                <a:ea typeface="+mn-ea"/>
+                <a:cs typeface="+mn-cs"/>
+              </a:defRPr>
+            </a:lvl9pPr>
+          </a:lstStyle>
+          <a:p>
+            <a:pPr marL="0" indent="0" algn="ctr">
+              <a:buNone/>
+            </a:pPr>
+            <a:r>
+              <a:rPr lang="en-US" sz="3200" dirty="0" smtClean="0">
+                <a:solidFill>
+                  <a:srgbClr val="FF0000"/>
+                </a:solidFill>
+                <a:effectLst>
+                  <a:outerShdw blurRad="50800" dist="38100" dir="2700000" algn="tl" rotWithShape="0">
+                    <a:prstClr val="black">
+                      <a:alpha val="40000"/>
+                    </a:prstClr>
+                  </a:outerShdw>
+                </a:effectLst>
+              </a:rPr>
+              <a:t>You retrieve result with  </a:t>
+            </a:r>
+            <a:r>
+              <a:rPr lang="en-US" sz="3200" dirty="0" err="1" smtClean="0">
+                <a:effectLst>
+                  <a:outerShdw blurRad="50800" dist="38100" dir="2700000" algn="tl" rotWithShape="0">
+                    <a:prstClr val="black">
+                      <a:alpha val="40000"/>
+                    </a:prstClr>
+                  </a:outerShdw>
+                </a:effectLst>
+                <a:latin typeface="Consolas" pitchFamily="49" charset="0"/>
+                <a:cs typeface="Consolas" pitchFamily="49" charset="0"/>
+              </a:rPr>
+              <a:t>future</a:t>
+            </a:r>
+            <a:r>
+              <a:rPr lang="en-US" sz="3200" dirty="0" err="1">
+                <a:effectLst>
+                  <a:outerShdw blurRad="50800" dist="38100" dir="2700000" algn="tl" rotWithShape="0">
+                    <a:prstClr val="black">
+                      <a:alpha val="40000"/>
+                    </a:prstClr>
+                  </a:outerShdw>
+                </a:effectLst>
+                <a:latin typeface="Consolas" pitchFamily="49" charset="0"/>
+                <a:cs typeface="Consolas" pitchFamily="49" charset="0"/>
+              </a:rPr>
+              <a:t>.get</a:t>
+            </a:r>
+            <a:r>
+              <a:rPr lang="en-US" sz="3200" dirty="0">
+                <a:effectLst>
+                  <a:outerShdw blurRad="50800" dist="38100" dir="2700000" algn="tl" rotWithShape="0">
+                    <a:prstClr val="black">
+                      <a:alpha val="40000"/>
+                    </a:prstClr>
+                  </a:outerShdw>
+                </a:effectLst>
+                <a:latin typeface="Consolas" pitchFamily="49" charset="0"/>
+                <a:cs typeface="Consolas" pitchFamily="49" charset="0"/>
+              </a:rPr>
+              <a:t>()</a:t>
+            </a:r>
+          </a:p>
+          <a:p>
+            <a:pPr marL="0" indent="0" algn="ctr">
+              <a:buNone/>
+            </a:pPr>
+            <a:endParaRPr lang="en-US" sz="3200" dirty="0">
+              <a:solidFill>
+                <a:srgbClr val="FF0000"/>
+              </a:solidFill>
+              <a:effectLst>
+                <a:outerShdw blurRad="50800" dist="38100" dir="2700000" algn="tl" rotWithShape="0">
+                  <a:prstClr val="black">
+                    <a:alpha val="40000"/>
+                  </a:prstClr>
+                </a:outerShdw>
+              </a:effectLst>
+            </a:endParaRPr>
+          </a:p>
+        </p:txBody>
+      </p:sp>
+      <p:sp>
+        <p:nvSpPr>
+          <p:cNvPr id="2" name="Title 1"/>
           <p:cNvSpPr>
             <a:spLocks noGrp="1"/>
           </p:cNvSpPr>
@@ -35814,84 +36754,16 @@
           <a:p>
             <a:r>
               <a:rPr lang="en-US" dirty="0" smtClean="0"/>
-              <a:t>Using an </a:t>
-            </a:r>
-            <a:r>
-              <a:rPr lang="en-US" dirty="0" err="1" smtClean="0"/>
-              <a:t>ExecutorService</a:t>
+              <a:t>Future</a:t>
             </a:r>
             <a:endParaRPr lang="en-US" dirty="0"/>
           </a:p>
         </p:txBody>
       </p:sp>
-      <p:pic>
-        <p:nvPicPr>
-          <p:cNvPr id="3077" name="Picture 5"/>
-          <p:cNvPicPr>
-            <a:picLocks noChangeAspect="1" noChangeArrowheads="1"/>
-          </p:cNvPicPr>
-          <p:nvPr/>
-        </p:nvPicPr>
-        <p:blipFill>
-          <a:blip r:embed="rId3">
-            <a:extLst>
-              <a:ext uri="{28A0092B-C50C-407E-A947-70E740481C1C}">
-                <a14:useLocalDpi xmlns:a14="http://schemas.microsoft.com/office/drawing/2010/main" val="0"/>
-              </a:ext>
-            </a:extLst>
-          </a:blip>
-          <a:srcRect/>
-          <a:stretch>
-            <a:fillRect/>
-          </a:stretch>
-        </p:blipFill>
-        <p:spPr bwMode="auto">
-          <a:xfrm>
-            <a:off x="-1" y="1371600"/>
-            <a:ext cx="9133027" cy="5029200"/>
-          </a:xfrm>
-          <a:prstGeom prst="rect">
-            <a:avLst/>
-          </a:prstGeom>
-          <a:noFill/>
-          <a:ln>
-            <a:noFill/>
-          </a:ln>
-          <a:effectLst/>
-          <a:extLst>
-            <a:ext uri="{909E8E84-426E-40DD-AFC4-6F175D3DCCD1}">
-              <a14:hiddenFill xmlns:a14="http://schemas.microsoft.com/office/drawing/2010/main">
-                <a:solidFill>
-                  <a:schemeClr val="accent1"/>
-                </a:solidFill>
-              </a14:hiddenFill>
-            </a:ext>
-            <a:ext uri="{91240B29-F687-4F45-9708-019B960494DF}">
-              <a14:hiddenLine xmlns:a14="http://schemas.microsoft.com/office/drawing/2010/main" w="9525">
-                <a:solidFill>
-                  <a:schemeClr val="tx1"/>
-                </a:solidFill>
-                <a:miter lim="800000"/>
-                <a:headEnd/>
-                <a:tailEnd/>
-              </a14:hiddenLine>
-            </a:ext>
-            <a:ext uri="{AF507438-7753-43E0-B8FC-AC1667EBCBE1}">
-              <a14:hiddenEffects xmlns:a14="http://schemas.microsoft.com/office/drawing/2010/main">
-                <a:effectLst>
-                  <a:outerShdw dist="35921" dir="2700000" algn="ctr" rotWithShape="0">
-                    <a:schemeClr val="bg2"/>
-                  </a:outerShdw>
-                </a:effectLst>
-              </a14:hiddenEffects>
-            </a:ext>
-          </a:extLst>
-        </p:spPr>
-      </p:pic>
     </p:spTree>
     <p:extLst>
       <p:ext uri="{BB962C8B-B14F-4D97-AF65-F5344CB8AC3E}">
-        <p14:creationId xmlns:p14="http://schemas.microsoft.com/office/powerpoint/2010/main" val="4144253835"/>
+        <p14:creationId xmlns:p14="http://schemas.microsoft.com/office/powerpoint/2010/main" val="1290766153"/>
       </p:ext>
     </p:extLst>
   </p:cSld>
@@ -35901,9 +36773,139 @@
   <p:timing>
     <p:tnLst>
       <p:par>
-        <p:cTn id="1" dur="indefinite" restart="never" nodeType="tmRoot"/>
+        <p:cTn id="1" dur="indefinite" restart="never" nodeType="tmRoot">
+          <p:childTnLst>
+            <p:seq concurrent="1" nextAc="seek">
+              <p:cTn id="2" dur="indefinite" nodeType="mainSeq">
+                <p:childTnLst>
+                  <p:par>
+                    <p:cTn id="3" fill="hold">
+                      <p:stCondLst>
+                        <p:cond delay="indefinite"/>
+                        <p:cond evt="onBegin" delay="0">
+                          <p:tn val="2"/>
+                        </p:cond>
+                      </p:stCondLst>
+                      <p:childTnLst>
+                        <p:par>
+                          <p:cTn id="4" fill="hold">
+                            <p:stCondLst>
+                              <p:cond delay="0"/>
+                            </p:stCondLst>
+                            <p:childTnLst>
+                              <p:par>
+                                <p:cTn id="5" presetID="1" presetClass="entr" presetSubtype="0" fill="hold" grpId="0" nodeType="withEffect">
+                                  <p:stCondLst>
+                                    <p:cond delay="0"/>
+                                  </p:stCondLst>
+                                  <p:childTnLst>
+                                    <p:set>
+                                      <p:cBhvr>
+                                        <p:cTn id="6" dur="1" fill="hold">
+                                          <p:stCondLst>
+                                            <p:cond delay="0"/>
+                                          </p:stCondLst>
+                                        </p:cTn>
+                                        <p:tgtEl>
+                                          <p:spTgt spid="4"/>
+                                        </p:tgtEl>
+                                        <p:attrNameLst>
+                                          <p:attrName>style.visibility</p:attrName>
+                                        </p:attrNameLst>
+                                      </p:cBhvr>
+                                      <p:to>
+                                        <p:strVal val="visible"/>
+                                      </p:to>
+                                    </p:set>
+                                  </p:childTnLst>
+                                </p:cTn>
+                              </p:par>
+                              <p:par>
+                                <p:cTn id="7" presetID="1" presetClass="entr" presetSubtype="0" fill="hold" grpId="0" nodeType="withEffect">
+                                  <p:stCondLst>
+                                    <p:cond delay="0"/>
+                                  </p:stCondLst>
+                                  <p:childTnLst>
+                                    <p:set>
+                                      <p:cBhvr>
+                                        <p:cTn id="8" dur="1" fill="hold">
+                                          <p:stCondLst>
+                                            <p:cond delay="0"/>
+                                          </p:stCondLst>
+                                        </p:cTn>
+                                        <p:tgtEl>
+                                          <p:spTgt spid="7"/>
+                                        </p:tgtEl>
+                                        <p:attrNameLst>
+                                          <p:attrName>style.visibility</p:attrName>
+                                        </p:attrNameLst>
+                                      </p:cBhvr>
+                                      <p:to>
+                                        <p:strVal val="visible"/>
+                                      </p:to>
+                                    </p:set>
+                                  </p:childTnLst>
+                                </p:cTn>
+                              </p:par>
+                              <p:par>
+                                <p:cTn id="9" presetID="1" presetClass="entr" presetSubtype="0" fill="hold" grpId="0" nodeType="withEffect">
+                                  <p:stCondLst>
+                                    <p:cond delay="0"/>
+                                  </p:stCondLst>
+                                  <p:childTnLst>
+                                    <p:set>
+                                      <p:cBhvr>
+                                        <p:cTn id="10" dur="1" fill="hold">
+                                          <p:stCondLst>
+                                            <p:cond delay="0"/>
+                                          </p:stCondLst>
+                                        </p:cTn>
+                                        <p:tgtEl>
+                                          <p:spTgt spid="8"/>
+                                        </p:tgtEl>
+                                        <p:attrNameLst>
+                                          <p:attrName>style.visibility</p:attrName>
+                                        </p:attrNameLst>
+                                      </p:cBhvr>
+                                      <p:to>
+                                        <p:strVal val="visible"/>
+                                      </p:to>
+                                    </p:set>
+                                  </p:childTnLst>
+                                </p:cTn>
+                              </p:par>
+                            </p:childTnLst>
+                          </p:cTn>
+                        </p:par>
+                      </p:childTnLst>
+                    </p:cTn>
+                  </p:par>
+                </p:childTnLst>
+              </p:cTn>
+              <p:prevCondLst>
+                <p:cond evt="onPrev" delay="0">
+                  <p:tgtEl>
+                    <p:sldTgt/>
+                  </p:tgtEl>
+                </p:cond>
+              </p:prevCondLst>
+              <p:nextCondLst>
+                <p:cond evt="onNext" delay="0">
+                  <p:tgtEl>
+                    <p:sldTgt/>
+                  </p:tgtEl>
+                </p:cond>
+              </p:nextCondLst>
+            </p:seq>
+          </p:childTnLst>
+        </p:cTn>
       </p:par>
     </p:tnLst>
+    <p:bldLst>
+      <p:bldP spid="4" grpId="0"/>
+      <p:bldP spid="7" grpId="0"/>
+      <p:bldP spid="8" grpId="0"/>
+    </p:bldLst>
   </p:timing>
 </p:sld>
 </file>
@@ -35927,7 +36929,7 @@
       </p:grpSpPr>
       <p:sp>
         <p:nvSpPr>
-          <p:cNvPr id="3" name="Title 2"/>
+          <p:cNvPr id="2" name="Title 1"/>
           <p:cNvSpPr>
             <a:spLocks noGrp="1"/>
           </p:cNvSpPr>
@@ -35942,7 +36944,7 @@
           <a:p>
             <a:r>
               <a:rPr lang="en-US" dirty="0" smtClean="0"/>
-              <a:t>Using an Executor Service</a:t>
+              <a:t>Future</a:t>
             </a:r>
             <a:endParaRPr lang="en-US" dirty="0"/>
           </a:p>
@@ -35950,27 +36952,29 @@
       </p:sp>
       <p:pic>
         <p:nvPicPr>
-          <p:cNvPr id="2050" name="Picture 2"/>
+          <p:cNvPr id="1027" name="Picture 3"/>
           <p:cNvPicPr>
             <a:picLocks noChangeAspect="1" noChangeArrowheads="1"/>
           </p:cNvPicPr>
           <p:nvPr/>
         </p:nvPicPr>
-        <p:blipFill rotWithShape="1">
-          <a:blip r:embed="rId2">
+        <p:blipFill>
+          <a:blip r:embed="rId3">
             <a:extLst>
               <a:ext uri="{28A0092B-C50C-407E-A947-70E740481C1C}">
                 <a14:useLocalDpi xmlns:a14="http://schemas.microsoft.com/office/drawing/2010/main" val="0"/>
               </a:ext>
             </a:extLst>
           </a:blip>
-          <a:srcRect t="511" b="-1"/>
-          <a:stretch/>
+          <a:srcRect/>
+          <a:stretch>
+            <a:fillRect/>
+          </a:stretch>
         </p:blipFill>
         <p:spPr bwMode="auto">
           <a:xfrm>
-            <a:off x="207356" y="1474238"/>
-            <a:ext cx="9012844" cy="5155162"/>
+            <a:off x="32657" y="2676525"/>
+            <a:ext cx="9230448" cy="1438275"/>
           </a:xfrm>
           <a:prstGeom prst="rect">
             <a:avLst/>
@@ -36013,7 +37017,7 @@
     </p:spTree>
     <p:extLst>
       <p:ext uri="{BB962C8B-B14F-4D97-AF65-F5344CB8AC3E}">
-        <p14:creationId xmlns:p14="http://schemas.microsoft.com/office/powerpoint/2010/main" val="68571375"/>
+        <p14:creationId xmlns:p14="http://schemas.microsoft.com/office/powerpoint/2010/main" val="1665740506"/>
       </p:ext>
     </p:extLst>
   </p:cSld>
@@ -36064,7 +37068,11 @@
           <a:p>
             <a:r>
               <a:rPr lang="en-US" dirty="0" smtClean="0"/>
-              <a:t>Executor Service and Timeouts</a:t>
+              <a:t>Using an </a:t>
+            </a:r>
+            <a:r>
+              <a:rPr lang="en-US" dirty="0" err="1" smtClean="0"/>
+              <a:t>ExecutorService</a:t>
             </a:r>
             <a:endParaRPr lang="en-US" dirty="0"/>
           </a:p>
@@ -36072,27 +37080,29 @@
       </p:sp>
       <p:pic>
         <p:nvPicPr>
-          <p:cNvPr id="4099" name="Picture 3"/>
+          <p:cNvPr id="3077" name="Picture 5"/>
           <p:cNvPicPr>
             <a:picLocks noChangeAspect="1" noChangeArrowheads="1"/>
           </p:cNvPicPr>
           <p:nvPr/>
         </p:nvPicPr>
-        <p:blipFill rotWithShape="1">
-          <a:blip r:embed="rId2">
+        <p:blipFill>
+          <a:blip r:embed="rId3">
             <a:extLst>
               <a:ext uri="{28A0092B-C50C-407E-A947-70E740481C1C}">
                 <a14:useLocalDpi xmlns:a14="http://schemas.microsoft.com/office/drawing/2010/main" val="0"/>
               </a:ext>
             </a:extLst>
           </a:blip>
-          <a:srcRect b="63908"/>
-          <a:stretch/>
+          <a:srcRect/>
+          <a:stretch>
+            <a:fillRect/>
+          </a:stretch>
         </p:blipFill>
         <p:spPr bwMode="auto">
           <a:xfrm>
-            <a:off x="45098" y="3006493"/>
-            <a:ext cx="9098902" cy="2403707"/>
+            <a:off x="-1" y="1371600"/>
+            <a:ext cx="9133027" cy="5029200"/>
           </a:xfrm>
           <a:prstGeom prst="rect">
             <a:avLst/>
@@ -36135,7 +37145,7 @@
     </p:spTree>
     <p:extLst>
       <p:ext uri="{BB962C8B-B14F-4D97-AF65-F5344CB8AC3E}">
-        <p14:creationId xmlns:p14="http://schemas.microsoft.com/office/powerpoint/2010/main" val="3516827943"/>
+        <p14:creationId xmlns:p14="http://schemas.microsoft.com/office/powerpoint/2010/main" val="4144253835"/>
       </p:ext>
     </p:extLst>
   </p:cSld>
@@ -36655,6 +37665,250 @@
           <a:p>
             <a:r>
               <a:rPr lang="en-US" dirty="0" smtClean="0"/>
+              <a:t>Using an Executor Service</a:t>
+            </a:r>
+            <a:endParaRPr lang="en-US" dirty="0"/>
+          </a:p>
+        </p:txBody>
+      </p:sp>
+      <p:pic>
+        <p:nvPicPr>
+          <p:cNvPr id="2050" name="Picture 2"/>
+          <p:cNvPicPr>
+            <a:picLocks noChangeAspect="1" noChangeArrowheads="1"/>
+          </p:cNvPicPr>
+          <p:nvPr/>
+        </p:nvPicPr>
+        <p:blipFill rotWithShape="1">
+          <a:blip r:embed="rId2">
+            <a:extLst>
+              <a:ext uri="{28A0092B-C50C-407E-A947-70E740481C1C}">
+                <a14:useLocalDpi xmlns:a14="http://schemas.microsoft.com/office/drawing/2010/main" val="0"/>
+              </a:ext>
+            </a:extLst>
+          </a:blip>
+          <a:srcRect t="511" b="-1"/>
+          <a:stretch/>
+        </p:blipFill>
+        <p:spPr bwMode="auto">
+          <a:xfrm>
+            <a:off x="207356" y="1474238"/>
+            <a:ext cx="9012844" cy="5155162"/>
+          </a:xfrm>
+          <a:prstGeom prst="rect">
+            <a:avLst/>
+          </a:prstGeom>
+          <a:noFill/>
+          <a:ln>
+            <a:noFill/>
+          </a:ln>
+          <a:effectLst/>
+          <a:extLst>
+            <a:ext uri="{909E8E84-426E-40DD-AFC4-6F175D3DCCD1}">
+              <a14:hiddenFill xmlns:a14="http://schemas.microsoft.com/office/drawing/2010/main">
+                <a:solidFill>
+                  <a:schemeClr val="accent1"/>
+                </a:solidFill>
+              </a14:hiddenFill>
+            </a:ext>
+            <a:ext uri="{91240B29-F687-4F45-9708-019B960494DF}">
+              <a14:hiddenLine xmlns:a14="http://schemas.microsoft.com/office/drawing/2010/main" w="9525">
+                <a:solidFill>
+                  <a:schemeClr val="tx1"/>
+                </a:solidFill>
+                <a:miter lim="800000"/>
+                <a:headEnd/>
+                <a:tailEnd/>
+              </a14:hiddenLine>
+            </a:ext>
+            <a:ext uri="{AF507438-7753-43E0-B8FC-AC1667EBCBE1}">
+              <a14:hiddenEffects xmlns:a14="http://schemas.microsoft.com/office/drawing/2010/main">
+                <a:effectLst>
+                  <a:outerShdw dist="35921" dir="2700000" algn="ctr" rotWithShape="0">
+                    <a:schemeClr val="bg2"/>
+                  </a:outerShdw>
+                </a:effectLst>
+              </a14:hiddenEffects>
+            </a:ext>
+          </a:extLst>
+        </p:spPr>
+      </p:pic>
+    </p:spTree>
+    <p:extLst>
+      <p:ext uri="{BB962C8B-B14F-4D97-AF65-F5344CB8AC3E}">
+        <p14:creationId xmlns:p14="http://schemas.microsoft.com/office/powerpoint/2010/main" val="68571375"/>
+      </p:ext>
+    </p:extLst>
+  </p:cSld>
+  <p:clrMapOvr>
+    <a:masterClrMapping/>
+  </p:clrMapOvr>
+  <p:timing>
+    <p:tnLst>
+      <p:par>
+        <p:cTn id="1" dur="indefinite" restart="never" nodeType="tmRoot"/>
+      </p:par>
+    </p:tnLst>
+  </p:timing>
+</p:sld>
+</file>
+
+<file path=ppt/slides/slide51.xml><?xml version="1.0" encoding="utf-8"?>
+<p:sld xmlns:a="http://schemas.openxmlformats.org/drawingml/2006/main" xmlns:r="http://schemas.openxmlformats.org/officeDocument/2006/relationships" xmlns:p="http://schemas.openxmlformats.org/presentationml/2006/main">
+  <p:cSld>
+    <p:spTree>
+      <p:nvGrpSpPr>
+        <p:cNvPr id="1" name=""/>
+        <p:cNvGrpSpPr/>
+        <p:nvPr/>
+      </p:nvGrpSpPr>
+      <p:grpSpPr>
+        <a:xfrm>
+          <a:off x="0" y="0"/>
+          <a:ext cx="0" cy="0"/>
+          <a:chOff x="0" y="0"/>
+          <a:chExt cx="0" cy="0"/>
+        </a:xfrm>
+      </p:grpSpPr>
+      <p:sp>
+        <p:nvSpPr>
+          <p:cNvPr id="3" name="Title 2"/>
+          <p:cNvSpPr>
+            <a:spLocks noGrp="1"/>
+          </p:cNvSpPr>
+          <p:nvPr>
+            <p:ph type="title"/>
+          </p:nvPr>
+        </p:nvSpPr>
+        <p:spPr/>
+        <p:txBody>
+          <a:bodyPr/>
+          <a:lstStyle/>
+          <a:p>
+            <a:r>
+              <a:rPr lang="en-US" dirty="0" smtClean="0"/>
+              <a:t>Executor Service and Timeouts</a:t>
+            </a:r>
+            <a:endParaRPr lang="en-US" dirty="0"/>
+          </a:p>
+        </p:txBody>
+      </p:sp>
+      <p:pic>
+        <p:nvPicPr>
+          <p:cNvPr id="4099" name="Picture 3"/>
+          <p:cNvPicPr>
+            <a:picLocks noChangeAspect="1" noChangeArrowheads="1"/>
+          </p:cNvPicPr>
+          <p:nvPr/>
+        </p:nvPicPr>
+        <p:blipFill rotWithShape="1">
+          <a:blip r:embed="rId2">
+            <a:extLst>
+              <a:ext uri="{28A0092B-C50C-407E-A947-70E740481C1C}">
+                <a14:useLocalDpi xmlns:a14="http://schemas.microsoft.com/office/drawing/2010/main" val="0"/>
+              </a:ext>
+            </a:extLst>
+          </a:blip>
+          <a:srcRect b="63908"/>
+          <a:stretch/>
+        </p:blipFill>
+        <p:spPr bwMode="auto">
+          <a:xfrm>
+            <a:off x="45098" y="3006493"/>
+            <a:ext cx="9098902" cy="2403707"/>
+          </a:xfrm>
+          <a:prstGeom prst="rect">
+            <a:avLst/>
+          </a:prstGeom>
+          <a:noFill/>
+          <a:ln>
+            <a:noFill/>
+          </a:ln>
+          <a:effectLst/>
+          <a:extLst>
+            <a:ext uri="{909E8E84-426E-40DD-AFC4-6F175D3DCCD1}">
+              <a14:hiddenFill xmlns:a14="http://schemas.microsoft.com/office/drawing/2010/main">
+                <a:solidFill>
+                  <a:schemeClr val="accent1"/>
+                </a:solidFill>
+              </a14:hiddenFill>
+            </a:ext>
+            <a:ext uri="{91240B29-F687-4F45-9708-019B960494DF}">
+              <a14:hiddenLine xmlns:a14="http://schemas.microsoft.com/office/drawing/2010/main" w="9525">
+                <a:solidFill>
+                  <a:schemeClr val="tx1"/>
+                </a:solidFill>
+                <a:miter lim="800000"/>
+                <a:headEnd/>
+                <a:tailEnd/>
+              </a14:hiddenLine>
+            </a:ext>
+            <a:ext uri="{AF507438-7753-43E0-B8FC-AC1667EBCBE1}">
+              <a14:hiddenEffects xmlns:a14="http://schemas.microsoft.com/office/drawing/2010/main">
+                <a:effectLst>
+                  <a:outerShdw dist="35921" dir="2700000" algn="ctr" rotWithShape="0">
+                    <a:schemeClr val="bg2"/>
+                  </a:outerShdw>
+                </a:effectLst>
+              </a14:hiddenEffects>
+            </a:ext>
+          </a:extLst>
+        </p:spPr>
+      </p:pic>
+    </p:spTree>
+    <p:extLst>
+      <p:ext uri="{BB962C8B-B14F-4D97-AF65-F5344CB8AC3E}">
+        <p14:creationId xmlns:p14="http://schemas.microsoft.com/office/powerpoint/2010/main" val="3516827943"/>
+      </p:ext>
+    </p:extLst>
+  </p:cSld>
+  <p:clrMapOvr>
+    <a:masterClrMapping/>
+  </p:clrMapOvr>
+  <p:timing>
+    <p:tnLst>
+      <p:par>
+        <p:cTn id="1" dur="indefinite" restart="never" nodeType="tmRoot"/>
+      </p:par>
+    </p:tnLst>
+  </p:timing>
+</p:sld>
+</file>
+
+<file path=ppt/slides/slide52.xml><?xml version="1.0" encoding="utf-8"?>
+<p:sld xmlns:a="http://schemas.openxmlformats.org/drawingml/2006/main" xmlns:r="http://schemas.openxmlformats.org/officeDocument/2006/relationships" xmlns:p="http://schemas.openxmlformats.org/presentationml/2006/main">
+  <p:cSld>
+    <p:spTree>
+      <p:nvGrpSpPr>
+        <p:cNvPr id="1" name=""/>
+        <p:cNvGrpSpPr/>
+        <p:nvPr/>
+      </p:nvGrpSpPr>
+      <p:grpSpPr>
+        <a:xfrm>
+          <a:off x="0" y="0"/>
+          <a:ext cx="0" cy="0"/>
+          <a:chOff x="0" y="0"/>
+          <a:chExt cx="0" cy="0"/>
+        </a:xfrm>
+      </p:grpSpPr>
+      <p:sp>
+        <p:nvSpPr>
+          <p:cNvPr id="3" name="Title 2"/>
+          <p:cNvSpPr>
+            <a:spLocks noGrp="1"/>
+          </p:cNvSpPr>
+          <p:nvPr>
+            <p:ph type="title"/>
+          </p:nvPr>
+        </p:nvSpPr>
+        <p:spPr/>
+        <p:txBody>
+          <a:bodyPr/>
+          <a:lstStyle/>
+          <a:p>
+            <a:r>
+              <a:rPr lang="en-US" dirty="0" smtClean="0"/>
               <a:t>Executor Service and Timeouts</a:t>
             </a:r>
             <a:endParaRPr lang="en-US" dirty="0"/>
@@ -36745,7 +37999,7 @@
 </p:sld>
 </file>
 
-<file path=ppt/slides/slide51.xml><?xml version="1.0" encoding="utf-8"?>
+<file path=ppt/slides/slide53.xml><?xml version="1.0" encoding="utf-8"?>
 <p:sld xmlns:a="http://schemas.openxmlformats.org/drawingml/2006/main" xmlns:r="http://schemas.openxmlformats.org/officeDocument/2006/relationships" xmlns:p="http://schemas.openxmlformats.org/presentationml/2006/main">
   <p:cSld>
     <p:spTree>
@@ -36869,7 +38123,7 @@
 </p:sld>
 </file>
 
-<file path=ppt/slides/slide52.xml><?xml version="1.0" encoding="utf-8"?>
+<file path=ppt/slides/slide54.xml><?xml version="1.0" encoding="utf-8"?>
 <p:sld xmlns:a="http://schemas.openxmlformats.org/drawingml/2006/main" xmlns:r="http://schemas.openxmlformats.org/officeDocument/2006/relationships" xmlns:p="http://schemas.openxmlformats.org/presentationml/2006/main" showMasterSp="0">
   <p:cSld>
     <p:spTree>
@@ -37319,7 +38573,7 @@
 </p:sld>
 </file>
 
-<file path=ppt/slides/slide53.xml><?xml version="1.0" encoding="utf-8"?>
+<file path=ppt/slides/slide55.xml><?xml version="1.0" encoding="utf-8"?>
 <p:sld xmlns:a="http://schemas.openxmlformats.org/drawingml/2006/main" xmlns:r="http://schemas.openxmlformats.org/officeDocument/2006/relationships" xmlns:p="http://schemas.openxmlformats.org/presentationml/2006/main">
   <p:cSld>
     <p:spTree>
@@ -37468,190 +38722,6 @@
     <p:extLst>
       <p:ext uri="{BB962C8B-B14F-4D97-AF65-F5344CB8AC3E}">
         <p14:creationId xmlns:p14="http://schemas.microsoft.com/office/powerpoint/2010/main" val="919292745"/>
-      </p:ext>
-    </p:extLst>
-  </p:cSld>
-  <p:clrMapOvr>
-    <a:masterClrMapping/>
-  </p:clrMapOvr>
-  <p:timing>
-    <p:tnLst>
-      <p:par>
-        <p:cTn id="1" dur="indefinite" restart="never" nodeType="tmRoot"/>
-      </p:par>
-    </p:tnLst>
-  </p:timing>
-</p:sld>
-</file>
-
-<file path=ppt/slides/slide54.xml><?xml version="1.0" encoding="utf-8"?>
-<p:sld xmlns:a="http://schemas.openxmlformats.org/drawingml/2006/main" xmlns:r="http://schemas.openxmlformats.org/officeDocument/2006/relationships" xmlns:p="http://schemas.openxmlformats.org/presentationml/2006/main">
-  <p:cSld>
-    <p:spTree>
-      <p:nvGrpSpPr>
-        <p:cNvPr id="1" name=""/>
-        <p:cNvGrpSpPr/>
-        <p:nvPr/>
-      </p:nvGrpSpPr>
-      <p:grpSpPr>
-        <a:xfrm>
-          <a:off x="0" y="0"/>
-          <a:ext cx="0" cy="0"/>
-          <a:chOff x="0" y="0"/>
-          <a:chExt cx="0" cy="0"/>
-        </a:xfrm>
-      </p:grpSpPr>
-      <p:sp>
-        <p:nvSpPr>
-          <p:cNvPr id="2" name="Content Placeholder 1"/>
-          <p:cNvSpPr>
-            <a:spLocks noGrp="1"/>
-          </p:cNvSpPr>
-          <p:nvPr>
-            <p:ph idx="1"/>
-          </p:nvPr>
-        </p:nvSpPr>
-        <p:spPr/>
-        <p:txBody>
-          <a:bodyPr/>
-          <a:lstStyle/>
-          <a:p>
-            <a:endParaRPr lang="en-US"/>
-          </a:p>
-        </p:txBody>
-      </p:sp>
-      <p:sp>
-        <p:nvSpPr>
-          <p:cNvPr id="3" name="Title 2"/>
-          <p:cNvSpPr>
-            <a:spLocks noGrp="1"/>
-          </p:cNvSpPr>
-          <p:nvPr>
-            <p:ph type="title"/>
-          </p:nvPr>
-        </p:nvSpPr>
-        <p:spPr/>
-        <p:txBody>
-          <a:bodyPr/>
-          <a:lstStyle/>
-          <a:p>
-            <a:r>
-              <a:rPr lang="en-US" dirty="0" smtClean="0"/>
-              <a:t>More completion service code</a:t>
-            </a:r>
-            <a:endParaRPr lang="en-US" dirty="0"/>
-          </a:p>
-        </p:txBody>
-      </p:sp>
-    </p:spTree>
-    <p:extLst>
-      <p:ext uri="{BB962C8B-B14F-4D97-AF65-F5344CB8AC3E}">
-        <p14:creationId xmlns:p14="http://schemas.microsoft.com/office/powerpoint/2010/main" val="69741914"/>
-      </p:ext>
-    </p:extLst>
-  </p:cSld>
-  <p:clrMapOvr>
-    <a:masterClrMapping/>
-  </p:clrMapOvr>
-  <p:timing>
-    <p:tnLst>
-      <p:par>
-        <p:cTn id="1" dur="indefinite" restart="never" nodeType="tmRoot"/>
-      </p:par>
-    </p:tnLst>
-  </p:timing>
-</p:sld>
-</file>
-
-<file path=ppt/slides/slide55.xml><?xml version="1.0" encoding="utf-8"?>
-<p:sld xmlns:a="http://schemas.openxmlformats.org/drawingml/2006/main" xmlns:r="http://schemas.openxmlformats.org/officeDocument/2006/relationships" xmlns:p="http://schemas.openxmlformats.org/presentationml/2006/main">
-  <p:cSld>
-    <p:spTree>
-      <p:nvGrpSpPr>
-        <p:cNvPr id="1" name=""/>
-        <p:cNvGrpSpPr/>
-        <p:nvPr/>
-      </p:nvGrpSpPr>
-      <p:grpSpPr>
-        <a:xfrm>
-          <a:off x="0" y="0"/>
-          <a:ext cx="0" cy="0"/>
-          <a:chOff x="0" y="0"/>
-          <a:chExt cx="0" cy="0"/>
-        </a:xfrm>
-      </p:grpSpPr>
-      <p:sp>
-        <p:nvSpPr>
-          <p:cNvPr id="2" name="Content Placeholder 1"/>
-          <p:cNvSpPr>
-            <a:spLocks noGrp="1"/>
-          </p:cNvSpPr>
-          <p:nvPr>
-            <p:ph idx="1"/>
-          </p:nvPr>
-        </p:nvSpPr>
-        <p:spPr/>
-        <p:txBody>
-          <a:bodyPr/>
-          <a:lstStyle/>
-          <a:p>
-            <a:r>
-              <a:rPr lang="en-US" dirty="0" smtClean="0"/>
-              <a:t>Enough examples to nail home</a:t>
-            </a:r>
-          </a:p>
-          <a:p>
-            <a:pPr lvl="1"/>
-            <a:r>
-              <a:rPr lang="en-US" dirty="0" smtClean="0"/>
-              <a:t>How to use the JCF in ColdFusion</a:t>
-            </a:r>
-          </a:p>
-          <a:p>
-            <a:pPr lvl="1"/>
-            <a:r>
-              <a:rPr lang="en-US" dirty="0" smtClean="0"/>
-              <a:t>Why it’s so </a:t>
-            </a:r>
-            <a:r>
-              <a:rPr lang="en-US" dirty="0" err="1" smtClean="0"/>
-              <a:t>freakin</a:t>
-            </a:r>
-            <a:r>
-              <a:rPr lang="en-US" dirty="0" smtClean="0"/>
-              <a:t>’ awesome</a:t>
-            </a:r>
-            <a:endParaRPr lang="en-US" dirty="0"/>
-          </a:p>
-        </p:txBody>
-      </p:sp>
-      <p:sp>
-        <p:nvSpPr>
-          <p:cNvPr id="3" name="Title 2"/>
-          <p:cNvSpPr>
-            <a:spLocks noGrp="1"/>
-          </p:cNvSpPr>
-          <p:nvPr>
-            <p:ph type="title"/>
-          </p:nvPr>
-        </p:nvSpPr>
-        <p:spPr/>
-        <p:txBody>
-          <a:bodyPr/>
-          <a:lstStyle/>
-          <a:p>
-            <a:r>
-              <a:rPr lang="en-US" dirty="0" smtClean="0"/>
-              <a:t>JCF Example Extravaganza</a:t>
-            </a:r>
-            <a:endParaRPr lang="en-US" dirty="0"/>
-          </a:p>
-        </p:txBody>
-      </p:sp>
-    </p:spTree>
-    <p:extLst>
-      <p:ext uri="{BB962C8B-B14F-4D97-AF65-F5344CB8AC3E}">
-        <p14:creationId xmlns:p14="http://schemas.microsoft.com/office/powerpoint/2010/main" val="616244023"/>
       </p:ext>
     </p:extLst>
   </p:cSld>
@@ -37697,6 +38767,190 @@
         </p:nvSpPr>
         <p:spPr/>
         <p:txBody>
+          <a:bodyPr/>
+          <a:lstStyle/>
+          <a:p>
+            <a:endParaRPr lang="en-US"/>
+          </a:p>
+        </p:txBody>
+      </p:sp>
+      <p:sp>
+        <p:nvSpPr>
+          <p:cNvPr id="3" name="Title 2"/>
+          <p:cNvSpPr>
+            <a:spLocks noGrp="1"/>
+          </p:cNvSpPr>
+          <p:nvPr>
+            <p:ph type="title"/>
+          </p:nvPr>
+        </p:nvSpPr>
+        <p:spPr/>
+        <p:txBody>
+          <a:bodyPr/>
+          <a:lstStyle/>
+          <a:p>
+            <a:r>
+              <a:rPr lang="en-US" dirty="0" smtClean="0"/>
+              <a:t>More completion service code</a:t>
+            </a:r>
+            <a:endParaRPr lang="en-US" dirty="0"/>
+          </a:p>
+        </p:txBody>
+      </p:sp>
+    </p:spTree>
+    <p:extLst>
+      <p:ext uri="{BB962C8B-B14F-4D97-AF65-F5344CB8AC3E}">
+        <p14:creationId xmlns:p14="http://schemas.microsoft.com/office/powerpoint/2010/main" val="69741914"/>
+      </p:ext>
+    </p:extLst>
+  </p:cSld>
+  <p:clrMapOvr>
+    <a:masterClrMapping/>
+  </p:clrMapOvr>
+  <p:timing>
+    <p:tnLst>
+      <p:par>
+        <p:cTn id="1" dur="indefinite" restart="never" nodeType="tmRoot"/>
+      </p:par>
+    </p:tnLst>
+  </p:timing>
+</p:sld>
+</file>
+
+<file path=ppt/slides/slide57.xml><?xml version="1.0" encoding="utf-8"?>
+<p:sld xmlns:a="http://schemas.openxmlformats.org/drawingml/2006/main" xmlns:r="http://schemas.openxmlformats.org/officeDocument/2006/relationships" xmlns:p="http://schemas.openxmlformats.org/presentationml/2006/main">
+  <p:cSld>
+    <p:spTree>
+      <p:nvGrpSpPr>
+        <p:cNvPr id="1" name=""/>
+        <p:cNvGrpSpPr/>
+        <p:nvPr/>
+      </p:nvGrpSpPr>
+      <p:grpSpPr>
+        <a:xfrm>
+          <a:off x="0" y="0"/>
+          <a:ext cx="0" cy="0"/>
+          <a:chOff x="0" y="0"/>
+          <a:chExt cx="0" cy="0"/>
+        </a:xfrm>
+      </p:grpSpPr>
+      <p:sp>
+        <p:nvSpPr>
+          <p:cNvPr id="2" name="Content Placeholder 1"/>
+          <p:cNvSpPr>
+            <a:spLocks noGrp="1"/>
+          </p:cNvSpPr>
+          <p:nvPr>
+            <p:ph idx="1"/>
+          </p:nvPr>
+        </p:nvSpPr>
+        <p:spPr/>
+        <p:txBody>
+          <a:bodyPr/>
+          <a:lstStyle/>
+          <a:p>
+            <a:r>
+              <a:rPr lang="en-US" dirty="0" smtClean="0"/>
+              <a:t>Enough examples to nail home</a:t>
+            </a:r>
+          </a:p>
+          <a:p>
+            <a:pPr lvl="1"/>
+            <a:r>
+              <a:rPr lang="en-US" dirty="0" smtClean="0"/>
+              <a:t>How to use the JCF in ColdFusion</a:t>
+            </a:r>
+          </a:p>
+          <a:p>
+            <a:pPr lvl="1"/>
+            <a:r>
+              <a:rPr lang="en-US" dirty="0" smtClean="0"/>
+              <a:t>Why it’s so </a:t>
+            </a:r>
+            <a:r>
+              <a:rPr lang="en-US" dirty="0" err="1" smtClean="0"/>
+              <a:t>freakin</a:t>
+            </a:r>
+            <a:r>
+              <a:rPr lang="en-US" dirty="0" smtClean="0"/>
+              <a:t>’ awesome</a:t>
+            </a:r>
+            <a:endParaRPr lang="en-US" dirty="0"/>
+          </a:p>
+        </p:txBody>
+      </p:sp>
+      <p:sp>
+        <p:nvSpPr>
+          <p:cNvPr id="3" name="Title 2"/>
+          <p:cNvSpPr>
+            <a:spLocks noGrp="1"/>
+          </p:cNvSpPr>
+          <p:nvPr>
+            <p:ph type="title"/>
+          </p:nvPr>
+        </p:nvSpPr>
+        <p:spPr/>
+        <p:txBody>
+          <a:bodyPr/>
+          <a:lstStyle/>
+          <a:p>
+            <a:r>
+              <a:rPr lang="en-US" dirty="0" smtClean="0"/>
+              <a:t>JCF Example Extravaganza</a:t>
+            </a:r>
+            <a:endParaRPr lang="en-US" dirty="0"/>
+          </a:p>
+        </p:txBody>
+      </p:sp>
+    </p:spTree>
+    <p:extLst>
+      <p:ext uri="{BB962C8B-B14F-4D97-AF65-F5344CB8AC3E}">
+        <p14:creationId xmlns:p14="http://schemas.microsoft.com/office/powerpoint/2010/main" val="616244023"/>
+      </p:ext>
+    </p:extLst>
+  </p:cSld>
+  <p:clrMapOvr>
+    <a:masterClrMapping/>
+  </p:clrMapOvr>
+  <p:timing>
+    <p:tnLst>
+      <p:par>
+        <p:cTn id="1" dur="indefinite" restart="never" nodeType="tmRoot"/>
+      </p:par>
+    </p:tnLst>
+  </p:timing>
+</p:sld>
+</file>
+
+<file path=ppt/slides/slide58.xml><?xml version="1.0" encoding="utf-8"?>
+<p:sld xmlns:a="http://schemas.openxmlformats.org/drawingml/2006/main" xmlns:r="http://schemas.openxmlformats.org/officeDocument/2006/relationships" xmlns:p="http://schemas.openxmlformats.org/presentationml/2006/main">
+  <p:cSld>
+    <p:spTree>
+      <p:nvGrpSpPr>
+        <p:cNvPr id="1" name=""/>
+        <p:cNvGrpSpPr/>
+        <p:nvPr/>
+      </p:nvGrpSpPr>
+      <p:grpSpPr>
+        <a:xfrm>
+          <a:off x="0" y="0"/>
+          <a:ext cx="0" cy="0"/>
+          <a:chOff x="0" y="0"/>
+          <a:chExt cx="0" cy="0"/>
+        </a:xfrm>
+      </p:grpSpPr>
+      <p:sp>
+        <p:nvSpPr>
+          <p:cNvPr id="2" name="Content Placeholder 1"/>
+          <p:cNvSpPr>
+            <a:spLocks noGrp="1"/>
+          </p:cNvSpPr>
+          <p:nvPr>
+            <p:ph idx="1"/>
+          </p:nvPr>
+        </p:nvSpPr>
+        <p:spPr/>
+        <p:txBody>
           <a:bodyPr>
             <a:normAutofit fontScale="92500" lnSpcReduction="10000"/>
           </a:bodyPr>
@@ -37790,7 +39044,7 @@
 </p:sld>
 </file>
 
-<file path=ppt/slides/slide57.xml><?xml version="1.0" encoding="utf-8"?>
+<file path=ppt/slides/slide59.xml><?xml version="1.0" encoding="utf-8"?>
 <p:sld xmlns:a="http://schemas.openxmlformats.org/drawingml/2006/main" xmlns:r="http://schemas.openxmlformats.org/officeDocument/2006/relationships" xmlns:p="http://schemas.openxmlformats.org/presentationml/2006/main">
   <p:cSld>
     <p:spTree>

--- a/CFObjective_2012_Concurrency/preso/concurrency_zen.pptx
+++ b/CFObjective_2012_Concurrency/preso/concurrency_zen.pptx
@@ -5,74 +5,73 @@
     <p:sldMasterId id="2147483660" r:id="rId1"/>
   </p:sldMasterIdLst>
   <p:notesMasterIdLst>
-    <p:notesMasterId r:id="rId67"/>
+    <p:notesMasterId r:id="rId66"/>
   </p:notesMasterIdLst>
   <p:sldIdLst>
     <p:sldId id="256" r:id="rId2"/>
-    <p:sldId id="283" r:id="rId3"/>
-    <p:sldId id="257" r:id="rId4"/>
-    <p:sldId id="311" r:id="rId5"/>
-    <p:sldId id="312" r:id="rId6"/>
-    <p:sldId id="308" r:id="rId7"/>
-    <p:sldId id="310" r:id="rId8"/>
-    <p:sldId id="285" r:id="rId9"/>
-    <p:sldId id="284" r:id="rId10"/>
-    <p:sldId id="295" r:id="rId11"/>
-    <p:sldId id="294" r:id="rId12"/>
-    <p:sldId id="292" r:id="rId13"/>
-    <p:sldId id="313" r:id="rId14"/>
-    <p:sldId id="293" r:id="rId15"/>
-    <p:sldId id="289" r:id="rId16"/>
-    <p:sldId id="288" r:id="rId17"/>
-    <p:sldId id="287" r:id="rId18"/>
-    <p:sldId id="296" r:id="rId19"/>
-    <p:sldId id="291" r:id="rId20"/>
-    <p:sldId id="297" r:id="rId21"/>
-    <p:sldId id="344" r:id="rId22"/>
-    <p:sldId id="345" r:id="rId23"/>
-    <p:sldId id="302" r:id="rId24"/>
-    <p:sldId id="340" r:id="rId25"/>
-    <p:sldId id="322" r:id="rId26"/>
-    <p:sldId id="273" r:id="rId27"/>
-    <p:sldId id="303" r:id="rId28"/>
-    <p:sldId id="341" r:id="rId29"/>
-    <p:sldId id="298" r:id="rId30"/>
-    <p:sldId id="271" r:id="rId31"/>
-    <p:sldId id="304" r:id="rId32"/>
-    <p:sldId id="305" r:id="rId33"/>
-    <p:sldId id="306" r:id="rId34"/>
-    <p:sldId id="277" r:id="rId35"/>
-    <p:sldId id="307" r:id="rId36"/>
-    <p:sldId id="324" r:id="rId37"/>
-    <p:sldId id="325" r:id="rId38"/>
-    <p:sldId id="323" r:id="rId39"/>
-    <p:sldId id="334" r:id="rId40"/>
-    <p:sldId id="326" r:id="rId41"/>
-    <p:sldId id="335" r:id="rId42"/>
-    <p:sldId id="327" r:id="rId43"/>
-    <p:sldId id="336" r:id="rId44"/>
-    <p:sldId id="337" r:id="rId45"/>
-    <p:sldId id="338" r:id="rId46"/>
-    <p:sldId id="321" r:id="rId47"/>
-    <p:sldId id="328" r:id="rId48"/>
-    <p:sldId id="333" r:id="rId49"/>
-    <p:sldId id="342" r:id="rId50"/>
-    <p:sldId id="343" r:id="rId51"/>
-    <p:sldId id="329" r:id="rId52"/>
-    <p:sldId id="330" r:id="rId53"/>
-    <p:sldId id="331" r:id="rId54"/>
-    <p:sldId id="332" r:id="rId55"/>
-    <p:sldId id="346" r:id="rId56"/>
-    <p:sldId id="348" r:id="rId57"/>
-    <p:sldId id="349" r:id="rId58"/>
-    <p:sldId id="347" r:id="rId59"/>
-    <p:sldId id="278" r:id="rId60"/>
-    <p:sldId id="309" r:id="rId61"/>
-    <p:sldId id="318" r:id="rId62"/>
-    <p:sldId id="339" r:id="rId63"/>
-    <p:sldId id="281" r:id="rId64"/>
-    <p:sldId id="282" r:id="rId65"/>
-    <p:sldId id="290" r:id="rId66"/>
+    <p:sldId id="257" r:id="rId3"/>
+    <p:sldId id="311" r:id="rId4"/>
+    <p:sldId id="312" r:id="rId5"/>
+    <p:sldId id="308" r:id="rId6"/>
+    <p:sldId id="310" r:id="rId7"/>
+    <p:sldId id="285" r:id="rId8"/>
+    <p:sldId id="284" r:id="rId9"/>
+    <p:sldId id="295" r:id="rId10"/>
+    <p:sldId id="294" r:id="rId11"/>
+    <p:sldId id="292" r:id="rId12"/>
+    <p:sldId id="313" r:id="rId13"/>
+    <p:sldId id="293" r:id="rId14"/>
+    <p:sldId id="289" r:id="rId15"/>
+    <p:sldId id="288" r:id="rId16"/>
+    <p:sldId id="287" r:id="rId17"/>
+    <p:sldId id="296" r:id="rId18"/>
+    <p:sldId id="291" r:id="rId19"/>
+    <p:sldId id="297" r:id="rId20"/>
+    <p:sldId id="344" r:id="rId21"/>
+    <p:sldId id="345" r:id="rId22"/>
+    <p:sldId id="302" r:id="rId23"/>
+    <p:sldId id="340" r:id="rId24"/>
+    <p:sldId id="322" r:id="rId25"/>
+    <p:sldId id="273" r:id="rId26"/>
+    <p:sldId id="303" r:id="rId27"/>
+    <p:sldId id="341" r:id="rId28"/>
+    <p:sldId id="298" r:id="rId29"/>
+    <p:sldId id="271" r:id="rId30"/>
+    <p:sldId id="304" r:id="rId31"/>
+    <p:sldId id="305" r:id="rId32"/>
+    <p:sldId id="306" r:id="rId33"/>
+    <p:sldId id="277" r:id="rId34"/>
+    <p:sldId id="307" r:id="rId35"/>
+    <p:sldId id="324" r:id="rId36"/>
+    <p:sldId id="325" r:id="rId37"/>
+    <p:sldId id="323" r:id="rId38"/>
+    <p:sldId id="334" r:id="rId39"/>
+    <p:sldId id="326" r:id="rId40"/>
+    <p:sldId id="335" r:id="rId41"/>
+    <p:sldId id="327" r:id="rId42"/>
+    <p:sldId id="336" r:id="rId43"/>
+    <p:sldId id="337" r:id="rId44"/>
+    <p:sldId id="338" r:id="rId45"/>
+    <p:sldId id="321" r:id="rId46"/>
+    <p:sldId id="328" r:id="rId47"/>
+    <p:sldId id="333" r:id="rId48"/>
+    <p:sldId id="342" r:id="rId49"/>
+    <p:sldId id="343" r:id="rId50"/>
+    <p:sldId id="329" r:id="rId51"/>
+    <p:sldId id="330" r:id="rId52"/>
+    <p:sldId id="331" r:id="rId53"/>
+    <p:sldId id="332" r:id="rId54"/>
+    <p:sldId id="346" r:id="rId55"/>
+    <p:sldId id="348" r:id="rId56"/>
+    <p:sldId id="349" r:id="rId57"/>
+    <p:sldId id="347" r:id="rId58"/>
+    <p:sldId id="278" r:id="rId59"/>
+    <p:sldId id="309" r:id="rId60"/>
+    <p:sldId id="318" r:id="rId61"/>
+    <p:sldId id="339" r:id="rId62"/>
+    <p:sldId id="281" r:id="rId63"/>
+    <p:sldId id="282" r:id="rId64"/>
+    <p:sldId id="290" r:id="rId65"/>
   </p:sldIdLst>
   <p:sldSz cx="9144000" cy="6858000" type="screen4x3"/>
   <p:notesSz cx="6858000" cy="9144000"/>
@@ -627,7 +626,7 @@
           <a:p>
             <a:fld id="{6C56C9CB-02E9-46E8-8F88-300ACCB0EB4A}" type="slidenum">
               <a:rPr lang="en-US" smtClean="0"/>
-              <a:t>8</a:t>
+              <a:t>7</a:t>
             </a:fld>
             <a:endParaRPr lang="en-US"/>
           </a:p>
@@ -711,7 +710,7 @@
           <a:p>
             <a:fld id="{6C56C9CB-02E9-46E8-8F88-300ACCB0EB4A}" type="slidenum">
               <a:rPr lang="en-US" smtClean="0"/>
-              <a:t>29</a:t>
+              <a:t>28</a:t>
             </a:fld>
             <a:endParaRPr lang="en-US"/>
           </a:p>
@@ -829,7 +828,7 @@
           <a:p>
             <a:fld id="{6C56C9CB-02E9-46E8-8F88-300ACCB0EB4A}" type="slidenum">
               <a:rPr lang="en-US" smtClean="0"/>
-              <a:t>47</a:t>
+              <a:t>46</a:t>
             </a:fld>
             <a:endParaRPr lang="en-US"/>
           </a:p>
@@ -947,7 +946,7 @@
           <a:p>
             <a:fld id="{6C56C9CB-02E9-46E8-8F88-300ACCB0EB4A}" type="slidenum">
               <a:rPr lang="en-US" smtClean="0"/>
-              <a:t>48</a:t>
+              <a:t>47</a:t>
             </a:fld>
             <a:endParaRPr lang="en-US"/>
           </a:p>
@@ -1031,7 +1030,7 @@
           <a:p>
             <a:fld id="{6C56C9CB-02E9-46E8-8F88-300ACCB0EB4A}" type="slidenum">
               <a:rPr lang="en-US" smtClean="0"/>
-              <a:t>49</a:t>
+              <a:t>48</a:t>
             </a:fld>
             <a:endParaRPr lang="en-US"/>
           </a:p>
@@ -1115,7 +1114,7 @@
           <a:p>
             <a:fld id="{6C56C9CB-02E9-46E8-8F88-300ACCB0EB4A}" type="slidenum">
               <a:rPr lang="en-US" smtClean="0"/>
-              <a:t>50</a:t>
+              <a:t>49</a:t>
             </a:fld>
             <a:endParaRPr lang="en-US"/>
           </a:p>
@@ -1199,7 +1198,7 @@
           <a:p>
             <a:fld id="{6C56C9CB-02E9-46E8-8F88-300ACCB0EB4A}" type="slidenum">
               <a:rPr lang="en-US" smtClean="0"/>
-              <a:t>51</a:t>
+              <a:t>50</a:t>
             </a:fld>
             <a:endParaRPr lang="en-US"/>
           </a:p>
@@ -1317,7 +1316,7 @@
           <a:p>
             <a:fld id="{6C56C9CB-02E9-46E8-8F88-300ACCB0EB4A}" type="slidenum">
               <a:rPr lang="en-US" smtClean="0"/>
-              <a:t>55</a:t>
+              <a:t>54</a:t>
             </a:fld>
             <a:endParaRPr lang="en-US"/>
           </a:p>
@@ -1401,7 +1400,7 @@
           <a:p>
             <a:fld id="{6C56C9CB-02E9-46E8-8F88-300ACCB0EB4A}" type="slidenum">
               <a:rPr lang="en-US" smtClean="0"/>
-              <a:t>10</a:t>
+              <a:t>9</a:t>
             </a:fld>
             <a:endParaRPr lang="en-US"/>
           </a:p>
@@ -1500,7 +1499,7 @@
           <a:p>
             <a:fld id="{6C56C9CB-02E9-46E8-8F88-300ACCB0EB4A}" type="slidenum">
               <a:rPr lang="en-US" smtClean="0"/>
-              <a:t>11</a:t>
+              <a:t>10</a:t>
             </a:fld>
             <a:endParaRPr lang="en-US"/>
           </a:p>
@@ -1697,7 +1696,7 @@
           <a:p>
             <a:fld id="{6C56C9CB-02E9-46E8-8F88-300ACCB0EB4A}" type="slidenum">
               <a:rPr lang="en-US" smtClean="0"/>
-              <a:t>14</a:t>
+              <a:t>13</a:t>
             </a:fld>
             <a:endParaRPr lang="en-US"/>
           </a:p>
@@ -1781,7 +1780,7 @@
           <a:p>
             <a:fld id="{6C56C9CB-02E9-46E8-8F88-300ACCB0EB4A}" type="slidenum">
               <a:rPr lang="en-US" smtClean="0"/>
-              <a:t>16</a:t>
+              <a:t>15</a:t>
             </a:fld>
             <a:endParaRPr lang="en-US"/>
           </a:p>
@@ -1873,7 +1872,7 @@
           <a:p>
             <a:fld id="{6C56C9CB-02E9-46E8-8F88-300ACCB0EB4A}" type="slidenum">
               <a:rPr lang="en-US" smtClean="0"/>
-              <a:t>17</a:t>
+              <a:t>16</a:t>
             </a:fld>
             <a:endParaRPr lang="en-US"/>
           </a:p>
@@ -1969,7 +1968,7 @@
           <a:p>
             <a:fld id="{6C56C9CB-02E9-46E8-8F88-300ACCB0EB4A}" type="slidenum">
               <a:rPr lang="en-US" smtClean="0"/>
-              <a:t>19</a:t>
+              <a:t>18</a:t>
             </a:fld>
             <a:endParaRPr lang="en-US"/>
           </a:p>
@@ -2053,7 +2052,7 @@
           <a:p>
             <a:fld id="{6C56C9CB-02E9-46E8-8F88-300ACCB0EB4A}" type="slidenum">
               <a:rPr lang="en-US" smtClean="0"/>
-              <a:t>20</a:t>
+              <a:t>19</a:t>
             </a:fld>
             <a:endParaRPr lang="en-US"/>
           </a:p>
@@ -2171,7 +2170,7 @@
           <a:p>
             <a:fld id="{6C56C9CB-02E9-46E8-8F88-300ACCB0EB4A}" type="slidenum">
               <a:rPr lang="en-US" smtClean="0"/>
-              <a:t>28</a:t>
+              <a:t>27</a:t>
             </a:fld>
             <a:endParaRPr lang="en-US"/>
           </a:p>
@@ -16786,370 +16785,6 @@
           <a:p>
             <a:r>
               <a:rPr lang="en-US" dirty="0" smtClean="0"/>
-              <a:t>1995</a:t>
-            </a:r>
-            <a:endParaRPr lang="en-US" dirty="0"/>
-          </a:p>
-        </p:txBody>
-      </p:sp>
-      <p:sp>
-        <p:nvSpPr>
-          <p:cNvPr id="5" name="Content Placeholder 1"/>
-          <p:cNvSpPr txBox="1">
-            <a:spLocks/>
-          </p:cNvSpPr>
-          <p:nvPr/>
-        </p:nvSpPr>
-        <p:spPr>
-          <a:xfrm>
-            <a:off x="1371600" y="3429000"/>
-            <a:ext cx="6629400" cy="1443566"/>
-          </a:xfrm>
-          <a:prstGeom prst="rect">
-            <a:avLst/>
-          </a:prstGeom>
-        </p:spPr>
-        <p:txBody>
-          <a:bodyPr vert="horz" lIns="91440" tIns="45720" rIns="91440" bIns="45720" rtlCol="0">
-            <a:noAutofit/>
-          </a:bodyPr>
-          <a:lstStyle>
-            <a:lvl1pPr marL="274320" indent="-274320" algn="l" defTabSz="914400" rtl="0" eaLnBrk="1" latinLnBrk="0" hangingPunct="1">
-              <a:spcBef>
-                <a:spcPct val="20000"/>
-              </a:spcBef>
-              <a:buClr>
-                <a:schemeClr val="accent1"/>
-              </a:buClr>
-              <a:buSzPct val="100000"/>
-              <a:buFont typeface="Symbol" pitchFamily="18" charset="2"/>
-              <a:buChar char=""/>
-              <a:defRPr sz="2400" kern="1200">
-                <a:solidFill>
-                  <a:schemeClr val="tx2"/>
-                </a:solidFill>
-                <a:latin typeface="+mn-lt"/>
-                <a:ea typeface="+mn-ea"/>
-                <a:cs typeface="+mn-cs"/>
-              </a:defRPr>
-            </a:lvl1pPr>
-            <a:lvl2pPr marL="576263" indent="-274320" algn="l" defTabSz="914400" rtl="0" eaLnBrk="1" latinLnBrk="0" hangingPunct="1">
-              <a:spcBef>
-                <a:spcPct val="20000"/>
-              </a:spcBef>
-              <a:buClr>
-                <a:schemeClr val="accent1"/>
-              </a:buClr>
-              <a:buSzPct val="100000"/>
-              <a:buFont typeface="Symbol" pitchFamily="18" charset="2"/>
-              <a:buChar char=""/>
-              <a:defRPr sz="2200" kern="1200">
-                <a:solidFill>
-                  <a:schemeClr val="tx2"/>
-                </a:solidFill>
-                <a:latin typeface="+mn-lt"/>
-                <a:ea typeface="+mn-ea"/>
-                <a:cs typeface="+mn-cs"/>
-              </a:defRPr>
-            </a:lvl2pPr>
-            <a:lvl3pPr marL="855663" indent="-228600" algn="l" defTabSz="914400" rtl="0" eaLnBrk="1" latinLnBrk="0" hangingPunct="1">
-              <a:spcBef>
-                <a:spcPct val="20000"/>
-              </a:spcBef>
-              <a:buClr>
-                <a:schemeClr val="accent1"/>
-              </a:buClr>
-              <a:buSzPct val="100000"/>
-              <a:buFont typeface="Symbol" pitchFamily="18" charset="2"/>
-              <a:buChar char=""/>
-              <a:defRPr sz="2000" kern="1200">
-                <a:solidFill>
-                  <a:schemeClr val="tx2"/>
-                </a:solidFill>
-                <a:latin typeface="+mn-lt"/>
-                <a:ea typeface="+mn-ea"/>
-                <a:cs typeface="+mn-cs"/>
-              </a:defRPr>
-            </a:lvl3pPr>
-            <a:lvl4pPr marL="1143000" indent="-228600" algn="l" defTabSz="914400" rtl="0" eaLnBrk="1" latinLnBrk="0" hangingPunct="1">
-              <a:spcBef>
-                <a:spcPct val="20000"/>
-              </a:spcBef>
-              <a:buClr>
-                <a:schemeClr val="accent1"/>
-              </a:buClr>
-              <a:buSzPct val="100000"/>
-              <a:buFont typeface="Symbol" pitchFamily="18" charset="2"/>
-              <a:buChar char=""/>
-              <a:defRPr sz="1800" kern="1200">
-                <a:solidFill>
-                  <a:schemeClr val="tx2"/>
-                </a:solidFill>
-                <a:latin typeface="+mn-lt"/>
-                <a:ea typeface="+mn-ea"/>
-                <a:cs typeface="+mn-cs"/>
-              </a:defRPr>
-            </a:lvl4pPr>
-            <a:lvl5pPr marL="1463040" indent="-228600" algn="l" defTabSz="914400" rtl="0" eaLnBrk="1" latinLnBrk="0" hangingPunct="1">
-              <a:spcBef>
-                <a:spcPct val="20000"/>
-              </a:spcBef>
-              <a:buClr>
-                <a:schemeClr val="accent1"/>
-              </a:buClr>
-              <a:buSzPct val="100000"/>
-              <a:buFont typeface="Symbol" pitchFamily="18" charset="2"/>
-              <a:buChar char=""/>
-              <a:defRPr sz="1600" kern="1200">
-                <a:solidFill>
-                  <a:schemeClr val="tx2"/>
-                </a:solidFill>
-                <a:latin typeface="+mn-lt"/>
-                <a:ea typeface="+mn-ea"/>
-                <a:cs typeface="+mn-cs"/>
-              </a:defRPr>
-            </a:lvl5pPr>
-            <a:lvl6pPr marL="1783080" indent="-228600" algn="l" defTabSz="914400" rtl="0" eaLnBrk="1" latinLnBrk="0" hangingPunct="1">
-              <a:spcBef>
-                <a:spcPts val="384"/>
-              </a:spcBef>
-              <a:buClr>
-                <a:schemeClr val="accent1"/>
-              </a:buClr>
-              <a:buFont typeface="Symbol" pitchFamily="18" charset="2"/>
-              <a:buChar char="*"/>
-              <a:defRPr sz="1400" kern="1200">
-                <a:solidFill>
-                  <a:schemeClr val="tx2"/>
-                </a:solidFill>
-                <a:latin typeface="+mn-lt"/>
-                <a:ea typeface="+mn-ea"/>
-                <a:cs typeface="+mn-cs"/>
-              </a:defRPr>
-            </a:lvl6pPr>
-            <a:lvl7pPr marL="2103120" indent="-228600" algn="l" defTabSz="914400" rtl="0" eaLnBrk="1" latinLnBrk="0" hangingPunct="1">
-              <a:spcBef>
-                <a:spcPts val="384"/>
-              </a:spcBef>
-              <a:buClr>
-                <a:schemeClr val="accent1"/>
-              </a:buClr>
-              <a:buFont typeface="Symbol" pitchFamily="18" charset="2"/>
-              <a:buChar char="*"/>
-              <a:defRPr sz="1400" kern="1200">
-                <a:solidFill>
-                  <a:schemeClr val="tx2"/>
-                </a:solidFill>
-                <a:latin typeface="+mn-lt"/>
-                <a:ea typeface="+mn-ea"/>
-                <a:cs typeface="+mn-cs"/>
-              </a:defRPr>
-            </a:lvl7pPr>
-            <a:lvl8pPr marL="2423160" indent="-228600" algn="l" defTabSz="914400" rtl="0" eaLnBrk="1" latinLnBrk="0" hangingPunct="1">
-              <a:spcBef>
-                <a:spcPts val="384"/>
-              </a:spcBef>
-              <a:buClr>
-                <a:schemeClr val="accent1"/>
-              </a:buClr>
-              <a:buFont typeface="Symbol" pitchFamily="18" charset="2"/>
-              <a:buChar char="*"/>
-              <a:defRPr sz="1400" kern="1200">
-                <a:solidFill>
-                  <a:schemeClr val="tx2"/>
-                </a:solidFill>
-                <a:latin typeface="+mn-lt"/>
-                <a:ea typeface="+mn-ea"/>
-                <a:cs typeface="+mn-cs"/>
-              </a:defRPr>
-            </a:lvl8pPr>
-            <a:lvl9pPr marL="2743200" indent="-228600" algn="l" defTabSz="914400" rtl="0" eaLnBrk="1" latinLnBrk="0" hangingPunct="1">
-              <a:spcBef>
-                <a:spcPts val="384"/>
-              </a:spcBef>
-              <a:buClr>
-                <a:schemeClr val="accent1"/>
-              </a:buClr>
-              <a:buFont typeface="Symbol" pitchFamily="18" charset="2"/>
-              <a:buChar char="*"/>
-              <a:defRPr sz="1400" kern="1200">
-                <a:solidFill>
-                  <a:schemeClr val="tx2"/>
-                </a:solidFill>
-                <a:latin typeface="+mn-lt"/>
-                <a:ea typeface="+mn-ea"/>
-                <a:cs typeface="+mn-cs"/>
-              </a:defRPr>
-            </a:lvl9pPr>
-          </a:lstStyle>
-          <a:p>
-            <a:pPr marL="0" indent="0" algn="ctr">
-              <a:buFont typeface="Symbol" pitchFamily="18" charset="2"/>
-              <a:buNone/>
-            </a:pPr>
-            <a:r>
-              <a:rPr lang="en-US" sz="4400" dirty="0" smtClean="0">
-                <a:solidFill>
-                  <a:srgbClr val="FF0000"/>
-                </a:solidFill>
-                <a:effectLst>
-                  <a:outerShdw blurRad="50800" dist="38100" dir="2700000" algn="tl" rotWithShape="0">
-                    <a:prstClr val="black">
-                      <a:alpha val="40000"/>
-                    </a:prstClr>
-                  </a:outerShdw>
-                </a:effectLst>
-              </a:rPr>
-              <a:t>Cold Fusion 1.0 </a:t>
-            </a:r>
-            <a:endParaRPr lang="en-US" sz="4400" dirty="0">
-              <a:solidFill>
-                <a:srgbClr val="FF0000"/>
-              </a:solidFill>
-              <a:effectLst>
-                <a:outerShdw blurRad="50800" dist="38100" dir="2700000" algn="tl" rotWithShape="0">
-                  <a:prstClr val="black">
-                    <a:alpha val="40000"/>
-                  </a:prstClr>
-                </a:outerShdw>
-              </a:effectLst>
-            </a:endParaRPr>
-          </a:p>
-        </p:txBody>
-      </p:sp>
-    </p:spTree>
-    <p:extLst>
-      <p:ext uri="{BB962C8B-B14F-4D97-AF65-F5344CB8AC3E}">
-        <p14:creationId xmlns:p14="http://schemas.microsoft.com/office/powerpoint/2010/main" val="3810099990"/>
-      </p:ext>
-    </p:extLst>
-  </p:cSld>
-  <p:clrMapOvr>
-    <a:masterClrMapping/>
-  </p:clrMapOvr>
-  <p:timing>
-    <p:tnLst>
-      <p:par>
-        <p:cTn id="1" dur="indefinite" restart="never" nodeType="tmRoot">
-          <p:childTnLst>
-            <p:seq concurrent="1" nextAc="seek">
-              <p:cTn id="2" dur="indefinite" nodeType="mainSeq">
-                <p:childTnLst>
-                  <p:par>
-                    <p:cTn id="3" fill="hold">
-                      <p:stCondLst>
-                        <p:cond delay="indefinite"/>
-                      </p:stCondLst>
-                      <p:childTnLst>
-                        <p:par>
-                          <p:cTn id="4" fill="hold">
-                            <p:stCondLst>
-                              <p:cond delay="0"/>
-                            </p:stCondLst>
-                            <p:childTnLst>
-                              <p:par>
-                                <p:cTn id="5" presetID="21" presetClass="entr" presetSubtype="1" fill="hold" grpId="0" nodeType="clickEffect">
-                                  <p:stCondLst>
-                                    <p:cond delay="0"/>
-                                  </p:stCondLst>
-                                  <p:childTnLst>
-                                    <p:set>
-                                      <p:cBhvr>
-                                        <p:cTn id="6" dur="1" fill="hold">
-                                          <p:stCondLst>
-                                            <p:cond delay="0"/>
-                                          </p:stCondLst>
-                                        </p:cTn>
-                                        <p:tgtEl>
-                                          <p:spTgt spid="5"/>
-                                        </p:tgtEl>
-                                        <p:attrNameLst>
-                                          <p:attrName>style.visibility</p:attrName>
-                                        </p:attrNameLst>
-                                      </p:cBhvr>
-                                      <p:to>
-                                        <p:strVal val="visible"/>
-                                      </p:to>
-                                    </p:set>
-                                    <p:animEffect transition="in" filter="wheel(1)">
-                                      <p:cBhvr>
-                                        <p:cTn id="7" dur="1000"/>
-                                        <p:tgtEl>
-                                          <p:spTgt spid="5"/>
-                                        </p:tgtEl>
-                                      </p:cBhvr>
-                                    </p:animEffect>
-                                  </p:childTnLst>
-                                </p:cTn>
-                              </p:par>
-                            </p:childTnLst>
-                          </p:cTn>
-                        </p:par>
-                      </p:childTnLst>
-                    </p:cTn>
-                  </p:par>
-                </p:childTnLst>
-              </p:cTn>
-              <p:prevCondLst>
-                <p:cond evt="onPrev" delay="0">
-                  <p:tgtEl>
-                    <p:sldTgt/>
-                  </p:tgtEl>
-                </p:cond>
-              </p:prevCondLst>
-              <p:nextCondLst>
-                <p:cond evt="onNext" delay="0">
-                  <p:tgtEl>
-                    <p:sldTgt/>
-                  </p:tgtEl>
-                </p:cond>
-              </p:nextCondLst>
-            </p:seq>
-          </p:childTnLst>
-        </p:cTn>
-      </p:par>
-    </p:tnLst>
-    <p:bldLst>
-      <p:bldP spid="5" grpId="0"/>
-    </p:bldLst>
-  </p:timing>
-</p:sld>
-</file>
-
-<file path=ppt/slides/slide11.xml><?xml version="1.0" encoding="utf-8"?>
-<p:sld xmlns:a="http://schemas.openxmlformats.org/drawingml/2006/main" xmlns:r="http://schemas.openxmlformats.org/officeDocument/2006/relationships" xmlns:p="http://schemas.openxmlformats.org/presentationml/2006/main">
-  <p:cSld>
-    <p:spTree>
-      <p:nvGrpSpPr>
-        <p:cNvPr id="1" name=""/>
-        <p:cNvGrpSpPr/>
-        <p:nvPr/>
-      </p:nvGrpSpPr>
-      <p:grpSpPr>
-        <a:xfrm>
-          <a:off x="0" y="0"/>
-          <a:ext cx="0" cy="0"/>
-          <a:chOff x="0" y="0"/>
-          <a:chExt cx="0" cy="0"/>
-        </a:xfrm>
-      </p:grpSpPr>
-      <p:sp>
-        <p:nvSpPr>
-          <p:cNvPr id="3" name="Title 2"/>
-          <p:cNvSpPr>
-            <a:spLocks noGrp="1"/>
-          </p:cNvSpPr>
-          <p:nvPr>
-            <p:ph type="title"/>
-          </p:nvPr>
-        </p:nvSpPr>
-        <p:spPr/>
-        <p:txBody>
-          <a:bodyPr/>
-          <a:lstStyle/>
-          <a:p>
-            <a:r>
-              <a:rPr lang="en-US" dirty="0" smtClean="0"/>
               <a:t>1996</a:t>
             </a:r>
             <a:endParaRPr lang="en-US" dirty="0"/>
@@ -17739,7 +17374,7 @@
 </p:sld>
 </file>
 
-<file path=ppt/slides/slide12.xml><?xml version="1.0" encoding="utf-8"?>
+<file path=ppt/slides/slide11.xml><?xml version="1.0" encoding="utf-8"?>
 <p:sld xmlns:a="http://schemas.openxmlformats.org/drawingml/2006/main" xmlns:r="http://schemas.openxmlformats.org/officeDocument/2006/relationships" xmlns:p="http://schemas.openxmlformats.org/presentationml/2006/main">
   <p:cSld>
     <p:spTree>
@@ -18441,7 +18076,7 @@
 </p:sld>
 </file>
 
-<file path=ppt/slides/slide13.xml><?xml version="1.0" encoding="utf-8"?>
+<file path=ppt/slides/slide12.xml><?xml version="1.0" encoding="utf-8"?>
 <p:sld xmlns:a="http://schemas.openxmlformats.org/drawingml/2006/main" xmlns:r="http://schemas.openxmlformats.org/officeDocument/2006/relationships" xmlns:p="http://schemas.openxmlformats.org/presentationml/2006/main">
   <p:cSld>
     <p:spTree>
@@ -18896,7 +18531,7 @@
 </p:sld>
 </file>
 
-<file path=ppt/slides/slide14.xml><?xml version="1.0" encoding="utf-8"?>
+<file path=ppt/slides/slide13.xml><?xml version="1.0" encoding="utf-8"?>
 <p:sld xmlns:a="http://schemas.openxmlformats.org/drawingml/2006/main" xmlns:r="http://schemas.openxmlformats.org/officeDocument/2006/relationships" xmlns:p="http://schemas.openxmlformats.org/presentationml/2006/main">
   <p:cSld>
     <p:spTree>
@@ -19509,7 +19144,7 @@
 </p:sld>
 </file>
 
-<file path=ppt/slides/slide15.xml><?xml version="1.0" encoding="utf-8"?>
+<file path=ppt/slides/slide14.xml><?xml version="1.0" encoding="utf-8"?>
 <p:sld xmlns:a="http://schemas.openxmlformats.org/drawingml/2006/main" xmlns:r="http://schemas.openxmlformats.org/officeDocument/2006/relationships" xmlns:p="http://schemas.openxmlformats.org/presentationml/2006/main">
   <p:cSld>
     <p:spTree>
@@ -20107,7 +19742,7 @@
 </p:sld>
 </file>
 
-<file path=ppt/slides/slide16.xml><?xml version="1.0" encoding="utf-8"?>
+<file path=ppt/slides/slide15.xml><?xml version="1.0" encoding="utf-8"?>
 <p:sld xmlns:a="http://schemas.openxmlformats.org/drawingml/2006/main" xmlns:r="http://schemas.openxmlformats.org/officeDocument/2006/relationships" xmlns:p="http://schemas.openxmlformats.org/presentationml/2006/main" showMasterSp="0">
   <p:cSld>
     <p:bg>
@@ -20193,7 +19828,7 @@
 </p:sld>
 </file>
 
-<file path=ppt/slides/slide17.xml><?xml version="1.0" encoding="utf-8"?>
+<file path=ppt/slides/slide16.xml><?xml version="1.0" encoding="utf-8"?>
 <p:sld xmlns:a="http://schemas.openxmlformats.org/drawingml/2006/main" xmlns:r="http://schemas.openxmlformats.org/officeDocument/2006/relationships" xmlns:p="http://schemas.openxmlformats.org/presentationml/2006/main">
   <p:cSld>
     <p:spTree>
@@ -20771,7 +20406,7 @@
 </p:sld>
 </file>
 
-<file path=ppt/slides/slide18.xml><?xml version="1.0" encoding="utf-8"?>
+<file path=ppt/slides/slide17.xml><?xml version="1.0" encoding="utf-8"?>
 <p:sld xmlns:a="http://schemas.openxmlformats.org/drawingml/2006/main" xmlns:r="http://schemas.openxmlformats.org/officeDocument/2006/relationships" xmlns:p="http://schemas.openxmlformats.org/presentationml/2006/main">
   <p:cSld>
     <p:spTree>
@@ -21613,7 +21248,7 @@
 </p:sld>
 </file>
 
-<file path=ppt/slides/slide19.xml><?xml version="1.0" encoding="utf-8"?>
+<file path=ppt/slides/slide18.xml><?xml version="1.0" encoding="utf-8"?>
 <p:sld xmlns:a="http://schemas.openxmlformats.org/drawingml/2006/main" xmlns:r="http://schemas.openxmlformats.org/officeDocument/2006/relationships" xmlns:p="http://schemas.openxmlformats.org/presentationml/2006/main">
   <p:cSld>
     <p:spTree>
@@ -21952,6 +21587,481 @@
     <p:extLst>
       <p:ext uri="{BB962C8B-B14F-4D97-AF65-F5344CB8AC3E}">
         <p14:creationId xmlns:p14="http://schemas.microsoft.com/office/powerpoint/2010/main" val="2353346687"/>
+      </p:ext>
+    </p:extLst>
+  </p:cSld>
+  <p:clrMapOvr>
+    <a:masterClrMapping/>
+  </p:clrMapOvr>
+  <p:timing>
+    <p:tnLst>
+      <p:par>
+        <p:cTn id="1" dur="indefinite" restart="never" nodeType="tmRoot">
+          <p:childTnLst>
+            <p:seq concurrent="1" nextAc="seek">
+              <p:cTn id="2" dur="indefinite" nodeType="mainSeq">
+                <p:childTnLst>
+                  <p:par>
+                    <p:cTn id="3" fill="hold">
+                      <p:stCondLst>
+                        <p:cond delay="indefinite"/>
+                      </p:stCondLst>
+                      <p:childTnLst>
+                        <p:par>
+                          <p:cTn id="4" fill="hold">
+                            <p:stCondLst>
+                              <p:cond delay="0"/>
+                            </p:stCondLst>
+                            <p:childTnLst>
+                              <p:par>
+                                <p:cTn id="5" presetID="2" presetClass="entr" presetSubtype="4" fill="hold" grpId="0" nodeType="clickEffect">
+                                  <p:stCondLst>
+                                    <p:cond delay="0"/>
+                                  </p:stCondLst>
+                                  <p:iterate type="lt">
+                                    <p:tmPct val="0"/>
+                                  </p:iterate>
+                                  <p:childTnLst>
+                                    <p:set>
+                                      <p:cBhvr>
+                                        <p:cTn id="6" dur="1" fill="hold">
+                                          <p:stCondLst>
+                                            <p:cond delay="0"/>
+                                          </p:stCondLst>
+                                        </p:cTn>
+                                        <p:tgtEl>
+                                          <p:spTgt spid="7"/>
+                                        </p:tgtEl>
+                                        <p:attrNameLst>
+                                          <p:attrName>style.visibility</p:attrName>
+                                        </p:attrNameLst>
+                                      </p:cBhvr>
+                                      <p:to>
+                                        <p:strVal val="visible"/>
+                                      </p:to>
+                                    </p:set>
+                                    <p:anim calcmode="lin" valueType="num">
+                                      <p:cBhvr additive="base">
+                                        <p:cTn id="7" dur="500" fill="hold"/>
+                                        <p:tgtEl>
+                                          <p:spTgt spid="7"/>
+                                        </p:tgtEl>
+                                        <p:attrNameLst>
+                                          <p:attrName>ppt_x</p:attrName>
+                                        </p:attrNameLst>
+                                      </p:cBhvr>
+                                      <p:tavLst>
+                                        <p:tav tm="0">
+                                          <p:val>
+                                            <p:strVal val="#ppt_x"/>
+                                          </p:val>
+                                        </p:tav>
+                                        <p:tav tm="100000">
+                                          <p:val>
+                                            <p:strVal val="#ppt_x"/>
+                                          </p:val>
+                                        </p:tav>
+                                      </p:tavLst>
+                                    </p:anim>
+                                    <p:anim calcmode="lin" valueType="num">
+                                      <p:cBhvr additive="base">
+                                        <p:cTn id="8" dur="500" fill="hold"/>
+                                        <p:tgtEl>
+                                          <p:spTgt spid="7"/>
+                                        </p:tgtEl>
+                                        <p:attrNameLst>
+                                          <p:attrName>ppt_y</p:attrName>
+                                        </p:attrNameLst>
+                                      </p:cBhvr>
+                                      <p:tavLst>
+                                        <p:tav tm="0">
+                                          <p:val>
+                                            <p:strVal val="1+#ppt_h/2"/>
+                                          </p:val>
+                                        </p:tav>
+                                        <p:tav tm="100000">
+                                          <p:val>
+                                            <p:strVal val="#ppt_y"/>
+                                          </p:val>
+                                        </p:tav>
+                                      </p:tavLst>
+                                    </p:anim>
+                                  </p:childTnLst>
+                                </p:cTn>
+                              </p:par>
+                            </p:childTnLst>
+                          </p:cTn>
+                        </p:par>
+                      </p:childTnLst>
+                    </p:cTn>
+                  </p:par>
+                </p:childTnLst>
+              </p:cTn>
+              <p:prevCondLst>
+                <p:cond evt="onPrev" delay="0">
+                  <p:tgtEl>
+                    <p:sldTgt/>
+                  </p:tgtEl>
+                </p:cond>
+              </p:prevCondLst>
+              <p:nextCondLst>
+                <p:cond evt="onNext" delay="0">
+                  <p:tgtEl>
+                    <p:sldTgt/>
+                  </p:tgtEl>
+                </p:cond>
+              </p:nextCondLst>
+            </p:seq>
+          </p:childTnLst>
+        </p:cTn>
+      </p:par>
+    </p:tnLst>
+    <p:bldLst>
+      <p:bldP spid="7" grpId="0"/>
+    </p:bldLst>
+  </p:timing>
+</p:sld>
+</file>
+
+<file path=ppt/slides/slide19.xml><?xml version="1.0" encoding="utf-8"?>
+<p:sld xmlns:a="http://schemas.openxmlformats.org/drawingml/2006/main" xmlns:r="http://schemas.openxmlformats.org/officeDocument/2006/relationships" xmlns:p="http://schemas.openxmlformats.org/presentationml/2006/main">
+  <p:cSld>
+    <p:spTree>
+      <p:nvGrpSpPr>
+        <p:cNvPr id="1" name=""/>
+        <p:cNvGrpSpPr/>
+        <p:nvPr/>
+      </p:nvGrpSpPr>
+      <p:grpSpPr>
+        <a:xfrm>
+          <a:off x="0" y="0"/>
+          <a:ext cx="0" cy="0"/>
+          <a:chOff x="0" y="0"/>
+          <a:chExt cx="0" cy="0"/>
+        </a:xfrm>
+      </p:grpSpPr>
+      <p:sp>
+        <p:nvSpPr>
+          <p:cNvPr id="3" name="Title 2"/>
+          <p:cNvSpPr>
+            <a:spLocks noGrp="1"/>
+          </p:cNvSpPr>
+          <p:nvPr>
+            <p:ph type="title"/>
+          </p:nvPr>
+        </p:nvSpPr>
+        <p:spPr/>
+        <p:txBody>
+          <a:bodyPr/>
+          <a:lstStyle/>
+          <a:p>
+            <a:r>
+              <a:rPr lang="en-US" dirty="0" smtClean="0"/>
+              <a:t>2012</a:t>
+            </a:r>
+            <a:endParaRPr lang="en-US" dirty="0"/>
+          </a:p>
+        </p:txBody>
+      </p:sp>
+      <p:sp>
+        <p:nvSpPr>
+          <p:cNvPr id="6" name="Content Placeholder 1"/>
+          <p:cNvSpPr>
+            <a:spLocks noGrp="1"/>
+          </p:cNvSpPr>
+          <p:nvPr>
+            <p:ph idx="1"/>
+          </p:nvPr>
+        </p:nvSpPr>
+        <p:spPr>
+          <a:xfrm>
+            <a:off x="304800" y="2599267"/>
+            <a:ext cx="8534400" cy="1210733"/>
+          </a:xfrm>
+        </p:spPr>
+        <p:txBody>
+          <a:bodyPr>
+            <a:noAutofit/>
+          </a:bodyPr>
+          <a:lstStyle/>
+          <a:p>
+            <a:pPr marL="0" indent="0">
+              <a:buNone/>
+            </a:pPr>
+            <a:r>
+              <a:rPr lang="en-US" sz="5400" dirty="0" smtClean="0">
+                <a:solidFill>
+                  <a:srgbClr val="002060"/>
+                </a:solidFill>
+                <a:effectLst>
+                  <a:outerShdw blurRad="50800" dist="38100" dir="2700000" algn="tl" rotWithShape="0">
+                    <a:prstClr val="black">
+                      <a:alpha val="40000"/>
+                    </a:prstClr>
+                  </a:outerShdw>
+                </a:effectLst>
+              </a:rPr>
+              <a:t>14 </a:t>
+            </a:r>
+            <a:r>
+              <a:rPr lang="en-US" sz="4000" dirty="0" smtClean="0">
+                <a:solidFill>
+                  <a:srgbClr val="002060"/>
+                </a:solidFill>
+                <a:effectLst>
+                  <a:outerShdw blurRad="50800" dist="38100" dir="2700000" algn="tl" rotWithShape="0">
+                    <a:prstClr val="black">
+                      <a:alpha val="40000"/>
+                    </a:prstClr>
+                  </a:outerShdw>
+                </a:effectLst>
+              </a:rPr>
+              <a:t>Years Ago!</a:t>
+            </a:r>
+            <a:endParaRPr lang="en-US" sz="4000" dirty="0">
+              <a:solidFill>
+                <a:srgbClr val="002060"/>
+              </a:solidFill>
+              <a:effectLst>
+                <a:outerShdw blurRad="50800" dist="38100" dir="2700000" algn="tl" rotWithShape="0">
+                  <a:prstClr val="black">
+                    <a:alpha val="40000"/>
+                  </a:prstClr>
+                </a:outerShdw>
+              </a:effectLst>
+            </a:endParaRPr>
+          </a:p>
+        </p:txBody>
+      </p:sp>
+      <p:sp>
+        <p:nvSpPr>
+          <p:cNvPr id="7" name="Content Placeholder 1"/>
+          <p:cNvSpPr txBox="1">
+            <a:spLocks/>
+          </p:cNvSpPr>
+          <p:nvPr/>
+        </p:nvSpPr>
+        <p:spPr>
+          <a:xfrm>
+            <a:off x="1430867" y="3818467"/>
+            <a:ext cx="6951133" cy="2429933"/>
+          </a:xfrm>
+          <a:prstGeom prst="rect">
+            <a:avLst/>
+          </a:prstGeom>
+        </p:spPr>
+        <p:txBody>
+          <a:bodyPr vert="horz" lIns="91440" tIns="45720" rIns="91440" bIns="45720" rtlCol="0">
+            <a:noAutofit/>
+          </a:bodyPr>
+          <a:lstStyle>
+            <a:lvl1pPr marL="274320" indent="-274320" algn="l" defTabSz="914400" rtl="0" eaLnBrk="1" latinLnBrk="0" hangingPunct="1">
+              <a:spcBef>
+                <a:spcPct val="20000"/>
+              </a:spcBef>
+              <a:buClr>
+                <a:schemeClr val="accent1"/>
+              </a:buClr>
+              <a:buSzPct val="100000"/>
+              <a:buFont typeface="Symbol" pitchFamily="18" charset="2"/>
+              <a:buChar char=""/>
+              <a:defRPr sz="2400" kern="1200">
+                <a:solidFill>
+                  <a:schemeClr val="tx2"/>
+                </a:solidFill>
+                <a:latin typeface="+mn-lt"/>
+                <a:ea typeface="+mn-ea"/>
+                <a:cs typeface="+mn-cs"/>
+              </a:defRPr>
+            </a:lvl1pPr>
+            <a:lvl2pPr marL="576263" indent="-274320" algn="l" defTabSz="914400" rtl="0" eaLnBrk="1" latinLnBrk="0" hangingPunct="1">
+              <a:spcBef>
+                <a:spcPct val="20000"/>
+              </a:spcBef>
+              <a:buClr>
+                <a:schemeClr val="accent1"/>
+              </a:buClr>
+              <a:buSzPct val="100000"/>
+              <a:buFont typeface="Symbol" pitchFamily="18" charset="2"/>
+              <a:buChar char=""/>
+              <a:defRPr sz="2200" kern="1200">
+                <a:solidFill>
+                  <a:schemeClr val="tx2"/>
+                </a:solidFill>
+                <a:latin typeface="+mn-lt"/>
+                <a:ea typeface="+mn-ea"/>
+                <a:cs typeface="+mn-cs"/>
+              </a:defRPr>
+            </a:lvl2pPr>
+            <a:lvl3pPr marL="855663" indent="-228600" algn="l" defTabSz="914400" rtl="0" eaLnBrk="1" latinLnBrk="0" hangingPunct="1">
+              <a:spcBef>
+                <a:spcPct val="20000"/>
+              </a:spcBef>
+              <a:buClr>
+                <a:schemeClr val="accent1"/>
+              </a:buClr>
+              <a:buSzPct val="100000"/>
+              <a:buFont typeface="Symbol" pitchFamily="18" charset="2"/>
+              <a:buChar char=""/>
+              <a:defRPr sz="2000" kern="1200">
+                <a:solidFill>
+                  <a:schemeClr val="tx2"/>
+                </a:solidFill>
+                <a:latin typeface="+mn-lt"/>
+                <a:ea typeface="+mn-ea"/>
+                <a:cs typeface="+mn-cs"/>
+              </a:defRPr>
+            </a:lvl3pPr>
+            <a:lvl4pPr marL="1143000" indent="-228600" algn="l" defTabSz="914400" rtl="0" eaLnBrk="1" latinLnBrk="0" hangingPunct="1">
+              <a:spcBef>
+                <a:spcPct val="20000"/>
+              </a:spcBef>
+              <a:buClr>
+                <a:schemeClr val="accent1"/>
+              </a:buClr>
+              <a:buSzPct val="100000"/>
+              <a:buFont typeface="Symbol" pitchFamily="18" charset="2"/>
+              <a:buChar char=""/>
+              <a:defRPr sz="1800" kern="1200">
+                <a:solidFill>
+                  <a:schemeClr val="tx2"/>
+                </a:solidFill>
+                <a:latin typeface="+mn-lt"/>
+                <a:ea typeface="+mn-ea"/>
+                <a:cs typeface="+mn-cs"/>
+              </a:defRPr>
+            </a:lvl4pPr>
+            <a:lvl5pPr marL="1463040" indent="-228600" algn="l" defTabSz="914400" rtl="0" eaLnBrk="1" latinLnBrk="0" hangingPunct="1">
+              <a:spcBef>
+                <a:spcPct val="20000"/>
+              </a:spcBef>
+              <a:buClr>
+                <a:schemeClr val="accent1"/>
+              </a:buClr>
+              <a:buSzPct val="100000"/>
+              <a:buFont typeface="Symbol" pitchFamily="18" charset="2"/>
+              <a:buChar char=""/>
+              <a:defRPr sz="1600" kern="1200">
+                <a:solidFill>
+                  <a:schemeClr val="tx2"/>
+                </a:solidFill>
+                <a:latin typeface="+mn-lt"/>
+                <a:ea typeface="+mn-ea"/>
+                <a:cs typeface="+mn-cs"/>
+              </a:defRPr>
+            </a:lvl5pPr>
+            <a:lvl6pPr marL="1783080" indent="-228600" algn="l" defTabSz="914400" rtl="0" eaLnBrk="1" latinLnBrk="0" hangingPunct="1">
+              <a:spcBef>
+                <a:spcPts val="384"/>
+              </a:spcBef>
+              <a:buClr>
+                <a:schemeClr val="accent1"/>
+              </a:buClr>
+              <a:buFont typeface="Symbol" pitchFamily="18" charset="2"/>
+              <a:buChar char="*"/>
+              <a:defRPr sz="1400" kern="1200">
+                <a:solidFill>
+                  <a:schemeClr val="tx2"/>
+                </a:solidFill>
+                <a:latin typeface="+mn-lt"/>
+                <a:ea typeface="+mn-ea"/>
+                <a:cs typeface="+mn-cs"/>
+              </a:defRPr>
+            </a:lvl6pPr>
+            <a:lvl7pPr marL="2103120" indent="-228600" algn="l" defTabSz="914400" rtl="0" eaLnBrk="1" latinLnBrk="0" hangingPunct="1">
+              <a:spcBef>
+                <a:spcPts val="384"/>
+              </a:spcBef>
+              <a:buClr>
+                <a:schemeClr val="accent1"/>
+              </a:buClr>
+              <a:buFont typeface="Symbol" pitchFamily="18" charset="2"/>
+              <a:buChar char="*"/>
+              <a:defRPr sz="1400" kern="1200">
+                <a:solidFill>
+                  <a:schemeClr val="tx2"/>
+                </a:solidFill>
+                <a:latin typeface="+mn-lt"/>
+                <a:ea typeface="+mn-ea"/>
+                <a:cs typeface="+mn-cs"/>
+              </a:defRPr>
+            </a:lvl7pPr>
+            <a:lvl8pPr marL="2423160" indent="-228600" algn="l" defTabSz="914400" rtl="0" eaLnBrk="1" latinLnBrk="0" hangingPunct="1">
+              <a:spcBef>
+                <a:spcPts val="384"/>
+              </a:spcBef>
+              <a:buClr>
+                <a:schemeClr val="accent1"/>
+              </a:buClr>
+              <a:buFont typeface="Symbol" pitchFamily="18" charset="2"/>
+              <a:buChar char="*"/>
+              <a:defRPr sz="1400" kern="1200">
+                <a:solidFill>
+                  <a:schemeClr val="tx2"/>
+                </a:solidFill>
+                <a:latin typeface="+mn-lt"/>
+                <a:ea typeface="+mn-ea"/>
+                <a:cs typeface="+mn-cs"/>
+              </a:defRPr>
+            </a:lvl8pPr>
+            <a:lvl9pPr marL="2743200" indent="-228600" algn="l" defTabSz="914400" rtl="0" eaLnBrk="1" latinLnBrk="0" hangingPunct="1">
+              <a:spcBef>
+                <a:spcPts val="384"/>
+              </a:spcBef>
+              <a:buClr>
+                <a:schemeClr val="accent1"/>
+              </a:buClr>
+              <a:buFont typeface="Symbol" pitchFamily="18" charset="2"/>
+              <a:buChar char="*"/>
+              <a:defRPr sz="1400" kern="1200">
+                <a:solidFill>
+                  <a:schemeClr val="tx2"/>
+                </a:solidFill>
+                <a:latin typeface="+mn-lt"/>
+                <a:ea typeface="+mn-ea"/>
+                <a:cs typeface="+mn-cs"/>
+              </a:defRPr>
+            </a:lvl9pPr>
+          </a:lstStyle>
+          <a:p>
+            <a:pPr marL="0" indent="0" algn="ctr">
+              <a:buFont typeface="Symbol" pitchFamily="18" charset="2"/>
+              <a:buNone/>
+            </a:pPr>
+            <a:r>
+              <a:rPr lang="en-US" sz="4400" dirty="0" smtClean="0">
+                <a:solidFill>
+                  <a:srgbClr val="FF0000"/>
+                </a:solidFill>
+                <a:effectLst>
+                  <a:outerShdw blurRad="50800" dist="38100" dir="2700000" algn="tl" rotWithShape="0">
+                    <a:prstClr val="black">
+                      <a:alpha val="40000"/>
+                    </a:prstClr>
+                  </a:outerShdw>
+                </a:effectLst>
+              </a:rPr>
+              <a:t>Java programmers knew Threads were too low-level</a:t>
+            </a:r>
+            <a:endParaRPr lang="en-US" sz="4400" dirty="0">
+              <a:solidFill>
+                <a:srgbClr val="FF0000"/>
+              </a:solidFill>
+              <a:effectLst>
+                <a:outerShdw blurRad="50800" dist="38100" dir="2700000" algn="tl" rotWithShape="0">
+                  <a:prstClr val="black">
+                    <a:alpha val="40000"/>
+                  </a:prstClr>
+                </a:outerShdw>
+              </a:effectLst>
+            </a:endParaRPr>
+          </a:p>
+        </p:txBody>
+      </p:sp>
+    </p:spTree>
+    <p:extLst>
+      <p:ext uri="{BB962C8B-B14F-4D97-AF65-F5344CB8AC3E}">
+        <p14:creationId xmlns:p14="http://schemas.microsoft.com/office/powerpoint/2010/main" val="3750039012"/>
       </p:ext>
     </p:extLst>
   </p:cSld>
@@ -22121,37 +22231,38 @@
           <a:lstStyle/>
           <a:p>
             <a:r>
-              <a:rPr lang="en-US" dirty="0" err="1" smtClean="0"/>
-              <a:t>MXUnit</a:t>
-            </a:r>
+              <a:rPr lang="en-US" dirty="0" smtClean="0"/>
+              <a:t>To Mix Metaphors</a:t>
+            </a:r>
+          </a:p>
+          <a:p>
+            <a:r>
+              <a:rPr lang="en-US" dirty="0" smtClean="0"/>
+              <a:t>To make senseless use of animated transitions</a:t>
+            </a:r>
+          </a:p>
+          <a:p>
+            <a:r>
+              <a:rPr lang="en-US" dirty="0" smtClean="0"/>
+              <a:t>To say “reason about” at least 20 times</a:t>
+            </a:r>
+          </a:p>
+          <a:p>
+            <a:r>
+              <a:rPr lang="en-US" dirty="0" smtClean="0"/>
+              <a:t>A Meme-Extravaganza</a:t>
+            </a:r>
+          </a:p>
+          <a:p>
             <a:endParaRPr lang="en-US" dirty="0" smtClean="0"/>
           </a:p>
           <a:p>
             <a:r>
-              <a:rPr lang="en-US" dirty="0" err="1" smtClean="0"/>
-              <a:t>CFMongoDB</a:t>
-            </a:r>
-            <a:endParaRPr lang="en-US" dirty="0" smtClean="0"/>
+              <a:rPr lang="en-US" dirty="0" smtClean="0"/>
+              <a:t>To teach you how to use parts of the Java Concurrency Framework (JCF) in ColdFusion</a:t>
+            </a:r>
           </a:p>
           <a:p>
-            <a:r>
-              <a:rPr lang="en-US" dirty="0" err="1" smtClean="0"/>
-              <a:t>CFMetrics</a:t>
-            </a:r>
-            <a:r>
-              <a:rPr lang="en-US" dirty="0" smtClean="0"/>
-              <a:t> – Uses the Java Concurrency Framework</a:t>
-            </a:r>
-          </a:p>
-          <a:p>
-            <a:r>
-              <a:rPr lang="en-US" dirty="0" err="1" smtClean="0"/>
-              <a:t>CFConcurrent</a:t>
-            </a:r>
-            <a:r>
-              <a:rPr lang="en-US" dirty="0" smtClean="0"/>
-              <a:t> – Helps YOU use the Java Concurrency Framework</a:t>
-            </a:r>
             <a:endParaRPr lang="en-US" dirty="0"/>
           </a:p>
         </p:txBody>
@@ -22173,7 +22284,7 @@
           <a:p>
             <a:r>
               <a:rPr lang="en-US" dirty="0" smtClean="0"/>
-              <a:t>I work on…</a:t>
+              <a:t>I Hereby Promise…</a:t>
             </a:r>
             <a:endParaRPr lang="en-US" dirty="0"/>
           </a:p>
@@ -22182,7 +22293,7 @@
     </p:spTree>
     <p:extLst>
       <p:ext uri="{BB962C8B-B14F-4D97-AF65-F5344CB8AC3E}">
-        <p14:creationId xmlns:p14="http://schemas.microsoft.com/office/powerpoint/2010/main" val="2962888360"/>
+        <p14:creationId xmlns:p14="http://schemas.microsoft.com/office/powerpoint/2010/main" val="4087538933"/>
       </p:ext>
     </p:extLst>
   </p:cSld>
@@ -22218,481 +22329,6 @@
       </p:grpSpPr>
       <p:sp>
         <p:nvSpPr>
-          <p:cNvPr id="3" name="Title 2"/>
-          <p:cNvSpPr>
-            <a:spLocks noGrp="1"/>
-          </p:cNvSpPr>
-          <p:nvPr>
-            <p:ph type="title"/>
-          </p:nvPr>
-        </p:nvSpPr>
-        <p:spPr/>
-        <p:txBody>
-          <a:bodyPr/>
-          <a:lstStyle/>
-          <a:p>
-            <a:r>
-              <a:rPr lang="en-US" dirty="0" smtClean="0"/>
-              <a:t>2012</a:t>
-            </a:r>
-            <a:endParaRPr lang="en-US" dirty="0"/>
-          </a:p>
-        </p:txBody>
-      </p:sp>
-      <p:sp>
-        <p:nvSpPr>
-          <p:cNvPr id="6" name="Content Placeholder 1"/>
-          <p:cNvSpPr>
-            <a:spLocks noGrp="1"/>
-          </p:cNvSpPr>
-          <p:nvPr>
-            <p:ph idx="1"/>
-          </p:nvPr>
-        </p:nvSpPr>
-        <p:spPr>
-          <a:xfrm>
-            <a:off x="304800" y="2599267"/>
-            <a:ext cx="8534400" cy="1210733"/>
-          </a:xfrm>
-        </p:spPr>
-        <p:txBody>
-          <a:bodyPr>
-            <a:noAutofit/>
-          </a:bodyPr>
-          <a:lstStyle/>
-          <a:p>
-            <a:pPr marL="0" indent="0">
-              <a:buNone/>
-            </a:pPr>
-            <a:r>
-              <a:rPr lang="en-US" sz="5400" dirty="0" smtClean="0">
-                <a:solidFill>
-                  <a:srgbClr val="002060"/>
-                </a:solidFill>
-                <a:effectLst>
-                  <a:outerShdw blurRad="50800" dist="38100" dir="2700000" algn="tl" rotWithShape="0">
-                    <a:prstClr val="black">
-                      <a:alpha val="40000"/>
-                    </a:prstClr>
-                  </a:outerShdw>
-                </a:effectLst>
-              </a:rPr>
-              <a:t>14 </a:t>
-            </a:r>
-            <a:r>
-              <a:rPr lang="en-US" sz="4000" dirty="0" smtClean="0">
-                <a:solidFill>
-                  <a:srgbClr val="002060"/>
-                </a:solidFill>
-                <a:effectLst>
-                  <a:outerShdw blurRad="50800" dist="38100" dir="2700000" algn="tl" rotWithShape="0">
-                    <a:prstClr val="black">
-                      <a:alpha val="40000"/>
-                    </a:prstClr>
-                  </a:outerShdw>
-                </a:effectLst>
-              </a:rPr>
-              <a:t>Years Ago!</a:t>
-            </a:r>
-            <a:endParaRPr lang="en-US" sz="4000" dirty="0">
-              <a:solidFill>
-                <a:srgbClr val="002060"/>
-              </a:solidFill>
-              <a:effectLst>
-                <a:outerShdw blurRad="50800" dist="38100" dir="2700000" algn="tl" rotWithShape="0">
-                  <a:prstClr val="black">
-                    <a:alpha val="40000"/>
-                  </a:prstClr>
-                </a:outerShdw>
-              </a:effectLst>
-            </a:endParaRPr>
-          </a:p>
-        </p:txBody>
-      </p:sp>
-      <p:sp>
-        <p:nvSpPr>
-          <p:cNvPr id="7" name="Content Placeholder 1"/>
-          <p:cNvSpPr txBox="1">
-            <a:spLocks/>
-          </p:cNvSpPr>
-          <p:nvPr/>
-        </p:nvSpPr>
-        <p:spPr>
-          <a:xfrm>
-            <a:off x="1430867" y="3818467"/>
-            <a:ext cx="6951133" cy="2429933"/>
-          </a:xfrm>
-          <a:prstGeom prst="rect">
-            <a:avLst/>
-          </a:prstGeom>
-        </p:spPr>
-        <p:txBody>
-          <a:bodyPr vert="horz" lIns="91440" tIns="45720" rIns="91440" bIns="45720" rtlCol="0">
-            <a:noAutofit/>
-          </a:bodyPr>
-          <a:lstStyle>
-            <a:lvl1pPr marL="274320" indent="-274320" algn="l" defTabSz="914400" rtl="0" eaLnBrk="1" latinLnBrk="0" hangingPunct="1">
-              <a:spcBef>
-                <a:spcPct val="20000"/>
-              </a:spcBef>
-              <a:buClr>
-                <a:schemeClr val="accent1"/>
-              </a:buClr>
-              <a:buSzPct val="100000"/>
-              <a:buFont typeface="Symbol" pitchFamily="18" charset="2"/>
-              <a:buChar char=""/>
-              <a:defRPr sz="2400" kern="1200">
-                <a:solidFill>
-                  <a:schemeClr val="tx2"/>
-                </a:solidFill>
-                <a:latin typeface="+mn-lt"/>
-                <a:ea typeface="+mn-ea"/>
-                <a:cs typeface="+mn-cs"/>
-              </a:defRPr>
-            </a:lvl1pPr>
-            <a:lvl2pPr marL="576263" indent="-274320" algn="l" defTabSz="914400" rtl="0" eaLnBrk="1" latinLnBrk="0" hangingPunct="1">
-              <a:spcBef>
-                <a:spcPct val="20000"/>
-              </a:spcBef>
-              <a:buClr>
-                <a:schemeClr val="accent1"/>
-              </a:buClr>
-              <a:buSzPct val="100000"/>
-              <a:buFont typeface="Symbol" pitchFamily="18" charset="2"/>
-              <a:buChar char=""/>
-              <a:defRPr sz="2200" kern="1200">
-                <a:solidFill>
-                  <a:schemeClr val="tx2"/>
-                </a:solidFill>
-                <a:latin typeface="+mn-lt"/>
-                <a:ea typeface="+mn-ea"/>
-                <a:cs typeface="+mn-cs"/>
-              </a:defRPr>
-            </a:lvl2pPr>
-            <a:lvl3pPr marL="855663" indent="-228600" algn="l" defTabSz="914400" rtl="0" eaLnBrk="1" latinLnBrk="0" hangingPunct="1">
-              <a:spcBef>
-                <a:spcPct val="20000"/>
-              </a:spcBef>
-              <a:buClr>
-                <a:schemeClr val="accent1"/>
-              </a:buClr>
-              <a:buSzPct val="100000"/>
-              <a:buFont typeface="Symbol" pitchFamily="18" charset="2"/>
-              <a:buChar char=""/>
-              <a:defRPr sz="2000" kern="1200">
-                <a:solidFill>
-                  <a:schemeClr val="tx2"/>
-                </a:solidFill>
-                <a:latin typeface="+mn-lt"/>
-                <a:ea typeface="+mn-ea"/>
-                <a:cs typeface="+mn-cs"/>
-              </a:defRPr>
-            </a:lvl3pPr>
-            <a:lvl4pPr marL="1143000" indent="-228600" algn="l" defTabSz="914400" rtl="0" eaLnBrk="1" latinLnBrk="0" hangingPunct="1">
-              <a:spcBef>
-                <a:spcPct val="20000"/>
-              </a:spcBef>
-              <a:buClr>
-                <a:schemeClr val="accent1"/>
-              </a:buClr>
-              <a:buSzPct val="100000"/>
-              <a:buFont typeface="Symbol" pitchFamily="18" charset="2"/>
-              <a:buChar char=""/>
-              <a:defRPr sz="1800" kern="1200">
-                <a:solidFill>
-                  <a:schemeClr val="tx2"/>
-                </a:solidFill>
-                <a:latin typeface="+mn-lt"/>
-                <a:ea typeface="+mn-ea"/>
-                <a:cs typeface="+mn-cs"/>
-              </a:defRPr>
-            </a:lvl4pPr>
-            <a:lvl5pPr marL="1463040" indent="-228600" algn="l" defTabSz="914400" rtl="0" eaLnBrk="1" latinLnBrk="0" hangingPunct="1">
-              <a:spcBef>
-                <a:spcPct val="20000"/>
-              </a:spcBef>
-              <a:buClr>
-                <a:schemeClr val="accent1"/>
-              </a:buClr>
-              <a:buSzPct val="100000"/>
-              <a:buFont typeface="Symbol" pitchFamily="18" charset="2"/>
-              <a:buChar char=""/>
-              <a:defRPr sz="1600" kern="1200">
-                <a:solidFill>
-                  <a:schemeClr val="tx2"/>
-                </a:solidFill>
-                <a:latin typeface="+mn-lt"/>
-                <a:ea typeface="+mn-ea"/>
-                <a:cs typeface="+mn-cs"/>
-              </a:defRPr>
-            </a:lvl5pPr>
-            <a:lvl6pPr marL="1783080" indent="-228600" algn="l" defTabSz="914400" rtl="0" eaLnBrk="1" latinLnBrk="0" hangingPunct="1">
-              <a:spcBef>
-                <a:spcPts val="384"/>
-              </a:spcBef>
-              <a:buClr>
-                <a:schemeClr val="accent1"/>
-              </a:buClr>
-              <a:buFont typeface="Symbol" pitchFamily="18" charset="2"/>
-              <a:buChar char="*"/>
-              <a:defRPr sz="1400" kern="1200">
-                <a:solidFill>
-                  <a:schemeClr val="tx2"/>
-                </a:solidFill>
-                <a:latin typeface="+mn-lt"/>
-                <a:ea typeface="+mn-ea"/>
-                <a:cs typeface="+mn-cs"/>
-              </a:defRPr>
-            </a:lvl6pPr>
-            <a:lvl7pPr marL="2103120" indent="-228600" algn="l" defTabSz="914400" rtl="0" eaLnBrk="1" latinLnBrk="0" hangingPunct="1">
-              <a:spcBef>
-                <a:spcPts val="384"/>
-              </a:spcBef>
-              <a:buClr>
-                <a:schemeClr val="accent1"/>
-              </a:buClr>
-              <a:buFont typeface="Symbol" pitchFamily="18" charset="2"/>
-              <a:buChar char="*"/>
-              <a:defRPr sz="1400" kern="1200">
-                <a:solidFill>
-                  <a:schemeClr val="tx2"/>
-                </a:solidFill>
-                <a:latin typeface="+mn-lt"/>
-                <a:ea typeface="+mn-ea"/>
-                <a:cs typeface="+mn-cs"/>
-              </a:defRPr>
-            </a:lvl7pPr>
-            <a:lvl8pPr marL="2423160" indent="-228600" algn="l" defTabSz="914400" rtl="0" eaLnBrk="1" latinLnBrk="0" hangingPunct="1">
-              <a:spcBef>
-                <a:spcPts val="384"/>
-              </a:spcBef>
-              <a:buClr>
-                <a:schemeClr val="accent1"/>
-              </a:buClr>
-              <a:buFont typeface="Symbol" pitchFamily="18" charset="2"/>
-              <a:buChar char="*"/>
-              <a:defRPr sz="1400" kern="1200">
-                <a:solidFill>
-                  <a:schemeClr val="tx2"/>
-                </a:solidFill>
-                <a:latin typeface="+mn-lt"/>
-                <a:ea typeface="+mn-ea"/>
-                <a:cs typeface="+mn-cs"/>
-              </a:defRPr>
-            </a:lvl8pPr>
-            <a:lvl9pPr marL="2743200" indent="-228600" algn="l" defTabSz="914400" rtl="0" eaLnBrk="1" latinLnBrk="0" hangingPunct="1">
-              <a:spcBef>
-                <a:spcPts val="384"/>
-              </a:spcBef>
-              <a:buClr>
-                <a:schemeClr val="accent1"/>
-              </a:buClr>
-              <a:buFont typeface="Symbol" pitchFamily="18" charset="2"/>
-              <a:buChar char="*"/>
-              <a:defRPr sz="1400" kern="1200">
-                <a:solidFill>
-                  <a:schemeClr val="tx2"/>
-                </a:solidFill>
-                <a:latin typeface="+mn-lt"/>
-                <a:ea typeface="+mn-ea"/>
-                <a:cs typeface="+mn-cs"/>
-              </a:defRPr>
-            </a:lvl9pPr>
-          </a:lstStyle>
-          <a:p>
-            <a:pPr marL="0" indent="0" algn="ctr">
-              <a:buFont typeface="Symbol" pitchFamily="18" charset="2"/>
-              <a:buNone/>
-            </a:pPr>
-            <a:r>
-              <a:rPr lang="en-US" sz="4400" dirty="0" smtClean="0">
-                <a:solidFill>
-                  <a:srgbClr val="FF0000"/>
-                </a:solidFill>
-                <a:effectLst>
-                  <a:outerShdw blurRad="50800" dist="38100" dir="2700000" algn="tl" rotWithShape="0">
-                    <a:prstClr val="black">
-                      <a:alpha val="40000"/>
-                    </a:prstClr>
-                  </a:outerShdw>
-                </a:effectLst>
-              </a:rPr>
-              <a:t>Java programmers knew Threads were too low-level</a:t>
-            </a:r>
-            <a:endParaRPr lang="en-US" sz="4400" dirty="0">
-              <a:solidFill>
-                <a:srgbClr val="FF0000"/>
-              </a:solidFill>
-              <a:effectLst>
-                <a:outerShdw blurRad="50800" dist="38100" dir="2700000" algn="tl" rotWithShape="0">
-                  <a:prstClr val="black">
-                    <a:alpha val="40000"/>
-                  </a:prstClr>
-                </a:outerShdw>
-              </a:effectLst>
-            </a:endParaRPr>
-          </a:p>
-        </p:txBody>
-      </p:sp>
-    </p:spTree>
-    <p:extLst>
-      <p:ext uri="{BB962C8B-B14F-4D97-AF65-F5344CB8AC3E}">
-        <p14:creationId xmlns:p14="http://schemas.microsoft.com/office/powerpoint/2010/main" val="3750039012"/>
-      </p:ext>
-    </p:extLst>
-  </p:cSld>
-  <p:clrMapOvr>
-    <a:masterClrMapping/>
-  </p:clrMapOvr>
-  <p:timing>
-    <p:tnLst>
-      <p:par>
-        <p:cTn id="1" dur="indefinite" restart="never" nodeType="tmRoot">
-          <p:childTnLst>
-            <p:seq concurrent="1" nextAc="seek">
-              <p:cTn id="2" dur="indefinite" nodeType="mainSeq">
-                <p:childTnLst>
-                  <p:par>
-                    <p:cTn id="3" fill="hold">
-                      <p:stCondLst>
-                        <p:cond delay="indefinite"/>
-                      </p:stCondLst>
-                      <p:childTnLst>
-                        <p:par>
-                          <p:cTn id="4" fill="hold">
-                            <p:stCondLst>
-                              <p:cond delay="0"/>
-                            </p:stCondLst>
-                            <p:childTnLst>
-                              <p:par>
-                                <p:cTn id="5" presetID="2" presetClass="entr" presetSubtype="4" fill="hold" grpId="0" nodeType="clickEffect">
-                                  <p:stCondLst>
-                                    <p:cond delay="0"/>
-                                  </p:stCondLst>
-                                  <p:iterate type="lt">
-                                    <p:tmPct val="0"/>
-                                  </p:iterate>
-                                  <p:childTnLst>
-                                    <p:set>
-                                      <p:cBhvr>
-                                        <p:cTn id="6" dur="1" fill="hold">
-                                          <p:stCondLst>
-                                            <p:cond delay="0"/>
-                                          </p:stCondLst>
-                                        </p:cTn>
-                                        <p:tgtEl>
-                                          <p:spTgt spid="7"/>
-                                        </p:tgtEl>
-                                        <p:attrNameLst>
-                                          <p:attrName>style.visibility</p:attrName>
-                                        </p:attrNameLst>
-                                      </p:cBhvr>
-                                      <p:to>
-                                        <p:strVal val="visible"/>
-                                      </p:to>
-                                    </p:set>
-                                    <p:anim calcmode="lin" valueType="num">
-                                      <p:cBhvr additive="base">
-                                        <p:cTn id="7" dur="500" fill="hold"/>
-                                        <p:tgtEl>
-                                          <p:spTgt spid="7"/>
-                                        </p:tgtEl>
-                                        <p:attrNameLst>
-                                          <p:attrName>ppt_x</p:attrName>
-                                        </p:attrNameLst>
-                                      </p:cBhvr>
-                                      <p:tavLst>
-                                        <p:tav tm="0">
-                                          <p:val>
-                                            <p:strVal val="#ppt_x"/>
-                                          </p:val>
-                                        </p:tav>
-                                        <p:tav tm="100000">
-                                          <p:val>
-                                            <p:strVal val="#ppt_x"/>
-                                          </p:val>
-                                        </p:tav>
-                                      </p:tavLst>
-                                    </p:anim>
-                                    <p:anim calcmode="lin" valueType="num">
-                                      <p:cBhvr additive="base">
-                                        <p:cTn id="8" dur="500" fill="hold"/>
-                                        <p:tgtEl>
-                                          <p:spTgt spid="7"/>
-                                        </p:tgtEl>
-                                        <p:attrNameLst>
-                                          <p:attrName>ppt_y</p:attrName>
-                                        </p:attrNameLst>
-                                      </p:cBhvr>
-                                      <p:tavLst>
-                                        <p:tav tm="0">
-                                          <p:val>
-                                            <p:strVal val="1+#ppt_h/2"/>
-                                          </p:val>
-                                        </p:tav>
-                                        <p:tav tm="100000">
-                                          <p:val>
-                                            <p:strVal val="#ppt_y"/>
-                                          </p:val>
-                                        </p:tav>
-                                      </p:tavLst>
-                                    </p:anim>
-                                  </p:childTnLst>
-                                </p:cTn>
-                              </p:par>
-                            </p:childTnLst>
-                          </p:cTn>
-                        </p:par>
-                      </p:childTnLst>
-                    </p:cTn>
-                  </p:par>
-                </p:childTnLst>
-              </p:cTn>
-              <p:prevCondLst>
-                <p:cond evt="onPrev" delay="0">
-                  <p:tgtEl>
-                    <p:sldTgt/>
-                  </p:tgtEl>
-                </p:cond>
-              </p:prevCondLst>
-              <p:nextCondLst>
-                <p:cond evt="onNext" delay="0">
-                  <p:tgtEl>
-                    <p:sldTgt/>
-                  </p:tgtEl>
-                </p:cond>
-              </p:nextCondLst>
-            </p:seq>
-          </p:childTnLst>
-        </p:cTn>
-      </p:par>
-    </p:tnLst>
-    <p:bldLst>
-      <p:bldP spid="7" grpId="0"/>
-    </p:bldLst>
-  </p:timing>
-</p:sld>
-</file>
-
-<file path=ppt/slides/slide21.xml><?xml version="1.0" encoding="utf-8"?>
-<p:sld xmlns:a="http://schemas.openxmlformats.org/drawingml/2006/main" xmlns:r="http://schemas.openxmlformats.org/officeDocument/2006/relationships" xmlns:p="http://schemas.openxmlformats.org/presentationml/2006/main">
-  <p:cSld>
-    <p:spTree>
-      <p:nvGrpSpPr>
-        <p:cNvPr id="1" name=""/>
-        <p:cNvGrpSpPr/>
-        <p:nvPr/>
-      </p:nvGrpSpPr>
-      <p:grpSpPr>
-        <a:xfrm>
-          <a:off x="0" y="0"/>
-          <a:ext cx="0" cy="0"/>
-          <a:chOff x="0" y="0"/>
-          <a:chExt cx="0" cy="0"/>
-        </a:xfrm>
-      </p:grpSpPr>
-      <p:sp>
-        <p:nvSpPr>
           <p:cNvPr id="2" name="Content Placeholder 1"/>
           <p:cNvSpPr>
             <a:spLocks noGrp="1"/>
@@ -22731,7 +22367,6 @@
               <a:rPr lang="en-US" dirty="0" smtClean="0"/>
               <a:t>Race Conditions</a:t>
             </a:r>
-            <a:endParaRPr lang="en-US" dirty="0" smtClean="0"/>
           </a:p>
           <a:p>
             <a:pPr lvl="1"/>
@@ -22746,7 +22381,6 @@
               <a:rPr lang="en-US" dirty="0" smtClean="0"/>
               <a:t>Unintentional publication of objects and data</a:t>
             </a:r>
-            <a:endParaRPr lang="en-US" dirty="0" smtClean="0"/>
           </a:p>
         </p:txBody>
       </p:sp>
@@ -23112,7 +22746,7 @@
 </p:sld>
 </file>
 
-<file path=ppt/slides/slide22.xml><?xml version="1.0" encoding="utf-8"?>
+<file path=ppt/slides/slide21.xml><?xml version="1.0" encoding="utf-8"?>
 <p:sld xmlns:a="http://schemas.openxmlformats.org/drawingml/2006/main" xmlns:r="http://schemas.openxmlformats.org/officeDocument/2006/relationships" xmlns:p="http://schemas.openxmlformats.org/presentationml/2006/main">
   <p:cSld>
     <p:spTree>
@@ -23154,7 +22788,6 @@
               <a:rPr lang="en-US" dirty="0" smtClean="0"/>
               <a:t>“Threads”, as a mechanism, do not encourage reasoning about task boundaries</a:t>
             </a:r>
-            <a:endParaRPr lang="en-US" dirty="0" smtClean="0"/>
           </a:p>
         </p:txBody>
       </p:sp>
@@ -23324,7 +22957,7 @@
 </p:sld>
 </file>
 
-<file path=ppt/slides/slide23.xml><?xml version="1.0" encoding="utf-8"?>
+<file path=ppt/slides/slide22.xml><?xml version="1.0" encoding="utf-8"?>
 <p:sld xmlns:a="http://schemas.openxmlformats.org/drawingml/2006/main" xmlns:r="http://schemas.openxmlformats.org/officeDocument/2006/relationships" xmlns:p="http://schemas.openxmlformats.org/presentationml/2006/main">
   <p:cSld>
     <p:spTree>
@@ -24014,7 +23647,7 @@
 </p:sld>
 </file>
 
-<file path=ppt/slides/slide24.xml><?xml version="1.0" encoding="utf-8"?>
+<file path=ppt/slides/slide23.xml><?xml version="1.0" encoding="utf-8"?>
 <p:sld xmlns:a="http://schemas.openxmlformats.org/drawingml/2006/main" xmlns:r="http://schemas.openxmlformats.org/officeDocument/2006/relationships" xmlns:p="http://schemas.openxmlformats.org/presentationml/2006/main" showMasterSp="0">
   <p:cSld>
     <p:bg>
@@ -24100,7 +23733,7 @@
 </p:sld>
 </file>
 
-<file path=ppt/slides/slide25.xml><?xml version="1.0" encoding="utf-8"?>
+<file path=ppt/slides/slide24.xml><?xml version="1.0" encoding="utf-8"?>
 <p:sld xmlns:a="http://schemas.openxmlformats.org/drawingml/2006/main" xmlns:r="http://schemas.openxmlformats.org/officeDocument/2006/relationships" xmlns:p="http://schemas.openxmlformats.org/presentationml/2006/main">
   <p:cSld>
     <p:spTree>
@@ -24136,11 +23769,7 @@
           <a:p>
             <a:r>
               <a:rPr lang="en-US" dirty="0" smtClean="0"/>
-              <a:t>Deep-copies everything you pass into </a:t>
-            </a:r>
-            <a:r>
-              <a:rPr lang="en-US" dirty="0" smtClean="0"/>
-              <a:t>it</a:t>
+              <a:t>Deep-copies everything you pass into it</a:t>
             </a:r>
           </a:p>
           <a:p>
@@ -24148,7 +23777,6 @@
               <a:rPr lang="en-US" dirty="0" smtClean="0"/>
               <a:t>Provides no mechanism for retrieving results</a:t>
             </a:r>
-            <a:endParaRPr lang="en-US" dirty="0" smtClean="0"/>
           </a:p>
           <a:p>
             <a:r>
@@ -24599,7 +24227,7 @@
 </p:sld>
 </file>
 
-<file path=ppt/slides/slide26.xml><?xml version="1.0" encoding="utf-8"?>
+<file path=ppt/slides/slide25.xml><?xml version="1.0" encoding="utf-8"?>
 <p:sld xmlns:a="http://schemas.openxmlformats.org/drawingml/2006/main" xmlns:r="http://schemas.openxmlformats.org/officeDocument/2006/relationships" xmlns:p="http://schemas.openxmlformats.org/presentationml/2006/main">
   <p:cSld>
     <p:spTree>
@@ -24978,7 +24606,7 @@
 </p:sld>
 </file>
 
-<file path=ppt/slides/slide27.xml><?xml version="1.0" encoding="utf-8"?>
+<file path=ppt/slides/slide26.xml><?xml version="1.0" encoding="utf-8"?>
 <p:sld xmlns:a="http://schemas.openxmlformats.org/drawingml/2006/main" xmlns:r="http://schemas.openxmlformats.org/officeDocument/2006/relationships" xmlns:p="http://schemas.openxmlformats.org/presentationml/2006/main" showMasterSp="0">
   <p:cSld>
     <p:bg>
@@ -25064,7 +24692,7 @@
 </p:sld>
 </file>
 
-<file path=ppt/slides/slide28.xml><?xml version="1.0" encoding="utf-8"?>
+<file path=ppt/slides/slide27.xml><?xml version="1.0" encoding="utf-8"?>
 <p:sld xmlns:a="http://schemas.openxmlformats.org/drawingml/2006/main" xmlns:r="http://schemas.openxmlformats.org/officeDocument/2006/relationships" xmlns:p="http://schemas.openxmlformats.org/presentationml/2006/main">
   <p:cSld>
     <p:spTree>
@@ -25579,7 +25207,7 @@
 </p:sld>
 </file>
 
-<file path=ppt/slides/slide29.xml><?xml version="1.0" encoding="utf-8"?>
+<file path=ppt/slides/slide28.xml><?xml version="1.0" encoding="utf-8"?>
 <p:sld xmlns:a="http://schemas.openxmlformats.org/drawingml/2006/main" xmlns:r="http://schemas.openxmlformats.org/officeDocument/2006/relationships" xmlns:p="http://schemas.openxmlformats.org/presentationml/2006/main" showMasterSp="0">
   <p:cSld>
     <p:bg>
@@ -26002,6 +25630,141 @@
 </p:sld>
 </file>
 
+<file path=ppt/slides/slide29.xml><?xml version="1.0" encoding="utf-8"?>
+<p:sld xmlns:a="http://schemas.openxmlformats.org/drawingml/2006/main" xmlns:r="http://schemas.openxmlformats.org/officeDocument/2006/relationships" xmlns:p="http://schemas.openxmlformats.org/presentationml/2006/main">
+  <p:cSld>
+    <p:spTree>
+      <p:nvGrpSpPr>
+        <p:cNvPr id="1" name=""/>
+        <p:cNvGrpSpPr/>
+        <p:nvPr/>
+      </p:nvGrpSpPr>
+      <p:grpSpPr>
+        <a:xfrm>
+          <a:off x="0" y="0"/>
+          <a:ext cx="0" cy="0"/>
+          <a:chOff x="0" y="0"/>
+          <a:chExt cx="0" cy="0"/>
+        </a:xfrm>
+      </p:grpSpPr>
+      <p:sp>
+        <p:nvSpPr>
+          <p:cNvPr id="3" name="Title 2"/>
+          <p:cNvSpPr>
+            <a:spLocks noGrp="1"/>
+          </p:cNvSpPr>
+          <p:nvPr>
+            <p:ph type="title"/>
+          </p:nvPr>
+        </p:nvSpPr>
+        <p:spPr/>
+        <p:txBody>
+          <a:bodyPr/>
+          <a:lstStyle/>
+          <a:p>
+            <a:r>
+              <a:rPr lang="en-US" dirty="0" err="1" smtClean="0"/>
+              <a:t>Ommmmmmmm</a:t>
+            </a:r>
+            <a:endParaRPr lang="en-US" dirty="0"/>
+          </a:p>
+        </p:txBody>
+      </p:sp>
+      <p:sp>
+        <p:nvSpPr>
+          <p:cNvPr id="5" name="Content Placeholder 1"/>
+          <p:cNvSpPr>
+            <a:spLocks noGrp="1"/>
+          </p:cNvSpPr>
+          <p:nvPr>
+            <p:ph idx="1"/>
+          </p:nvPr>
+        </p:nvSpPr>
+        <p:spPr>
+          <a:xfrm>
+            <a:off x="304800" y="2599267"/>
+            <a:ext cx="8534400" cy="1210733"/>
+          </a:xfrm>
+        </p:spPr>
+        <p:txBody>
+          <a:bodyPr>
+            <a:noAutofit/>
+          </a:bodyPr>
+          <a:lstStyle/>
+          <a:p>
+            <a:pPr marL="0" indent="0" algn="ctr">
+              <a:buNone/>
+            </a:pPr>
+            <a:r>
+              <a:rPr lang="en-US" sz="5400" dirty="0" smtClean="0">
+                <a:solidFill>
+                  <a:srgbClr val="002060"/>
+                </a:solidFill>
+                <a:effectLst>
+                  <a:outerShdw blurRad="50800" dist="38100" dir="2700000" algn="tl" rotWithShape="0">
+                    <a:prstClr val="black">
+                      <a:alpha val="40000"/>
+                    </a:prstClr>
+                  </a:outerShdw>
+                </a:effectLst>
+              </a:rPr>
+              <a:t>Introducing: </a:t>
+            </a:r>
+          </a:p>
+          <a:p>
+            <a:pPr marL="0" indent="0" algn="ctr">
+              <a:buNone/>
+            </a:pPr>
+            <a:r>
+              <a:rPr lang="en-US" sz="5400" dirty="0" smtClean="0">
+                <a:solidFill>
+                  <a:srgbClr val="002060"/>
+                </a:solidFill>
+                <a:effectLst>
+                  <a:outerShdw blurRad="50800" dist="38100" dir="2700000" algn="tl" rotWithShape="0">
+                    <a:prstClr val="black">
+                      <a:alpha val="40000"/>
+                    </a:prstClr>
+                  </a:outerShdw>
+                </a:effectLst>
+              </a:rPr>
+              <a:t>Enlightened Concurrency in ColdFusion</a:t>
+            </a:r>
+            <a:endParaRPr lang="en-US" sz="4000" dirty="0">
+              <a:solidFill>
+                <a:srgbClr val="002060"/>
+              </a:solidFill>
+              <a:effectLst>
+                <a:outerShdw blurRad="50800" dist="38100" dir="2700000" algn="tl" rotWithShape="0">
+                  <a:prstClr val="black">
+                    <a:alpha val="40000"/>
+                  </a:prstClr>
+                </a:outerShdw>
+              </a:effectLst>
+            </a:endParaRPr>
+          </a:p>
+        </p:txBody>
+      </p:sp>
+    </p:spTree>
+    <p:extLst>
+      <p:ext uri="{BB962C8B-B14F-4D97-AF65-F5344CB8AC3E}">
+        <p14:creationId xmlns:p14="http://schemas.microsoft.com/office/powerpoint/2010/main" val="2430118711"/>
+      </p:ext>
+    </p:extLst>
+  </p:cSld>
+  <p:clrMapOvr>
+    <a:masterClrMapping/>
+  </p:clrMapOvr>
+  <p:timing>
+    <p:tnLst>
+      <p:par>
+        <p:cTn id="1" dur="indefinite" restart="never" nodeType="tmRoot"/>
+      </p:par>
+    </p:tnLst>
+  </p:timing>
+</p:sld>
+</file>
+
 <file path=ppt/slides/slide3.xml><?xml version="1.0" encoding="utf-8"?>
 <p:sld xmlns:a="http://schemas.openxmlformats.org/drawingml/2006/main" xmlns:r="http://schemas.openxmlformats.org/officeDocument/2006/relationships" xmlns:p="http://schemas.openxmlformats.org/presentationml/2006/main">
   <p:cSld>
@@ -26021,58 +25784,6 @@
       </p:grpSpPr>
       <p:sp>
         <p:nvSpPr>
-          <p:cNvPr id="2" name="Content Placeholder 1"/>
-          <p:cNvSpPr>
-            <a:spLocks noGrp="1"/>
-          </p:cNvSpPr>
-          <p:nvPr>
-            <p:ph idx="1"/>
-          </p:nvPr>
-        </p:nvSpPr>
-        <p:spPr/>
-        <p:txBody>
-          <a:bodyPr/>
-          <a:lstStyle/>
-          <a:p>
-            <a:r>
-              <a:rPr lang="en-US" dirty="0" smtClean="0"/>
-              <a:t>To Mix Metaphors</a:t>
-            </a:r>
-          </a:p>
-          <a:p>
-            <a:r>
-              <a:rPr lang="en-US" dirty="0" smtClean="0"/>
-              <a:t>To make senseless use of animated transitions</a:t>
-            </a:r>
-          </a:p>
-          <a:p>
-            <a:r>
-              <a:rPr lang="en-US" dirty="0" smtClean="0"/>
-              <a:t>To say “reason about” at least 20 times</a:t>
-            </a:r>
-          </a:p>
-          <a:p>
-            <a:r>
-              <a:rPr lang="en-US" dirty="0" smtClean="0"/>
-              <a:t>A Meme-Extravaganza</a:t>
-            </a:r>
-          </a:p>
-          <a:p>
-            <a:endParaRPr lang="en-US" dirty="0" smtClean="0"/>
-          </a:p>
-          <a:p>
-            <a:r>
-              <a:rPr lang="en-US" dirty="0" smtClean="0"/>
-              <a:t>To teach you how to use parts of the Java Concurrency Framework (JCF) in ColdFusion</a:t>
-            </a:r>
-          </a:p>
-          <a:p>
-            <a:endParaRPr lang="en-US" dirty="0"/>
-          </a:p>
-        </p:txBody>
-      </p:sp>
-      <p:sp>
-        <p:nvSpPr>
           <p:cNvPr id="3" name="Title 2"/>
           <p:cNvSpPr>
             <a:spLocks noGrp="1"/>
@@ -26088,16 +25799,370 @@
           <a:p>
             <a:r>
               <a:rPr lang="en-US" dirty="0" smtClean="0"/>
-              <a:t>I Hereby Promise…</a:t>
+              <a:t>This Presentation is NOT About</a:t>
             </a:r>
             <a:endParaRPr lang="en-US" dirty="0"/>
+          </a:p>
+        </p:txBody>
+      </p:sp>
+      <p:sp>
+        <p:nvSpPr>
+          <p:cNvPr id="4" name="Content Placeholder 1"/>
+          <p:cNvSpPr txBox="1">
+            <a:spLocks/>
+          </p:cNvSpPr>
+          <p:nvPr/>
+        </p:nvSpPr>
+        <p:spPr>
+          <a:xfrm>
+            <a:off x="533400" y="2667000"/>
+            <a:ext cx="7696200" cy="3733800"/>
+          </a:xfrm>
+          <a:prstGeom prst="rect">
+            <a:avLst/>
+          </a:prstGeom>
+        </p:spPr>
+        <p:txBody>
+          <a:bodyPr vert="horz" lIns="91440" tIns="45720" rIns="91440" bIns="45720" rtlCol="0">
+            <a:noAutofit/>
+          </a:bodyPr>
+          <a:lstStyle>
+            <a:lvl1pPr marL="274320" indent="-274320" algn="l" defTabSz="914400" rtl="0" eaLnBrk="1" latinLnBrk="0" hangingPunct="1">
+              <a:spcBef>
+                <a:spcPct val="20000"/>
+              </a:spcBef>
+              <a:buClr>
+                <a:schemeClr val="accent1"/>
+              </a:buClr>
+              <a:buSzPct val="100000"/>
+              <a:buFont typeface="Symbol" pitchFamily="18" charset="2"/>
+              <a:buChar char=""/>
+              <a:defRPr sz="2400" kern="1200">
+                <a:solidFill>
+                  <a:schemeClr val="tx2"/>
+                </a:solidFill>
+                <a:latin typeface="+mn-lt"/>
+                <a:ea typeface="+mn-ea"/>
+                <a:cs typeface="+mn-cs"/>
+              </a:defRPr>
+            </a:lvl1pPr>
+            <a:lvl2pPr marL="576263" indent="-274320" algn="l" defTabSz="914400" rtl="0" eaLnBrk="1" latinLnBrk="0" hangingPunct="1">
+              <a:spcBef>
+                <a:spcPct val="20000"/>
+              </a:spcBef>
+              <a:buClr>
+                <a:schemeClr val="accent1"/>
+              </a:buClr>
+              <a:buSzPct val="100000"/>
+              <a:buFont typeface="Symbol" pitchFamily="18" charset="2"/>
+              <a:buChar char=""/>
+              <a:defRPr sz="2200" kern="1200">
+                <a:solidFill>
+                  <a:schemeClr val="tx2"/>
+                </a:solidFill>
+                <a:latin typeface="+mn-lt"/>
+                <a:ea typeface="+mn-ea"/>
+                <a:cs typeface="+mn-cs"/>
+              </a:defRPr>
+            </a:lvl2pPr>
+            <a:lvl3pPr marL="855663" indent="-228600" algn="l" defTabSz="914400" rtl="0" eaLnBrk="1" latinLnBrk="0" hangingPunct="1">
+              <a:spcBef>
+                <a:spcPct val="20000"/>
+              </a:spcBef>
+              <a:buClr>
+                <a:schemeClr val="accent1"/>
+              </a:buClr>
+              <a:buSzPct val="100000"/>
+              <a:buFont typeface="Symbol" pitchFamily="18" charset="2"/>
+              <a:buChar char=""/>
+              <a:defRPr sz="2000" kern="1200">
+                <a:solidFill>
+                  <a:schemeClr val="tx2"/>
+                </a:solidFill>
+                <a:latin typeface="+mn-lt"/>
+                <a:ea typeface="+mn-ea"/>
+                <a:cs typeface="+mn-cs"/>
+              </a:defRPr>
+            </a:lvl3pPr>
+            <a:lvl4pPr marL="1143000" indent="-228600" algn="l" defTabSz="914400" rtl="0" eaLnBrk="1" latinLnBrk="0" hangingPunct="1">
+              <a:spcBef>
+                <a:spcPct val="20000"/>
+              </a:spcBef>
+              <a:buClr>
+                <a:schemeClr val="accent1"/>
+              </a:buClr>
+              <a:buSzPct val="100000"/>
+              <a:buFont typeface="Symbol" pitchFamily="18" charset="2"/>
+              <a:buChar char=""/>
+              <a:defRPr sz="1800" kern="1200">
+                <a:solidFill>
+                  <a:schemeClr val="tx2"/>
+                </a:solidFill>
+                <a:latin typeface="+mn-lt"/>
+                <a:ea typeface="+mn-ea"/>
+                <a:cs typeface="+mn-cs"/>
+              </a:defRPr>
+            </a:lvl4pPr>
+            <a:lvl5pPr marL="1463040" indent="-228600" algn="l" defTabSz="914400" rtl="0" eaLnBrk="1" latinLnBrk="0" hangingPunct="1">
+              <a:spcBef>
+                <a:spcPct val="20000"/>
+              </a:spcBef>
+              <a:buClr>
+                <a:schemeClr val="accent1"/>
+              </a:buClr>
+              <a:buSzPct val="100000"/>
+              <a:buFont typeface="Symbol" pitchFamily="18" charset="2"/>
+              <a:buChar char=""/>
+              <a:defRPr sz="1600" kern="1200">
+                <a:solidFill>
+                  <a:schemeClr val="tx2"/>
+                </a:solidFill>
+                <a:latin typeface="+mn-lt"/>
+                <a:ea typeface="+mn-ea"/>
+                <a:cs typeface="+mn-cs"/>
+              </a:defRPr>
+            </a:lvl5pPr>
+            <a:lvl6pPr marL="1783080" indent="-228600" algn="l" defTabSz="914400" rtl="0" eaLnBrk="1" latinLnBrk="0" hangingPunct="1">
+              <a:spcBef>
+                <a:spcPts val="384"/>
+              </a:spcBef>
+              <a:buClr>
+                <a:schemeClr val="accent1"/>
+              </a:buClr>
+              <a:buFont typeface="Symbol" pitchFamily="18" charset="2"/>
+              <a:buChar char="*"/>
+              <a:defRPr sz="1400" kern="1200">
+                <a:solidFill>
+                  <a:schemeClr val="tx2"/>
+                </a:solidFill>
+                <a:latin typeface="+mn-lt"/>
+                <a:ea typeface="+mn-ea"/>
+                <a:cs typeface="+mn-cs"/>
+              </a:defRPr>
+            </a:lvl6pPr>
+            <a:lvl7pPr marL="2103120" indent="-228600" algn="l" defTabSz="914400" rtl="0" eaLnBrk="1" latinLnBrk="0" hangingPunct="1">
+              <a:spcBef>
+                <a:spcPts val="384"/>
+              </a:spcBef>
+              <a:buClr>
+                <a:schemeClr val="accent1"/>
+              </a:buClr>
+              <a:buFont typeface="Symbol" pitchFamily="18" charset="2"/>
+              <a:buChar char="*"/>
+              <a:defRPr sz="1400" kern="1200">
+                <a:solidFill>
+                  <a:schemeClr val="tx2"/>
+                </a:solidFill>
+                <a:latin typeface="+mn-lt"/>
+                <a:ea typeface="+mn-ea"/>
+                <a:cs typeface="+mn-cs"/>
+              </a:defRPr>
+            </a:lvl7pPr>
+            <a:lvl8pPr marL="2423160" indent="-228600" algn="l" defTabSz="914400" rtl="0" eaLnBrk="1" latinLnBrk="0" hangingPunct="1">
+              <a:spcBef>
+                <a:spcPts val="384"/>
+              </a:spcBef>
+              <a:buClr>
+                <a:schemeClr val="accent1"/>
+              </a:buClr>
+              <a:buFont typeface="Symbol" pitchFamily="18" charset="2"/>
+              <a:buChar char="*"/>
+              <a:defRPr sz="1400" kern="1200">
+                <a:solidFill>
+                  <a:schemeClr val="tx2"/>
+                </a:solidFill>
+                <a:latin typeface="+mn-lt"/>
+                <a:ea typeface="+mn-ea"/>
+                <a:cs typeface="+mn-cs"/>
+              </a:defRPr>
+            </a:lvl8pPr>
+            <a:lvl9pPr marL="2743200" indent="-228600" algn="l" defTabSz="914400" rtl="0" eaLnBrk="1" latinLnBrk="0" hangingPunct="1">
+              <a:spcBef>
+                <a:spcPts val="384"/>
+              </a:spcBef>
+              <a:buClr>
+                <a:schemeClr val="accent1"/>
+              </a:buClr>
+              <a:buFont typeface="Symbol" pitchFamily="18" charset="2"/>
+              <a:buChar char="*"/>
+              <a:defRPr sz="1400" kern="1200">
+                <a:solidFill>
+                  <a:schemeClr val="tx2"/>
+                </a:solidFill>
+                <a:latin typeface="+mn-lt"/>
+                <a:ea typeface="+mn-ea"/>
+                <a:cs typeface="+mn-cs"/>
+              </a:defRPr>
+            </a:lvl9pPr>
+          </a:lstStyle>
+          <a:p>
+            <a:pPr marL="0" indent="0">
+              <a:buFont typeface="Symbol" pitchFamily="18" charset="2"/>
+              <a:buNone/>
+            </a:pPr>
+            <a:r>
+              <a:rPr lang="en-US" sz="4000" dirty="0" smtClean="0">
+                <a:solidFill>
+                  <a:srgbClr val="002060"/>
+                </a:solidFill>
+                <a:effectLst>
+                  <a:outerShdw blurRad="50800" dist="38100" dir="2700000" algn="tl" rotWithShape="0">
+                    <a:prstClr val="black">
+                      <a:alpha val="40000"/>
+                    </a:prstClr>
+                  </a:outerShdw>
+                </a:effectLst>
+              </a:rPr>
+              <a:t>Replacing </a:t>
+            </a:r>
+            <a:r>
+              <a:rPr lang="en-US" sz="4000" dirty="0" err="1" smtClean="0">
+                <a:solidFill>
+                  <a:srgbClr val="002060"/>
+                </a:solidFill>
+                <a:effectLst>
+                  <a:outerShdw blurRad="50800" dist="38100" dir="2700000" algn="tl" rotWithShape="0">
+                    <a:prstClr val="black">
+                      <a:alpha val="40000"/>
+                    </a:prstClr>
+                  </a:outerShdw>
+                </a:effectLst>
+              </a:rPr>
+              <a:t>CFThread</a:t>
+            </a:r>
+            <a:r>
+              <a:rPr lang="en-US" sz="4000" dirty="0" smtClean="0">
+                <a:solidFill>
+                  <a:srgbClr val="002060"/>
+                </a:solidFill>
+                <a:effectLst>
+                  <a:outerShdw blurRad="50800" dist="38100" dir="2700000" algn="tl" rotWithShape="0">
+                    <a:prstClr val="black">
+                      <a:alpha val="40000"/>
+                    </a:prstClr>
+                  </a:outerShdw>
+                </a:effectLst>
+              </a:rPr>
+              <a:t> for “fire-and-forget” operations</a:t>
+            </a:r>
+          </a:p>
+          <a:p>
+            <a:pPr marL="0" indent="0">
+              <a:buFont typeface="Symbol" pitchFamily="18" charset="2"/>
+              <a:buNone/>
+            </a:pPr>
+            <a:endParaRPr lang="en-US" sz="4000" dirty="0">
+              <a:solidFill>
+                <a:srgbClr val="002060"/>
+              </a:solidFill>
+              <a:effectLst>
+                <a:outerShdw blurRad="50800" dist="38100" dir="2700000" algn="tl" rotWithShape="0">
+                  <a:prstClr val="black">
+                    <a:alpha val="40000"/>
+                  </a:prstClr>
+                </a:outerShdw>
+              </a:effectLst>
+            </a:endParaRPr>
+          </a:p>
+          <a:p>
+            <a:pPr marL="0" indent="0">
+              <a:buFont typeface="Symbol" pitchFamily="18" charset="2"/>
+              <a:buNone/>
+            </a:pPr>
+            <a:r>
+              <a:rPr lang="en-US" sz="4000" dirty="0" smtClean="0">
+                <a:solidFill>
+                  <a:srgbClr val="002060"/>
+                </a:solidFill>
+                <a:effectLst>
+                  <a:outerShdw blurRad="50800" dist="38100" dir="2700000" algn="tl" rotWithShape="0">
+                    <a:prstClr val="black">
+                      <a:alpha val="40000"/>
+                    </a:prstClr>
+                  </a:outerShdw>
+                </a:effectLst>
+              </a:rPr>
+              <a:t>Using </a:t>
+            </a:r>
+            <a:r>
+              <a:rPr lang="en-US" sz="4000" dirty="0" err="1" smtClean="0">
+                <a:solidFill>
+                  <a:srgbClr val="002060"/>
+                </a:solidFill>
+                <a:effectLst>
+                  <a:outerShdw blurRad="50800" dist="38100" dir="2700000" algn="tl" rotWithShape="0">
+                    <a:prstClr val="black">
+                      <a:alpha val="40000"/>
+                    </a:prstClr>
+                  </a:outerShdw>
+                </a:effectLst>
+              </a:rPr>
+              <a:t>Scala</a:t>
+            </a:r>
+            <a:r>
+              <a:rPr lang="en-US" sz="4000" dirty="0" smtClean="0">
+                <a:solidFill>
+                  <a:srgbClr val="002060"/>
+                </a:solidFill>
+                <a:effectLst>
+                  <a:outerShdw blurRad="50800" dist="38100" dir="2700000" algn="tl" rotWithShape="0">
+                    <a:prstClr val="black">
+                      <a:alpha val="40000"/>
+                    </a:prstClr>
+                  </a:outerShdw>
+                </a:effectLst>
+              </a:rPr>
+              <a:t>, </a:t>
+            </a:r>
+            <a:r>
+              <a:rPr lang="en-US" sz="4000" dirty="0" err="1" smtClean="0">
+                <a:solidFill>
+                  <a:srgbClr val="002060"/>
+                </a:solidFill>
+                <a:effectLst>
+                  <a:outerShdw blurRad="50800" dist="38100" dir="2700000" algn="tl" rotWithShape="0">
+                    <a:prstClr val="black">
+                      <a:alpha val="40000"/>
+                    </a:prstClr>
+                  </a:outerShdw>
+                </a:effectLst>
+              </a:rPr>
+              <a:t>Clojure</a:t>
+            </a:r>
+            <a:r>
+              <a:rPr lang="en-US" sz="4000" dirty="0" smtClean="0">
+                <a:solidFill>
+                  <a:srgbClr val="002060"/>
+                </a:solidFill>
+                <a:effectLst>
+                  <a:outerShdw blurRad="50800" dist="38100" dir="2700000" algn="tl" rotWithShape="0">
+                    <a:prstClr val="black">
+                      <a:alpha val="40000"/>
+                    </a:prstClr>
+                  </a:outerShdw>
+                </a:effectLst>
+              </a:rPr>
+              <a:t>, or other JVM languages</a:t>
+            </a:r>
+            <a:endParaRPr lang="en-US" sz="4000" dirty="0">
+              <a:solidFill>
+                <a:srgbClr val="002060"/>
+              </a:solidFill>
+              <a:effectLst>
+                <a:outerShdw blurRad="50800" dist="38100" dir="2700000" algn="tl" rotWithShape="0">
+                  <a:prstClr val="black">
+                    <a:alpha val="40000"/>
+                  </a:prstClr>
+                </a:outerShdw>
+              </a:effectLst>
+            </a:endParaRPr>
           </a:p>
         </p:txBody>
       </p:sp>
     </p:spTree>
     <p:extLst>
       <p:ext uri="{BB962C8B-B14F-4D97-AF65-F5344CB8AC3E}">
-        <p14:creationId xmlns:p14="http://schemas.microsoft.com/office/powerpoint/2010/main" val="4087538933"/>
+        <p14:creationId xmlns:p14="http://schemas.microsoft.com/office/powerpoint/2010/main" val="2013393942"/>
       </p:ext>
     </p:extLst>
   </p:cSld>
@@ -26107,7 +26172,128 @@
   <p:timing>
     <p:tnLst>
       <p:par>
-        <p:cTn id="1" dur="indefinite" restart="never" nodeType="tmRoot"/>
+        <p:cTn id="1" dur="indefinite" restart="never" nodeType="tmRoot">
+          <p:childTnLst>
+            <p:seq concurrent="1" nextAc="seek">
+              <p:cTn id="2" dur="indefinite" nodeType="mainSeq">
+                <p:childTnLst>
+                  <p:par>
+                    <p:cTn id="3" fill="hold">
+                      <p:stCondLst>
+                        <p:cond delay="indefinite"/>
+                      </p:stCondLst>
+                      <p:childTnLst>
+                        <p:par>
+                          <p:cTn id="4" fill="hold">
+                            <p:stCondLst>
+                              <p:cond delay="0"/>
+                            </p:stCondLst>
+                            <p:childTnLst>
+                              <p:par>
+                                <p:cTn id="5" presetID="1" presetClass="entr" presetSubtype="0" fill="hold" nodeType="clickEffect">
+                                  <p:stCondLst>
+                                    <p:cond delay="0"/>
+                                  </p:stCondLst>
+                                  <p:childTnLst>
+                                    <p:set>
+                                      <p:cBhvr>
+                                        <p:cTn id="6" dur="1" fill="hold">
+                                          <p:stCondLst>
+                                            <p:cond delay="0"/>
+                                          </p:stCondLst>
+                                        </p:cTn>
+                                        <p:tgtEl>
+                                          <p:spTgt spid="4">
+                                            <p:txEl>
+                                              <p:pRg st="0" end="0"/>
+                                            </p:txEl>
+                                          </p:spTgt>
+                                        </p:tgtEl>
+                                        <p:attrNameLst>
+                                          <p:attrName>style.visibility</p:attrName>
+                                        </p:attrNameLst>
+                                      </p:cBhvr>
+                                      <p:to>
+                                        <p:strVal val="visible"/>
+                                      </p:to>
+                                    </p:set>
+                                  </p:childTnLst>
+                                </p:cTn>
+                              </p:par>
+                            </p:childTnLst>
+                          </p:cTn>
+                        </p:par>
+                      </p:childTnLst>
+                    </p:cTn>
+                  </p:par>
+                  <p:par>
+                    <p:cTn id="7" fill="hold">
+                      <p:stCondLst>
+                        <p:cond delay="indefinite"/>
+                      </p:stCondLst>
+                      <p:childTnLst>
+                        <p:par>
+                          <p:cTn id="8" fill="hold">
+                            <p:stCondLst>
+                              <p:cond delay="0"/>
+                            </p:stCondLst>
+                            <p:childTnLst>
+                              <p:par>
+                                <p:cTn id="9" presetID="1" presetClass="entr" presetSubtype="0" fill="hold" nodeType="clickEffect">
+                                  <p:stCondLst>
+                                    <p:cond delay="0"/>
+                                  </p:stCondLst>
+                                  <p:childTnLst>
+                                    <p:set>
+                                      <p:cBhvr>
+                                        <p:cTn id="10" dur="1" fill="hold">
+                                          <p:stCondLst>
+                                            <p:cond delay="0"/>
+                                          </p:stCondLst>
+                                        </p:cTn>
+                                        <p:tgtEl>
+                                          <p:spTgt spid="4">
+                                            <p:txEl>
+                                              <p:pRg st="2" end="2"/>
+                                            </p:txEl>
+                                          </p:spTgt>
+                                        </p:tgtEl>
+                                        <p:attrNameLst>
+                                          <p:attrName>style.visibility</p:attrName>
+                                        </p:attrNameLst>
+                                      </p:cBhvr>
+                                      <p:to>
+                                        <p:strVal val="visible"/>
+                                      </p:to>
+                                    </p:set>
+                                  </p:childTnLst>
+                                </p:cTn>
+                              </p:par>
+                            </p:childTnLst>
+                          </p:cTn>
+                        </p:par>
+                      </p:childTnLst>
+                    </p:cTn>
+                  </p:par>
+                </p:childTnLst>
+              </p:cTn>
+              <p:prevCondLst>
+                <p:cond evt="onPrev" delay="0">
+                  <p:tgtEl>
+                    <p:sldTgt/>
+                  </p:tgtEl>
+                </p:cond>
+              </p:prevCondLst>
+              <p:nextCondLst>
+                <p:cond evt="onNext" delay="0">
+                  <p:tgtEl>
+                    <p:sldTgt/>
+                  </p:tgtEl>
+                </p:cond>
+              </p:nextCondLst>
+            </p:seq>
+          </p:childTnLst>
+        </p:cTn>
       </p:par>
     </p:tnLst>
   </p:timing>
@@ -26147,141 +26333,6 @@
           <a:lstStyle/>
           <a:p>
             <a:r>
-              <a:rPr lang="en-US" dirty="0" err="1" smtClean="0"/>
-              <a:t>Ommmmmmmm</a:t>
-            </a:r>
-            <a:endParaRPr lang="en-US" dirty="0"/>
-          </a:p>
-        </p:txBody>
-      </p:sp>
-      <p:sp>
-        <p:nvSpPr>
-          <p:cNvPr id="5" name="Content Placeholder 1"/>
-          <p:cNvSpPr>
-            <a:spLocks noGrp="1"/>
-          </p:cNvSpPr>
-          <p:nvPr>
-            <p:ph idx="1"/>
-          </p:nvPr>
-        </p:nvSpPr>
-        <p:spPr>
-          <a:xfrm>
-            <a:off x="304800" y="2599267"/>
-            <a:ext cx="8534400" cy="1210733"/>
-          </a:xfrm>
-        </p:spPr>
-        <p:txBody>
-          <a:bodyPr>
-            <a:noAutofit/>
-          </a:bodyPr>
-          <a:lstStyle/>
-          <a:p>
-            <a:pPr marL="0" indent="0" algn="ctr">
-              <a:buNone/>
-            </a:pPr>
-            <a:r>
-              <a:rPr lang="en-US" sz="5400" dirty="0" smtClean="0">
-                <a:solidFill>
-                  <a:srgbClr val="002060"/>
-                </a:solidFill>
-                <a:effectLst>
-                  <a:outerShdw blurRad="50800" dist="38100" dir="2700000" algn="tl" rotWithShape="0">
-                    <a:prstClr val="black">
-                      <a:alpha val="40000"/>
-                    </a:prstClr>
-                  </a:outerShdw>
-                </a:effectLst>
-              </a:rPr>
-              <a:t>Introducing: </a:t>
-            </a:r>
-          </a:p>
-          <a:p>
-            <a:pPr marL="0" indent="0" algn="ctr">
-              <a:buNone/>
-            </a:pPr>
-            <a:r>
-              <a:rPr lang="en-US" sz="5400" dirty="0" smtClean="0">
-                <a:solidFill>
-                  <a:srgbClr val="002060"/>
-                </a:solidFill>
-                <a:effectLst>
-                  <a:outerShdw blurRad="50800" dist="38100" dir="2700000" algn="tl" rotWithShape="0">
-                    <a:prstClr val="black">
-                      <a:alpha val="40000"/>
-                    </a:prstClr>
-                  </a:outerShdw>
-                </a:effectLst>
-              </a:rPr>
-              <a:t>Enlightened Concurrency in ColdFusion</a:t>
-            </a:r>
-            <a:endParaRPr lang="en-US" sz="4000" dirty="0">
-              <a:solidFill>
-                <a:srgbClr val="002060"/>
-              </a:solidFill>
-              <a:effectLst>
-                <a:outerShdw blurRad="50800" dist="38100" dir="2700000" algn="tl" rotWithShape="0">
-                  <a:prstClr val="black">
-                    <a:alpha val="40000"/>
-                  </a:prstClr>
-                </a:outerShdw>
-              </a:effectLst>
-            </a:endParaRPr>
-          </a:p>
-        </p:txBody>
-      </p:sp>
-    </p:spTree>
-    <p:extLst>
-      <p:ext uri="{BB962C8B-B14F-4D97-AF65-F5344CB8AC3E}">
-        <p14:creationId xmlns:p14="http://schemas.microsoft.com/office/powerpoint/2010/main" val="2430118711"/>
-      </p:ext>
-    </p:extLst>
-  </p:cSld>
-  <p:clrMapOvr>
-    <a:masterClrMapping/>
-  </p:clrMapOvr>
-  <p:timing>
-    <p:tnLst>
-      <p:par>
-        <p:cTn id="1" dur="indefinite" restart="never" nodeType="tmRoot"/>
-      </p:par>
-    </p:tnLst>
-  </p:timing>
-</p:sld>
-</file>
-
-<file path=ppt/slides/slide31.xml><?xml version="1.0" encoding="utf-8"?>
-<p:sld xmlns:a="http://schemas.openxmlformats.org/drawingml/2006/main" xmlns:r="http://schemas.openxmlformats.org/officeDocument/2006/relationships" xmlns:p="http://schemas.openxmlformats.org/presentationml/2006/main">
-  <p:cSld>
-    <p:spTree>
-      <p:nvGrpSpPr>
-        <p:cNvPr id="1" name=""/>
-        <p:cNvGrpSpPr/>
-        <p:nvPr/>
-      </p:nvGrpSpPr>
-      <p:grpSpPr>
-        <a:xfrm>
-          <a:off x="0" y="0"/>
-          <a:ext cx="0" cy="0"/>
-          <a:chOff x="0" y="0"/>
-          <a:chExt cx="0" cy="0"/>
-        </a:xfrm>
-      </p:grpSpPr>
-      <p:sp>
-        <p:nvSpPr>
-          <p:cNvPr id="3" name="Title 2"/>
-          <p:cNvSpPr>
-            <a:spLocks noGrp="1"/>
-          </p:cNvSpPr>
-          <p:nvPr>
-            <p:ph type="title"/>
-          </p:nvPr>
-        </p:nvSpPr>
-        <p:spPr/>
-        <p:txBody>
-          <a:bodyPr/>
-          <a:lstStyle/>
-          <a:p>
-            <a:r>
               <a:rPr lang="en-US" dirty="0" smtClean="0"/>
               <a:t>Java Concurrency Framework</a:t>
             </a:r>
@@ -26600,7 +26651,7 @@
 </p:sld>
 </file>
 
-<file path=ppt/slides/slide32.xml><?xml version="1.0" encoding="utf-8"?>
+<file path=ppt/slides/slide31.xml><?xml version="1.0" encoding="utf-8"?>
 <p:sld xmlns:a="http://schemas.openxmlformats.org/drawingml/2006/main" xmlns:r="http://schemas.openxmlformats.org/officeDocument/2006/relationships" xmlns:p="http://schemas.openxmlformats.org/presentationml/2006/main">
   <p:cSld>
     <p:spTree>
@@ -26830,7 +26881,7 @@
 </p:sld>
 </file>
 
-<file path=ppt/slides/slide33.xml><?xml version="1.0" encoding="utf-8"?>
+<file path=ppt/slides/slide32.xml><?xml version="1.0" encoding="utf-8"?>
 <p:sld xmlns:a="http://schemas.openxmlformats.org/drawingml/2006/main" xmlns:r="http://schemas.openxmlformats.org/officeDocument/2006/relationships" xmlns:p="http://schemas.openxmlformats.org/presentationml/2006/main">
   <p:cSld>
     <p:spTree>
@@ -27562,7 +27613,7 @@
 </p:sld>
 </file>
 
-<file path=ppt/slides/slide34.xml><?xml version="1.0" encoding="utf-8"?>
+<file path=ppt/slides/slide33.xml><?xml version="1.0" encoding="utf-8"?>
 <p:sld xmlns:a="http://schemas.openxmlformats.org/drawingml/2006/main" xmlns:r="http://schemas.openxmlformats.org/officeDocument/2006/relationships" xmlns:p="http://schemas.openxmlformats.org/presentationml/2006/main">
   <p:cSld>
     <p:spTree>
@@ -28123,7 +28174,7 @@
 </p:sld>
 </file>
 
-<file path=ppt/slides/slide35.xml><?xml version="1.0" encoding="utf-8"?>
+<file path=ppt/slides/slide34.xml><?xml version="1.0" encoding="utf-8"?>
 <p:sld xmlns:a="http://schemas.openxmlformats.org/drawingml/2006/main" xmlns:r="http://schemas.openxmlformats.org/officeDocument/2006/relationships" xmlns:p="http://schemas.openxmlformats.org/presentationml/2006/main">
   <p:cSld>
     <p:spTree>
@@ -28231,6 +28282,128 @@
     <p:extLst>
       <p:ext uri="{BB962C8B-B14F-4D97-AF65-F5344CB8AC3E}">
         <p14:creationId xmlns:p14="http://schemas.microsoft.com/office/powerpoint/2010/main" val="2899831350"/>
+      </p:ext>
+    </p:extLst>
+  </p:cSld>
+  <p:clrMapOvr>
+    <a:masterClrMapping/>
+  </p:clrMapOvr>
+  <p:timing>
+    <p:tnLst>
+      <p:par>
+        <p:cTn id="1" dur="indefinite" restart="never" nodeType="tmRoot"/>
+      </p:par>
+    </p:tnLst>
+  </p:timing>
+</p:sld>
+</file>
+
+<file path=ppt/slides/slide35.xml><?xml version="1.0" encoding="utf-8"?>
+<p:sld xmlns:a="http://schemas.openxmlformats.org/drawingml/2006/main" xmlns:r="http://schemas.openxmlformats.org/officeDocument/2006/relationships" xmlns:p="http://schemas.openxmlformats.org/presentationml/2006/main">
+  <p:cSld>
+    <p:spTree>
+      <p:nvGrpSpPr>
+        <p:cNvPr id="1" name=""/>
+        <p:cNvGrpSpPr/>
+        <p:nvPr/>
+      </p:nvGrpSpPr>
+      <p:grpSpPr>
+        <a:xfrm>
+          <a:off x="0" y="0"/>
+          <a:ext cx="0" cy="0"/>
+          <a:chOff x="0" y="0"/>
+          <a:chExt cx="0" cy="0"/>
+        </a:xfrm>
+      </p:grpSpPr>
+      <p:sp>
+        <p:nvSpPr>
+          <p:cNvPr id="3" name="Title 2"/>
+          <p:cNvSpPr>
+            <a:spLocks noGrp="1"/>
+          </p:cNvSpPr>
+          <p:nvPr>
+            <p:ph type="title"/>
+          </p:nvPr>
+        </p:nvSpPr>
+        <p:spPr/>
+        <p:txBody>
+          <a:bodyPr/>
+          <a:lstStyle/>
+          <a:p>
+            <a:r>
+              <a:rPr lang="en-US" dirty="0" smtClean="0"/>
+              <a:t>Sneak Peak: Executing Tasks</a:t>
+            </a:r>
+            <a:endParaRPr lang="en-US" dirty="0"/>
+          </a:p>
+        </p:txBody>
+      </p:sp>
+      <p:pic>
+        <p:nvPicPr>
+          <p:cNvPr id="2050" name="Picture 2"/>
+          <p:cNvPicPr>
+            <a:picLocks noChangeAspect="1" noChangeArrowheads="1"/>
+          </p:cNvPicPr>
+          <p:nvPr/>
+        </p:nvPicPr>
+        <p:blipFill rotWithShape="1">
+          <a:blip r:embed="rId2">
+            <a:extLst>
+              <a:ext uri="{28A0092B-C50C-407E-A947-70E740481C1C}">
+                <a14:useLocalDpi xmlns:a14="http://schemas.microsoft.com/office/drawing/2010/main" val="0"/>
+              </a:ext>
+            </a:extLst>
+          </a:blip>
+          <a:srcRect b="75360"/>
+          <a:stretch/>
+        </p:blipFill>
+        <p:spPr bwMode="auto">
+          <a:xfrm>
+            <a:off x="664556" y="2838061"/>
+            <a:ext cx="9012844" cy="1276739"/>
+          </a:xfrm>
+          <a:prstGeom prst="rect">
+            <a:avLst/>
+          </a:prstGeom>
+          <a:noFill/>
+          <a:ln>
+            <a:noFill/>
+          </a:ln>
+          <a:effectLst/>
+          <a:extLst>
+            <a:ext uri="{909E8E84-426E-40DD-AFC4-6F175D3DCCD1}">
+              <a14:hiddenFill xmlns:a14="http://schemas.microsoft.com/office/drawing/2010/main">
+                <a:solidFill>
+                  <a:schemeClr val="accent1"/>
+                </a:solidFill>
+              </a14:hiddenFill>
+            </a:ext>
+            <a:ext uri="{91240B29-F687-4F45-9708-019B960494DF}">
+              <a14:hiddenLine xmlns:a14="http://schemas.microsoft.com/office/drawing/2010/main" w="9525">
+                <a:solidFill>
+                  <a:schemeClr val="tx1"/>
+                </a:solidFill>
+                <a:miter lim="800000"/>
+                <a:headEnd/>
+                <a:tailEnd/>
+              </a14:hiddenLine>
+            </a:ext>
+            <a:ext uri="{AF507438-7753-43E0-B8FC-AC1667EBCBE1}">
+              <a14:hiddenEffects xmlns:a14="http://schemas.microsoft.com/office/drawing/2010/main">
+                <a:effectLst>
+                  <a:outerShdw dist="35921" dir="2700000" algn="ctr" rotWithShape="0">
+                    <a:schemeClr val="bg2"/>
+                  </a:outerShdw>
+                </a:effectLst>
+              </a14:hiddenEffects>
+            </a:ext>
+          </a:extLst>
+        </p:spPr>
+      </p:pic>
+    </p:spTree>
+    <p:extLst>
+      <p:ext uri="{BB962C8B-B14F-4D97-AF65-F5344CB8AC3E}">
+        <p14:creationId xmlns:p14="http://schemas.microsoft.com/office/powerpoint/2010/main" val="2290065778"/>
       </p:ext>
     </p:extLst>
   </p:cSld>
@@ -28303,128 +28476,6 @@
               </a:ext>
             </a:extLst>
           </a:blip>
-          <a:srcRect b="75360"/>
-          <a:stretch/>
-        </p:blipFill>
-        <p:spPr bwMode="auto">
-          <a:xfrm>
-            <a:off x="664556" y="2838061"/>
-            <a:ext cx="9012844" cy="1276739"/>
-          </a:xfrm>
-          <a:prstGeom prst="rect">
-            <a:avLst/>
-          </a:prstGeom>
-          <a:noFill/>
-          <a:ln>
-            <a:noFill/>
-          </a:ln>
-          <a:effectLst/>
-          <a:extLst>
-            <a:ext uri="{909E8E84-426E-40DD-AFC4-6F175D3DCCD1}">
-              <a14:hiddenFill xmlns:a14="http://schemas.microsoft.com/office/drawing/2010/main">
-                <a:solidFill>
-                  <a:schemeClr val="accent1"/>
-                </a:solidFill>
-              </a14:hiddenFill>
-            </a:ext>
-            <a:ext uri="{91240B29-F687-4F45-9708-019B960494DF}">
-              <a14:hiddenLine xmlns:a14="http://schemas.microsoft.com/office/drawing/2010/main" w="9525">
-                <a:solidFill>
-                  <a:schemeClr val="tx1"/>
-                </a:solidFill>
-                <a:miter lim="800000"/>
-                <a:headEnd/>
-                <a:tailEnd/>
-              </a14:hiddenLine>
-            </a:ext>
-            <a:ext uri="{AF507438-7753-43E0-B8FC-AC1667EBCBE1}">
-              <a14:hiddenEffects xmlns:a14="http://schemas.microsoft.com/office/drawing/2010/main">
-                <a:effectLst>
-                  <a:outerShdw dist="35921" dir="2700000" algn="ctr" rotWithShape="0">
-                    <a:schemeClr val="bg2"/>
-                  </a:outerShdw>
-                </a:effectLst>
-              </a14:hiddenEffects>
-            </a:ext>
-          </a:extLst>
-        </p:spPr>
-      </p:pic>
-    </p:spTree>
-    <p:extLst>
-      <p:ext uri="{BB962C8B-B14F-4D97-AF65-F5344CB8AC3E}">
-        <p14:creationId xmlns:p14="http://schemas.microsoft.com/office/powerpoint/2010/main" val="2290065778"/>
-      </p:ext>
-    </p:extLst>
-  </p:cSld>
-  <p:clrMapOvr>
-    <a:masterClrMapping/>
-  </p:clrMapOvr>
-  <p:timing>
-    <p:tnLst>
-      <p:par>
-        <p:cTn id="1" dur="indefinite" restart="never" nodeType="tmRoot"/>
-      </p:par>
-    </p:tnLst>
-  </p:timing>
-</p:sld>
-</file>
-
-<file path=ppt/slides/slide37.xml><?xml version="1.0" encoding="utf-8"?>
-<p:sld xmlns:a="http://schemas.openxmlformats.org/drawingml/2006/main" xmlns:r="http://schemas.openxmlformats.org/officeDocument/2006/relationships" xmlns:p="http://schemas.openxmlformats.org/presentationml/2006/main">
-  <p:cSld>
-    <p:spTree>
-      <p:nvGrpSpPr>
-        <p:cNvPr id="1" name=""/>
-        <p:cNvGrpSpPr/>
-        <p:nvPr/>
-      </p:nvGrpSpPr>
-      <p:grpSpPr>
-        <a:xfrm>
-          <a:off x="0" y="0"/>
-          <a:ext cx="0" cy="0"/>
-          <a:chOff x="0" y="0"/>
-          <a:chExt cx="0" cy="0"/>
-        </a:xfrm>
-      </p:grpSpPr>
-      <p:sp>
-        <p:nvSpPr>
-          <p:cNvPr id="3" name="Title 2"/>
-          <p:cNvSpPr>
-            <a:spLocks noGrp="1"/>
-          </p:cNvSpPr>
-          <p:nvPr>
-            <p:ph type="title"/>
-          </p:nvPr>
-        </p:nvSpPr>
-        <p:spPr/>
-        <p:txBody>
-          <a:bodyPr/>
-          <a:lstStyle/>
-          <a:p>
-            <a:r>
-              <a:rPr lang="en-US" dirty="0" smtClean="0"/>
-              <a:t>Sneak Peak: Executing Tasks</a:t>
-            </a:r>
-            <a:endParaRPr lang="en-US" dirty="0"/>
-          </a:p>
-        </p:txBody>
-      </p:sp>
-      <p:pic>
-        <p:nvPicPr>
-          <p:cNvPr id="2050" name="Picture 2"/>
-          <p:cNvPicPr>
-            <a:picLocks noChangeAspect="1" noChangeArrowheads="1"/>
-          </p:cNvPicPr>
-          <p:nvPr/>
-        </p:nvPicPr>
-        <p:blipFill rotWithShape="1">
-          <a:blip r:embed="rId2">
-            <a:extLst>
-              <a:ext uri="{28A0092B-C50C-407E-A947-70E740481C1C}">
-                <a14:useLocalDpi xmlns:a14="http://schemas.microsoft.com/office/drawing/2010/main" val="0"/>
-              </a:ext>
-            </a:extLst>
-          </a:blip>
           <a:srcRect t="27521"/>
           <a:stretch/>
         </p:blipFill>
@@ -28491,7 +28542,7 @@
 </p:sld>
 </file>
 
-<file path=ppt/slides/slide38.xml><?xml version="1.0" encoding="utf-8"?>
+<file path=ppt/slides/slide37.xml><?xml version="1.0" encoding="utf-8"?>
 <p:sld xmlns:a="http://schemas.openxmlformats.org/drawingml/2006/main" xmlns:r="http://schemas.openxmlformats.org/officeDocument/2006/relationships" xmlns:p="http://schemas.openxmlformats.org/presentationml/2006/main">
   <p:cSld>
     <p:spTree>
@@ -29551,6 +29602,693 @@
 </p:sld>
 </file>
 
+<file path=ppt/slides/slide38.xml><?xml version="1.0" encoding="utf-8"?>
+<p:sld xmlns:a="http://schemas.openxmlformats.org/drawingml/2006/main" xmlns:r="http://schemas.openxmlformats.org/officeDocument/2006/relationships" xmlns:p="http://schemas.openxmlformats.org/presentationml/2006/main">
+  <p:cSld>
+    <p:spTree>
+      <p:nvGrpSpPr>
+        <p:cNvPr id="1" name=""/>
+        <p:cNvGrpSpPr/>
+        <p:nvPr/>
+      </p:nvGrpSpPr>
+      <p:grpSpPr>
+        <a:xfrm>
+          <a:off x="0" y="0"/>
+          <a:ext cx="0" cy="0"/>
+          <a:chOff x="0" y="0"/>
+          <a:chExt cx="0" cy="0"/>
+        </a:xfrm>
+      </p:grpSpPr>
+      <p:sp>
+        <p:nvSpPr>
+          <p:cNvPr id="3" name="Title 2"/>
+          <p:cNvSpPr>
+            <a:spLocks noGrp="1"/>
+          </p:cNvSpPr>
+          <p:nvPr>
+            <p:ph type="title"/>
+          </p:nvPr>
+        </p:nvSpPr>
+        <p:spPr/>
+        <p:txBody>
+          <a:bodyPr/>
+          <a:lstStyle/>
+          <a:p>
+            <a:r>
+              <a:rPr lang="en-US" dirty="0" smtClean="0"/>
+              <a:t>Different Types of “Executors”</a:t>
+            </a:r>
+            <a:endParaRPr lang="en-US" dirty="0"/>
+          </a:p>
+        </p:txBody>
+      </p:sp>
+      <p:sp>
+        <p:nvSpPr>
+          <p:cNvPr id="4" name="Content Placeholder 1"/>
+          <p:cNvSpPr txBox="1">
+            <a:spLocks/>
+          </p:cNvSpPr>
+          <p:nvPr/>
+        </p:nvSpPr>
+        <p:spPr>
+          <a:xfrm>
+            <a:off x="533400" y="2438400"/>
+            <a:ext cx="8001000" cy="1214966"/>
+          </a:xfrm>
+          <a:prstGeom prst="rect">
+            <a:avLst/>
+          </a:prstGeom>
+        </p:spPr>
+        <p:txBody>
+          <a:bodyPr vert="horz" lIns="91440" tIns="45720" rIns="91440" bIns="45720" rtlCol="0">
+            <a:noAutofit/>
+          </a:bodyPr>
+          <a:lstStyle>
+            <a:lvl1pPr marL="274320" indent="-274320" algn="l" defTabSz="914400" rtl="0" eaLnBrk="1" latinLnBrk="0" hangingPunct="1">
+              <a:spcBef>
+                <a:spcPct val="20000"/>
+              </a:spcBef>
+              <a:buClr>
+                <a:schemeClr val="accent1"/>
+              </a:buClr>
+              <a:buSzPct val="100000"/>
+              <a:buFont typeface="Symbol" pitchFamily="18" charset="2"/>
+              <a:buChar char=""/>
+              <a:defRPr sz="2400" kern="1200">
+                <a:solidFill>
+                  <a:schemeClr val="tx2"/>
+                </a:solidFill>
+                <a:latin typeface="+mn-lt"/>
+                <a:ea typeface="+mn-ea"/>
+                <a:cs typeface="+mn-cs"/>
+              </a:defRPr>
+            </a:lvl1pPr>
+            <a:lvl2pPr marL="576263" indent="-274320" algn="l" defTabSz="914400" rtl="0" eaLnBrk="1" latinLnBrk="0" hangingPunct="1">
+              <a:spcBef>
+                <a:spcPct val="20000"/>
+              </a:spcBef>
+              <a:buClr>
+                <a:schemeClr val="accent1"/>
+              </a:buClr>
+              <a:buSzPct val="100000"/>
+              <a:buFont typeface="Symbol" pitchFamily="18" charset="2"/>
+              <a:buChar char=""/>
+              <a:defRPr sz="2200" kern="1200">
+                <a:solidFill>
+                  <a:schemeClr val="tx2"/>
+                </a:solidFill>
+                <a:latin typeface="+mn-lt"/>
+                <a:ea typeface="+mn-ea"/>
+                <a:cs typeface="+mn-cs"/>
+              </a:defRPr>
+            </a:lvl2pPr>
+            <a:lvl3pPr marL="855663" indent="-228600" algn="l" defTabSz="914400" rtl="0" eaLnBrk="1" latinLnBrk="0" hangingPunct="1">
+              <a:spcBef>
+                <a:spcPct val="20000"/>
+              </a:spcBef>
+              <a:buClr>
+                <a:schemeClr val="accent1"/>
+              </a:buClr>
+              <a:buSzPct val="100000"/>
+              <a:buFont typeface="Symbol" pitchFamily="18" charset="2"/>
+              <a:buChar char=""/>
+              <a:defRPr sz="2000" kern="1200">
+                <a:solidFill>
+                  <a:schemeClr val="tx2"/>
+                </a:solidFill>
+                <a:latin typeface="+mn-lt"/>
+                <a:ea typeface="+mn-ea"/>
+                <a:cs typeface="+mn-cs"/>
+              </a:defRPr>
+            </a:lvl3pPr>
+            <a:lvl4pPr marL="1143000" indent="-228600" algn="l" defTabSz="914400" rtl="0" eaLnBrk="1" latinLnBrk="0" hangingPunct="1">
+              <a:spcBef>
+                <a:spcPct val="20000"/>
+              </a:spcBef>
+              <a:buClr>
+                <a:schemeClr val="accent1"/>
+              </a:buClr>
+              <a:buSzPct val="100000"/>
+              <a:buFont typeface="Symbol" pitchFamily="18" charset="2"/>
+              <a:buChar char=""/>
+              <a:defRPr sz="1800" kern="1200">
+                <a:solidFill>
+                  <a:schemeClr val="tx2"/>
+                </a:solidFill>
+                <a:latin typeface="+mn-lt"/>
+                <a:ea typeface="+mn-ea"/>
+                <a:cs typeface="+mn-cs"/>
+              </a:defRPr>
+            </a:lvl4pPr>
+            <a:lvl5pPr marL="1463040" indent="-228600" algn="l" defTabSz="914400" rtl="0" eaLnBrk="1" latinLnBrk="0" hangingPunct="1">
+              <a:spcBef>
+                <a:spcPct val="20000"/>
+              </a:spcBef>
+              <a:buClr>
+                <a:schemeClr val="accent1"/>
+              </a:buClr>
+              <a:buSzPct val="100000"/>
+              <a:buFont typeface="Symbol" pitchFamily="18" charset="2"/>
+              <a:buChar char=""/>
+              <a:defRPr sz="1600" kern="1200">
+                <a:solidFill>
+                  <a:schemeClr val="tx2"/>
+                </a:solidFill>
+                <a:latin typeface="+mn-lt"/>
+                <a:ea typeface="+mn-ea"/>
+                <a:cs typeface="+mn-cs"/>
+              </a:defRPr>
+            </a:lvl5pPr>
+            <a:lvl6pPr marL="1783080" indent="-228600" algn="l" defTabSz="914400" rtl="0" eaLnBrk="1" latinLnBrk="0" hangingPunct="1">
+              <a:spcBef>
+                <a:spcPts val="384"/>
+              </a:spcBef>
+              <a:buClr>
+                <a:schemeClr val="accent1"/>
+              </a:buClr>
+              <a:buFont typeface="Symbol" pitchFamily="18" charset="2"/>
+              <a:buChar char="*"/>
+              <a:defRPr sz="1400" kern="1200">
+                <a:solidFill>
+                  <a:schemeClr val="tx2"/>
+                </a:solidFill>
+                <a:latin typeface="+mn-lt"/>
+                <a:ea typeface="+mn-ea"/>
+                <a:cs typeface="+mn-cs"/>
+              </a:defRPr>
+            </a:lvl6pPr>
+            <a:lvl7pPr marL="2103120" indent="-228600" algn="l" defTabSz="914400" rtl="0" eaLnBrk="1" latinLnBrk="0" hangingPunct="1">
+              <a:spcBef>
+                <a:spcPts val="384"/>
+              </a:spcBef>
+              <a:buClr>
+                <a:schemeClr val="accent1"/>
+              </a:buClr>
+              <a:buFont typeface="Symbol" pitchFamily="18" charset="2"/>
+              <a:buChar char="*"/>
+              <a:defRPr sz="1400" kern="1200">
+                <a:solidFill>
+                  <a:schemeClr val="tx2"/>
+                </a:solidFill>
+                <a:latin typeface="+mn-lt"/>
+                <a:ea typeface="+mn-ea"/>
+                <a:cs typeface="+mn-cs"/>
+              </a:defRPr>
+            </a:lvl7pPr>
+            <a:lvl8pPr marL="2423160" indent="-228600" algn="l" defTabSz="914400" rtl="0" eaLnBrk="1" latinLnBrk="0" hangingPunct="1">
+              <a:spcBef>
+                <a:spcPts val="384"/>
+              </a:spcBef>
+              <a:buClr>
+                <a:schemeClr val="accent1"/>
+              </a:buClr>
+              <a:buFont typeface="Symbol" pitchFamily="18" charset="2"/>
+              <a:buChar char="*"/>
+              <a:defRPr sz="1400" kern="1200">
+                <a:solidFill>
+                  <a:schemeClr val="tx2"/>
+                </a:solidFill>
+                <a:latin typeface="+mn-lt"/>
+                <a:ea typeface="+mn-ea"/>
+                <a:cs typeface="+mn-cs"/>
+              </a:defRPr>
+            </a:lvl8pPr>
+            <a:lvl9pPr marL="2743200" indent="-228600" algn="l" defTabSz="914400" rtl="0" eaLnBrk="1" latinLnBrk="0" hangingPunct="1">
+              <a:spcBef>
+                <a:spcPts val="384"/>
+              </a:spcBef>
+              <a:buClr>
+                <a:schemeClr val="accent1"/>
+              </a:buClr>
+              <a:buFont typeface="Symbol" pitchFamily="18" charset="2"/>
+              <a:buChar char="*"/>
+              <a:defRPr sz="1400" kern="1200">
+                <a:solidFill>
+                  <a:schemeClr val="tx2"/>
+                </a:solidFill>
+                <a:latin typeface="+mn-lt"/>
+                <a:ea typeface="+mn-ea"/>
+                <a:cs typeface="+mn-cs"/>
+              </a:defRPr>
+            </a:lvl9pPr>
+          </a:lstStyle>
+          <a:p>
+            <a:pPr marL="0" indent="0">
+              <a:buFont typeface="Symbol" pitchFamily="18" charset="2"/>
+              <a:buNone/>
+            </a:pPr>
+            <a:r>
+              <a:rPr lang="en-US" sz="4400" dirty="0" smtClean="0">
+                <a:solidFill>
+                  <a:srgbClr val="002060"/>
+                </a:solidFill>
+                <a:effectLst>
+                  <a:outerShdw blurRad="50800" dist="38100" dir="2700000" algn="tl" rotWithShape="0">
+                    <a:prstClr val="black">
+                      <a:alpha val="40000"/>
+                    </a:prstClr>
+                  </a:outerShdw>
+                </a:effectLst>
+              </a:rPr>
+              <a:t>“</a:t>
+            </a:r>
+            <a:r>
+              <a:rPr lang="en-US" sz="4400" dirty="0" err="1" smtClean="0">
+                <a:solidFill>
+                  <a:srgbClr val="002060"/>
+                </a:solidFill>
+                <a:effectLst>
+                  <a:outerShdw blurRad="50800" dist="38100" dir="2700000" algn="tl" rotWithShape="0">
+                    <a:prstClr val="black">
+                      <a:alpha val="40000"/>
+                    </a:prstClr>
+                  </a:outerShdw>
+                </a:effectLst>
+              </a:rPr>
+              <a:t>ExecutorService</a:t>
+            </a:r>
+            <a:r>
+              <a:rPr lang="en-US" sz="4400" dirty="0" smtClean="0">
+                <a:solidFill>
+                  <a:srgbClr val="002060"/>
+                </a:solidFill>
+                <a:effectLst>
+                  <a:outerShdw blurRad="50800" dist="38100" dir="2700000" algn="tl" rotWithShape="0">
+                    <a:prstClr val="black">
+                      <a:alpha val="40000"/>
+                    </a:prstClr>
+                  </a:outerShdw>
+                </a:effectLst>
+              </a:rPr>
+              <a:t>”</a:t>
+            </a:r>
+          </a:p>
+        </p:txBody>
+      </p:sp>
+      <p:sp>
+        <p:nvSpPr>
+          <p:cNvPr id="5" name="Content Placeholder 1"/>
+          <p:cNvSpPr txBox="1">
+            <a:spLocks/>
+          </p:cNvSpPr>
+          <p:nvPr/>
+        </p:nvSpPr>
+        <p:spPr>
+          <a:xfrm>
+            <a:off x="1371600" y="3733800"/>
+            <a:ext cx="6629400" cy="1443566"/>
+          </a:xfrm>
+          <a:prstGeom prst="rect">
+            <a:avLst/>
+          </a:prstGeom>
+        </p:spPr>
+        <p:txBody>
+          <a:bodyPr vert="horz" lIns="91440" tIns="45720" rIns="91440" bIns="45720" rtlCol="0">
+            <a:noAutofit/>
+          </a:bodyPr>
+          <a:lstStyle>
+            <a:lvl1pPr marL="274320" indent="-274320" algn="l" defTabSz="914400" rtl="0" eaLnBrk="1" latinLnBrk="0" hangingPunct="1">
+              <a:spcBef>
+                <a:spcPct val="20000"/>
+              </a:spcBef>
+              <a:buClr>
+                <a:schemeClr val="accent1"/>
+              </a:buClr>
+              <a:buSzPct val="100000"/>
+              <a:buFont typeface="Symbol" pitchFamily="18" charset="2"/>
+              <a:buChar char=""/>
+              <a:defRPr sz="2400" kern="1200">
+                <a:solidFill>
+                  <a:schemeClr val="tx2"/>
+                </a:solidFill>
+                <a:latin typeface="+mn-lt"/>
+                <a:ea typeface="+mn-ea"/>
+                <a:cs typeface="+mn-cs"/>
+              </a:defRPr>
+            </a:lvl1pPr>
+            <a:lvl2pPr marL="576263" indent="-274320" algn="l" defTabSz="914400" rtl="0" eaLnBrk="1" latinLnBrk="0" hangingPunct="1">
+              <a:spcBef>
+                <a:spcPct val="20000"/>
+              </a:spcBef>
+              <a:buClr>
+                <a:schemeClr val="accent1"/>
+              </a:buClr>
+              <a:buSzPct val="100000"/>
+              <a:buFont typeface="Symbol" pitchFamily="18" charset="2"/>
+              <a:buChar char=""/>
+              <a:defRPr sz="2200" kern="1200">
+                <a:solidFill>
+                  <a:schemeClr val="tx2"/>
+                </a:solidFill>
+                <a:latin typeface="+mn-lt"/>
+                <a:ea typeface="+mn-ea"/>
+                <a:cs typeface="+mn-cs"/>
+              </a:defRPr>
+            </a:lvl2pPr>
+            <a:lvl3pPr marL="855663" indent="-228600" algn="l" defTabSz="914400" rtl="0" eaLnBrk="1" latinLnBrk="0" hangingPunct="1">
+              <a:spcBef>
+                <a:spcPct val="20000"/>
+              </a:spcBef>
+              <a:buClr>
+                <a:schemeClr val="accent1"/>
+              </a:buClr>
+              <a:buSzPct val="100000"/>
+              <a:buFont typeface="Symbol" pitchFamily="18" charset="2"/>
+              <a:buChar char=""/>
+              <a:defRPr sz="2000" kern="1200">
+                <a:solidFill>
+                  <a:schemeClr val="tx2"/>
+                </a:solidFill>
+                <a:latin typeface="+mn-lt"/>
+                <a:ea typeface="+mn-ea"/>
+                <a:cs typeface="+mn-cs"/>
+              </a:defRPr>
+            </a:lvl3pPr>
+            <a:lvl4pPr marL="1143000" indent="-228600" algn="l" defTabSz="914400" rtl="0" eaLnBrk="1" latinLnBrk="0" hangingPunct="1">
+              <a:spcBef>
+                <a:spcPct val="20000"/>
+              </a:spcBef>
+              <a:buClr>
+                <a:schemeClr val="accent1"/>
+              </a:buClr>
+              <a:buSzPct val="100000"/>
+              <a:buFont typeface="Symbol" pitchFamily="18" charset="2"/>
+              <a:buChar char=""/>
+              <a:defRPr sz="1800" kern="1200">
+                <a:solidFill>
+                  <a:schemeClr val="tx2"/>
+                </a:solidFill>
+                <a:latin typeface="+mn-lt"/>
+                <a:ea typeface="+mn-ea"/>
+                <a:cs typeface="+mn-cs"/>
+              </a:defRPr>
+            </a:lvl4pPr>
+            <a:lvl5pPr marL="1463040" indent="-228600" algn="l" defTabSz="914400" rtl="0" eaLnBrk="1" latinLnBrk="0" hangingPunct="1">
+              <a:spcBef>
+                <a:spcPct val="20000"/>
+              </a:spcBef>
+              <a:buClr>
+                <a:schemeClr val="accent1"/>
+              </a:buClr>
+              <a:buSzPct val="100000"/>
+              <a:buFont typeface="Symbol" pitchFamily="18" charset="2"/>
+              <a:buChar char=""/>
+              <a:defRPr sz="1600" kern="1200">
+                <a:solidFill>
+                  <a:schemeClr val="tx2"/>
+                </a:solidFill>
+                <a:latin typeface="+mn-lt"/>
+                <a:ea typeface="+mn-ea"/>
+                <a:cs typeface="+mn-cs"/>
+              </a:defRPr>
+            </a:lvl5pPr>
+            <a:lvl6pPr marL="1783080" indent="-228600" algn="l" defTabSz="914400" rtl="0" eaLnBrk="1" latinLnBrk="0" hangingPunct="1">
+              <a:spcBef>
+                <a:spcPts val="384"/>
+              </a:spcBef>
+              <a:buClr>
+                <a:schemeClr val="accent1"/>
+              </a:buClr>
+              <a:buFont typeface="Symbol" pitchFamily="18" charset="2"/>
+              <a:buChar char="*"/>
+              <a:defRPr sz="1400" kern="1200">
+                <a:solidFill>
+                  <a:schemeClr val="tx2"/>
+                </a:solidFill>
+                <a:latin typeface="+mn-lt"/>
+                <a:ea typeface="+mn-ea"/>
+                <a:cs typeface="+mn-cs"/>
+              </a:defRPr>
+            </a:lvl6pPr>
+            <a:lvl7pPr marL="2103120" indent="-228600" algn="l" defTabSz="914400" rtl="0" eaLnBrk="1" latinLnBrk="0" hangingPunct="1">
+              <a:spcBef>
+                <a:spcPts val="384"/>
+              </a:spcBef>
+              <a:buClr>
+                <a:schemeClr val="accent1"/>
+              </a:buClr>
+              <a:buFont typeface="Symbol" pitchFamily="18" charset="2"/>
+              <a:buChar char="*"/>
+              <a:defRPr sz="1400" kern="1200">
+                <a:solidFill>
+                  <a:schemeClr val="tx2"/>
+                </a:solidFill>
+                <a:latin typeface="+mn-lt"/>
+                <a:ea typeface="+mn-ea"/>
+                <a:cs typeface="+mn-cs"/>
+              </a:defRPr>
+            </a:lvl7pPr>
+            <a:lvl8pPr marL="2423160" indent="-228600" algn="l" defTabSz="914400" rtl="0" eaLnBrk="1" latinLnBrk="0" hangingPunct="1">
+              <a:spcBef>
+                <a:spcPts val="384"/>
+              </a:spcBef>
+              <a:buClr>
+                <a:schemeClr val="accent1"/>
+              </a:buClr>
+              <a:buFont typeface="Symbol" pitchFamily="18" charset="2"/>
+              <a:buChar char="*"/>
+              <a:defRPr sz="1400" kern="1200">
+                <a:solidFill>
+                  <a:schemeClr val="tx2"/>
+                </a:solidFill>
+                <a:latin typeface="+mn-lt"/>
+                <a:ea typeface="+mn-ea"/>
+                <a:cs typeface="+mn-cs"/>
+              </a:defRPr>
+            </a:lvl8pPr>
+            <a:lvl9pPr marL="2743200" indent="-228600" algn="l" defTabSz="914400" rtl="0" eaLnBrk="1" latinLnBrk="0" hangingPunct="1">
+              <a:spcBef>
+                <a:spcPts val="384"/>
+              </a:spcBef>
+              <a:buClr>
+                <a:schemeClr val="accent1"/>
+              </a:buClr>
+              <a:buFont typeface="Symbol" pitchFamily="18" charset="2"/>
+              <a:buChar char="*"/>
+              <a:defRPr sz="1400" kern="1200">
+                <a:solidFill>
+                  <a:schemeClr val="tx2"/>
+                </a:solidFill>
+                <a:latin typeface="+mn-lt"/>
+                <a:ea typeface="+mn-ea"/>
+                <a:cs typeface="+mn-cs"/>
+              </a:defRPr>
+            </a:lvl9pPr>
+          </a:lstStyle>
+          <a:p>
+            <a:pPr marL="0" indent="0" algn="ctr">
+              <a:buFont typeface="Symbol" pitchFamily="18" charset="2"/>
+              <a:buNone/>
+            </a:pPr>
+            <a:r>
+              <a:rPr lang="en-US" sz="4400" dirty="0" smtClean="0">
+                <a:solidFill>
+                  <a:srgbClr val="FF0000"/>
+                </a:solidFill>
+                <a:effectLst>
+                  <a:outerShdw blurRad="50800" dist="38100" dir="2700000" algn="tl" rotWithShape="0">
+                    <a:prstClr val="black">
+                      <a:alpha val="40000"/>
+                    </a:prstClr>
+                  </a:outerShdw>
+                </a:effectLst>
+              </a:rPr>
+              <a:t>Run 1 or more tasks</a:t>
+            </a:r>
+            <a:endParaRPr lang="en-US" sz="4400" dirty="0">
+              <a:solidFill>
+                <a:srgbClr val="FF0000"/>
+              </a:solidFill>
+              <a:effectLst>
+                <a:outerShdw blurRad="50800" dist="38100" dir="2700000" algn="tl" rotWithShape="0">
+                  <a:prstClr val="black">
+                    <a:alpha val="40000"/>
+                  </a:prstClr>
+                </a:outerShdw>
+              </a:effectLst>
+            </a:endParaRPr>
+          </a:p>
+          <a:p>
+            <a:pPr marL="0" indent="0" algn="ctr">
+              <a:buFont typeface="Symbol" pitchFamily="18" charset="2"/>
+              <a:buNone/>
+            </a:pPr>
+            <a:r>
+              <a:rPr lang="en-US" sz="4400" dirty="0" smtClean="0">
+                <a:solidFill>
+                  <a:srgbClr val="FF0000"/>
+                </a:solidFill>
+                <a:effectLst>
+                  <a:outerShdw blurRad="50800" dist="38100" dir="2700000" algn="tl" rotWithShape="0">
+                    <a:prstClr val="black">
+                      <a:alpha val="40000"/>
+                    </a:prstClr>
+                  </a:outerShdw>
+                </a:effectLst>
+              </a:rPr>
+              <a:t>Fire-and-forget</a:t>
+            </a:r>
+          </a:p>
+          <a:p>
+            <a:pPr marL="0" indent="0" algn="ctr">
+              <a:buFont typeface="Symbol" pitchFamily="18" charset="2"/>
+              <a:buNone/>
+            </a:pPr>
+            <a:r>
+              <a:rPr lang="en-US" sz="4400" dirty="0" smtClean="0">
+                <a:solidFill>
+                  <a:srgbClr val="FF0000"/>
+                </a:solidFill>
+                <a:effectLst>
+                  <a:outerShdw blurRad="50800" dist="38100" dir="2700000" algn="tl" rotWithShape="0">
+                    <a:prstClr val="black">
+                      <a:alpha val="40000"/>
+                    </a:prstClr>
+                  </a:outerShdw>
+                </a:effectLst>
+              </a:rPr>
+              <a:t>Fire-and-wait</a:t>
+            </a:r>
+          </a:p>
+        </p:txBody>
+      </p:sp>
+    </p:spTree>
+    <p:extLst>
+      <p:ext uri="{BB962C8B-B14F-4D97-AF65-F5344CB8AC3E}">
+        <p14:creationId xmlns:p14="http://schemas.microsoft.com/office/powerpoint/2010/main" val="1354502521"/>
+      </p:ext>
+    </p:extLst>
+  </p:cSld>
+  <p:clrMapOvr>
+    <a:masterClrMapping/>
+  </p:clrMapOvr>
+  <p:timing>
+    <p:tnLst>
+      <p:par>
+        <p:cTn id="1" dur="indefinite" restart="never" nodeType="tmRoot">
+          <p:childTnLst>
+            <p:seq concurrent="1" nextAc="seek">
+              <p:cTn id="2" dur="indefinite" nodeType="mainSeq">
+                <p:childTnLst>
+                  <p:par>
+                    <p:cTn id="3" fill="hold">
+                      <p:stCondLst>
+                        <p:cond delay="indefinite"/>
+                      </p:stCondLst>
+                      <p:childTnLst>
+                        <p:par>
+                          <p:cTn id="4" fill="hold">
+                            <p:stCondLst>
+                              <p:cond delay="0"/>
+                            </p:stCondLst>
+                            <p:childTnLst>
+                              <p:par>
+                                <p:cTn id="5" presetID="2" presetClass="entr" presetSubtype="4" fill="hold" grpId="0" nodeType="clickEffect">
+                                  <p:stCondLst>
+                                    <p:cond delay="0"/>
+                                  </p:stCondLst>
+                                  <p:childTnLst>
+                                    <p:set>
+                                      <p:cBhvr>
+                                        <p:cTn id="6" dur="1" fill="hold">
+                                          <p:stCondLst>
+                                            <p:cond delay="0"/>
+                                          </p:stCondLst>
+                                        </p:cTn>
+                                        <p:tgtEl>
+                                          <p:spTgt spid="5"/>
+                                        </p:tgtEl>
+                                        <p:attrNameLst>
+                                          <p:attrName>style.visibility</p:attrName>
+                                        </p:attrNameLst>
+                                      </p:cBhvr>
+                                      <p:to>
+                                        <p:strVal val="visible"/>
+                                      </p:to>
+                                    </p:set>
+                                    <p:anim calcmode="lin" valueType="num">
+                                      <p:cBhvr additive="base">
+                                        <p:cTn id="7" dur="500" fill="hold"/>
+                                        <p:tgtEl>
+                                          <p:spTgt spid="5"/>
+                                        </p:tgtEl>
+                                        <p:attrNameLst>
+                                          <p:attrName>ppt_x</p:attrName>
+                                        </p:attrNameLst>
+                                      </p:cBhvr>
+                                      <p:tavLst>
+                                        <p:tav tm="0">
+                                          <p:val>
+                                            <p:strVal val="#ppt_x"/>
+                                          </p:val>
+                                        </p:tav>
+                                        <p:tav tm="100000">
+                                          <p:val>
+                                            <p:strVal val="#ppt_x"/>
+                                          </p:val>
+                                        </p:tav>
+                                      </p:tavLst>
+                                    </p:anim>
+                                    <p:anim calcmode="lin" valueType="num">
+                                      <p:cBhvr additive="base">
+                                        <p:cTn id="8" dur="500" fill="hold"/>
+                                        <p:tgtEl>
+                                          <p:spTgt spid="5"/>
+                                        </p:tgtEl>
+                                        <p:attrNameLst>
+                                          <p:attrName>ppt_y</p:attrName>
+                                        </p:attrNameLst>
+                                      </p:cBhvr>
+                                      <p:tavLst>
+                                        <p:tav tm="0">
+                                          <p:val>
+                                            <p:strVal val="1+#ppt_h/2"/>
+                                          </p:val>
+                                        </p:tav>
+                                        <p:tav tm="100000">
+                                          <p:val>
+                                            <p:strVal val="#ppt_y"/>
+                                          </p:val>
+                                        </p:tav>
+                                      </p:tavLst>
+                                    </p:anim>
+                                  </p:childTnLst>
+                                </p:cTn>
+                              </p:par>
+                            </p:childTnLst>
+                          </p:cTn>
+                        </p:par>
+                      </p:childTnLst>
+                    </p:cTn>
+                  </p:par>
+                </p:childTnLst>
+              </p:cTn>
+              <p:prevCondLst>
+                <p:cond evt="onPrev" delay="0">
+                  <p:tgtEl>
+                    <p:sldTgt/>
+                  </p:tgtEl>
+                </p:cond>
+              </p:prevCondLst>
+              <p:nextCondLst>
+                <p:cond evt="onNext" delay="0">
+                  <p:tgtEl>
+                    <p:sldTgt/>
+                  </p:tgtEl>
+                </p:cond>
+              </p:nextCondLst>
+            </p:seq>
+          </p:childTnLst>
+        </p:cTn>
+      </p:par>
+    </p:tnLst>
+    <p:bldLst>
+      <p:bldP spid="5" grpId="0"/>
+    </p:bldLst>
+  </p:timing>
+</p:sld>
+</file>
+
 <file path=ppt/slides/slide39.xml><?xml version="1.0" encoding="utf-8"?>
 <p:sld xmlns:a="http://schemas.openxmlformats.org/drawingml/2006/main" xmlns:r="http://schemas.openxmlformats.org/officeDocument/2006/relationships" xmlns:p="http://schemas.openxmlformats.org/presentationml/2006/main">
   <p:cSld>
@@ -29787,7 +30525,7 @@
               <a:buNone/>
             </a:pPr>
             <a:r>
-              <a:rPr lang="en-US" sz="4400" dirty="0" smtClean="0">
+              <a:rPr lang="en-US" sz="4000" dirty="0" smtClean="0">
                 <a:solidFill>
                   <a:srgbClr val="002060"/>
                 </a:solidFill>
@@ -29802,7 +30540,7 @@
               <a:t>“</a:t>
             </a:r>
             <a:r>
-              <a:rPr lang="en-US" sz="4400" dirty="0" err="1" smtClean="0">
+              <a:rPr lang="en-US" sz="4000" dirty="0" err="1" smtClean="0">
                 <a:solidFill>
                   <a:srgbClr val="002060"/>
                 </a:solidFill>
@@ -29814,10 +30552,10 @@
                   </a:outerShdw>
                 </a:effectLst>
               </a:rPr>
-              <a:t>ExecutorService</a:t>
-            </a:r>
-            <a:r>
-              <a:rPr lang="en-US" sz="4400" dirty="0" smtClean="0">
+              <a:t>ScheduledThreadPoolExecutor</a:t>
+            </a:r>
+            <a:r>
+              <a:rPr lang="en-US" sz="4000" dirty="0" smtClean="0">
                 <a:solidFill>
                   <a:srgbClr val="002060"/>
                 </a:solidFill>
@@ -29844,8 +30582,8 @@
         </p:nvSpPr>
         <p:spPr>
           <a:xfrm>
-            <a:off x="1371600" y="3733800"/>
-            <a:ext cx="6629400" cy="1443566"/>
+            <a:off x="381000" y="3733800"/>
+            <a:ext cx="8305800" cy="2819400"/>
           </a:xfrm>
           <a:prstGeom prst="rect">
             <a:avLst/>
@@ -30042,20 +30780,8 @@
                   </a:outerShdw>
                 </a:effectLst>
               </a:rPr>
-              <a:t>Run 1 or more tasks</a:t>
-            </a:r>
-            <a:endParaRPr lang="en-US" sz="4400" dirty="0">
-              <a:solidFill>
-                <a:srgbClr val="FF0000"/>
-              </a:solidFill>
-              <a:effectLst>
-                <a:outerShdw blurRad="50800" dist="38100" dir="2700000" algn="tl" rotWithShape="0">
-                  <a:prstClr val="black">
-                    <a:alpha val="40000"/>
-                  </a:prstClr>
-                </a:outerShdw>
-              </a:effectLst>
-            </a:endParaRPr>
+              <a:t>Schedule a task to run periodically</a:t>
+            </a:r>
           </a:p>
           <a:p>
             <a:pPr marL="0" indent="0" algn="ctr">
@@ -30075,7 +30801,7 @@
                   </a:outerShdw>
                 </a:effectLst>
               </a:rPr>
-              <a:t>Fire-and-forget</a:t>
+              <a:t>Heartbeats / Daemons</a:t>
             </a:r>
           </a:p>
           <a:p>
@@ -30096,7 +30822,7 @@
                   </a:outerShdw>
                 </a:effectLst>
               </a:rPr>
-              <a:t>Fire-and-wait</a:t>
+              <a:t>Nanosecond granularity</a:t>
             </a:r>
           </a:p>
         </p:txBody>
@@ -30104,7 +30830,7 @@
     </p:spTree>
     <p:extLst>
       <p:ext uri="{BB962C8B-B14F-4D97-AF65-F5344CB8AC3E}">
-        <p14:creationId xmlns:p14="http://schemas.microsoft.com/office/powerpoint/2010/main" val="1354502521"/>
+        <p14:creationId xmlns:p14="http://schemas.microsoft.com/office/powerpoint/2010/main" val="454129587"/>
       </p:ext>
     </p:extLst>
   </p:cSld>
@@ -30289,7 +31015,7 @@
         <p:spPr>
           <a:xfrm>
             <a:off x="533400" y="2667000"/>
-            <a:ext cx="7696200" cy="3733800"/>
+            <a:ext cx="8305800" cy="2133600"/>
           </a:xfrm>
           <a:prstGeom prst="rect">
             <a:avLst/>
@@ -30486,37 +31212,7 @@
                   </a:outerShdw>
                 </a:effectLst>
               </a:rPr>
-              <a:t>Replacing </a:t>
-            </a:r>
-            <a:r>
-              <a:rPr lang="en-US" sz="4000" dirty="0" err="1" smtClean="0">
-                <a:solidFill>
-                  <a:srgbClr val="002060"/>
-                </a:solidFill>
-                <a:effectLst>
-                  <a:outerShdw blurRad="50800" dist="38100" dir="2700000" algn="tl" rotWithShape="0">
-                    <a:prstClr val="black">
-                      <a:alpha val="40000"/>
-                    </a:prstClr>
-                  </a:outerShdw>
-                </a:effectLst>
-              </a:rPr>
-              <a:t>CFThread</a:t>
-            </a:r>
-            <a:r>
-              <a:rPr lang="en-US" sz="4000" dirty="0" smtClean="0">
-                <a:solidFill>
-                  <a:srgbClr val="002060"/>
-                </a:solidFill>
-                <a:effectLst>
-                  <a:outerShdw blurRad="50800" dist="38100" dir="2700000" algn="tl" rotWithShape="0">
-                    <a:prstClr val="black">
-                      <a:alpha val="40000"/>
-                    </a:prstClr>
-                  </a:outerShdw>
-                </a:effectLst>
-              </a:rPr>
-              <a:t> for “fire-and-forget” operations</a:t>
+              <a:t>Twitter-scale message busses </a:t>
             </a:r>
           </a:p>
           <a:p>
@@ -30524,7 +31220,7 @@
               <a:buFont typeface="Symbol" pitchFamily="18" charset="2"/>
               <a:buNone/>
             </a:pPr>
-            <a:endParaRPr lang="en-US" sz="4000" dirty="0">
+            <a:endParaRPr lang="en-US" sz="4000" dirty="0" smtClean="0">
               <a:solidFill>
                 <a:srgbClr val="002060"/>
               </a:solidFill>
@@ -30555,67 +31251,7 @@
                   </a:outerShdw>
                 </a:effectLst>
               </a:rPr>
-              <a:t>Using </a:t>
-            </a:r>
-            <a:r>
-              <a:rPr lang="en-US" sz="4000" dirty="0" err="1" smtClean="0">
-                <a:solidFill>
-                  <a:srgbClr val="002060"/>
-                </a:solidFill>
-                <a:effectLst>
-                  <a:outerShdw blurRad="50800" dist="38100" dir="2700000" algn="tl" rotWithShape="0">
-                    <a:prstClr val="black">
-                      <a:alpha val="40000"/>
-                    </a:prstClr>
-                  </a:outerShdw>
-                </a:effectLst>
-              </a:rPr>
-              <a:t>Scala</a:t>
-            </a:r>
-            <a:r>
-              <a:rPr lang="en-US" sz="4000" dirty="0" smtClean="0">
-                <a:solidFill>
-                  <a:srgbClr val="002060"/>
-                </a:solidFill>
-                <a:effectLst>
-                  <a:outerShdw blurRad="50800" dist="38100" dir="2700000" algn="tl" rotWithShape="0">
-                    <a:prstClr val="black">
-                      <a:alpha val="40000"/>
-                    </a:prstClr>
-                  </a:outerShdw>
-                </a:effectLst>
-              </a:rPr>
-              <a:t>, </a:t>
-            </a:r>
-            <a:r>
-              <a:rPr lang="en-US" sz="4000" dirty="0" err="1" smtClean="0">
-                <a:solidFill>
-                  <a:srgbClr val="002060"/>
-                </a:solidFill>
-                <a:effectLst>
-                  <a:outerShdw blurRad="50800" dist="38100" dir="2700000" algn="tl" rotWithShape="0">
-                    <a:prstClr val="black">
-                      <a:alpha val="40000"/>
-                    </a:prstClr>
-                  </a:outerShdw>
-                </a:effectLst>
-              </a:rPr>
-              <a:t>Clojure</a:t>
-            </a:r>
-            <a:r>
-              <a:rPr lang="en-US" sz="4000" dirty="0" smtClean="0">
-                <a:solidFill>
-                  <a:srgbClr val="002060"/>
-                </a:solidFill>
-                <a:effectLst>
-                  <a:outerShdw blurRad="50800" dist="38100" dir="2700000" algn="tl" rotWithShape="0">
-                    <a:prstClr val="black">
-                      <a:alpha val="40000"/>
-                    </a:prstClr>
-                  </a:outerShdw>
-                </a:effectLst>
-              </a:rPr>
-              <a:t>, or other JVM languages</a:t>
+              <a:t>NASDAQ-scale stock exchanges</a:t>
             </a:r>
             <a:endParaRPr lang="en-US" sz="4000" dirty="0">
               <a:solidFill>
@@ -30635,7 +31271,7 @@
     </p:spTree>
     <p:extLst>
       <p:ext uri="{BB962C8B-B14F-4D97-AF65-F5344CB8AC3E}">
-        <p14:creationId xmlns:p14="http://schemas.microsoft.com/office/powerpoint/2010/main" val="2013393942"/>
+        <p14:creationId xmlns:p14="http://schemas.microsoft.com/office/powerpoint/2010/main" val="4237113878"/>
       </p:ext>
     </p:extLst>
   </p:cSld>
@@ -30663,7 +31299,7 @@
                             </p:stCondLst>
                             <p:childTnLst>
                               <p:par>
-                                <p:cTn id="5" presetID="1" presetClass="entr" presetSubtype="0" fill="hold" nodeType="clickEffect">
+                                <p:cTn id="5" presetID="22" presetClass="entr" presetSubtype="4" fill="hold" nodeType="clickEffect">
                                   <p:stCondLst>
                                     <p:cond delay="0"/>
                                   </p:stCondLst>
@@ -30690,6 +31326,18 @@
                                         <p:strVal val="visible"/>
                                       </p:to>
                                     </p:set>
+                                    <p:animEffect transition="in" filter="wipe(down)">
+                                      <p:cBhvr>
+                                        <p:cTn id="7" dur="500"/>
+                                        <p:tgtEl>
+                                          <p:spTgt spid="4">
+                                            <p:txEl>
+                                              <p:pRg st="0" end="0"/>
+                                            </p:txEl>
+                                          </p:spTgt>
+                                        </p:tgtEl>
+                                      </p:cBhvr>
+                                    </p:animEffect>
                                   </p:childTnLst>
                                 </p:cTn>
                               </p:par>
@@ -30700,26 +31348,26 @@
                     </p:cTn>
                   </p:par>
                   <p:par>
-                    <p:cTn id="7" fill="hold">
+                    <p:cTn id="8" fill="hold">
                       <p:stCondLst>
                         <p:cond delay="indefinite"/>
                       </p:stCondLst>
                       <p:childTnLst>
                         <p:par>
-                          <p:cTn id="8" fill="hold">
+                          <p:cTn id="9" fill="hold">
                             <p:stCondLst>
                               <p:cond delay="0"/>
                             </p:stCondLst>
                             <p:childTnLst>
                               <p:par>
-                                <p:cTn id="9" presetID="1" presetClass="entr" presetSubtype="0" fill="hold" nodeType="clickEffect">
+                                <p:cTn id="10" presetID="22" presetClass="entr" presetSubtype="4" fill="hold" nodeType="clickEffect">
                                   <p:stCondLst>
                                     <p:cond delay="0"/>
                                   </p:stCondLst>
                                   <p:childTnLst>
                                     <p:set>
                                       <p:cBhvr>
-                                        <p:cTn id="10" dur="1" fill="hold">
+                                        <p:cTn id="11" dur="1" fill="hold">
                                           <p:stCondLst>
                                             <p:cond delay="0"/>
                                           </p:stCondLst>
@@ -30739,6 +31387,18 @@
                                         <p:strVal val="visible"/>
                                       </p:to>
                                     </p:set>
+                                    <p:animEffect transition="in" filter="wipe(down)">
+                                      <p:cBhvr>
+                                        <p:cTn id="12" dur="500"/>
+                                        <p:tgtEl>
+                                          <p:spTgt spid="4">
+                                            <p:txEl>
+                                              <p:pRg st="2" end="2"/>
+                                            </p:txEl>
+                                          </p:spTgt>
+                                        </p:tgtEl>
+                                      </p:cBhvr>
+                                    </p:animEffect>
                                   </p:childTnLst>
                                 </p:cTn>
                               </p:par>
@@ -31264,49 +31924,7 @@
                   </a:outerShdw>
                 </a:effectLst>
               </a:rPr>
-              <a:t>Schedule a task to run periodically</a:t>
-            </a:r>
-          </a:p>
-          <a:p>
-            <a:pPr marL="0" indent="0" algn="ctr">
-              <a:buFont typeface="Symbol" pitchFamily="18" charset="2"/>
-              <a:buNone/>
-            </a:pPr>
-            <a:r>
-              <a:rPr lang="en-US" sz="4400" dirty="0" smtClean="0">
-                <a:solidFill>
-                  <a:srgbClr val="FF0000"/>
-                </a:solidFill>
-                <a:effectLst>
-                  <a:outerShdw blurRad="50800" dist="38100" dir="2700000" algn="tl" rotWithShape="0">
-                    <a:prstClr val="black">
-                      <a:alpha val="40000"/>
-                    </a:prstClr>
-                  </a:outerShdw>
-                </a:effectLst>
-              </a:rPr>
-              <a:t>Heartbeats / Daemons</a:t>
-            </a:r>
-          </a:p>
-          <a:p>
-            <a:pPr marL="0" indent="0" algn="ctr">
-              <a:buFont typeface="Symbol" pitchFamily="18" charset="2"/>
-              <a:buNone/>
-            </a:pPr>
-            <a:r>
-              <a:rPr lang="en-US" sz="4400" dirty="0" smtClean="0">
-                <a:solidFill>
-                  <a:srgbClr val="FF0000"/>
-                </a:solidFill>
-                <a:effectLst>
-                  <a:outerShdw blurRad="50800" dist="38100" dir="2700000" algn="tl" rotWithShape="0">
-                    <a:prstClr val="black">
-                      <a:alpha val="40000"/>
-                    </a:prstClr>
-                  </a:outerShdw>
-                </a:effectLst>
-              </a:rPr>
-              <a:t>Nanosecond granularity</a:t>
+              <a:t>Often used for finding work to submit to other Executors!</a:t>
             </a:r>
           </a:p>
         </p:txBody>
@@ -31314,7 +31932,7 @@
     </p:spTree>
     <p:extLst>
       <p:ext uri="{BB962C8B-B14F-4D97-AF65-F5344CB8AC3E}">
-        <p14:creationId xmlns:p14="http://schemas.microsoft.com/office/powerpoint/2010/main" val="454129587"/>
+        <p14:creationId xmlns:p14="http://schemas.microsoft.com/office/powerpoint/2010/main" val="236206878"/>
       </p:ext>
     </p:extLst>
   </p:cSld>
@@ -31711,7 +32329,7 @@
                   </a:outerShdw>
                 </a:effectLst>
               </a:rPr>
-              <a:t>ScheduledThreadPoolExecutor</a:t>
+              <a:t>ExecutorCompletionService</a:t>
             </a:r>
             <a:r>
               <a:rPr lang="en-US" sz="4000" dirty="0" smtClean="0">
@@ -31741,7 +32359,7 @@
         </p:nvSpPr>
         <p:spPr>
           <a:xfrm>
-            <a:off x="381000" y="3733800"/>
+            <a:off x="381000" y="3352800"/>
             <a:ext cx="8305800" cy="2819400"/>
           </a:xfrm>
           <a:prstGeom prst="rect">
@@ -31939,7 +32557,93 @@
                   </a:outerShdw>
                 </a:effectLst>
               </a:rPr>
-              <a:t>Often used for finding work to submit to other Executors!</a:t>
+              <a:t>Producer / Consumer</a:t>
+            </a:r>
+          </a:p>
+          <a:p>
+            <a:pPr marL="0" indent="0" algn="ctr">
+              <a:buFont typeface="Symbol" pitchFamily="18" charset="2"/>
+              <a:buNone/>
+            </a:pPr>
+            <a:r>
+              <a:rPr lang="en-US" sz="4400" dirty="0">
+                <a:solidFill>
+                  <a:srgbClr val="FF0000"/>
+                </a:solidFill>
+                <a:effectLst>
+                  <a:outerShdw blurRad="50800" dist="38100" dir="2700000" algn="tl" rotWithShape="0">
+                    <a:prstClr val="black">
+                      <a:alpha val="40000"/>
+                    </a:prstClr>
+                  </a:outerShdw>
+                </a:effectLst>
+              </a:rPr>
+              <a:t/>
+            </a:r>
+            <a:br>
+              <a:rPr lang="en-US" sz="4400" dirty="0">
+                <a:solidFill>
+                  <a:srgbClr val="FF0000"/>
+                </a:solidFill>
+                <a:effectLst>
+                  <a:outerShdw blurRad="50800" dist="38100" dir="2700000" algn="tl" rotWithShape="0">
+                    <a:prstClr val="black">
+                      <a:alpha val="40000"/>
+                    </a:prstClr>
+                  </a:outerShdw>
+                </a:effectLst>
+              </a:rPr>
+            </a:br>
+            <a:r>
+              <a:rPr lang="en-US" sz="4400" dirty="0" smtClean="0">
+                <a:solidFill>
+                  <a:srgbClr val="FF0000"/>
+                </a:solidFill>
+                <a:effectLst>
+                  <a:outerShdw blurRad="50800" dist="38100" dir="2700000" algn="tl" rotWithShape="0">
+                    <a:prstClr val="black">
+                      <a:alpha val="40000"/>
+                    </a:prstClr>
+                  </a:outerShdw>
+                </a:effectLst>
+              </a:rPr>
+              <a:t>Many “work” tasks; </a:t>
+            </a:r>
+          </a:p>
+          <a:p>
+            <a:pPr marL="0" indent="0" algn="ctr">
+              <a:buFont typeface="Symbol" pitchFamily="18" charset="2"/>
+              <a:buNone/>
+            </a:pPr>
+            <a:r>
+              <a:rPr lang="en-US" sz="4400" dirty="0">
+                <a:solidFill>
+                  <a:srgbClr val="FF0000"/>
+                </a:solidFill>
+                <a:effectLst>
+                  <a:outerShdw blurRad="50800" dist="38100" dir="2700000" algn="tl" rotWithShape="0">
+                    <a:prstClr val="black">
+                      <a:alpha val="40000"/>
+                    </a:prstClr>
+                  </a:outerShdw>
+                </a:effectLst>
+              </a:rPr>
+              <a:t>S</a:t>
+            </a:r>
+            <a:r>
+              <a:rPr lang="en-US" sz="4400" dirty="0" smtClean="0">
+                <a:solidFill>
+                  <a:srgbClr val="FF0000"/>
+                </a:solidFill>
+                <a:effectLst>
+                  <a:outerShdw blurRad="50800" dist="38100" dir="2700000" algn="tl" rotWithShape="0">
+                    <a:prstClr val="black">
+                      <a:alpha val="40000"/>
+                    </a:prstClr>
+                  </a:outerShdw>
+                </a:effectLst>
+              </a:rPr>
+              <a:t>ingle “completion” task</a:t>
             </a:r>
           </a:p>
         </p:txBody>
@@ -31947,7 +32651,7 @@
     </p:spTree>
     <p:extLst>
       <p:ext uri="{BB962C8B-B14F-4D97-AF65-F5344CB8AC3E}">
-        <p14:creationId xmlns:p14="http://schemas.microsoft.com/office/powerpoint/2010/main" val="236206878"/>
+        <p14:creationId xmlns:p14="http://schemas.microsoft.com/office/powerpoint/2010/main" val="1435486138"/>
       </p:ext>
     </p:extLst>
   </p:cSld>
@@ -32572,16 +33276,10 @@
                   </a:outerShdw>
                 </a:effectLst>
               </a:rPr>
-              <a:t>Producer / Consumer</a:t>
-            </a:r>
-          </a:p>
-          <a:p>
-            <a:pPr marL="0" indent="0" algn="ctr">
-              <a:buFont typeface="Symbol" pitchFamily="18" charset="2"/>
-              <a:buNone/>
-            </a:pPr>
-            <a:r>
-              <a:rPr lang="en-US" sz="4400" dirty="0">
+              <a:t>Task </a:t>
+            </a:r>
+            <a:r>
+              <a:rPr lang="en-US" sz="4400" dirty="0" smtClean="0">
                 <a:solidFill>
                   <a:srgbClr val="FF0000"/>
                 </a:solidFill>
@@ -32592,11 +33290,18 @@
                     </a:prstClr>
                   </a:outerShdw>
                 </a:effectLst>
+                <a:sym typeface="Wingdings" pitchFamily="2" charset="2"/>
               </a:rPr>
-              <a:t/>
-            </a:r>
-            <a:br>
-              <a:rPr lang="en-US" sz="4400" dirty="0">
+              <a:t> Work Queue</a:t>
+            </a:r>
+          </a:p>
+          <a:p>
+            <a:pPr marL="0" indent="0" algn="ctr">
+              <a:buFont typeface="Symbol" pitchFamily="18" charset="2"/>
+              <a:buNone/>
+            </a:pPr>
+            <a:r>
+              <a:rPr lang="en-US" sz="4400" dirty="0" smtClean="0">
                 <a:solidFill>
                   <a:srgbClr val="FF0000"/>
                 </a:solidFill>
@@ -32607,8 +33312,16 @@
                     </a:prstClr>
                   </a:outerShdw>
                 </a:effectLst>
+                <a:sym typeface="Wingdings" pitchFamily="2" charset="2"/>
               </a:rPr>
-            </a:br>
+              <a:t>Task Executes</a:t>
+            </a:r>
+          </a:p>
+          <a:p>
+            <a:pPr marL="0" indent="0" algn="ctr">
+              <a:buFont typeface="Symbol" pitchFamily="18" charset="2"/>
+              <a:buNone/>
+            </a:pPr>
             <a:r>
               <a:rPr lang="en-US" sz="4400" dirty="0" smtClean="0">
                 <a:solidFill>
@@ -32621,52 +33334,29 @@
                     </a:prstClr>
                   </a:outerShdw>
                 </a:effectLst>
+                <a:sym typeface="Wingdings" pitchFamily="2" charset="2"/>
               </a:rPr>
-              <a:t>Many “work” tasks; </a:t>
-            </a:r>
-          </a:p>
-          <a:p>
-            <a:pPr marL="0" indent="0" algn="ctr">
-              <a:buFont typeface="Symbol" pitchFamily="18" charset="2"/>
-              <a:buNone/>
-            </a:pPr>
-            <a:r>
-              <a:rPr lang="en-US" sz="4400" dirty="0">
-                <a:solidFill>
-                  <a:srgbClr val="FF0000"/>
-                </a:solidFill>
-                <a:effectLst>
-                  <a:outerShdw blurRad="50800" dist="38100" dir="2700000" algn="tl" rotWithShape="0">
-                    <a:prstClr val="black">
-                      <a:alpha val="40000"/>
-                    </a:prstClr>
-                  </a:outerShdw>
-                </a:effectLst>
-              </a:rPr>
-              <a:t>S</a:t>
-            </a:r>
-            <a:r>
-              <a:rPr lang="en-US" sz="4400" dirty="0" smtClean="0">
-                <a:solidFill>
-                  <a:srgbClr val="FF0000"/>
-                </a:solidFill>
-                <a:effectLst>
-                  <a:outerShdw blurRad="50800" dist="38100" dir="2700000" algn="tl" rotWithShape="0">
-                    <a:prstClr val="black">
-                      <a:alpha val="40000"/>
-                    </a:prstClr>
-                  </a:outerShdw>
-                </a:effectLst>
-              </a:rPr>
-              <a:t>ingle “completion” task</a:t>
-            </a:r>
+              <a:t>Result  Completion Queue</a:t>
+            </a:r>
+            <a:endParaRPr lang="en-US" sz="4400" dirty="0" smtClean="0">
+              <a:solidFill>
+                <a:srgbClr val="FF0000"/>
+              </a:solidFill>
+              <a:effectLst>
+                <a:outerShdw blurRad="50800" dist="38100" dir="2700000" algn="tl" rotWithShape="0">
+                  <a:prstClr val="black">
+                    <a:alpha val="40000"/>
+                  </a:prstClr>
+                </a:outerShdw>
+              </a:effectLst>
+            </a:endParaRPr>
           </a:p>
         </p:txBody>
       </p:sp>
     </p:spTree>
     <p:extLst>
       <p:ext uri="{BB962C8B-B14F-4D97-AF65-F5344CB8AC3E}">
-        <p14:creationId xmlns:p14="http://schemas.microsoft.com/office/powerpoint/2010/main" val="1435486138"/>
+        <p14:creationId xmlns:p14="http://schemas.microsoft.com/office/powerpoint/2010/main" val="2807648595"/>
       </p:ext>
     </p:extLst>
   </p:cSld>
@@ -33291,87 +33981,15 @@
                   </a:outerShdw>
                 </a:effectLst>
               </a:rPr>
-              <a:t>Task </a:t>
-            </a:r>
-            <a:r>
-              <a:rPr lang="en-US" sz="4400" dirty="0" smtClean="0">
-                <a:solidFill>
-                  <a:srgbClr val="FF0000"/>
-                </a:solidFill>
-                <a:effectLst>
-                  <a:outerShdw blurRad="50800" dist="38100" dir="2700000" algn="tl" rotWithShape="0">
-                    <a:prstClr val="black">
-                      <a:alpha val="40000"/>
-                    </a:prstClr>
-                  </a:outerShdw>
-                </a:effectLst>
-                <a:sym typeface="Wingdings" pitchFamily="2" charset="2"/>
-              </a:rPr>
-              <a:t> Work Queue</a:t>
-            </a:r>
-          </a:p>
-          <a:p>
-            <a:pPr marL="0" indent="0" algn="ctr">
-              <a:buFont typeface="Symbol" pitchFamily="18" charset="2"/>
-              <a:buNone/>
-            </a:pPr>
-            <a:r>
-              <a:rPr lang="en-US" sz="4400" dirty="0" smtClean="0">
-                <a:solidFill>
-                  <a:srgbClr val="FF0000"/>
-                </a:solidFill>
-                <a:effectLst>
-                  <a:outerShdw blurRad="50800" dist="38100" dir="2700000" algn="tl" rotWithShape="0">
-                    <a:prstClr val="black">
-                      <a:alpha val="40000"/>
-                    </a:prstClr>
-                  </a:outerShdw>
-                </a:effectLst>
-                <a:sym typeface="Wingdings" pitchFamily="2" charset="2"/>
-              </a:rPr>
-              <a:t>Task Executes</a:t>
-            </a:r>
-          </a:p>
-          <a:p>
-            <a:pPr marL="0" indent="0" algn="ctr">
-              <a:buFont typeface="Symbol" pitchFamily="18" charset="2"/>
-              <a:buNone/>
-            </a:pPr>
-            <a:r>
-              <a:rPr lang="en-US" sz="4400" dirty="0" smtClean="0">
-                <a:solidFill>
-                  <a:srgbClr val="FF0000"/>
-                </a:solidFill>
-                <a:effectLst>
-                  <a:outerShdw blurRad="50800" dist="38100" dir="2700000" algn="tl" rotWithShape="0">
-                    <a:prstClr val="black">
-                      <a:alpha val="40000"/>
-                    </a:prstClr>
-                  </a:outerShdw>
-                </a:effectLst>
-                <a:sym typeface="Wingdings" pitchFamily="2" charset="2"/>
-              </a:rPr>
-              <a:t>Result  Completion Queue</a:t>
-            </a:r>
-            <a:endParaRPr lang="en-US" sz="4400" dirty="0" smtClean="0">
-              <a:solidFill>
-                <a:srgbClr val="FF0000"/>
-              </a:solidFill>
-              <a:effectLst>
-                <a:outerShdw blurRad="50800" dist="38100" dir="2700000" algn="tl" rotWithShape="0">
-                  <a:prstClr val="black">
-                    <a:alpha val="40000"/>
-                  </a:prstClr>
-                </a:outerShdw>
-              </a:effectLst>
-            </a:endParaRPr>
+              <a:t>“Completion Task” is scheduled to periodically process the Completion Queue</a:t>
+            </a:r>
           </a:p>
         </p:txBody>
       </p:sp>
     </p:spTree>
     <p:extLst>
       <p:ext uri="{BB962C8B-B14F-4D97-AF65-F5344CB8AC3E}">
-        <p14:creationId xmlns:p14="http://schemas.microsoft.com/office/powerpoint/2010/main" val="2807648595"/>
+        <p14:creationId xmlns:p14="http://schemas.microsoft.com/office/powerpoint/2010/main" val="175368926"/>
       </p:ext>
     </p:extLst>
   </p:cSld>
@@ -33768,7 +34386,7 @@
                   </a:outerShdw>
                 </a:effectLst>
               </a:rPr>
-              <a:t>ExecutorCompletionService</a:t>
+              <a:t>ForkJoinPool</a:t>
             </a:r>
             <a:r>
               <a:rPr lang="en-US" sz="4000" dirty="0" smtClean="0">
@@ -33996,7 +34614,115 @@
                   </a:outerShdw>
                 </a:effectLst>
               </a:rPr>
-              <a:t>“Completion Task” is scheduled to periodically process the Completion Queue</a:t>
+              <a:t>Tasks recursively create subtasks</a:t>
+            </a:r>
+          </a:p>
+          <a:p>
+            <a:pPr marL="0" indent="0" algn="ctr">
+              <a:buFont typeface="Symbol" pitchFamily="18" charset="2"/>
+              <a:buNone/>
+            </a:pPr>
+            <a:r>
+              <a:rPr lang="en-US" sz="4400" dirty="0" smtClean="0">
+                <a:solidFill>
+                  <a:srgbClr val="FF0000"/>
+                </a:solidFill>
+                <a:effectLst>
+                  <a:outerShdw blurRad="50800" dist="38100" dir="2700000" algn="tl" rotWithShape="0">
+                    <a:prstClr val="black">
+                      <a:alpha val="40000"/>
+                    </a:prstClr>
+                  </a:outerShdw>
+                </a:effectLst>
+              </a:rPr>
+              <a:t>Pool uses work-stealing</a:t>
+            </a:r>
+          </a:p>
+          <a:p>
+            <a:pPr marL="0" indent="0" algn="ctr">
+              <a:buFont typeface="Symbol" pitchFamily="18" charset="2"/>
+              <a:buNone/>
+            </a:pPr>
+            <a:r>
+              <a:rPr lang="en-US" sz="4400" dirty="0" smtClean="0">
+                <a:solidFill>
+                  <a:srgbClr val="FF0000"/>
+                </a:solidFill>
+                <a:effectLst>
+                  <a:outerShdw blurRad="50800" dist="38100" dir="2700000" algn="tl" rotWithShape="0">
+                    <a:prstClr val="black">
+                      <a:alpha val="40000"/>
+                    </a:prstClr>
+                  </a:outerShdw>
+                </a:effectLst>
+              </a:rPr>
+              <a:t>Results are “join()”</a:t>
+            </a:r>
+            <a:r>
+              <a:rPr lang="en-US" sz="4400" dirty="0" err="1" smtClean="0">
+                <a:solidFill>
+                  <a:srgbClr val="FF0000"/>
+                </a:solidFill>
+                <a:effectLst>
+                  <a:outerShdw blurRad="50800" dist="38100" dir="2700000" algn="tl" rotWithShape="0">
+                    <a:prstClr val="black">
+                      <a:alpha val="40000"/>
+                    </a:prstClr>
+                  </a:outerShdw>
+                </a:effectLst>
+              </a:rPr>
+              <a:t>ed</a:t>
+            </a:r>
+            <a:r>
+              <a:rPr lang="en-US" sz="4400" dirty="0" smtClean="0">
+                <a:solidFill>
+                  <a:srgbClr val="FF0000"/>
+                </a:solidFill>
+                <a:effectLst>
+                  <a:outerShdw blurRad="50800" dist="38100" dir="2700000" algn="tl" rotWithShape="0">
+                    <a:prstClr val="black">
+                      <a:alpha val="40000"/>
+                    </a:prstClr>
+                  </a:outerShdw>
+                </a:effectLst>
+              </a:rPr>
+              <a:t> at the end</a:t>
+            </a:r>
+          </a:p>
+          <a:p>
+            <a:pPr marL="0" indent="0" algn="ctr">
+              <a:buFont typeface="Symbol" pitchFamily="18" charset="2"/>
+              <a:buNone/>
+            </a:pPr>
+            <a:r>
+              <a:rPr lang="en-US" sz="4400" smtClean="0">
+                <a:solidFill>
+                  <a:srgbClr val="FF0000"/>
+                </a:solidFill>
+                <a:effectLst>
+                  <a:outerShdw blurRad="50800" dist="38100" dir="2700000" algn="tl" rotWithShape="0">
+                    <a:prstClr val="black">
+                      <a:alpha val="40000"/>
+                    </a:prstClr>
+                  </a:outerShdw>
+                </a:effectLst>
+              </a:rPr>
+              <a:t>“Divide </a:t>
+            </a:r>
+            <a:r>
+              <a:rPr lang="en-US" sz="4400" dirty="0" smtClean="0">
+                <a:solidFill>
+                  <a:srgbClr val="FF0000"/>
+                </a:solidFill>
+                <a:effectLst>
+                  <a:outerShdw blurRad="50800" dist="38100" dir="2700000" algn="tl" rotWithShape="0">
+                    <a:prstClr val="black">
+                      <a:alpha val="40000"/>
+                    </a:prstClr>
+                  </a:outerShdw>
+                </a:effectLst>
+              </a:rPr>
+              <a:t>and Conquer”</a:t>
             </a:r>
           </a:p>
         </p:txBody>
@@ -34004,7 +34730,7 @@
     </p:spTree>
     <p:extLst>
       <p:ext uri="{BB962C8B-B14F-4D97-AF65-F5344CB8AC3E}">
-        <p14:creationId xmlns:p14="http://schemas.microsoft.com/office/powerpoint/2010/main" val="175368926"/>
+        <p14:creationId xmlns:p14="http://schemas.microsoft.com/office/powerpoint/2010/main" val="4019869257"/>
       </p:ext>
     </p:extLst>
   </p:cSld>
@@ -34157,747 +34883,6 @@
       </p:grpSpPr>
       <p:sp>
         <p:nvSpPr>
-          <p:cNvPr id="3" name="Title 2"/>
-          <p:cNvSpPr>
-            <a:spLocks noGrp="1"/>
-          </p:cNvSpPr>
-          <p:nvPr>
-            <p:ph type="title"/>
-          </p:nvPr>
-        </p:nvSpPr>
-        <p:spPr/>
-        <p:txBody>
-          <a:bodyPr/>
-          <a:lstStyle/>
-          <a:p>
-            <a:r>
-              <a:rPr lang="en-US" dirty="0" smtClean="0"/>
-              <a:t>Different Types of “Executors”</a:t>
-            </a:r>
-            <a:endParaRPr lang="en-US" dirty="0"/>
-          </a:p>
-        </p:txBody>
-      </p:sp>
-      <p:sp>
-        <p:nvSpPr>
-          <p:cNvPr id="4" name="Content Placeholder 1"/>
-          <p:cNvSpPr txBox="1">
-            <a:spLocks/>
-          </p:cNvSpPr>
-          <p:nvPr/>
-        </p:nvSpPr>
-        <p:spPr>
-          <a:xfrm>
-            <a:off x="533400" y="2438400"/>
-            <a:ext cx="8001000" cy="1214966"/>
-          </a:xfrm>
-          <a:prstGeom prst="rect">
-            <a:avLst/>
-          </a:prstGeom>
-        </p:spPr>
-        <p:txBody>
-          <a:bodyPr vert="horz" lIns="91440" tIns="45720" rIns="91440" bIns="45720" rtlCol="0">
-            <a:noAutofit/>
-          </a:bodyPr>
-          <a:lstStyle>
-            <a:lvl1pPr marL="274320" indent="-274320" algn="l" defTabSz="914400" rtl="0" eaLnBrk="1" latinLnBrk="0" hangingPunct="1">
-              <a:spcBef>
-                <a:spcPct val="20000"/>
-              </a:spcBef>
-              <a:buClr>
-                <a:schemeClr val="accent1"/>
-              </a:buClr>
-              <a:buSzPct val="100000"/>
-              <a:buFont typeface="Symbol" pitchFamily="18" charset="2"/>
-              <a:buChar char=""/>
-              <a:defRPr sz="2400" kern="1200">
-                <a:solidFill>
-                  <a:schemeClr val="tx2"/>
-                </a:solidFill>
-                <a:latin typeface="+mn-lt"/>
-                <a:ea typeface="+mn-ea"/>
-                <a:cs typeface="+mn-cs"/>
-              </a:defRPr>
-            </a:lvl1pPr>
-            <a:lvl2pPr marL="576263" indent="-274320" algn="l" defTabSz="914400" rtl="0" eaLnBrk="1" latinLnBrk="0" hangingPunct="1">
-              <a:spcBef>
-                <a:spcPct val="20000"/>
-              </a:spcBef>
-              <a:buClr>
-                <a:schemeClr val="accent1"/>
-              </a:buClr>
-              <a:buSzPct val="100000"/>
-              <a:buFont typeface="Symbol" pitchFamily="18" charset="2"/>
-              <a:buChar char=""/>
-              <a:defRPr sz="2200" kern="1200">
-                <a:solidFill>
-                  <a:schemeClr val="tx2"/>
-                </a:solidFill>
-                <a:latin typeface="+mn-lt"/>
-                <a:ea typeface="+mn-ea"/>
-                <a:cs typeface="+mn-cs"/>
-              </a:defRPr>
-            </a:lvl2pPr>
-            <a:lvl3pPr marL="855663" indent="-228600" algn="l" defTabSz="914400" rtl="0" eaLnBrk="1" latinLnBrk="0" hangingPunct="1">
-              <a:spcBef>
-                <a:spcPct val="20000"/>
-              </a:spcBef>
-              <a:buClr>
-                <a:schemeClr val="accent1"/>
-              </a:buClr>
-              <a:buSzPct val="100000"/>
-              <a:buFont typeface="Symbol" pitchFamily="18" charset="2"/>
-              <a:buChar char=""/>
-              <a:defRPr sz="2000" kern="1200">
-                <a:solidFill>
-                  <a:schemeClr val="tx2"/>
-                </a:solidFill>
-                <a:latin typeface="+mn-lt"/>
-                <a:ea typeface="+mn-ea"/>
-                <a:cs typeface="+mn-cs"/>
-              </a:defRPr>
-            </a:lvl3pPr>
-            <a:lvl4pPr marL="1143000" indent="-228600" algn="l" defTabSz="914400" rtl="0" eaLnBrk="1" latinLnBrk="0" hangingPunct="1">
-              <a:spcBef>
-                <a:spcPct val="20000"/>
-              </a:spcBef>
-              <a:buClr>
-                <a:schemeClr val="accent1"/>
-              </a:buClr>
-              <a:buSzPct val="100000"/>
-              <a:buFont typeface="Symbol" pitchFamily="18" charset="2"/>
-              <a:buChar char=""/>
-              <a:defRPr sz="1800" kern="1200">
-                <a:solidFill>
-                  <a:schemeClr val="tx2"/>
-                </a:solidFill>
-                <a:latin typeface="+mn-lt"/>
-                <a:ea typeface="+mn-ea"/>
-                <a:cs typeface="+mn-cs"/>
-              </a:defRPr>
-            </a:lvl4pPr>
-            <a:lvl5pPr marL="1463040" indent="-228600" algn="l" defTabSz="914400" rtl="0" eaLnBrk="1" latinLnBrk="0" hangingPunct="1">
-              <a:spcBef>
-                <a:spcPct val="20000"/>
-              </a:spcBef>
-              <a:buClr>
-                <a:schemeClr val="accent1"/>
-              </a:buClr>
-              <a:buSzPct val="100000"/>
-              <a:buFont typeface="Symbol" pitchFamily="18" charset="2"/>
-              <a:buChar char=""/>
-              <a:defRPr sz="1600" kern="1200">
-                <a:solidFill>
-                  <a:schemeClr val="tx2"/>
-                </a:solidFill>
-                <a:latin typeface="+mn-lt"/>
-                <a:ea typeface="+mn-ea"/>
-                <a:cs typeface="+mn-cs"/>
-              </a:defRPr>
-            </a:lvl5pPr>
-            <a:lvl6pPr marL="1783080" indent="-228600" algn="l" defTabSz="914400" rtl="0" eaLnBrk="1" latinLnBrk="0" hangingPunct="1">
-              <a:spcBef>
-                <a:spcPts val="384"/>
-              </a:spcBef>
-              <a:buClr>
-                <a:schemeClr val="accent1"/>
-              </a:buClr>
-              <a:buFont typeface="Symbol" pitchFamily="18" charset="2"/>
-              <a:buChar char="*"/>
-              <a:defRPr sz="1400" kern="1200">
-                <a:solidFill>
-                  <a:schemeClr val="tx2"/>
-                </a:solidFill>
-                <a:latin typeface="+mn-lt"/>
-                <a:ea typeface="+mn-ea"/>
-                <a:cs typeface="+mn-cs"/>
-              </a:defRPr>
-            </a:lvl6pPr>
-            <a:lvl7pPr marL="2103120" indent="-228600" algn="l" defTabSz="914400" rtl="0" eaLnBrk="1" latinLnBrk="0" hangingPunct="1">
-              <a:spcBef>
-                <a:spcPts val="384"/>
-              </a:spcBef>
-              <a:buClr>
-                <a:schemeClr val="accent1"/>
-              </a:buClr>
-              <a:buFont typeface="Symbol" pitchFamily="18" charset="2"/>
-              <a:buChar char="*"/>
-              <a:defRPr sz="1400" kern="1200">
-                <a:solidFill>
-                  <a:schemeClr val="tx2"/>
-                </a:solidFill>
-                <a:latin typeface="+mn-lt"/>
-                <a:ea typeface="+mn-ea"/>
-                <a:cs typeface="+mn-cs"/>
-              </a:defRPr>
-            </a:lvl7pPr>
-            <a:lvl8pPr marL="2423160" indent="-228600" algn="l" defTabSz="914400" rtl="0" eaLnBrk="1" latinLnBrk="0" hangingPunct="1">
-              <a:spcBef>
-                <a:spcPts val="384"/>
-              </a:spcBef>
-              <a:buClr>
-                <a:schemeClr val="accent1"/>
-              </a:buClr>
-              <a:buFont typeface="Symbol" pitchFamily="18" charset="2"/>
-              <a:buChar char="*"/>
-              <a:defRPr sz="1400" kern="1200">
-                <a:solidFill>
-                  <a:schemeClr val="tx2"/>
-                </a:solidFill>
-                <a:latin typeface="+mn-lt"/>
-                <a:ea typeface="+mn-ea"/>
-                <a:cs typeface="+mn-cs"/>
-              </a:defRPr>
-            </a:lvl8pPr>
-            <a:lvl9pPr marL="2743200" indent="-228600" algn="l" defTabSz="914400" rtl="0" eaLnBrk="1" latinLnBrk="0" hangingPunct="1">
-              <a:spcBef>
-                <a:spcPts val="384"/>
-              </a:spcBef>
-              <a:buClr>
-                <a:schemeClr val="accent1"/>
-              </a:buClr>
-              <a:buFont typeface="Symbol" pitchFamily="18" charset="2"/>
-              <a:buChar char="*"/>
-              <a:defRPr sz="1400" kern="1200">
-                <a:solidFill>
-                  <a:schemeClr val="tx2"/>
-                </a:solidFill>
-                <a:latin typeface="+mn-lt"/>
-                <a:ea typeface="+mn-ea"/>
-                <a:cs typeface="+mn-cs"/>
-              </a:defRPr>
-            </a:lvl9pPr>
-          </a:lstStyle>
-          <a:p>
-            <a:pPr marL="0" indent="0">
-              <a:buFont typeface="Symbol" pitchFamily="18" charset="2"/>
-              <a:buNone/>
-            </a:pPr>
-            <a:r>
-              <a:rPr lang="en-US" sz="4000" dirty="0" smtClean="0">
-                <a:solidFill>
-                  <a:srgbClr val="002060"/>
-                </a:solidFill>
-                <a:effectLst>
-                  <a:outerShdw blurRad="50800" dist="38100" dir="2700000" algn="tl" rotWithShape="0">
-                    <a:prstClr val="black">
-                      <a:alpha val="40000"/>
-                    </a:prstClr>
-                  </a:outerShdw>
-                </a:effectLst>
-              </a:rPr>
-              <a:t>“</a:t>
-            </a:r>
-            <a:r>
-              <a:rPr lang="en-US" sz="4000" dirty="0" err="1" smtClean="0">
-                <a:solidFill>
-                  <a:srgbClr val="002060"/>
-                </a:solidFill>
-                <a:effectLst>
-                  <a:outerShdw blurRad="50800" dist="38100" dir="2700000" algn="tl" rotWithShape="0">
-                    <a:prstClr val="black">
-                      <a:alpha val="40000"/>
-                    </a:prstClr>
-                  </a:outerShdw>
-                </a:effectLst>
-              </a:rPr>
-              <a:t>ForkJoinPool</a:t>
-            </a:r>
-            <a:r>
-              <a:rPr lang="en-US" sz="4000" dirty="0" smtClean="0">
-                <a:solidFill>
-                  <a:srgbClr val="002060"/>
-                </a:solidFill>
-                <a:effectLst>
-                  <a:outerShdw blurRad="50800" dist="38100" dir="2700000" algn="tl" rotWithShape="0">
-                    <a:prstClr val="black">
-                      <a:alpha val="40000"/>
-                    </a:prstClr>
-                  </a:outerShdw>
-                </a:effectLst>
-              </a:rPr>
-              <a:t>”</a:t>
-            </a:r>
-          </a:p>
-        </p:txBody>
-      </p:sp>
-      <p:sp>
-        <p:nvSpPr>
-          <p:cNvPr id="5" name="Content Placeholder 1"/>
-          <p:cNvSpPr txBox="1">
-            <a:spLocks/>
-          </p:cNvSpPr>
-          <p:nvPr/>
-        </p:nvSpPr>
-        <p:spPr>
-          <a:xfrm>
-            <a:off x="381000" y="3352800"/>
-            <a:ext cx="8305800" cy="2819400"/>
-          </a:xfrm>
-          <a:prstGeom prst="rect">
-            <a:avLst/>
-          </a:prstGeom>
-        </p:spPr>
-        <p:txBody>
-          <a:bodyPr vert="horz" lIns="91440" tIns="45720" rIns="91440" bIns="45720" rtlCol="0">
-            <a:noAutofit/>
-          </a:bodyPr>
-          <a:lstStyle>
-            <a:lvl1pPr marL="274320" indent="-274320" algn="l" defTabSz="914400" rtl="0" eaLnBrk="1" latinLnBrk="0" hangingPunct="1">
-              <a:spcBef>
-                <a:spcPct val="20000"/>
-              </a:spcBef>
-              <a:buClr>
-                <a:schemeClr val="accent1"/>
-              </a:buClr>
-              <a:buSzPct val="100000"/>
-              <a:buFont typeface="Symbol" pitchFamily="18" charset="2"/>
-              <a:buChar char=""/>
-              <a:defRPr sz="2400" kern="1200">
-                <a:solidFill>
-                  <a:schemeClr val="tx2"/>
-                </a:solidFill>
-                <a:latin typeface="+mn-lt"/>
-                <a:ea typeface="+mn-ea"/>
-                <a:cs typeface="+mn-cs"/>
-              </a:defRPr>
-            </a:lvl1pPr>
-            <a:lvl2pPr marL="576263" indent="-274320" algn="l" defTabSz="914400" rtl="0" eaLnBrk="1" latinLnBrk="0" hangingPunct="1">
-              <a:spcBef>
-                <a:spcPct val="20000"/>
-              </a:spcBef>
-              <a:buClr>
-                <a:schemeClr val="accent1"/>
-              </a:buClr>
-              <a:buSzPct val="100000"/>
-              <a:buFont typeface="Symbol" pitchFamily="18" charset="2"/>
-              <a:buChar char=""/>
-              <a:defRPr sz="2200" kern="1200">
-                <a:solidFill>
-                  <a:schemeClr val="tx2"/>
-                </a:solidFill>
-                <a:latin typeface="+mn-lt"/>
-                <a:ea typeface="+mn-ea"/>
-                <a:cs typeface="+mn-cs"/>
-              </a:defRPr>
-            </a:lvl2pPr>
-            <a:lvl3pPr marL="855663" indent="-228600" algn="l" defTabSz="914400" rtl="0" eaLnBrk="1" latinLnBrk="0" hangingPunct="1">
-              <a:spcBef>
-                <a:spcPct val="20000"/>
-              </a:spcBef>
-              <a:buClr>
-                <a:schemeClr val="accent1"/>
-              </a:buClr>
-              <a:buSzPct val="100000"/>
-              <a:buFont typeface="Symbol" pitchFamily="18" charset="2"/>
-              <a:buChar char=""/>
-              <a:defRPr sz="2000" kern="1200">
-                <a:solidFill>
-                  <a:schemeClr val="tx2"/>
-                </a:solidFill>
-                <a:latin typeface="+mn-lt"/>
-                <a:ea typeface="+mn-ea"/>
-                <a:cs typeface="+mn-cs"/>
-              </a:defRPr>
-            </a:lvl3pPr>
-            <a:lvl4pPr marL="1143000" indent="-228600" algn="l" defTabSz="914400" rtl="0" eaLnBrk="1" latinLnBrk="0" hangingPunct="1">
-              <a:spcBef>
-                <a:spcPct val="20000"/>
-              </a:spcBef>
-              <a:buClr>
-                <a:schemeClr val="accent1"/>
-              </a:buClr>
-              <a:buSzPct val="100000"/>
-              <a:buFont typeface="Symbol" pitchFamily="18" charset="2"/>
-              <a:buChar char=""/>
-              <a:defRPr sz="1800" kern="1200">
-                <a:solidFill>
-                  <a:schemeClr val="tx2"/>
-                </a:solidFill>
-                <a:latin typeface="+mn-lt"/>
-                <a:ea typeface="+mn-ea"/>
-                <a:cs typeface="+mn-cs"/>
-              </a:defRPr>
-            </a:lvl4pPr>
-            <a:lvl5pPr marL="1463040" indent="-228600" algn="l" defTabSz="914400" rtl="0" eaLnBrk="1" latinLnBrk="0" hangingPunct="1">
-              <a:spcBef>
-                <a:spcPct val="20000"/>
-              </a:spcBef>
-              <a:buClr>
-                <a:schemeClr val="accent1"/>
-              </a:buClr>
-              <a:buSzPct val="100000"/>
-              <a:buFont typeface="Symbol" pitchFamily="18" charset="2"/>
-              <a:buChar char=""/>
-              <a:defRPr sz="1600" kern="1200">
-                <a:solidFill>
-                  <a:schemeClr val="tx2"/>
-                </a:solidFill>
-                <a:latin typeface="+mn-lt"/>
-                <a:ea typeface="+mn-ea"/>
-                <a:cs typeface="+mn-cs"/>
-              </a:defRPr>
-            </a:lvl5pPr>
-            <a:lvl6pPr marL="1783080" indent="-228600" algn="l" defTabSz="914400" rtl="0" eaLnBrk="1" latinLnBrk="0" hangingPunct="1">
-              <a:spcBef>
-                <a:spcPts val="384"/>
-              </a:spcBef>
-              <a:buClr>
-                <a:schemeClr val="accent1"/>
-              </a:buClr>
-              <a:buFont typeface="Symbol" pitchFamily="18" charset="2"/>
-              <a:buChar char="*"/>
-              <a:defRPr sz="1400" kern="1200">
-                <a:solidFill>
-                  <a:schemeClr val="tx2"/>
-                </a:solidFill>
-                <a:latin typeface="+mn-lt"/>
-                <a:ea typeface="+mn-ea"/>
-                <a:cs typeface="+mn-cs"/>
-              </a:defRPr>
-            </a:lvl6pPr>
-            <a:lvl7pPr marL="2103120" indent="-228600" algn="l" defTabSz="914400" rtl="0" eaLnBrk="1" latinLnBrk="0" hangingPunct="1">
-              <a:spcBef>
-                <a:spcPts val="384"/>
-              </a:spcBef>
-              <a:buClr>
-                <a:schemeClr val="accent1"/>
-              </a:buClr>
-              <a:buFont typeface="Symbol" pitchFamily="18" charset="2"/>
-              <a:buChar char="*"/>
-              <a:defRPr sz="1400" kern="1200">
-                <a:solidFill>
-                  <a:schemeClr val="tx2"/>
-                </a:solidFill>
-                <a:latin typeface="+mn-lt"/>
-                <a:ea typeface="+mn-ea"/>
-                <a:cs typeface="+mn-cs"/>
-              </a:defRPr>
-            </a:lvl7pPr>
-            <a:lvl8pPr marL="2423160" indent="-228600" algn="l" defTabSz="914400" rtl="0" eaLnBrk="1" latinLnBrk="0" hangingPunct="1">
-              <a:spcBef>
-                <a:spcPts val="384"/>
-              </a:spcBef>
-              <a:buClr>
-                <a:schemeClr val="accent1"/>
-              </a:buClr>
-              <a:buFont typeface="Symbol" pitchFamily="18" charset="2"/>
-              <a:buChar char="*"/>
-              <a:defRPr sz="1400" kern="1200">
-                <a:solidFill>
-                  <a:schemeClr val="tx2"/>
-                </a:solidFill>
-                <a:latin typeface="+mn-lt"/>
-                <a:ea typeface="+mn-ea"/>
-                <a:cs typeface="+mn-cs"/>
-              </a:defRPr>
-            </a:lvl8pPr>
-            <a:lvl9pPr marL="2743200" indent="-228600" algn="l" defTabSz="914400" rtl="0" eaLnBrk="1" latinLnBrk="0" hangingPunct="1">
-              <a:spcBef>
-                <a:spcPts val="384"/>
-              </a:spcBef>
-              <a:buClr>
-                <a:schemeClr val="accent1"/>
-              </a:buClr>
-              <a:buFont typeface="Symbol" pitchFamily="18" charset="2"/>
-              <a:buChar char="*"/>
-              <a:defRPr sz="1400" kern="1200">
-                <a:solidFill>
-                  <a:schemeClr val="tx2"/>
-                </a:solidFill>
-                <a:latin typeface="+mn-lt"/>
-                <a:ea typeface="+mn-ea"/>
-                <a:cs typeface="+mn-cs"/>
-              </a:defRPr>
-            </a:lvl9pPr>
-          </a:lstStyle>
-          <a:p>
-            <a:pPr marL="0" indent="0" algn="ctr">
-              <a:buFont typeface="Symbol" pitchFamily="18" charset="2"/>
-              <a:buNone/>
-            </a:pPr>
-            <a:r>
-              <a:rPr lang="en-US" sz="4400" dirty="0" smtClean="0">
-                <a:solidFill>
-                  <a:srgbClr val="FF0000"/>
-                </a:solidFill>
-                <a:effectLst>
-                  <a:outerShdw blurRad="50800" dist="38100" dir="2700000" algn="tl" rotWithShape="0">
-                    <a:prstClr val="black">
-                      <a:alpha val="40000"/>
-                    </a:prstClr>
-                  </a:outerShdw>
-                </a:effectLst>
-              </a:rPr>
-              <a:t>Tasks recursively create subtasks</a:t>
-            </a:r>
-          </a:p>
-          <a:p>
-            <a:pPr marL="0" indent="0" algn="ctr">
-              <a:buFont typeface="Symbol" pitchFamily="18" charset="2"/>
-              <a:buNone/>
-            </a:pPr>
-            <a:r>
-              <a:rPr lang="en-US" sz="4400" dirty="0" smtClean="0">
-                <a:solidFill>
-                  <a:srgbClr val="FF0000"/>
-                </a:solidFill>
-                <a:effectLst>
-                  <a:outerShdw blurRad="50800" dist="38100" dir="2700000" algn="tl" rotWithShape="0">
-                    <a:prstClr val="black">
-                      <a:alpha val="40000"/>
-                    </a:prstClr>
-                  </a:outerShdw>
-                </a:effectLst>
-              </a:rPr>
-              <a:t>Pool uses work-stealing</a:t>
-            </a:r>
-          </a:p>
-          <a:p>
-            <a:pPr marL="0" indent="0" algn="ctr">
-              <a:buFont typeface="Symbol" pitchFamily="18" charset="2"/>
-              <a:buNone/>
-            </a:pPr>
-            <a:r>
-              <a:rPr lang="en-US" sz="4400" dirty="0" smtClean="0">
-                <a:solidFill>
-                  <a:srgbClr val="FF0000"/>
-                </a:solidFill>
-                <a:effectLst>
-                  <a:outerShdw blurRad="50800" dist="38100" dir="2700000" algn="tl" rotWithShape="0">
-                    <a:prstClr val="black">
-                      <a:alpha val="40000"/>
-                    </a:prstClr>
-                  </a:outerShdw>
-                </a:effectLst>
-              </a:rPr>
-              <a:t>Results are “join()”</a:t>
-            </a:r>
-            <a:r>
-              <a:rPr lang="en-US" sz="4400" dirty="0" err="1" smtClean="0">
-                <a:solidFill>
-                  <a:srgbClr val="FF0000"/>
-                </a:solidFill>
-                <a:effectLst>
-                  <a:outerShdw blurRad="50800" dist="38100" dir="2700000" algn="tl" rotWithShape="0">
-                    <a:prstClr val="black">
-                      <a:alpha val="40000"/>
-                    </a:prstClr>
-                  </a:outerShdw>
-                </a:effectLst>
-              </a:rPr>
-              <a:t>ed</a:t>
-            </a:r>
-            <a:r>
-              <a:rPr lang="en-US" sz="4400" dirty="0" smtClean="0">
-                <a:solidFill>
-                  <a:srgbClr val="FF0000"/>
-                </a:solidFill>
-                <a:effectLst>
-                  <a:outerShdw blurRad="50800" dist="38100" dir="2700000" algn="tl" rotWithShape="0">
-                    <a:prstClr val="black">
-                      <a:alpha val="40000"/>
-                    </a:prstClr>
-                  </a:outerShdw>
-                </a:effectLst>
-              </a:rPr>
-              <a:t> at the end</a:t>
-            </a:r>
-          </a:p>
-          <a:p>
-            <a:pPr marL="0" indent="0" algn="ctr">
-              <a:buFont typeface="Symbol" pitchFamily="18" charset="2"/>
-              <a:buNone/>
-            </a:pPr>
-            <a:r>
-              <a:rPr lang="en-US" sz="4400" smtClean="0">
-                <a:solidFill>
-                  <a:srgbClr val="FF0000"/>
-                </a:solidFill>
-                <a:effectLst>
-                  <a:outerShdw blurRad="50800" dist="38100" dir="2700000" algn="tl" rotWithShape="0">
-                    <a:prstClr val="black">
-                      <a:alpha val="40000"/>
-                    </a:prstClr>
-                  </a:outerShdw>
-                </a:effectLst>
-              </a:rPr>
-              <a:t>“Divide </a:t>
-            </a:r>
-            <a:r>
-              <a:rPr lang="en-US" sz="4400" dirty="0" smtClean="0">
-                <a:solidFill>
-                  <a:srgbClr val="FF0000"/>
-                </a:solidFill>
-                <a:effectLst>
-                  <a:outerShdw blurRad="50800" dist="38100" dir="2700000" algn="tl" rotWithShape="0">
-                    <a:prstClr val="black">
-                      <a:alpha val="40000"/>
-                    </a:prstClr>
-                  </a:outerShdw>
-                </a:effectLst>
-              </a:rPr>
-              <a:t>and Conquer”</a:t>
-            </a:r>
-          </a:p>
-        </p:txBody>
-      </p:sp>
-    </p:spTree>
-    <p:extLst>
-      <p:ext uri="{BB962C8B-B14F-4D97-AF65-F5344CB8AC3E}">
-        <p14:creationId xmlns:p14="http://schemas.microsoft.com/office/powerpoint/2010/main" val="4019869257"/>
-      </p:ext>
-    </p:extLst>
-  </p:cSld>
-  <p:clrMapOvr>
-    <a:masterClrMapping/>
-  </p:clrMapOvr>
-  <p:timing>
-    <p:tnLst>
-      <p:par>
-        <p:cTn id="1" dur="indefinite" restart="never" nodeType="tmRoot">
-          <p:childTnLst>
-            <p:seq concurrent="1" nextAc="seek">
-              <p:cTn id="2" dur="indefinite" nodeType="mainSeq">
-                <p:childTnLst>
-                  <p:par>
-                    <p:cTn id="3" fill="hold">
-                      <p:stCondLst>
-                        <p:cond delay="indefinite"/>
-                      </p:stCondLst>
-                      <p:childTnLst>
-                        <p:par>
-                          <p:cTn id="4" fill="hold">
-                            <p:stCondLst>
-                              <p:cond delay="0"/>
-                            </p:stCondLst>
-                            <p:childTnLst>
-                              <p:par>
-                                <p:cTn id="5" presetID="2" presetClass="entr" presetSubtype="4" fill="hold" grpId="0" nodeType="clickEffect">
-                                  <p:stCondLst>
-                                    <p:cond delay="0"/>
-                                  </p:stCondLst>
-                                  <p:childTnLst>
-                                    <p:set>
-                                      <p:cBhvr>
-                                        <p:cTn id="6" dur="1" fill="hold">
-                                          <p:stCondLst>
-                                            <p:cond delay="0"/>
-                                          </p:stCondLst>
-                                        </p:cTn>
-                                        <p:tgtEl>
-                                          <p:spTgt spid="5"/>
-                                        </p:tgtEl>
-                                        <p:attrNameLst>
-                                          <p:attrName>style.visibility</p:attrName>
-                                        </p:attrNameLst>
-                                      </p:cBhvr>
-                                      <p:to>
-                                        <p:strVal val="visible"/>
-                                      </p:to>
-                                    </p:set>
-                                    <p:anim calcmode="lin" valueType="num">
-                                      <p:cBhvr additive="base">
-                                        <p:cTn id="7" dur="500" fill="hold"/>
-                                        <p:tgtEl>
-                                          <p:spTgt spid="5"/>
-                                        </p:tgtEl>
-                                        <p:attrNameLst>
-                                          <p:attrName>ppt_x</p:attrName>
-                                        </p:attrNameLst>
-                                      </p:cBhvr>
-                                      <p:tavLst>
-                                        <p:tav tm="0">
-                                          <p:val>
-                                            <p:strVal val="#ppt_x"/>
-                                          </p:val>
-                                        </p:tav>
-                                        <p:tav tm="100000">
-                                          <p:val>
-                                            <p:strVal val="#ppt_x"/>
-                                          </p:val>
-                                        </p:tav>
-                                      </p:tavLst>
-                                    </p:anim>
-                                    <p:anim calcmode="lin" valueType="num">
-                                      <p:cBhvr additive="base">
-                                        <p:cTn id="8" dur="500" fill="hold"/>
-                                        <p:tgtEl>
-                                          <p:spTgt spid="5"/>
-                                        </p:tgtEl>
-                                        <p:attrNameLst>
-                                          <p:attrName>ppt_y</p:attrName>
-                                        </p:attrNameLst>
-                                      </p:cBhvr>
-                                      <p:tavLst>
-                                        <p:tav tm="0">
-                                          <p:val>
-                                            <p:strVal val="1+#ppt_h/2"/>
-                                          </p:val>
-                                        </p:tav>
-                                        <p:tav tm="100000">
-                                          <p:val>
-                                            <p:strVal val="#ppt_y"/>
-                                          </p:val>
-                                        </p:tav>
-                                      </p:tavLst>
-                                    </p:anim>
-                                  </p:childTnLst>
-                                </p:cTn>
-                              </p:par>
-                            </p:childTnLst>
-                          </p:cTn>
-                        </p:par>
-                      </p:childTnLst>
-                    </p:cTn>
-                  </p:par>
-                </p:childTnLst>
-              </p:cTn>
-              <p:prevCondLst>
-                <p:cond evt="onPrev" delay="0">
-                  <p:tgtEl>
-                    <p:sldTgt/>
-                  </p:tgtEl>
-                </p:cond>
-              </p:prevCondLst>
-              <p:nextCondLst>
-                <p:cond evt="onNext" delay="0">
-                  <p:tgtEl>
-                    <p:sldTgt/>
-                  </p:tgtEl>
-                </p:cond>
-              </p:nextCondLst>
-            </p:seq>
-          </p:childTnLst>
-        </p:cTn>
-      </p:par>
-    </p:tnLst>
-    <p:bldLst>
-      <p:bldP spid="5" grpId="0"/>
-    </p:bldLst>
-  </p:timing>
-</p:sld>
-</file>
-
-<file path=ppt/slides/slide46.xml><?xml version="1.0" encoding="utf-8"?>
-<p:sld xmlns:a="http://schemas.openxmlformats.org/drawingml/2006/main" xmlns:r="http://schemas.openxmlformats.org/officeDocument/2006/relationships" xmlns:p="http://schemas.openxmlformats.org/presentationml/2006/main">
-  <p:cSld>
-    <p:spTree>
-      <p:nvGrpSpPr>
-        <p:cNvPr id="1" name=""/>
-        <p:cNvGrpSpPr/>
-        <p:nvPr/>
-      </p:nvGrpSpPr>
-      <p:grpSpPr>
-        <a:xfrm>
-          <a:off x="0" y="0"/>
-          <a:ext cx="0" cy="0"/>
-          <a:chOff x="0" y="0"/>
-          <a:chExt cx="0" cy="0"/>
-        </a:xfrm>
-      </p:grpSpPr>
-      <p:sp>
-        <p:nvSpPr>
           <p:cNvPr id="2" name="Content Placeholder 1"/>
           <p:cNvSpPr>
             <a:spLocks noGrp="1"/>
@@ -35014,7 +34999,7 @@
 </p:sld>
 </file>
 
-<file path=ppt/slides/slide47.xml><?xml version="1.0" encoding="utf-8"?>
+<file path=ppt/slides/slide46.xml><?xml version="1.0" encoding="utf-8"?>
 <p:sld xmlns:a="http://schemas.openxmlformats.org/drawingml/2006/main" xmlns:r="http://schemas.openxmlformats.org/officeDocument/2006/relationships" xmlns:p="http://schemas.openxmlformats.org/presentationml/2006/main">
   <p:cSld>
     <p:spTree>
@@ -35517,7 +35502,7 @@
 </p:sld>
 </file>
 
-<file path=ppt/slides/slide48.xml><?xml version="1.0" encoding="utf-8"?>
+<file path=ppt/slides/slide47.xml><?xml version="1.0" encoding="utf-8"?>
 <p:sld xmlns:a="http://schemas.openxmlformats.org/drawingml/2006/main" xmlns:r="http://schemas.openxmlformats.org/officeDocument/2006/relationships" xmlns:p="http://schemas.openxmlformats.org/presentationml/2006/main">
   <p:cSld>
     <p:spTree>
@@ -36604,7 +36589,7 @@
 </p:sld>
 </file>
 
-<file path=ppt/slides/slide49.xml><?xml version="1.0" encoding="utf-8"?>
+<file path=ppt/slides/slide48.xml><?xml version="1.0" encoding="utf-8"?>
 <p:sld xmlns:a="http://schemas.openxmlformats.org/drawingml/2006/main" xmlns:r="http://schemas.openxmlformats.org/officeDocument/2006/relationships" xmlns:p="http://schemas.openxmlformats.org/presentationml/2006/main">
   <p:cSld>
     <p:spTree>
@@ -37608,476 +37593,7 @@
 </p:sld>
 </file>
 
-<file path=ppt/slides/slide5.xml><?xml version="1.0" encoding="utf-8"?>
-<p:sld xmlns:a="http://schemas.openxmlformats.org/drawingml/2006/main" xmlns:r="http://schemas.openxmlformats.org/officeDocument/2006/relationships" xmlns:p="http://schemas.openxmlformats.org/presentationml/2006/main">
-  <p:cSld>
-    <p:spTree>
-      <p:nvGrpSpPr>
-        <p:cNvPr id="1" name=""/>
-        <p:cNvGrpSpPr/>
-        <p:nvPr/>
-      </p:nvGrpSpPr>
-      <p:grpSpPr>
-        <a:xfrm>
-          <a:off x="0" y="0"/>
-          <a:ext cx="0" cy="0"/>
-          <a:chOff x="0" y="0"/>
-          <a:chExt cx="0" cy="0"/>
-        </a:xfrm>
-      </p:grpSpPr>
-      <p:sp>
-        <p:nvSpPr>
-          <p:cNvPr id="3" name="Title 2"/>
-          <p:cNvSpPr>
-            <a:spLocks noGrp="1"/>
-          </p:cNvSpPr>
-          <p:nvPr>
-            <p:ph type="title"/>
-          </p:nvPr>
-        </p:nvSpPr>
-        <p:spPr/>
-        <p:txBody>
-          <a:bodyPr/>
-          <a:lstStyle/>
-          <a:p>
-            <a:r>
-              <a:rPr lang="en-US" dirty="0" smtClean="0"/>
-              <a:t>This Presentation is NOT About</a:t>
-            </a:r>
-            <a:endParaRPr lang="en-US" dirty="0"/>
-          </a:p>
-        </p:txBody>
-      </p:sp>
-      <p:sp>
-        <p:nvSpPr>
-          <p:cNvPr id="4" name="Content Placeholder 1"/>
-          <p:cNvSpPr txBox="1">
-            <a:spLocks/>
-          </p:cNvSpPr>
-          <p:nvPr/>
-        </p:nvSpPr>
-        <p:spPr>
-          <a:xfrm>
-            <a:off x="533400" y="2667000"/>
-            <a:ext cx="8305800" cy="2133600"/>
-          </a:xfrm>
-          <a:prstGeom prst="rect">
-            <a:avLst/>
-          </a:prstGeom>
-        </p:spPr>
-        <p:txBody>
-          <a:bodyPr vert="horz" lIns="91440" tIns="45720" rIns="91440" bIns="45720" rtlCol="0">
-            <a:noAutofit/>
-          </a:bodyPr>
-          <a:lstStyle>
-            <a:lvl1pPr marL="274320" indent="-274320" algn="l" defTabSz="914400" rtl="0" eaLnBrk="1" latinLnBrk="0" hangingPunct="1">
-              <a:spcBef>
-                <a:spcPct val="20000"/>
-              </a:spcBef>
-              <a:buClr>
-                <a:schemeClr val="accent1"/>
-              </a:buClr>
-              <a:buSzPct val="100000"/>
-              <a:buFont typeface="Symbol" pitchFamily="18" charset="2"/>
-              <a:buChar char=""/>
-              <a:defRPr sz="2400" kern="1200">
-                <a:solidFill>
-                  <a:schemeClr val="tx2"/>
-                </a:solidFill>
-                <a:latin typeface="+mn-lt"/>
-                <a:ea typeface="+mn-ea"/>
-                <a:cs typeface="+mn-cs"/>
-              </a:defRPr>
-            </a:lvl1pPr>
-            <a:lvl2pPr marL="576263" indent="-274320" algn="l" defTabSz="914400" rtl="0" eaLnBrk="1" latinLnBrk="0" hangingPunct="1">
-              <a:spcBef>
-                <a:spcPct val="20000"/>
-              </a:spcBef>
-              <a:buClr>
-                <a:schemeClr val="accent1"/>
-              </a:buClr>
-              <a:buSzPct val="100000"/>
-              <a:buFont typeface="Symbol" pitchFamily="18" charset="2"/>
-              <a:buChar char=""/>
-              <a:defRPr sz="2200" kern="1200">
-                <a:solidFill>
-                  <a:schemeClr val="tx2"/>
-                </a:solidFill>
-                <a:latin typeface="+mn-lt"/>
-                <a:ea typeface="+mn-ea"/>
-                <a:cs typeface="+mn-cs"/>
-              </a:defRPr>
-            </a:lvl2pPr>
-            <a:lvl3pPr marL="855663" indent="-228600" algn="l" defTabSz="914400" rtl="0" eaLnBrk="1" latinLnBrk="0" hangingPunct="1">
-              <a:spcBef>
-                <a:spcPct val="20000"/>
-              </a:spcBef>
-              <a:buClr>
-                <a:schemeClr val="accent1"/>
-              </a:buClr>
-              <a:buSzPct val="100000"/>
-              <a:buFont typeface="Symbol" pitchFamily="18" charset="2"/>
-              <a:buChar char=""/>
-              <a:defRPr sz="2000" kern="1200">
-                <a:solidFill>
-                  <a:schemeClr val="tx2"/>
-                </a:solidFill>
-                <a:latin typeface="+mn-lt"/>
-                <a:ea typeface="+mn-ea"/>
-                <a:cs typeface="+mn-cs"/>
-              </a:defRPr>
-            </a:lvl3pPr>
-            <a:lvl4pPr marL="1143000" indent="-228600" algn="l" defTabSz="914400" rtl="0" eaLnBrk="1" latinLnBrk="0" hangingPunct="1">
-              <a:spcBef>
-                <a:spcPct val="20000"/>
-              </a:spcBef>
-              <a:buClr>
-                <a:schemeClr val="accent1"/>
-              </a:buClr>
-              <a:buSzPct val="100000"/>
-              <a:buFont typeface="Symbol" pitchFamily="18" charset="2"/>
-              <a:buChar char=""/>
-              <a:defRPr sz="1800" kern="1200">
-                <a:solidFill>
-                  <a:schemeClr val="tx2"/>
-                </a:solidFill>
-                <a:latin typeface="+mn-lt"/>
-                <a:ea typeface="+mn-ea"/>
-                <a:cs typeface="+mn-cs"/>
-              </a:defRPr>
-            </a:lvl4pPr>
-            <a:lvl5pPr marL="1463040" indent="-228600" algn="l" defTabSz="914400" rtl="0" eaLnBrk="1" latinLnBrk="0" hangingPunct="1">
-              <a:spcBef>
-                <a:spcPct val="20000"/>
-              </a:spcBef>
-              <a:buClr>
-                <a:schemeClr val="accent1"/>
-              </a:buClr>
-              <a:buSzPct val="100000"/>
-              <a:buFont typeface="Symbol" pitchFamily="18" charset="2"/>
-              <a:buChar char=""/>
-              <a:defRPr sz="1600" kern="1200">
-                <a:solidFill>
-                  <a:schemeClr val="tx2"/>
-                </a:solidFill>
-                <a:latin typeface="+mn-lt"/>
-                <a:ea typeface="+mn-ea"/>
-                <a:cs typeface="+mn-cs"/>
-              </a:defRPr>
-            </a:lvl5pPr>
-            <a:lvl6pPr marL="1783080" indent="-228600" algn="l" defTabSz="914400" rtl="0" eaLnBrk="1" latinLnBrk="0" hangingPunct="1">
-              <a:spcBef>
-                <a:spcPts val="384"/>
-              </a:spcBef>
-              <a:buClr>
-                <a:schemeClr val="accent1"/>
-              </a:buClr>
-              <a:buFont typeface="Symbol" pitchFamily="18" charset="2"/>
-              <a:buChar char="*"/>
-              <a:defRPr sz="1400" kern="1200">
-                <a:solidFill>
-                  <a:schemeClr val="tx2"/>
-                </a:solidFill>
-                <a:latin typeface="+mn-lt"/>
-                <a:ea typeface="+mn-ea"/>
-                <a:cs typeface="+mn-cs"/>
-              </a:defRPr>
-            </a:lvl6pPr>
-            <a:lvl7pPr marL="2103120" indent="-228600" algn="l" defTabSz="914400" rtl="0" eaLnBrk="1" latinLnBrk="0" hangingPunct="1">
-              <a:spcBef>
-                <a:spcPts val="384"/>
-              </a:spcBef>
-              <a:buClr>
-                <a:schemeClr val="accent1"/>
-              </a:buClr>
-              <a:buFont typeface="Symbol" pitchFamily="18" charset="2"/>
-              <a:buChar char="*"/>
-              <a:defRPr sz="1400" kern="1200">
-                <a:solidFill>
-                  <a:schemeClr val="tx2"/>
-                </a:solidFill>
-                <a:latin typeface="+mn-lt"/>
-                <a:ea typeface="+mn-ea"/>
-                <a:cs typeface="+mn-cs"/>
-              </a:defRPr>
-            </a:lvl7pPr>
-            <a:lvl8pPr marL="2423160" indent="-228600" algn="l" defTabSz="914400" rtl="0" eaLnBrk="1" latinLnBrk="0" hangingPunct="1">
-              <a:spcBef>
-                <a:spcPts val="384"/>
-              </a:spcBef>
-              <a:buClr>
-                <a:schemeClr val="accent1"/>
-              </a:buClr>
-              <a:buFont typeface="Symbol" pitchFamily="18" charset="2"/>
-              <a:buChar char="*"/>
-              <a:defRPr sz="1400" kern="1200">
-                <a:solidFill>
-                  <a:schemeClr val="tx2"/>
-                </a:solidFill>
-                <a:latin typeface="+mn-lt"/>
-                <a:ea typeface="+mn-ea"/>
-                <a:cs typeface="+mn-cs"/>
-              </a:defRPr>
-            </a:lvl8pPr>
-            <a:lvl9pPr marL="2743200" indent="-228600" algn="l" defTabSz="914400" rtl="0" eaLnBrk="1" latinLnBrk="0" hangingPunct="1">
-              <a:spcBef>
-                <a:spcPts val="384"/>
-              </a:spcBef>
-              <a:buClr>
-                <a:schemeClr val="accent1"/>
-              </a:buClr>
-              <a:buFont typeface="Symbol" pitchFamily="18" charset="2"/>
-              <a:buChar char="*"/>
-              <a:defRPr sz="1400" kern="1200">
-                <a:solidFill>
-                  <a:schemeClr val="tx2"/>
-                </a:solidFill>
-                <a:latin typeface="+mn-lt"/>
-                <a:ea typeface="+mn-ea"/>
-                <a:cs typeface="+mn-cs"/>
-              </a:defRPr>
-            </a:lvl9pPr>
-          </a:lstStyle>
-          <a:p>
-            <a:pPr marL="0" indent="0">
-              <a:buFont typeface="Symbol" pitchFamily="18" charset="2"/>
-              <a:buNone/>
-            </a:pPr>
-            <a:r>
-              <a:rPr lang="en-US" sz="4000" dirty="0" smtClean="0">
-                <a:solidFill>
-                  <a:srgbClr val="002060"/>
-                </a:solidFill>
-                <a:effectLst>
-                  <a:outerShdw blurRad="50800" dist="38100" dir="2700000" algn="tl" rotWithShape="0">
-                    <a:prstClr val="black">
-                      <a:alpha val="40000"/>
-                    </a:prstClr>
-                  </a:outerShdw>
-                </a:effectLst>
-              </a:rPr>
-              <a:t>Twitter-scale message busses </a:t>
-            </a:r>
-          </a:p>
-          <a:p>
-            <a:pPr marL="0" indent="0">
-              <a:buFont typeface="Symbol" pitchFamily="18" charset="2"/>
-              <a:buNone/>
-            </a:pPr>
-            <a:endParaRPr lang="en-US" sz="4000" dirty="0" smtClean="0">
-              <a:solidFill>
-                <a:srgbClr val="002060"/>
-              </a:solidFill>
-              <a:effectLst>
-                <a:outerShdw blurRad="50800" dist="38100" dir="2700000" algn="tl" rotWithShape="0">
-                  <a:prstClr val="black">
-                    <a:alpha val="40000"/>
-                  </a:prstClr>
-                </a:outerShdw>
-              </a:effectLst>
-            </a:endParaRPr>
-          </a:p>
-          <a:p>
-            <a:pPr marL="0" indent="0">
-              <a:buFont typeface="Symbol" pitchFamily="18" charset="2"/>
-              <a:buNone/>
-            </a:pPr>
-            <a:r>
-              <a:rPr lang="en-US" sz="4000" dirty="0" smtClean="0">
-                <a:solidFill>
-                  <a:srgbClr val="002060"/>
-                </a:solidFill>
-                <a:effectLst>
-                  <a:outerShdw blurRad="50800" dist="38100" dir="2700000" algn="tl" rotWithShape="0">
-                    <a:prstClr val="black">
-                      <a:alpha val="40000"/>
-                    </a:prstClr>
-                  </a:outerShdw>
-                </a:effectLst>
-              </a:rPr>
-              <a:t>NASDAQ-scale stock exchanges</a:t>
-            </a:r>
-            <a:endParaRPr lang="en-US" sz="4000" dirty="0">
-              <a:solidFill>
-                <a:srgbClr val="002060"/>
-              </a:solidFill>
-              <a:effectLst>
-                <a:outerShdw blurRad="50800" dist="38100" dir="2700000" algn="tl" rotWithShape="0">
-                  <a:prstClr val="black">
-                    <a:alpha val="40000"/>
-                  </a:prstClr>
-                </a:outerShdw>
-              </a:effectLst>
-            </a:endParaRPr>
-          </a:p>
-        </p:txBody>
-      </p:sp>
-    </p:spTree>
-    <p:extLst>
-      <p:ext uri="{BB962C8B-B14F-4D97-AF65-F5344CB8AC3E}">
-        <p14:creationId xmlns:p14="http://schemas.microsoft.com/office/powerpoint/2010/main" val="4237113878"/>
-      </p:ext>
-    </p:extLst>
-  </p:cSld>
-  <p:clrMapOvr>
-    <a:masterClrMapping/>
-  </p:clrMapOvr>
-  <p:timing>
-    <p:tnLst>
-      <p:par>
-        <p:cTn id="1" dur="indefinite" restart="never" nodeType="tmRoot">
-          <p:childTnLst>
-            <p:seq concurrent="1" nextAc="seek">
-              <p:cTn id="2" dur="indefinite" nodeType="mainSeq">
-                <p:childTnLst>
-                  <p:par>
-                    <p:cTn id="3" fill="hold">
-                      <p:stCondLst>
-                        <p:cond delay="indefinite"/>
-                      </p:stCondLst>
-                      <p:childTnLst>
-                        <p:par>
-                          <p:cTn id="4" fill="hold">
-                            <p:stCondLst>
-                              <p:cond delay="0"/>
-                            </p:stCondLst>
-                            <p:childTnLst>
-                              <p:par>
-                                <p:cTn id="5" presetID="22" presetClass="entr" presetSubtype="4" fill="hold" nodeType="clickEffect">
-                                  <p:stCondLst>
-                                    <p:cond delay="0"/>
-                                  </p:stCondLst>
-                                  <p:childTnLst>
-                                    <p:set>
-                                      <p:cBhvr>
-                                        <p:cTn id="6" dur="1" fill="hold">
-                                          <p:stCondLst>
-                                            <p:cond delay="0"/>
-                                          </p:stCondLst>
-                                        </p:cTn>
-                                        <p:tgtEl>
-                                          <p:spTgt spid="4">
-                                            <p:txEl>
-                                              <p:pRg st="0" end="0"/>
-                                            </p:txEl>
-                                          </p:spTgt>
-                                        </p:tgtEl>
-                                        <p:attrNameLst>
-                                          <p:attrName>style.visibility</p:attrName>
-                                        </p:attrNameLst>
-                                      </p:cBhvr>
-                                      <p:to>
-                                        <p:strVal val="visible"/>
-                                      </p:to>
-                                    </p:set>
-                                    <p:animEffect transition="in" filter="wipe(down)">
-                                      <p:cBhvr>
-                                        <p:cTn id="7" dur="500"/>
-                                        <p:tgtEl>
-                                          <p:spTgt spid="4">
-                                            <p:txEl>
-                                              <p:pRg st="0" end="0"/>
-                                            </p:txEl>
-                                          </p:spTgt>
-                                        </p:tgtEl>
-                                      </p:cBhvr>
-                                    </p:animEffect>
-                                  </p:childTnLst>
-                                </p:cTn>
-                              </p:par>
-                            </p:childTnLst>
-                          </p:cTn>
-                        </p:par>
-                      </p:childTnLst>
-                    </p:cTn>
-                  </p:par>
-                  <p:par>
-                    <p:cTn id="8" fill="hold">
-                      <p:stCondLst>
-                        <p:cond delay="indefinite"/>
-                      </p:stCondLst>
-                      <p:childTnLst>
-                        <p:par>
-                          <p:cTn id="9" fill="hold">
-                            <p:stCondLst>
-                              <p:cond delay="0"/>
-                            </p:stCondLst>
-                            <p:childTnLst>
-                              <p:par>
-                                <p:cTn id="10" presetID="22" presetClass="entr" presetSubtype="4" fill="hold" nodeType="clickEffect">
-                                  <p:stCondLst>
-                                    <p:cond delay="0"/>
-                                  </p:stCondLst>
-                                  <p:childTnLst>
-                                    <p:set>
-                                      <p:cBhvr>
-                                        <p:cTn id="11" dur="1" fill="hold">
-                                          <p:stCondLst>
-                                            <p:cond delay="0"/>
-                                          </p:stCondLst>
-                                        </p:cTn>
-                                        <p:tgtEl>
-                                          <p:spTgt spid="4">
-                                            <p:txEl>
-                                              <p:pRg st="2" end="2"/>
-                                            </p:txEl>
-                                          </p:spTgt>
-                                        </p:tgtEl>
-                                        <p:attrNameLst>
-                                          <p:attrName>style.visibility</p:attrName>
-                                        </p:attrNameLst>
-                                      </p:cBhvr>
-                                      <p:to>
-                                        <p:strVal val="visible"/>
-                                      </p:to>
-                                    </p:set>
-                                    <p:animEffect transition="in" filter="wipe(down)">
-                                      <p:cBhvr>
-                                        <p:cTn id="12" dur="500"/>
-                                        <p:tgtEl>
-                                          <p:spTgt spid="4">
-                                            <p:txEl>
-                                              <p:pRg st="2" end="2"/>
-                                            </p:txEl>
-                                          </p:spTgt>
-                                        </p:tgtEl>
-                                      </p:cBhvr>
-                                    </p:animEffect>
-                                  </p:childTnLst>
-                                </p:cTn>
-                              </p:par>
-                            </p:childTnLst>
-                          </p:cTn>
-                        </p:par>
-                      </p:childTnLst>
-                    </p:cTn>
-                  </p:par>
-                </p:childTnLst>
-              </p:cTn>
-              <p:prevCondLst>
-                <p:cond evt="onPrev" delay="0">
-                  <p:tgtEl>
-                    <p:sldTgt/>
-                  </p:tgtEl>
-                </p:cond>
-              </p:prevCondLst>
-              <p:nextCondLst>
-                <p:cond evt="onNext" delay="0">
-                  <p:tgtEl>
-                    <p:sldTgt/>
-                  </p:tgtEl>
-                </p:cond>
-              </p:nextCondLst>
-            </p:seq>
-          </p:childTnLst>
-        </p:cTn>
-      </p:par>
-    </p:tnLst>
-  </p:timing>
-</p:sld>
-</file>
-
-<file path=ppt/slides/slide50.xml><?xml version="1.0" encoding="utf-8"?>
+<file path=ppt/slides/slide49.xml><?xml version="1.0" encoding="utf-8"?>
 <p:sld xmlns:a="http://schemas.openxmlformats.org/drawingml/2006/main" xmlns:r="http://schemas.openxmlformats.org/officeDocument/2006/relationships" xmlns:p="http://schemas.openxmlformats.org/presentationml/2006/main">
   <p:cSld>
     <p:spTree>
@@ -38185,6 +37701,419 @@
     <p:extLst>
       <p:ext uri="{BB962C8B-B14F-4D97-AF65-F5344CB8AC3E}">
         <p14:creationId xmlns:p14="http://schemas.microsoft.com/office/powerpoint/2010/main" val="1665740506"/>
+      </p:ext>
+    </p:extLst>
+  </p:cSld>
+  <p:clrMapOvr>
+    <a:masterClrMapping/>
+  </p:clrMapOvr>
+  <p:timing>
+    <p:tnLst>
+      <p:par>
+        <p:cTn id="1" dur="indefinite" restart="never" nodeType="tmRoot"/>
+      </p:par>
+    </p:tnLst>
+  </p:timing>
+</p:sld>
+</file>
+
+<file path=ppt/slides/slide5.xml><?xml version="1.0" encoding="utf-8"?>
+<p:sld xmlns:a="http://schemas.openxmlformats.org/drawingml/2006/main" xmlns:r="http://schemas.openxmlformats.org/officeDocument/2006/relationships" xmlns:p="http://schemas.openxmlformats.org/presentationml/2006/main">
+  <p:cSld>
+    <p:spTree>
+      <p:nvGrpSpPr>
+        <p:cNvPr id="1" name=""/>
+        <p:cNvGrpSpPr/>
+        <p:nvPr/>
+      </p:nvGrpSpPr>
+      <p:grpSpPr>
+        <a:xfrm>
+          <a:off x="0" y="0"/>
+          <a:ext cx="0" cy="0"/>
+          <a:chOff x="0" y="0"/>
+          <a:chExt cx="0" cy="0"/>
+        </a:xfrm>
+      </p:grpSpPr>
+      <p:sp>
+        <p:nvSpPr>
+          <p:cNvPr id="3" name="Title 2"/>
+          <p:cNvSpPr>
+            <a:spLocks noGrp="1"/>
+          </p:cNvSpPr>
+          <p:nvPr>
+            <p:ph type="title"/>
+          </p:nvPr>
+        </p:nvSpPr>
+        <p:spPr/>
+        <p:txBody>
+          <a:bodyPr/>
+          <a:lstStyle/>
+          <a:p>
+            <a:r>
+              <a:rPr lang="en-US" dirty="0" smtClean="0"/>
+              <a:t>This Presentation is About</a:t>
+            </a:r>
+            <a:endParaRPr lang="en-US" dirty="0"/>
+          </a:p>
+        </p:txBody>
+      </p:sp>
+      <p:sp>
+        <p:nvSpPr>
+          <p:cNvPr id="4" name="Content Placeholder 1"/>
+          <p:cNvSpPr txBox="1">
+            <a:spLocks/>
+          </p:cNvSpPr>
+          <p:nvPr/>
+        </p:nvSpPr>
+        <p:spPr>
+          <a:xfrm>
+            <a:off x="533400" y="2667000"/>
+            <a:ext cx="7696200" cy="1371600"/>
+          </a:xfrm>
+          <a:prstGeom prst="rect">
+            <a:avLst/>
+          </a:prstGeom>
+        </p:spPr>
+        <p:txBody>
+          <a:bodyPr vert="horz" lIns="91440" tIns="45720" rIns="91440" bIns="45720" rtlCol="0">
+            <a:noAutofit/>
+          </a:bodyPr>
+          <a:lstStyle>
+            <a:lvl1pPr marL="274320" indent="-274320" algn="l" defTabSz="914400" rtl="0" eaLnBrk="1" latinLnBrk="0" hangingPunct="1">
+              <a:spcBef>
+                <a:spcPct val="20000"/>
+              </a:spcBef>
+              <a:buClr>
+                <a:schemeClr val="accent1"/>
+              </a:buClr>
+              <a:buSzPct val="100000"/>
+              <a:buFont typeface="Symbol" pitchFamily="18" charset="2"/>
+              <a:buChar char=""/>
+              <a:defRPr sz="2400" kern="1200">
+                <a:solidFill>
+                  <a:schemeClr val="tx2"/>
+                </a:solidFill>
+                <a:latin typeface="+mn-lt"/>
+                <a:ea typeface="+mn-ea"/>
+                <a:cs typeface="+mn-cs"/>
+              </a:defRPr>
+            </a:lvl1pPr>
+            <a:lvl2pPr marL="576263" indent="-274320" algn="l" defTabSz="914400" rtl="0" eaLnBrk="1" latinLnBrk="0" hangingPunct="1">
+              <a:spcBef>
+                <a:spcPct val="20000"/>
+              </a:spcBef>
+              <a:buClr>
+                <a:schemeClr val="accent1"/>
+              </a:buClr>
+              <a:buSzPct val="100000"/>
+              <a:buFont typeface="Symbol" pitchFamily="18" charset="2"/>
+              <a:buChar char=""/>
+              <a:defRPr sz="2200" kern="1200">
+                <a:solidFill>
+                  <a:schemeClr val="tx2"/>
+                </a:solidFill>
+                <a:latin typeface="+mn-lt"/>
+                <a:ea typeface="+mn-ea"/>
+                <a:cs typeface="+mn-cs"/>
+              </a:defRPr>
+            </a:lvl2pPr>
+            <a:lvl3pPr marL="855663" indent="-228600" algn="l" defTabSz="914400" rtl="0" eaLnBrk="1" latinLnBrk="0" hangingPunct="1">
+              <a:spcBef>
+                <a:spcPct val="20000"/>
+              </a:spcBef>
+              <a:buClr>
+                <a:schemeClr val="accent1"/>
+              </a:buClr>
+              <a:buSzPct val="100000"/>
+              <a:buFont typeface="Symbol" pitchFamily="18" charset="2"/>
+              <a:buChar char=""/>
+              <a:defRPr sz="2000" kern="1200">
+                <a:solidFill>
+                  <a:schemeClr val="tx2"/>
+                </a:solidFill>
+                <a:latin typeface="+mn-lt"/>
+                <a:ea typeface="+mn-ea"/>
+                <a:cs typeface="+mn-cs"/>
+              </a:defRPr>
+            </a:lvl3pPr>
+            <a:lvl4pPr marL="1143000" indent="-228600" algn="l" defTabSz="914400" rtl="0" eaLnBrk="1" latinLnBrk="0" hangingPunct="1">
+              <a:spcBef>
+                <a:spcPct val="20000"/>
+              </a:spcBef>
+              <a:buClr>
+                <a:schemeClr val="accent1"/>
+              </a:buClr>
+              <a:buSzPct val="100000"/>
+              <a:buFont typeface="Symbol" pitchFamily="18" charset="2"/>
+              <a:buChar char=""/>
+              <a:defRPr sz="1800" kern="1200">
+                <a:solidFill>
+                  <a:schemeClr val="tx2"/>
+                </a:solidFill>
+                <a:latin typeface="+mn-lt"/>
+                <a:ea typeface="+mn-ea"/>
+                <a:cs typeface="+mn-cs"/>
+              </a:defRPr>
+            </a:lvl4pPr>
+            <a:lvl5pPr marL="1463040" indent="-228600" algn="l" defTabSz="914400" rtl="0" eaLnBrk="1" latinLnBrk="0" hangingPunct="1">
+              <a:spcBef>
+                <a:spcPct val="20000"/>
+              </a:spcBef>
+              <a:buClr>
+                <a:schemeClr val="accent1"/>
+              </a:buClr>
+              <a:buSzPct val="100000"/>
+              <a:buFont typeface="Symbol" pitchFamily="18" charset="2"/>
+              <a:buChar char=""/>
+              <a:defRPr sz="1600" kern="1200">
+                <a:solidFill>
+                  <a:schemeClr val="tx2"/>
+                </a:solidFill>
+                <a:latin typeface="+mn-lt"/>
+                <a:ea typeface="+mn-ea"/>
+                <a:cs typeface="+mn-cs"/>
+              </a:defRPr>
+            </a:lvl5pPr>
+            <a:lvl6pPr marL="1783080" indent="-228600" algn="l" defTabSz="914400" rtl="0" eaLnBrk="1" latinLnBrk="0" hangingPunct="1">
+              <a:spcBef>
+                <a:spcPts val="384"/>
+              </a:spcBef>
+              <a:buClr>
+                <a:schemeClr val="accent1"/>
+              </a:buClr>
+              <a:buFont typeface="Symbol" pitchFamily="18" charset="2"/>
+              <a:buChar char="*"/>
+              <a:defRPr sz="1400" kern="1200">
+                <a:solidFill>
+                  <a:schemeClr val="tx2"/>
+                </a:solidFill>
+                <a:latin typeface="+mn-lt"/>
+                <a:ea typeface="+mn-ea"/>
+                <a:cs typeface="+mn-cs"/>
+              </a:defRPr>
+            </a:lvl6pPr>
+            <a:lvl7pPr marL="2103120" indent="-228600" algn="l" defTabSz="914400" rtl="0" eaLnBrk="1" latinLnBrk="0" hangingPunct="1">
+              <a:spcBef>
+                <a:spcPts val="384"/>
+              </a:spcBef>
+              <a:buClr>
+                <a:schemeClr val="accent1"/>
+              </a:buClr>
+              <a:buFont typeface="Symbol" pitchFamily="18" charset="2"/>
+              <a:buChar char="*"/>
+              <a:defRPr sz="1400" kern="1200">
+                <a:solidFill>
+                  <a:schemeClr val="tx2"/>
+                </a:solidFill>
+                <a:latin typeface="+mn-lt"/>
+                <a:ea typeface="+mn-ea"/>
+                <a:cs typeface="+mn-cs"/>
+              </a:defRPr>
+            </a:lvl7pPr>
+            <a:lvl8pPr marL="2423160" indent="-228600" algn="l" defTabSz="914400" rtl="0" eaLnBrk="1" latinLnBrk="0" hangingPunct="1">
+              <a:spcBef>
+                <a:spcPts val="384"/>
+              </a:spcBef>
+              <a:buClr>
+                <a:schemeClr val="accent1"/>
+              </a:buClr>
+              <a:buFont typeface="Symbol" pitchFamily="18" charset="2"/>
+              <a:buChar char="*"/>
+              <a:defRPr sz="1400" kern="1200">
+                <a:solidFill>
+                  <a:schemeClr val="tx2"/>
+                </a:solidFill>
+                <a:latin typeface="+mn-lt"/>
+                <a:ea typeface="+mn-ea"/>
+                <a:cs typeface="+mn-cs"/>
+              </a:defRPr>
+            </a:lvl8pPr>
+            <a:lvl9pPr marL="2743200" indent="-228600" algn="l" defTabSz="914400" rtl="0" eaLnBrk="1" latinLnBrk="0" hangingPunct="1">
+              <a:spcBef>
+                <a:spcPts val="384"/>
+              </a:spcBef>
+              <a:buClr>
+                <a:schemeClr val="accent1"/>
+              </a:buClr>
+              <a:buFont typeface="Symbol" pitchFamily="18" charset="2"/>
+              <a:buChar char="*"/>
+              <a:defRPr sz="1400" kern="1200">
+                <a:solidFill>
+                  <a:schemeClr val="tx2"/>
+                </a:solidFill>
+                <a:latin typeface="+mn-lt"/>
+                <a:ea typeface="+mn-ea"/>
+                <a:cs typeface="+mn-cs"/>
+              </a:defRPr>
+            </a:lvl9pPr>
+          </a:lstStyle>
+          <a:p>
+            <a:pPr marL="0" indent="0">
+              <a:buFont typeface="Symbol" pitchFamily="18" charset="2"/>
+              <a:buNone/>
+            </a:pPr>
+            <a:r>
+              <a:rPr lang="en-US" sz="4000" b="1" dirty="0" smtClean="0">
+                <a:solidFill>
+                  <a:srgbClr val="002060"/>
+                </a:solidFill>
+                <a:effectLst>
+                  <a:outerShdw blurRad="50800" dist="38100" dir="2700000" algn="tl" rotWithShape="0">
+                    <a:prstClr val="black">
+                      <a:alpha val="40000"/>
+                    </a:prstClr>
+                  </a:outerShdw>
+                </a:effectLst>
+              </a:rPr>
+              <a:t>Production Applications requiring:</a:t>
+            </a:r>
+            <a:endParaRPr lang="en-US" sz="4000" dirty="0">
+              <a:solidFill>
+                <a:srgbClr val="002060"/>
+              </a:solidFill>
+              <a:effectLst>
+                <a:outerShdw blurRad="50800" dist="38100" dir="2700000" algn="tl" rotWithShape="0">
+                  <a:prstClr val="black">
+                    <a:alpha val="40000"/>
+                  </a:prstClr>
+                </a:outerShdw>
+              </a:effectLst>
+            </a:endParaRPr>
+          </a:p>
+        </p:txBody>
+      </p:sp>
+    </p:spTree>
+    <p:extLst>
+      <p:ext uri="{BB962C8B-B14F-4D97-AF65-F5344CB8AC3E}">
+        <p14:creationId xmlns:p14="http://schemas.microsoft.com/office/powerpoint/2010/main" val="3552713688"/>
+      </p:ext>
+    </p:extLst>
+  </p:cSld>
+  <p:clrMapOvr>
+    <a:masterClrMapping/>
+  </p:clrMapOvr>
+  <p:timing>
+    <p:tnLst>
+      <p:par>
+        <p:cTn id="1" dur="indefinite" restart="never" nodeType="tmRoot"/>
+      </p:par>
+    </p:tnLst>
+  </p:timing>
+</p:sld>
+</file>
+
+<file path=ppt/slides/slide50.xml><?xml version="1.0" encoding="utf-8"?>
+<p:sld xmlns:a="http://schemas.openxmlformats.org/drawingml/2006/main" xmlns:r="http://schemas.openxmlformats.org/officeDocument/2006/relationships" xmlns:p="http://schemas.openxmlformats.org/presentationml/2006/main">
+  <p:cSld>
+    <p:spTree>
+      <p:nvGrpSpPr>
+        <p:cNvPr id="1" name=""/>
+        <p:cNvGrpSpPr/>
+        <p:nvPr/>
+      </p:nvGrpSpPr>
+      <p:grpSpPr>
+        <a:xfrm>
+          <a:off x="0" y="0"/>
+          <a:ext cx="0" cy="0"/>
+          <a:chOff x="0" y="0"/>
+          <a:chExt cx="0" cy="0"/>
+        </a:xfrm>
+      </p:grpSpPr>
+      <p:sp>
+        <p:nvSpPr>
+          <p:cNvPr id="3" name="Title 2"/>
+          <p:cNvSpPr>
+            <a:spLocks noGrp="1"/>
+          </p:cNvSpPr>
+          <p:nvPr>
+            <p:ph type="title"/>
+          </p:nvPr>
+        </p:nvSpPr>
+        <p:spPr/>
+        <p:txBody>
+          <a:bodyPr/>
+          <a:lstStyle/>
+          <a:p>
+            <a:r>
+              <a:rPr lang="en-US" dirty="0" smtClean="0"/>
+              <a:t>Using an </a:t>
+            </a:r>
+            <a:r>
+              <a:rPr lang="en-US" dirty="0" err="1" smtClean="0"/>
+              <a:t>ExecutorService</a:t>
+            </a:r>
+            <a:endParaRPr lang="en-US" dirty="0"/>
+          </a:p>
+        </p:txBody>
+      </p:sp>
+      <p:pic>
+        <p:nvPicPr>
+          <p:cNvPr id="3077" name="Picture 5"/>
+          <p:cNvPicPr>
+            <a:picLocks noChangeAspect="1" noChangeArrowheads="1"/>
+          </p:cNvPicPr>
+          <p:nvPr/>
+        </p:nvPicPr>
+        <p:blipFill>
+          <a:blip r:embed="rId3">
+            <a:extLst>
+              <a:ext uri="{28A0092B-C50C-407E-A947-70E740481C1C}">
+                <a14:useLocalDpi xmlns:a14="http://schemas.microsoft.com/office/drawing/2010/main" val="0"/>
+              </a:ext>
+            </a:extLst>
+          </a:blip>
+          <a:srcRect/>
+          <a:stretch>
+            <a:fillRect/>
+          </a:stretch>
+        </p:blipFill>
+        <p:spPr bwMode="auto">
+          <a:xfrm>
+            <a:off x="-1" y="1371600"/>
+            <a:ext cx="9133027" cy="5029200"/>
+          </a:xfrm>
+          <a:prstGeom prst="rect">
+            <a:avLst/>
+          </a:prstGeom>
+          <a:noFill/>
+          <a:ln>
+            <a:noFill/>
+          </a:ln>
+          <a:effectLst/>
+          <a:extLst>
+            <a:ext uri="{909E8E84-426E-40DD-AFC4-6F175D3DCCD1}">
+              <a14:hiddenFill xmlns:a14="http://schemas.microsoft.com/office/drawing/2010/main">
+                <a:solidFill>
+                  <a:schemeClr val="accent1"/>
+                </a:solidFill>
+              </a14:hiddenFill>
+            </a:ext>
+            <a:ext uri="{91240B29-F687-4F45-9708-019B960494DF}">
+              <a14:hiddenLine xmlns:a14="http://schemas.microsoft.com/office/drawing/2010/main" w="9525">
+                <a:solidFill>
+                  <a:schemeClr val="tx1"/>
+                </a:solidFill>
+                <a:miter lim="800000"/>
+                <a:headEnd/>
+                <a:tailEnd/>
+              </a14:hiddenLine>
+            </a:ext>
+            <a:ext uri="{AF507438-7753-43E0-B8FC-AC1667EBCBE1}">
+              <a14:hiddenEffects xmlns:a14="http://schemas.microsoft.com/office/drawing/2010/main">
+                <a:effectLst>
+                  <a:outerShdw dist="35921" dir="2700000" algn="ctr" rotWithShape="0">
+                    <a:schemeClr val="bg2"/>
+                  </a:outerShdw>
+                </a:effectLst>
+              </a14:hiddenEffects>
+            </a:ext>
+          </a:extLst>
+        </p:spPr>
+      </p:pic>
+    </p:spTree>
+    <p:extLst>
+      <p:ext uri="{BB962C8B-B14F-4D97-AF65-F5344CB8AC3E}">
+        <p14:creationId xmlns:p14="http://schemas.microsoft.com/office/powerpoint/2010/main" val="4144253835"/>
       </p:ext>
     </p:extLst>
   </p:cSld>
@@ -38235,11 +38164,7 @@
           <a:p>
             <a:r>
               <a:rPr lang="en-US" dirty="0" smtClean="0"/>
-              <a:t>Using an </a:t>
-            </a:r>
-            <a:r>
-              <a:rPr lang="en-US" dirty="0" err="1" smtClean="0"/>
-              <a:t>ExecutorService</a:t>
+              <a:t>Using an Executor Service</a:t>
             </a:r>
             <a:endParaRPr lang="en-US" dirty="0"/>
           </a:p>
@@ -38247,29 +38172,27 @@
       </p:sp>
       <p:pic>
         <p:nvPicPr>
-          <p:cNvPr id="3077" name="Picture 5"/>
+          <p:cNvPr id="2050" name="Picture 2"/>
           <p:cNvPicPr>
             <a:picLocks noChangeAspect="1" noChangeArrowheads="1"/>
           </p:cNvPicPr>
           <p:nvPr/>
         </p:nvPicPr>
-        <p:blipFill>
-          <a:blip r:embed="rId3">
+        <p:blipFill rotWithShape="1">
+          <a:blip r:embed="rId2">
             <a:extLst>
               <a:ext uri="{28A0092B-C50C-407E-A947-70E740481C1C}">
                 <a14:useLocalDpi xmlns:a14="http://schemas.microsoft.com/office/drawing/2010/main" val="0"/>
               </a:ext>
             </a:extLst>
           </a:blip>
-          <a:srcRect/>
-          <a:stretch>
-            <a:fillRect/>
-          </a:stretch>
+          <a:srcRect t="511" b="-1"/>
+          <a:stretch/>
         </p:blipFill>
         <p:spPr bwMode="auto">
           <a:xfrm>
-            <a:off x="-1" y="1371600"/>
-            <a:ext cx="9133027" cy="5029200"/>
+            <a:off x="207356" y="1474238"/>
+            <a:ext cx="9012844" cy="5155162"/>
           </a:xfrm>
           <a:prstGeom prst="rect">
             <a:avLst/>
@@ -38312,7 +38235,7 @@
     </p:spTree>
     <p:extLst>
       <p:ext uri="{BB962C8B-B14F-4D97-AF65-F5344CB8AC3E}">
-        <p14:creationId xmlns:p14="http://schemas.microsoft.com/office/powerpoint/2010/main" val="4144253835"/>
+        <p14:creationId xmlns:p14="http://schemas.microsoft.com/office/powerpoint/2010/main" val="68571375"/>
       </p:ext>
     </p:extLst>
   </p:cSld>
@@ -38363,7 +38286,7 @@
           <a:p>
             <a:r>
               <a:rPr lang="en-US" dirty="0" smtClean="0"/>
-              <a:t>Using an Executor Service</a:t>
+              <a:t>Executor Service and Timeouts</a:t>
             </a:r>
             <a:endParaRPr lang="en-US" dirty="0"/>
           </a:p>
@@ -38371,7 +38294,7 @@
       </p:sp>
       <p:pic>
         <p:nvPicPr>
-          <p:cNvPr id="2050" name="Picture 2"/>
+          <p:cNvPr id="4099" name="Picture 3"/>
           <p:cNvPicPr>
             <a:picLocks noChangeAspect="1" noChangeArrowheads="1"/>
           </p:cNvPicPr>
@@ -38385,13 +38308,13 @@
               </a:ext>
             </a:extLst>
           </a:blip>
-          <a:srcRect t="511" b="-1"/>
+          <a:srcRect b="63908"/>
           <a:stretch/>
         </p:blipFill>
         <p:spPr bwMode="auto">
           <a:xfrm>
-            <a:off x="207356" y="1474238"/>
-            <a:ext cx="9012844" cy="5155162"/>
+            <a:off x="45098" y="3006493"/>
+            <a:ext cx="9098902" cy="2403707"/>
           </a:xfrm>
           <a:prstGeom prst="rect">
             <a:avLst/>
@@ -38434,7 +38357,7 @@
     </p:spTree>
     <p:extLst>
       <p:ext uri="{BB962C8B-B14F-4D97-AF65-F5344CB8AC3E}">
-        <p14:creationId xmlns:p14="http://schemas.microsoft.com/office/powerpoint/2010/main" val="68571375"/>
+        <p14:creationId xmlns:p14="http://schemas.microsoft.com/office/powerpoint/2010/main" val="3516827943"/>
       </p:ext>
     </p:extLst>
   </p:cSld>
@@ -38493,13 +38416,13 @@
       </p:sp>
       <p:pic>
         <p:nvPicPr>
-          <p:cNvPr id="4099" name="Picture 3"/>
+          <p:cNvPr id="5122" name="Picture 2"/>
           <p:cNvPicPr>
             <a:picLocks noChangeAspect="1" noChangeArrowheads="1"/>
           </p:cNvPicPr>
           <p:nvPr/>
         </p:nvPicPr>
-        <p:blipFill rotWithShape="1">
+        <p:blipFill>
           <a:blip r:embed="rId2">
             <a:extLst>
               <a:ext uri="{28A0092B-C50C-407E-A947-70E740481C1C}">
@@ -38507,13 +38430,15 @@
               </a:ext>
             </a:extLst>
           </a:blip>
-          <a:srcRect b="63908"/>
-          <a:stretch/>
+          <a:srcRect/>
+          <a:stretch>
+            <a:fillRect/>
+          </a:stretch>
         </p:blipFill>
         <p:spPr bwMode="auto">
           <a:xfrm>
-            <a:off x="45098" y="3006493"/>
-            <a:ext cx="9098902" cy="2403707"/>
+            <a:off x="0" y="2590800"/>
+            <a:ext cx="9343437" cy="3962400"/>
           </a:xfrm>
           <a:prstGeom prst="rect">
             <a:avLst/>
@@ -38556,7 +38481,7 @@
     </p:spTree>
     <p:extLst>
       <p:ext uri="{BB962C8B-B14F-4D97-AF65-F5344CB8AC3E}">
-        <p14:creationId xmlns:p14="http://schemas.microsoft.com/office/powerpoint/2010/main" val="3516827943"/>
+        <p14:creationId xmlns:p14="http://schemas.microsoft.com/office/powerpoint/2010/main" val="697865923"/>
       </p:ext>
     </p:extLst>
   </p:cSld>
@@ -38602,130 +38527,6 @@
         </p:nvSpPr>
         <p:spPr/>
         <p:txBody>
-          <a:bodyPr/>
-          <a:lstStyle/>
-          <a:p>
-            <a:r>
-              <a:rPr lang="en-US" dirty="0" smtClean="0"/>
-              <a:t>Executor Service and Timeouts</a:t>
-            </a:r>
-            <a:endParaRPr lang="en-US" dirty="0"/>
-          </a:p>
-        </p:txBody>
-      </p:sp>
-      <p:pic>
-        <p:nvPicPr>
-          <p:cNvPr id="5122" name="Picture 2"/>
-          <p:cNvPicPr>
-            <a:picLocks noChangeAspect="1" noChangeArrowheads="1"/>
-          </p:cNvPicPr>
-          <p:nvPr/>
-        </p:nvPicPr>
-        <p:blipFill>
-          <a:blip r:embed="rId2">
-            <a:extLst>
-              <a:ext uri="{28A0092B-C50C-407E-A947-70E740481C1C}">
-                <a14:useLocalDpi xmlns:a14="http://schemas.microsoft.com/office/drawing/2010/main" val="0"/>
-              </a:ext>
-            </a:extLst>
-          </a:blip>
-          <a:srcRect/>
-          <a:stretch>
-            <a:fillRect/>
-          </a:stretch>
-        </p:blipFill>
-        <p:spPr bwMode="auto">
-          <a:xfrm>
-            <a:off x="0" y="2590800"/>
-            <a:ext cx="9343437" cy="3962400"/>
-          </a:xfrm>
-          <a:prstGeom prst="rect">
-            <a:avLst/>
-          </a:prstGeom>
-          <a:noFill/>
-          <a:ln>
-            <a:noFill/>
-          </a:ln>
-          <a:effectLst/>
-          <a:extLst>
-            <a:ext uri="{909E8E84-426E-40DD-AFC4-6F175D3DCCD1}">
-              <a14:hiddenFill xmlns:a14="http://schemas.microsoft.com/office/drawing/2010/main">
-                <a:solidFill>
-                  <a:schemeClr val="accent1"/>
-                </a:solidFill>
-              </a14:hiddenFill>
-            </a:ext>
-            <a:ext uri="{91240B29-F687-4F45-9708-019B960494DF}">
-              <a14:hiddenLine xmlns:a14="http://schemas.microsoft.com/office/drawing/2010/main" w="9525">
-                <a:solidFill>
-                  <a:schemeClr val="tx1"/>
-                </a:solidFill>
-                <a:miter lim="800000"/>
-                <a:headEnd/>
-                <a:tailEnd/>
-              </a14:hiddenLine>
-            </a:ext>
-            <a:ext uri="{AF507438-7753-43E0-B8FC-AC1667EBCBE1}">
-              <a14:hiddenEffects xmlns:a14="http://schemas.microsoft.com/office/drawing/2010/main">
-                <a:effectLst>
-                  <a:outerShdw dist="35921" dir="2700000" algn="ctr" rotWithShape="0">
-                    <a:schemeClr val="bg2"/>
-                  </a:outerShdw>
-                </a:effectLst>
-              </a14:hiddenEffects>
-            </a:ext>
-          </a:extLst>
-        </p:spPr>
-      </p:pic>
-    </p:spTree>
-    <p:extLst>
-      <p:ext uri="{BB962C8B-B14F-4D97-AF65-F5344CB8AC3E}">
-        <p14:creationId xmlns:p14="http://schemas.microsoft.com/office/powerpoint/2010/main" val="697865923"/>
-      </p:ext>
-    </p:extLst>
-  </p:cSld>
-  <p:clrMapOvr>
-    <a:masterClrMapping/>
-  </p:clrMapOvr>
-  <p:timing>
-    <p:tnLst>
-      <p:par>
-        <p:cTn id="1" dur="indefinite" restart="never" nodeType="tmRoot"/>
-      </p:par>
-    </p:tnLst>
-  </p:timing>
-</p:sld>
-</file>
-
-<file path=ppt/slides/slide55.xml><?xml version="1.0" encoding="utf-8"?>
-<p:sld xmlns:a="http://schemas.openxmlformats.org/drawingml/2006/main" xmlns:r="http://schemas.openxmlformats.org/officeDocument/2006/relationships" xmlns:p="http://schemas.openxmlformats.org/presentationml/2006/main">
-  <p:cSld>
-    <p:spTree>
-      <p:nvGrpSpPr>
-        <p:cNvPr id="1" name=""/>
-        <p:cNvGrpSpPr/>
-        <p:nvPr/>
-      </p:nvGrpSpPr>
-      <p:grpSpPr>
-        <a:xfrm>
-          <a:off x="0" y="0"/>
-          <a:ext cx="0" cy="0"/>
-          <a:chOff x="0" y="0"/>
-          <a:chExt cx="0" cy="0"/>
-        </a:xfrm>
-      </p:grpSpPr>
-      <p:sp>
-        <p:nvSpPr>
-          <p:cNvPr id="3" name="Title 2"/>
-          <p:cNvSpPr>
-            <a:spLocks noGrp="1"/>
-          </p:cNvSpPr>
-          <p:nvPr>
-            <p:ph type="title"/>
-          </p:nvPr>
-        </p:nvSpPr>
-        <p:spPr/>
-        <p:txBody>
           <a:bodyPr>
             <a:normAutofit fontScale="90000"/>
           </a:bodyPr>
@@ -38737,11 +38538,7 @@
             </a:r>
             <a:r>
               <a:rPr lang="en-US" dirty="0" smtClean="0"/>
-              <a:t> </a:t>
-            </a:r>
-            <a:r>
-              <a:rPr lang="en-US" dirty="0" smtClean="0"/>
-              <a:t>Overview</a:t>
+              <a:t> Overview</a:t>
             </a:r>
             <a:endParaRPr lang="en-US" dirty="0"/>
           </a:p>
@@ -38970,22 +38767,7 @@
                   </a:outerShdw>
                 </a:effectLst>
               </a:rPr>
-              <a:t>. </a:t>
-            </a:r>
-            <a:r>
-              <a:rPr lang="en-US" sz="3200" dirty="0" smtClean="0">
-                <a:solidFill>
-                  <a:srgbClr val="FF0000"/>
-                </a:solidFill>
-                <a:effectLst>
-                  <a:outerShdw blurRad="50800" dist="38100" dir="2700000" algn="tl" rotWithShape="0">
-                    <a:prstClr val="black">
-                      <a:alpha val="40000"/>
-                    </a:prstClr>
-                  </a:outerShdw>
-                </a:effectLst>
-              </a:rPr>
-              <a:t>Submit </a:t>
+              <a:t>. Submit </a:t>
             </a:r>
             <a:r>
               <a:rPr lang="en-US" sz="3200" dirty="0" smtClean="0">
@@ -39014,22 +38796,7 @@
                   </a:outerShdw>
                 </a:effectLst>
               </a:rPr>
-              <a:t> </a:t>
-            </a:r>
-            <a:r>
-              <a:rPr lang="en-US" sz="3200" dirty="0" smtClean="0">
-                <a:solidFill>
-                  <a:srgbClr val="FF0000"/>
-                </a:solidFill>
-                <a:effectLst>
-                  <a:outerShdw blurRad="50800" dist="38100" dir="2700000" algn="tl" rotWithShape="0">
-                    <a:prstClr val="black">
-                      <a:alpha val="40000"/>
-                    </a:prstClr>
-                  </a:outerShdw>
-                </a:effectLst>
-              </a:rPr>
-              <a:t>tasks using API methods:</a:t>
+              <a:t> tasks using API methods:</a:t>
             </a:r>
             <a:endParaRPr lang="en-US" sz="3200" dirty="0">
               <a:solidFill>
@@ -39496,18 +39263,6 @@
               </a:rPr>
               <a:t>( …)</a:t>
             </a:r>
-            <a:endParaRPr lang="en-US" sz="3200" dirty="0" smtClean="0">
-              <a:solidFill>
-                <a:srgbClr val="FF0000"/>
-              </a:solidFill>
-              <a:effectLst>
-                <a:outerShdw blurRad="50800" dist="38100" dir="2700000" algn="tl" rotWithShape="0">
-                  <a:prstClr val="black">
-                    <a:alpha val="40000"/>
-                  </a:prstClr>
-                </a:outerShdw>
-              </a:effectLst>
-            </a:endParaRPr>
           </a:p>
           <a:p>
             <a:pPr marL="0" indent="0">
@@ -39542,50 +39297,8 @@
                   </a:outerShdw>
                 </a:effectLst>
               </a:rPr>
-              <a:t>( </a:t>
-            </a:r>
-            <a:r>
-              <a:rPr lang="en-US" sz="3200" dirty="0" smtClean="0">
-                <a:solidFill>
-                  <a:srgbClr val="FF0000"/>
-                </a:solidFill>
-                <a:effectLst>
-                  <a:outerShdw blurRad="50800" dist="38100" dir="2700000" algn="tl" rotWithShape="0">
-                    <a:prstClr val="black">
-                      <a:alpha val="40000"/>
-                    </a:prstClr>
-                  </a:outerShdw>
-                </a:effectLst>
-              </a:rPr>
-              <a:t>…</a:t>
-            </a:r>
-            <a:r>
-              <a:rPr lang="en-US" sz="3200" dirty="0" smtClean="0">
-                <a:solidFill>
-                  <a:srgbClr val="FF0000"/>
-                </a:solidFill>
-                <a:effectLst>
-                  <a:outerShdw blurRad="50800" dist="38100" dir="2700000" algn="tl" rotWithShape="0">
-                    <a:prstClr val="black">
-                      <a:alpha val="40000"/>
-                    </a:prstClr>
-                  </a:outerShdw>
-                </a:effectLst>
-              </a:rPr>
-              <a:t>)</a:t>
-            </a:r>
-            <a:endParaRPr lang="en-US" sz="3200" dirty="0" smtClean="0">
-              <a:solidFill>
-                <a:srgbClr val="FF0000"/>
-              </a:solidFill>
-              <a:effectLst>
-                <a:outerShdw blurRad="50800" dist="38100" dir="2700000" algn="tl" rotWithShape="0">
-                  <a:prstClr val="black">
-                    <a:alpha val="40000"/>
-                  </a:prstClr>
-                </a:outerShdw>
-              </a:effectLst>
-            </a:endParaRPr>
+              <a:t>( …)</a:t>
+            </a:r>
           </a:p>
           <a:p>
             <a:pPr marL="0" indent="0">
@@ -39793,7 +39506,7 @@
 </p:sld>
 </file>
 
-<file path=ppt/slides/slide56.xml><?xml version="1.0" encoding="utf-8"?>
+<file path=ppt/slides/slide55.xml><?xml version="1.0" encoding="utf-8"?>
 <p:sld xmlns:a="http://schemas.openxmlformats.org/drawingml/2006/main" xmlns:r="http://schemas.openxmlformats.org/officeDocument/2006/relationships" xmlns:p="http://schemas.openxmlformats.org/presentationml/2006/main">
   <p:cSld>
     <p:spTree>
@@ -39907,6 +39620,134 @@
     <p:extLst>
       <p:ext uri="{BB962C8B-B14F-4D97-AF65-F5344CB8AC3E}">
         <p14:creationId xmlns:p14="http://schemas.microsoft.com/office/powerpoint/2010/main" val="1519658459"/>
+      </p:ext>
+    </p:extLst>
+  </p:cSld>
+  <p:clrMapOvr>
+    <a:masterClrMapping/>
+  </p:clrMapOvr>
+  <p:timing>
+    <p:tnLst>
+      <p:par>
+        <p:cTn id="1" dur="indefinite" restart="never" nodeType="tmRoot"/>
+      </p:par>
+    </p:tnLst>
+  </p:timing>
+</p:sld>
+</file>
+
+<file path=ppt/slides/slide56.xml><?xml version="1.0" encoding="utf-8"?>
+<p:sld xmlns:a="http://schemas.openxmlformats.org/drawingml/2006/main" xmlns:r="http://schemas.openxmlformats.org/officeDocument/2006/relationships" xmlns:p="http://schemas.openxmlformats.org/presentationml/2006/main">
+  <p:cSld>
+    <p:spTree>
+      <p:nvGrpSpPr>
+        <p:cNvPr id="1" name=""/>
+        <p:cNvGrpSpPr/>
+        <p:nvPr/>
+      </p:nvGrpSpPr>
+      <p:grpSpPr>
+        <a:xfrm>
+          <a:off x="0" y="0"/>
+          <a:ext cx="0" cy="0"/>
+          <a:chOff x="0" y="0"/>
+          <a:chExt cx="0" cy="0"/>
+        </a:xfrm>
+      </p:grpSpPr>
+      <p:sp>
+        <p:nvSpPr>
+          <p:cNvPr id="3" name="Title 2"/>
+          <p:cNvSpPr>
+            <a:spLocks noGrp="1"/>
+          </p:cNvSpPr>
+          <p:nvPr>
+            <p:ph type="title"/>
+          </p:nvPr>
+        </p:nvSpPr>
+        <p:spPr/>
+        <p:txBody>
+          <a:bodyPr/>
+          <a:lstStyle/>
+          <a:p>
+            <a:r>
+              <a:rPr lang="en-US" smtClean="0"/>
+              <a:t>Create a </a:t>
+            </a:r>
+            <a:r>
+              <a:rPr lang="en-US" dirty="0" smtClean="0"/>
+              <a:t>‘Runnable’ Task</a:t>
+            </a:r>
+            <a:endParaRPr lang="en-US" dirty="0"/>
+          </a:p>
+        </p:txBody>
+      </p:sp>
+      <p:pic>
+        <p:nvPicPr>
+          <p:cNvPr id="3075" name="Picture 3"/>
+          <p:cNvPicPr>
+            <a:picLocks noChangeAspect="1" noChangeArrowheads="1"/>
+          </p:cNvPicPr>
+          <p:nvPr/>
+        </p:nvPicPr>
+        <p:blipFill>
+          <a:blip r:embed="rId2">
+            <a:extLst>
+              <a:ext uri="{28A0092B-C50C-407E-A947-70E740481C1C}">
+                <a14:useLocalDpi xmlns:a14="http://schemas.microsoft.com/office/drawing/2010/main" val="0"/>
+              </a:ext>
+            </a:extLst>
+          </a:blip>
+          <a:srcRect/>
+          <a:stretch>
+            <a:fillRect/>
+          </a:stretch>
+        </p:blipFill>
+        <p:spPr bwMode="auto">
+          <a:xfrm>
+            <a:off x="228600" y="1371600"/>
+            <a:ext cx="8915400" cy="5544766"/>
+          </a:xfrm>
+          <a:prstGeom prst="rect">
+            <a:avLst/>
+          </a:prstGeom>
+          <a:noFill/>
+          <a:ln>
+            <a:noFill/>
+          </a:ln>
+          <a:effectLst/>
+          <a:extLst>
+            <a:ext uri="{909E8E84-426E-40DD-AFC4-6F175D3DCCD1}">
+              <a14:hiddenFill xmlns:a14="http://schemas.microsoft.com/office/drawing/2010/main">
+                <a:solidFill>
+                  <a:schemeClr val="accent1"/>
+                </a:solidFill>
+              </a14:hiddenFill>
+            </a:ext>
+            <a:ext uri="{91240B29-F687-4F45-9708-019B960494DF}">
+              <a14:hiddenLine xmlns:a14="http://schemas.microsoft.com/office/drawing/2010/main" w="9525">
+                <a:solidFill>
+                  <a:schemeClr val="tx1"/>
+                </a:solidFill>
+                <a:miter lim="800000"/>
+                <a:headEnd/>
+                <a:tailEnd/>
+              </a14:hiddenLine>
+            </a:ext>
+            <a:ext uri="{AF507438-7753-43E0-B8FC-AC1667EBCBE1}">
+              <a14:hiddenEffects xmlns:a14="http://schemas.microsoft.com/office/drawing/2010/main">
+                <a:effectLst>
+                  <a:outerShdw dist="35921" dir="2700000" algn="ctr" rotWithShape="0">
+                    <a:schemeClr val="bg2"/>
+                  </a:outerShdw>
+                </a:effectLst>
+              </a14:hiddenEffects>
+            </a:ext>
+          </a:extLst>
+        </p:spPr>
+      </p:pic>
+    </p:spTree>
+    <p:extLst>
+      <p:ext uri="{BB962C8B-B14F-4D97-AF65-F5344CB8AC3E}">
+        <p14:creationId xmlns:p14="http://schemas.microsoft.com/office/powerpoint/2010/main" val="3695919167"/>
       </p:ext>
     </p:extLst>
   </p:cSld>
@@ -39952,134 +39793,6 @@
         </p:nvSpPr>
         <p:spPr/>
         <p:txBody>
-          <a:bodyPr/>
-          <a:lstStyle/>
-          <a:p>
-            <a:r>
-              <a:rPr lang="en-US" smtClean="0"/>
-              <a:t>Create a </a:t>
-            </a:r>
-            <a:r>
-              <a:rPr lang="en-US" dirty="0" smtClean="0"/>
-              <a:t>‘Runnable’ Task</a:t>
-            </a:r>
-            <a:endParaRPr lang="en-US" dirty="0"/>
-          </a:p>
-        </p:txBody>
-      </p:sp>
-      <p:pic>
-        <p:nvPicPr>
-          <p:cNvPr id="3075" name="Picture 3"/>
-          <p:cNvPicPr>
-            <a:picLocks noChangeAspect="1" noChangeArrowheads="1"/>
-          </p:cNvPicPr>
-          <p:nvPr/>
-        </p:nvPicPr>
-        <p:blipFill>
-          <a:blip r:embed="rId2">
-            <a:extLst>
-              <a:ext uri="{28A0092B-C50C-407E-A947-70E740481C1C}">
-                <a14:useLocalDpi xmlns:a14="http://schemas.microsoft.com/office/drawing/2010/main" val="0"/>
-              </a:ext>
-            </a:extLst>
-          </a:blip>
-          <a:srcRect/>
-          <a:stretch>
-            <a:fillRect/>
-          </a:stretch>
-        </p:blipFill>
-        <p:spPr bwMode="auto">
-          <a:xfrm>
-            <a:off x="228600" y="1371600"/>
-            <a:ext cx="8915400" cy="5544766"/>
-          </a:xfrm>
-          <a:prstGeom prst="rect">
-            <a:avLst/>
-          </a:prstGeom>
-          <a:noFill/>
-          <a:ln>
-            <a:noFill/>
-          </a:ln>
-          <a:effectLst/>
-          <a:extLst>
-            <a:ext uri="{909E8E84-426E-40DD-AFC4-6F175D3DCCD1}">
-              <a14:hiddenFill xmlns:a14="http://schemas.microsoft.com/office/drawing/2010/main">
-                <a:solidFill>
-                  <a:schemeClr val="accent1"/>
-                </a:solidFill>
-              </a14:hiddenFill>
-            </a:ext>
-            <a:ext uri="{91240B29-F687-4F45-9708-019B960494DF}">
-              <a14:hiddenLine xmlns:a14="http://schemas.microsoft.com/office/drawing/2010/main" w="9525">
-                <a:solidFill>
-                  <a:schemeClr val="tx1"/>
-                </a:solidFill>
-                <a:miter lim="800000"/>
-                <a:headEnd/>
-                <a:tailEnd/>
-              </a14:hiddenLine>
-            </a:ext>
-            <a:ext uri="{AF507438-7753-43E0-B8FC-AC1667EBCBE1}">
-              <a14:hiddenEffects xmlns:a14="http://schemas.microsoft.com/office/drawing/2010/main">
-                <a:effectLst>
-                  <a:outerShdw dist="35921" dir="2700000" algn="ctr" rotWithShape="0">
-                    <a:schemeClr val="bg2"/>
-                  </a:outerShdw>
-                </a:effectLst>
-              </a14:hiddenEffects>
-            </a:ext>
-          </a:extLst>
-        </p:spPr>
-      </p:pic>
-    </p:spTree>
-    <p:extLst>
-      <p:ext uri="{BB962C8B-B14F-4D97-AF65-F5344CB8AC3E}">
-        <p14:creationId xmlns:p14="http://schemas.microsoft.com/office/powerpoint/2010/main" val="3695919167"/>
-      </p:ext>
-    </p:extLst>
-  </p:cSld>
-  <p:clrMapOvr>
-    <a:masterClrMapping/>
-  </p:clrMapOvr>
-  <p:timing>
-    <p:tnLst>
-      <p:par>
-        <p:cTn id="1" dur="indefinite" restart="never" nodeType="tmRoot"/>
-      </p:par>
-    </p:tnLst>
-  </p:timing>
-</p:sld>
-</file>
-
-<file path=ppt/slides/slide58.xml><?xml version="1.0" encoding="utf-8"?>
-<p:sld xmlns:a="http://schemas.openxmlformats.org/drawingml/2006/main" xmlns:r="http://schemas.openxmlformats.org/officeDocument/2006/relationships" xmlns:p="http://schemas.openxmlformats.org/presentationml/2006/main">
-  <p:cSld>
-    <p:spTree>
-      <p:nvGrpSpPr>
-        <p:cNvPr id="1" name=""/>
-        <p:cNvGrpSpPr/>
-        <p:nvPr/>
-      </p:nvGrpSpPr>
-      <p:grpSpPr>
-        <a:xfrm>
-          <a:off x="0" y="0"/>
-          <a:ext cx="0" cy="0"/>
-          <a:chOff x="0" y="0"/>
-          <a:chExt cx="0" cy="0"/>
-        </a:xfrm>
-      </p:grpSpPr>
-      <p:sp>
-        <p:nvSpPr>
-          <p:cNvPr id="3" name="Title 2"/>
-          <p:cNvSpPr>
-            <a:spLocks noGrp="1"/>
-          </p:cNvSpPr>
-          <p:nvPr>
-            <p:ph type="title"/>
-          </p:nvPr>
-        </p:nvSpPr>
-        <p:spPr/>
-        <p:txBody>
           <a:bodyPr>
             <a:normAutofit/>
           </a:bodyPr>
@@ -40177,7 +39890,7 @@
 </p:sld>
 </file>
 
-<file path=ppt/slides/slide59.xml><?xml version="1.0" encoding="utf-8"?>
+<file path=ppt/slides/slide58.xml><?xml version="1.0" encoding="utf-8"?>
 <p:sld xmlns:a="http://schemas.openxmlformats.org/drawingml/2006/main" xmlns:r="http://schemas.openxmlformats.org/officeDocument/2006/relationships" xmlns:p="http://schemas.openxmlformats.org/presentationml/2006/main">
   <p:cSld>
     <p:spTree>
@@ -40301,292 +40014,7 @@
 </p:sld>
 </file>
 
-<file path=ppt/slides/slide6.xml><?xml version="1.0" encoding="utf-8"?>
-<p:sld xmlns:a="http://schemas.openxmlformats.org/drawingml/2006/main" xmlns:r="http://schemas.openxmlformats.org/officeDocument/2006/relationships" xmlns:p="http://schemas.openxmlformats.org/presentationml/2006/main">
-  <p:cSld>
-    <p:spTree>
-      <p:nvGrpSpPr>
-        <p:cNvPr id="1" name=""/>
-        <p:cNvGrpSpPr/>
-        <p:nvPr/>
-      </p:nvGrpSpPr>
-      <p:grpSpPr>
-        <a:xfrm>
-          <a:off x="0" y="0"/>
-          <a:ext cx="0" cy="0"/>
-          <a:chOff x="0" y="0"/>
-          <a:chExt cx="0" cy="0"/>
-        </a:xfrm>
-      </p:grpSpPr>
-      <p:sp>
-        <p:nvSpPr>
-          <p:cNvPr id="3" name="Title 2"/>
-          <p:cNvSpPr>
-            <a:spLocks noGrp="1"/>
-          </p:cNvSpPr>
-          <p:nvPr>
-            <p:ph type="title"/>
-          </p:nvPr>
-        </p:nvSpPr>
-        <p:spPr/>
-        <p:txBody>
-          <a:bodyPr/>
-          <a:lstStyle/>
-          <a:p>
-            <a:r>
-              <a:rPr lang="en-US" dirty="0" smtClean="0"/>
-              <a:t>This Presentation is About</a:t>
-            </a:r>
-            <a:endParaRPr lang="en-US" dirty="0"/>
-          </a:p>
-        </p:txBody>
-      </p:sp>
-      <p:sp>
-        <p:nvSpPr>
-          <p:cNvPr id="4" name="Content Placeholder 1"/>
-          <p:cNvSpPr txBox="1">
-            <a:spLocks/>
-          </p:cNvSpPr>
-          <p:nvPr/>
-        </p:nvSpPr>
-        <p:spPr>
-          <a:xfrm>
-            <a:off x="533400" y="2667000"/>
-            <a:ext cx="7696200" cy="1371600"/>
-          </a:xfrm>
-          <a:prstGeom prst="rect">
-            <a:avLst/>
-          </a:prstGeom>
-        </p:spPr>
-        <p:txBody>
-          <a:bodyPr vert="horz" lIns="91440" tIns="45720" rIns="91440" bIns="45720" rtlCol="0">
-            <a:noAutofit/>
-          </a:bodyPr>
-          <a:lstStyle>
-            <a:lvl1pPr marL="274320" indent="-274320" algn="l" defTabSz="914400" rtl="0" eaLnBrk="1" latinLnBrk="0" hangingPunct="1">
-              <a:spcBef>
-                <a:spcPct val="20000"/>
-              </a:spcBef>
-              <a:buClr>
-                <a:schemeClr val="accent1"/>
-              </a:buClr>
-              <a:buSzPct val="100000"/>
-              <a:buFont typeface="Symbol" pitchFamily="18" charset="2"/>
-              <a:buChar char=""/>
-              <a:defRPr sz="2400" kern="1200">
-                <a:solidFill>
-                  <a:schemeClr val="tx2"/>
-                </a:solidFill>
-                <a:latin typeface="+mn-lt"/>
-                <a:ea typeface="+mn-ea"/>
-                <a:cs typeface="+mn-cs"/>
-              </a:defRPr>
-            </a:lvl1pPr>
-            <a:lvl2pPr marL="576263" indent="-274320" algn="l" defTabSz="914400" rtl="0" eaLnBrk="1" latinLnBrk="0" hangingPunct="1">
-              <a:spcBef>
-                <a:spcPct val="20000"/>
-              </a:spcBef>
-              <a:buClr>
-                <a:schemeClr val="accent1"/>
-              </a:buClr>
-              <a:buSzPct val="100000"/>
-              <a:buFont typeface="Symbol" pitchFamily="18" charset="2"/>
-              <a:buChar char=""/>
-              <a:defRPr sz="2200" kern="1200">
-                <a:solidFill>
-                  <a:schemeClr val="tx2"/>
-                </a:solidFill>
-                <a:latin typeface="+mn-lt"/>
-                <a:ea typeface="+mn-ea"/>
-                <a:cs typeface="+mn-cs"/>
-              </a:defRPr>
-            </a:lvl2pPr>
-            <a:lvl3pPr marL="855663" indent="-228600" algn="l" defTabSz="914400" rtl="0" eaLnBrk="1" latinLnBrk="0" hangingPunct="1">
-              <a:spcBef>
-                <a:spcPct val="20000"/>
-              </a:spcBef>
-              <a:buClr>
-                <a:schemeClr val="accent1"/>
-              </a:buClr>
-              <a:buSzPct val="100000"/>
-              <a:buFont typeface="Symbol" pitchFamily="18" charset="2"/>
-              <a:buChar char=""/>
-              <a:defRPr sz="2000" kern="1200">
-                <a:solidFill>
-                  <a:schemeClr val="tx2"/>
-                </a:solidFill>
-                <a:latin typeface="+mn-lt"/>
-                <a:ea typeface="+mn-ea"/>
-                <a:cs typeface="+mn-cs"/>
-              </a:defRPr>
-            </a:lvl3pPr>
-            <a:lvl4pPr marL="1143000" indent="-228600" algn="l" defTabSz="914400" rtl="0" eaLnBrk="1" latinLnBrk="0" hangingPunct="1">
-              <a:spcBef>
-                <a:spcPct val="20000"/>
-              </a:spcBef>
-              <a:buClr>
-                <a:schemeClr val="accent1"/>
-              </a:buClr>
-              <a:buSzPct val="100000"/>
-              <a:buFont typeface="Symbol" pitchFamily="18" charset="2"/>
-              <a:buChar char=""/>
-              <a:defRPr sz="1800" kern="1200">
-                <a:solidFill>
-                  <a:schemeClr val="tx2"/>
-                </a:solidFill>
-                <a:latin typeface="+mn-lt"/>
-                <a:ea typeface="+mn-ea"/>
-                <a:cs typeface="+mn-cs"/>
-              </a:defRPr>
-            </a:lvl4pPr>
-            <a:lvl5pPr marL="1463040" indent="-228600" algn="l" defTabSz="914400" rtl="0" eaLnBrk="1" latinLnBrk="0" hangingPunct="1">
-              <a:spcBef>
-                <a:spcPct val="20000"/>
-              </a:spcBef>
-              <a:buClr>
-                <a:schemeClr val="accent1"/>
-              </a:buClr>
-              <a:buSzPct val="100000"/>
-              <a:buFont typeface="Symbol" pitchFamily="18" charset="2"/>
-              <a:buChar char=""/>
-              <a:defRPr sz="1600" kern="1200">
-                <a:solidFill>
-                  <a:schemeClr val="tx2"/>
-                </a:solidFill>
-                <a:latin typeface="+mn-lt"/>
-                <a:ea typeface="+mn-ea"/>
-                <a:cs typeface="+mn-cs"/>
-              </a:defRPr>
-            </a:lvl5pPr>
-            <a:lvl6pPr marL="1783080" indent="-228600" algn="l" defTabSz="914400" rtl="0" eaLnBrk="1" latinLnBrk="0" hangingPunct="1">
-              <a:spcBef>
-                <a:spcPts val="384"/>
-              </a:spcBef>
-              <a:buClr>
-                <a:schemeClr val="accent1"/>
-              </a:buClr>
-              <a:buFont typeface="Symbol" pitchFamily="18" charset="2"/>
-              <a:buChar char="*"/>
-              <a:defRPr sz="1400" kern="1200">
-                <a:solidFill>
-                  <a:schemeClr val="tx2"/>
-                </a:solidFill>
-                <a:latin typeface="+mn-lt"/>
-                <a:ea typeface="+mn-ea"/>
-                <a:cs typeface="+mn-cs"/>
-              </a:defRPr>
-            </a:lvl6pPr>
-            <a:lvl7pPr marL="2103120" indent="-228600" algn="l" defTabSz="914400" rtl="0" eaLnBrk="1" latinLnBrk="0" hangingPunct="1">
-              <a:spcBef>
-                <a:spcPts val="384"/>
-              </a:spcBef>
-              <a:buClr>
-                <a:schemeClr val="accent1"/>
-              </a:buClr>
-              <a:buFont typeface="Symbol" pitchFamily="18" charset="2"/>
-              <a:buChar char="*"/>
-              <a:defRPr sz="1400" kern="1200">
-                <a:solidFill>
-                  <a:schemeClr val="tx2"/>
-                </a:solidFill>
-                <a:latin typeface="+mn-lt"/>
-                <a:ea typeface="+mn-ea"/>
-                <a:cs typeface="+mn-cs"/>
-              </a:defRPr>
-            </a:lvl7pPr>
-            <a:lvl8pPr marL="2423160" indent="-228600" algn="l" defTabSz="914400" rtl="0" eaLnBrk="1" latinLnBrk="0" hangingPunct="1">
-              <a:spcBef>
-                <a:spcPts val="384"/>
-              </a:spcBef>
-              <a:buClr>
-                <a:schemeClr val="accent1"/>
-              </a:buClr>
-              <a:buFont typeface="Symbol" pitchFamily="18" charset="2"/>
-              <a:buChar char="*"/>
-              <a:defRPr sz="1400" kern="1200">
-                <a:solidFill>
-                  <a:schemeClr val="tx2"/>
-                </a:solidFill>
-                <a:latin typeface="+mn-lt"/>
-                <a:ea typeface="+mn-ea"/>
-                <a:cs typeface="+mn-cs"/>
-              </a:defRPr>
-            </a:lvl8pPr>
-            <a:lvl9pPr marL="2743200" indent="-228600" algn="l" defTabSz="914400" rtl="0" eaLnBrk="1" latinLnBrk="0" hangingPunct="1">
-              <a:spcBef>
-                <a:spcPts val="384"/>
-              </a:spcBef>
-              <a:buClr>
-                <a:schemeClr val="accent1"/>
-              </a:buClr>
-              <a:buFont typeface="Symbol" pitchFamily="18" charset="2"/>
-              <a:buChar char="*"/>
-              <a:defRPr sz="1400" kern="1200">
-                <a:solidFill>
-                  <a:schemeClr val="tx2"/>
-                </a:solidFill>
-                <a:latin typeface="+mn-lt"/>
-                <a:ea typeface="+mn-ea"/>
-                <a:cs typeface="+mn-cs"/>
-              </a:defRPr>
-            </a:lvl9pPr>
-          </a:lstStyle>
-          <a:p>
-            <a:pPr marL="0" indent="0">
-              <a:buFont typeface="Symbol" pitchFamily="18" charset="2"/>
-              <a:buNone/>
-            </a:pPr>
-            <a:r>
-              <a:rPr lang="en-US" sz="4000" b="1" dirty="0" smtClean="0">
-                <a:solidFill>
-                  <a:srgbClr val="002060"/>
-                </a:solidFill>
-                <a:effectLst>
-                  <a:outerShdw blurRad="50800" dist="38100" dir="2700000" algn="tl" rotWithShape="0">
-                    <a:prstClr val="black">
-                      <a:alpha val="40000"/>
-                    </a:prstClr>
-                  </a:outerShdw>
-                </a:effectLst>
-              </a:rPr>
-              <a:t>Production Applications requiring:</a:t>
-            </a:r>
-            <a:endParaRPr lang="en-US" sz="4000" dirty="0">
-              <a:solidFill>
-                <a:srgbClr val="002060"/>
-              </a:solidFill>
-              <a:effectLst>
-                <a:outerShdw blurRad="50800" dist="38100" dir="2700000" algn="tl" rotWithShape="0">
-                  <a:prstClr val="black">
-                    <a:alpha val="40000"/>
-                  </a:prstClr>
-                </a:outerShdw>
-              </a:effectLst>
-            </a:endParaRPr>
-          </a:p>
-        </p:txBody>
-      </p:sp>
-    </p:spTree>
-    <p:extLst>
-      <p:ext uri="{BB962C8B-B14F-4D97-AF65-F5344CB8AC3E}">
-        <p14:creationId xmlns:p14="http://schemas.microsoft.com/office/powerpoint/2010/main" val="3552713688"/>
-      </p:ext>
-    </p:extLst>
-  </p:cSld>
-  <p:clrMapOvr>
-    <a:masterClrMapping/>
-  </p:clrMapOvr>
-  <p:timing>
-    <p:tnLst>
-      <p:par>
-        <p:cTn id="1" dur="indefinite" restart="never" nodeType="tmRoot"/>
-      </p:par>
-    </p:tnLst>
-  </p:timing>
-</p:sld>
-</file>
-
-<file path=ppt/slides/slide60.xml><?xml version="1.0" encoding="utf-8"?>
+<file path=ppt/slides/slide59.xml><?xml version="1.0" encoding="utf-8"?>
 <p:sld xmlns:a="http://schemas.openxmlformats.org/drawingml/2006/main" xmlns:r="http://schemas.openxmlformats.org/officeDocument/2006/relationships" xmlns:p="http://schemas.openxmlformats.org/presentationml/2006/main" showMasterSp="0">
   <p:cSld>
     <p:spTree>
@@ -41036,602 +40464,7 @@
 </p:sld>
 </file>
 
-<file path=ppt/slides/slide61.xml><?xml version="1.0" encoding="utf-8"?>
-<p:sld xmlns:a="http://schemas.openxmlformats.org/drawingml/2006/main" xmlns:r="http://schemas.openxmlformats.org/officeDocument/2006/relationships" xmlns:p="http://schemas.openxmlformats.org/presentationml/2006/main">
-  <p:cSld>
-    <p:spTree>
-      <p:nvGrpSpPr>
-        <p:cNvPr id="1" name=""/>
-        <p:cNvGrpSpPr/>
-        <p:nvPr/>
-      </p:nvGrpSpPr>
-      <p:grpSpPr>
-        <a:xfrm>
-          <a:off x="0" y="0"/>
-          <a:ext cx="0" cy="0"/>
-          <a:chOff x="0" y="0"/>
-          <a:chExt cx="0" cy="0"/>
-        </a:xfrm>
-      </p:grpSpPr>
-      <p:sp>
-        <p:nvSpPr>
-          <p:cNvPr id="3" name="Title 2"/>
-          <p:cNvSpPr>
-            <a:spLocks noGrp="1"/>
-          </p:cNvSpPr>
-          <p:nvPr>
-            <p:ph type="title"/>
-          </p:nvPr>
-        </p:nvSpPr>
-        <p:spPr/>
-        <p:txBody>
-          <a:bodyPr>
-            <a:normAutofit fontScale="90000"/>
-          </a:bodyPr>
-          <a:lstStyle/>
-          <a:p>
-            <a:r>
-              <a:rPr lang="en-US" dirty="0" smtClean="0"/>
-              <a:t>Task to process Completion Queue</a:t>
-            </a:r>
-            <a:endParaRPr lang="en-US" dirty="0"/>
-          </a:p>
-        </p:txBody>
-      </p:sp>
-      <p:pic>
-        <p:nvPicPr>
-          <p:cNvPr id="5" name="Picture 4" descr="C:\dev\projects\wwwroot\mxunit-cfmeetups\CFObjective_2012_Concurrency\preso\workQueue_Executor_completionQueue_apples.png"/>
-          <p:cNvPicPr>
-            <a:picLocks noChangeAspect="1" noChangeArrowheads="1"/>
-          </p:cNvPicPr>
-          <p:nvPr/>
-        </p:nvPicPr>
-        <p:blipFill rotWithShape="1">
-          <a:blip r:embed="rId2">
-            <a:extLst>
-              <a:ext uri="{28A0092B-C50C-407E-A947-70E740481C1C}">
-                <a14:useLocalDpi xmlns:a14="http://schemas.microsoft.com/office/drawing/2010/main" val="0"/>
-              </a:ext>
-            </a:extLst>
-          </a:blip>
-          <a:srcRect l="76502" t="3438" b="20373"/>
-          <a:stretch/>
-        </p:blipFill>
-        <p:spPr bwMode="auto">
-          <a:xfrm>
-            <a:off x="-457200" y="1763484"/>
-            <a:ext cx="2094723" cy="5094515"/>
-          </a:xfrm>
-          <a:prstGeom prst="rect">
-            <a:avLst/>
-          </a:prstGeom>
-          <a:noFill/>
-          <a:extLst>
-            <a:ext uri="{909E8E84-426E-40DD-AFC4-6F175D3DCCD1}">
-              <a14:hiddenFill xmlns:a14="http://schemas.microsoft.com/office/drawing/2010/main">
-                <a:solidFill>
-                  <a:srgbClr val="FFFFFF"/>
-                </a:solidFill>
-              </a14:hiddenFill>
-            </a:ext>
-          </a:extLst>
-        </p:spPr>
-      </p:pic>
-      <p:pic>
-        <p:nvPicPr>
-          <p:cNvPr id="15362" name="Picture 2"/>
-          <p:cNvPicPr>
-            <a:picLocks noChangeAspect="1" noChangeArrowheads="1"/>
-          </p:cNvPicPr>
-          <p:nvPr/>
-        </p:nvPicPr>
-        <p:blipFill>
-          <a:blip r:embed="rId3">
-            <a:extLst>
-              <a:ext uri="{28A0092B-C50C-407E-A947-70E740481C1C}">
-                <a14:useLocalDpi xmlns:a14="http://schemas.microsoft.com/office/drawing/2010/main" val="0"/>
-              </a:ext>
-            </a:extLst>
-          </a:blip>
-          <a:srcRect/>
-          <a:stretch>
-            <a:fillRect/>
-          </a:stretch>
-        </p:blipFill>
-        <p:spPr bwMode="auto">
-          <a:xfrm>
-            <a:off x="704850" y="2057400"/>
-            <a:ext cx="8515350" cy="4724400"/>
-          </a:xfrm>
-          <a:prstGeom prst="rect">
-            <a:avLst/>
-          </a:prstGeom>
-          <a:noFill/>
-          <a:ln>
-            <a:noFill/>
-          </a:ln>
-          <a:effectLst/>
-          <a:extLst>
-            <a:ext uri="{909E8E84-426E-40DD-AFC4-6F175D3DCCD1}">
-              <a14:hiddenFill xmlns:a14="http://schemas.microsoft.com/office/drawing/2010/main">
-                <a:solidFill>
-                  <a:schemeClr val="accent1"/>
-                </a:solidFill>
-              </a14:hiddenFill>
-            </a:ext>
-            <a:ext uri="{91240B29-F687-4F45-9708-019B960494DF}">
-              <a14:hiddenLine xmlns:a14="http://schemas.microsoft.com/office/drawing/2010/main" w="9525">
-                <a:solidFill>
-                  <a:schemeClr val="tx1"/>
-                </a:solidFill>
-                <a:miter lim="800000"/>
-                <a:headEnd/>
-                <a:tailEnd/>
-              </a14:hiddenLine>
-            </a:ext>
-            <a:ext uri="{AF507438-7753-43E0-B8FC-AC1667EBCBE1}">
-              <a14:hiddenEffects xmlns:a14="http://schemas.microsoft.com/office/drawing/2010/main">
-                <a:effectLst>
-                  <a:outerShdw dist="35921" dir="2700000" algn="ctr" rotWithShape="0">
-                    <a:schemeClr val="bg2"/>
-                  </a:outerShdw>
-                </a:effectLst>
-              </a14:hiddenEffects>
-            </a:ext>
-          </a:extLst>
-        </p:spPr>
-      </p:pic>
-    </p:spTree>
-    <p:extLst>
-      <p:ext uri="{BB962C8B-B14F-4D97-AF65-F5344CB8AC3E}">
-        <p14:creationId xmlns:p14="http://schemas.microsoft.com/office/powerpoint/2010/main" val="919292745"/>
-      </p:ext>
-    </p:extLst>
-  </p:cSld>
-  <p:clrMapOvr>
-    <a:masterClrMapping/>
-  </p:clrMapOvr>
-  <p:timing>
-    <p:tnLst>
-      <p:par>
-        <p:cTn id="1" dur="indefinite" restart="never" nodeType="tmRoot"/>
-      </p:par>
-    </p:tnLst>
-  </p:timing>
-</p:sld>
-</file>
-
-<file path=ppt/slides/slide62.xml><?xml version="1.0" encoding="utf-8"?>
-<p:sld xmlns:a="http://schemas.openxmlformats.org/drawingml/2006/main" xmlns:r="http://schemas.openxmlformats.org/officeDocument/2006/relationships" xmlns:p="http://schemas.openxmlformats.org/presentationml/2006/main">
-  <p:cSld>
-    <p:spTree>
-      <p:nvGrpSpPr>
-        <p:cNvPr id="1" name=""/>
-        <p:cNvGrpSpPr/>
-        <p:nvPr/>
-      </p:nvGrpSpPr>
-      <p:grpSpPr>
-        <a:xfrm>
-          <a:off x="0" y="0"/>
-          <a:ext cx="0" cy="0"/>
-          <a:chOff x="0" y="0"/>
-          <a:chExt cx="0" cy="0"/>
-        </a:xfrm>
-      </p:grpSpPr>
-      <p:sp>
-        <p:nvSpPr>
-          <p:cNvPr id="2" name="Content Placeholder 1"/>
-          <p:cNvSpPr>
-            <a:spLocks noGrp="1"/>
-          </p:cNvSpPr>
-          <p:nvPr>
-            <p:ph idx="1"/>
-          </p:nvPr>
-        </p:nvSpPr>
-        <p:spPr/>
-        <p:txBody>
-          <a:bodyPr/>
-          <a:lstStyle/>
-          <a:p>
-            <a:endParaRPr lang="en-US"/>
-          </a:p>
-        </p:txBody>
-      </p:sp>
-      <p:sp>
-        <p:nvSpPr>
-          <p:cNvPr id="3" name="Title 2"/>
-          <p:cNvSpPr>
-            <a:spLocks noGrp="1"/>
-          </p:cNvSpPr>
-          <p:nvPr>
-            <p:ph type="title"/>
-          </p:nvPr>
-        </p:nvSpPr>
-        <p:spPr/>
-        <p:txBody>
-          <a:bodyPr/>
-          <a:lstStyle/>
-          <a:p>
-            <a:r>
-              <a:rPr lang="en-US" dirty="0" smtClean="0"/>
-              <a:t>More completion service code</a:t>
-            </a:r>
-            <a:endParaRPr lang="en-US" dirty="0"/>
-          </a:p>
-        </p:txBody>
-      </p:sp>
-    </p:spTree>
-    <p:extLst>
-      <p:ext uri="{BB962C8B-B14F-4D97-AF65-F5344CB8AC3E}">
-        <p14:creationId xmlns:p14="http://schemas.microsoft.com/office/powerpoint/2010/main" val="69741914"/>
-      </p:ext>
-    </p:extLst>
-  </p:cSld>
-  <p:clrMapOvr>
-    <a:masterClrMapping/>
-  </p:clrMapOvr>
-  <p:timing>
-    <p:tnLst>
-      <p:par>
-        <p:cTn id="1" dur="indefinite" restart="never" nodeType="tmRoot"/>
-      </p:par>
-    </p:tnLst>
-  </p:timing>
-</p:sld>
-</file>
-
-<file path=ppt/slides/slide63.xml><?xml version="1.0" encoding="utf-8"?>
-<p:sld xmlns:a="http://schemas.openxmlformats.org/drawingml/2006/main" xmlns:r="http://schemas.openxmlformats.org/officeDocument/2006/relationships" xmlns:p="http://schemas.openxmlformats.org/presentationml/2006/main">
-  <p:cSld>
-    <p:spTree>
-      <p:nvGrpSpPr>
-        <p:cNvPr id="1" name=""/>
-        <p:cNvGrpSpPr/>
-        <p:nvPr/>
-      </p:nvGrpSpPr>
-      <p:grpSpPr>
-        <a:xfrm>
-          <a:off x="0" y="0"/>
-          <a:ext cx="0" cy="0"/>
-          <a:chOff x="0" y="0"/>
-          <a:chExt cx="0" cy="0"/>
-        </a:xfrm>
-      </p:grpSpPr>
-      <p:sp>
-        <p:nvSpPr>
-          <p:cNvPr id="2" name="Content Placeholder 1"/>
-          <p:cNvSpPr>
-            <a:spLocks noGrp="1"/>
-          </p:cNvSpPr>
-          <p:nvPr>
-            <p:ph idx="1"/>
-          </p:nvPr>
-        </p:nvSpPr>
-        <p:spPr/>
-        <p:txBody>
-          <a:bodyPr/>
-          <a:lstStyle/>
-          <a:p>
-            <a:r>
-              <a:rPr lang="en-US" dirty="0" smtClean="0"/>
-              <a:t>Enough examples to nail home</a:t>
-            </a:r>
-          </a:p>
-          <a:p>
-            <a:pPr lvl="1"/>
-            <a:r>
-              <a:rPr lang="en-US" dirty="0" smtClean="0"/>
-              <a:t>How to use the JCF in ColdFusion</a:t>
-            </a:r>
-          </a:p>
-          <a:p>
-            <a:pPr lvl="1"/>
-            <a:r>
-              <a:rPr lang="en-US" dirty="0" smtClean="0"/>
-              <a:t>Why it’s so </a:t>
-            </a:r>
-            <a:r>
-              <a:rPr lang="en-US" dirty="0" err="1" smtClean="0"/>
-              <a:t>freakin</a:t>
-            </a:r>
-            <a:r>
-              <a:rPr lang="en-US" dirty="0" smtClean="0"/>
-              <a:t>’ awesome</a:t>
-            </a:r>
-            <a:endParaRPr lang="en-US" dirty="0"/>
-          </a:p>
-        </p:txBody>
-      </p:sp>
-      <p:sp>
-        <p:nvSpPr>
-          <p:cNvPr id="3" name="Title 2"/>
-          <p:cNvSpPr>
-            <a:spLocks noGrp="1"/>
-          </p:cNvSpPr>
-          <p:nvPr>
-            <p:ph type="title"/>
-          </p:nvPr>
-        </p:nvSpPr>
-        <p:spPr/>
-        <p:txBody>
-          <a:bodyPr/>
-          <a:lstStyle/>
-          <a:p>
-            <a:r>
-              <a:rPr lang="en-US" dirty="0" smtClean="0"/>
-              <a:t>JCF Example Extravaganza</a:t>
-            </a:r>
-            <a:endParaRPr lang="en-US" dirty="0"/>
-          </a:p>
-        </p:txBody>
-      </p:sp>
-    </p:spTree>
-    <p:extLst>
-      <p:ext uri="{BB962C8B-B14F-4D97-AF65-F5344CB8AC3E}">
-        <p14:creationId xmlns:p14="http://schemas.microsoft.com/office/powerpoint/2010/main" val="616244023"/>
-      </p:ext>
-    </p:extLst>
-  </p:cSld>
-  <p:clrMapOvr>
-    <a:masterClrMapping/>
-  </p:clrMapOvr>
-  <p:timing>
-    <p:tnLst>
-      <p:par>
-        <p:cTn id="1" dur="indefinite" restart="never" nodeType="tmRoot"/>
-      </p:par>
-    </p:tnLst>
-  </p:timing>
-</p:sld>
-</file>
-
-<file path=ppt/slides/slide64.xml><?xml version="1.0" encoding="utf-8"?>
-<p:sld xmlns:a="http://schemas.openxmlformats.org/drawingml/2006/main" xmlns:r="http://schemas.openxmlformats.org/officeDocument/2006/relationships" xmlns:p="http://schemas.openxmlformats.org/presentationml/2006/main">
-  <p:cSld>
-    <p:spTree>
-      <p:nvGrpSpPr>
-        <p:cNvPr id="1" name=""/>
-        <p:cNvGrpSpPr/>
-        <p:nvPr/>
-      </p:nvGrpSpPr>
-      <p:grpSpPr>
-        <a:xfrm>
-          <a:off x="0" y="0"/>
-          <a:ext cx="0" cy="0"/>
-          <a:chOff x="0" y="0"/>
-          <a:chExt cx="0" cy="0"/>
-        </a:xfrm>
-      </p:grpSpPr>
-      <p:sp>
-        <p:nvSpPr>
-          <p:cNvPr id="2" name="Content Placeholder 1"/>
-          <p:cNvSpPr>
-            <a:spLocks noGrp="1"/>
-          </p:cNvSpPr>
-          <p:nvPr>
-            <p:ph idx="1"/>
-          </p:nvPr>
-        </p:nvSpPr>
-        <p:spPr/>
-        <p:txBody>
-          <a:bodyPr>
-            <a:normAutofit fontScale="92500" lnSpcReduction="10000"/>
-          </a:bodyPr>
-          <a:lstStyle/>
-          <a:p>
-            <a:r>
-              <a:rPr lang="en-US" dirty="0"/>
-              <a:t>http://</a:t>
-            </a:r>
-            <a:r>
-              <a:rPr lang="en-US" dirty="0" smtClean="0"/>
-              <a:t>docs.oracle.com/javase/tutorial/essential/concurrency/executors.html</a:t>
-            </a:r>
-          </a:p>
-          <a:p>
-            <a:r>
-              <a:rPr lang="en-US" dirty="0"/>
-              <a:t>http://docs.oracle.com/javase/7/docs/api/java/util/concurrent/package-summary.html</a:t>
-            </a:r>
-            <a:endParaRPr lang="en-US" dirty="0" smtClean="0"/>
-          </a:p>
-          <a:p>
-            <a:r>
-              <a:rPr lang="en-US" dirty="0" smtClean="0"/>
-              <a:t>http</a:t>
-            </a:r>
-            <a:r>
-              <a:rPr lang="en-US" dirty="0"/>
-              <a:t>://www.amazon.com/Java-Concurrency-Practice-Brian-Goetz/dp/0321349601</a:t>
-            </a:r>
-            <a:r>
-              <a:rPr lang="en-US" dirty="0" smtClean="0"/>
-              <a:t>/</a:t>
-            </a:r>
-          </a:p>
-          <a:p>
-            <a:r>
-              <a:rPr lang="en-US" dirty="0"/>
-              <a:t>http://www.vogella.de/articles/JavaConcurrency/article.html</a:t>
-            </a:r>
-            <a:endParaRPr lang="en-US" dirty="0" smtClean="0"/>
-          </a:p>
-          <a:p>
-            <a:r>
-              <a:rPr lang="en-US" dirty="0"/>
-              <a:t>http://www.ibm.com/developerworks/java/library/j-jtp02244/index.html</a:t>
-            </a:r>
-          </a:p>
-        </p:txBody>
-      </p:sp>
-      <p:sp>
-        <p:nvSpPr>
-          <p:cNvPr id="3" name="Title 2"/>
-          <p:cNvSpPr>
-            <a:spLocks noGrp="1"/>
-          </p:cNvSpPr>
-          <p:nvPr>
-            <p:ph type="title"/>
-          </p:nvPr>
-        </p:nvSpPr>
-        <p:spPr/>
-        <p:txBody>
-          <a:bodyPr/>
-          <a:lstStyle/>
-          <a:p>
-            <a:r>
-              <a:rPr lang="en-US" dirty="0" smtClean="0"/>
-              <a:t>Resources</a:t>
-            </a:r>
-            <a:endParaRPr lang="en-US" dirty="0"/>
-          </a:p>
-        </p:txBody>
-      </p:sp>
-    </p:spTree>
-    <p:extLst>
-      <p:ext uri="{BB962C8B-B14F-4D97-AF65-F5344CB8AC3E}">
-        <p14:creationId xmlns:p14="http://schemas.microsoft.com/office/powerpoint/2010/main" val="1932064281"/>
-      </p:ext>
-    </p:extLst>
-  </p:cSld>
-  <p:clrMapOvr>
-    <a:masterClrMapping/>
-  </p:clrMapOvr>
-  <p:timing>
-    <p:tnLst>
-      <p:par>
-        <p:cTn id="1" dur="indefinite" restart="never" nodeType="tmRoot"/>
-      </p:par>
-    </p:tnLst>
-  </p:timing>
-</p:sld>
-</file>
-
-<file path=ppt/slides/slide65.xml><?xml version="1.0" encoding="utf-8"?>
-<p:sld xmlns:a="http://schemas.openxmlformats.org/drawingml/2006/main" xmlns:r="http://schemas.openxmlformats.org/officeDocument/2006/relationships" xmlns:p="http://schemas.openxmlformats.org/presentationml/2006/main">
-  <p:cSld>
-    <p:spTree>
-      <p:nvGrpSpPr>
-        <p:cNvPr id="1" name=""/>
-        <p:cNvGrpSpPr/>
-        <p:nvPr/>
-      </p:nvGrpSpPr>
-      <p:grpSpPr>
-        <a:xfrm>
-          <a:off x="0" y="0"/>
-          <a:ext cx="0" cy="0"/>
-          <a:chOff x="0" y="0"/>
-          <a:chExt cx="0" cy="0"/>
-        </a:xfrm>
-      </p:grpSpPr>
-      <p:sp>
-        <p:nvSpPr>
-          <p:cNvPr id="2" name="Content Placeholder 1"/>
-          <p:cNvSpPr>
-            <a:spLocks noGrp="1"/>
-          </p:cNvSpPr>
-          <p:nvPr>
-            <p:ph idx="1"/>
-          </p:nvPr>
-        </p:nvSpPr>
-        <p:spPr/>
-        <p:txBody>
-          <a:bodyPr/>
-          <a:lstStyle/>
-          <a:p>
-            <a:r>
-              <a:rPr lang="en-US" dirty="0"/>
-              <a:t>http://</a:t>
-            </a:r>
-            <a:r>
-              <a:rPr lang="en-US" dirty="0" smtClean="0"/>
-              <a:t>gee.cs.oswego.edu/dl/classes/EDU/oswego/cs/dl/util/concurrent/intro.html	</a:t>
-            </a:r>
-          </a:p>
-          <a:p>
-            <a:r>
-              <a:rPr lang="en-US" dirty="0"/>
-              <a:t>http://</a:t>
-            </a:r>
-            <a:r>
-              <a:rPr lang="en-US" dirty="0" smtClean="0"/>
-              <a:t>en.wikipedia.org/wiki/ColdFusion#Adobe_ColdFusion_8</a:t>
-            </a:r>
-          </a:p>
-          <a:p>
-            <a:r>
-              <a:rPr lang="en-US" dirty="0"/>
-              <a:t>http://</a:t>
-            </a:r>
-            <a:r>
-              <a:rPr lang="en-US" dirty="0" smtClean="0"/>
-              <a:t>en.wikipedia.org/wiki/Java_concurrency</a:t>
-            </a:r>
-          </a:p>
-          <a:p>
-            <a:r>
-              <a:rPr lang="en-US" dirty="0"/>
-              <a:t>http://</a:t>
-            </a:r>
-            <a:r>
-              <a:rPr lang="en-US" dirty="0" smtClean="0"/>
-              <a:t>gee.cs.oswego.edu/dl/concurrency-interest/index.html</a:t>
-            </a:r>
-          </a:p>
-          <a:p>
-            <a:r>
-              <a:rPr lang="en-US" dirty="0"/>
-              <a:t>http://en.wikipedia.org/wiki/Java_version_history</a:t>
-            </a:r>
-          </a:p>
-        </p:txBody>
-      </p:sp>
-      <p:sp>
-        <p:nvSpPr>
-          <p:cNvPr id="3" name="Title 2"/>
-          <p:cNvSpPr>
-            <a:spLocks noGrp="1"/>
-          </p:cNvSpPr>
-          <p:nvPr>
-            <p:ph type="title"/>
-          </p:nvPr>
-        </p:nvSpPr>
-        <p:spPr/>
-        <p:txBody>
-          <a:bodyPr>
-            <a:normAutofit/>
-          </a:bodyPr>
-          <a:lstStyle/>
-          <a:p>
-            <a:r>
-              <a:rPr lang="en-US" dirty="0" smtClean="0"/>
-              <a:t>References</a:t>
-            </a:r>
-            <a:endParaRPr lang="en-US" dirty="0"/>
-          </a:p>
-        </p:txBody>
-      </p:sp>
-    </p:spTree>
-    <p:extLst>
-      <p:ext uri="{BB962C8B-B14F-4D97-AF65-F5344CB8AC3E}">
-        <p14:creationId xmlns:p14="http://schemas.microsoft.com/office/powerpoint/2010/main" val="3842096159"/>
-      </p:ext>
-    </p:extLst>
-  </p:cSld>
-  <p:clrMapOvr>
-    <a:masterClrMapping/>
-  </p:clrMapOvr>
-  <p:timing>
-    <p:tnLst>
-      <p:par>
-        <p:cTn id="1" dur="indefinite" restart="never" nodeType="tmRoot"/>
-      </p:par>
-    </p:tnLst>
-  </p:timing>
-</p:sld>
-</file>
-
-<file path=ppt/slides/slide7.xml><?xml version="1.0" encoding="utf-8"?>
+<file path=ppt/slides/slide6.xml><?xml version="1.0" encoding="utf-8"?>
 <p:sld xmlns:a="http://schemas.openxmlformats.org/drawingml/2006/main" xmlns:r="http://schemas.openxmlformats.org/officeDocument/2006/relationships" xmlns:p="http://schemas.openxmlformats.org/presentationml/2006/main">
   <p:cSld>
     <p:spTree>
@@ -42235,7 +41068,602 @@
 </p:sld>
 </file>
 
-<file path=ppt/slides/slide8.xml><?xml version="1.0" encoding="utf-8"?>
+<file path=ppt/slides/slide60.xml><?xml version="1.0" encoding="utf-8"?>
+<p:sld xmlns:a="http://schemas.openxmlformats.org/drawingml/2006/main" xmlns:r="http://schemas.openxmlformats.org/officeDocument/2006/relationships" xmlns:p="http://schemas.openxmlformats.org/presentationml/2006/main">
+  <p:cSld>
+    <p:spTree>
+      <p:nvGrpSpPr>
+        <p:cNvPr id="1" name=""/>
+        <p:cNvGrpSpPr/>
+        <p:nvPr/>
+      </p:nvGrpSpPr>
+      <p:grpSpPr>
+        <a:xfrm>
+          <a:off x="0" y="0"/>
+          <a:ext cx="0" cy="0"/>
+          <a:chOff x="0" y="0"/>
+          <a:chExt cx="0" cy="0"/>
+        </a:xfrm>
+      </p:grpSpPr>
+      <p:sp>
+        <p:nvSpPr>
+          <p:cNvPr id="3" name="Title 2"/>
+          <p:cNvSpPr>
+            <a:spLocks noGrp="1"/>
+          </p:cNvSpPr>
+          <p:nvPr>
+            <p:ph type="title"/>
+          </p:nvPr>
+        </p:nvSpPr>
+        <p:spPr/>
+        <p:txBody>
+          <a:bodyPr>
+            <a:normAutofit fontScale="90000"/>
+          </a:bodyPr>
+          <a:lstStyle/>
+          <a:p>
+            <a:r>
+              <a:rPr lang="en-US" dirty="0" smtClean="0"/>
+              <a:t>Task to process Completion Queue</a:t>
+            </a:r>
+            <a:endParaRPr lang="en-US" dirty="0"/>
+          </a:p>
+        </p:txBody>
+      </p:sp>
+      <p:pic>
+        <p:nvPicPr>
+          <p:cNvPr id="5" name="Picture 4" descr="C:\dev\projects\wwwroot\mxunit-cfmeetups\CFObjective_2012_Concurrency\preso\workQueue_Executor_completionQueue_apples.png"/>
+          <p:cNvPicPr>
+            <a:picLocks noChangeAspect="1" noChangeArrowheads="1"/>
+          </p:cNvPicPr>
+          <p:nvPr/>
+        </p:nvPicPr>
+        <p:blipFill rotWithShape="1">
+          <a:blip r:embed="rId2">
+            <a:extLst>
+              <a:ext uri="{28A0092B-C50C-407E-A947-70E740481C1C}">
+                <a14:useLocalDpi xmlns:a14="http://schemas.microsoft.com/office/drawing/2010/main" val="0"/>
+              </a:ext>
+            </a:extLst>
+          </a:blip>
+          <a:srcRect l="76502" t="3438" b="20373"/>
+          <a:stretch/>
+        </p:blipFill>
+        <p:spPr bwMode="auto">
+          <a:xfrm>
+            <a:off x="-457200" y="1763484"/>
+            <a:ext cx="2094723" cy="5094515"/>
+          </a:xfrm>
+          <a:prstGeom prst="rect">
+            <a:avLst/>
+          </a:prstGeom>
+          <a:noFill/>
+          <a:extLst>
+            <a:ext uri="{909E8E84-426E-40DD-AFC4-6F175D3DCCD1}">
+              <a14:hiddenFill xmlns:a14="http://schemas.microsoft.com/office/drawing/2010/main">
+                <a:solidFill>
+                  <a:srgbClr val="FFFFFF"/>
+                </a:solidFill>
+              </a14:hiddenFill>
+            </a:ext>
+          </a:extLst>
+        </p:spPr>
+      </p:pic>
+      <p:pic>
+        <p:nvPicPr>
+          <p:cNvPr id="15362" name="Picture 2"/>
+          <p:cNvPicPr>
+            <a:picLocks noChangeAspect="1" noChangeArrowheads="1"/>
+          </p:cNvPicPr>
+          <p:nvPr/>
+        </p:nvPicPr>
+        <p:blipFill>
+          <a:blip r:embed="rId3">
+            <a:extLst>
+              <a:ext uri="{28A0092B-C50C-407E-A947-70E740481C1C}">
+                <a14:useLocalDpi xmlns:a14="http://schemas.microsoft.com/office/drawing/2010/main" val="0"/>
+              </a:ext>
+            </a:extLst>
+          </a:blip>
+          <a:srcRect/>
+          <a:stretch>
+            <a:fillRect/>
+          </a:stretch>
+        </p:blipFill>
+        <p:spPr bwMode="auto">
+          <a:xfrm>
+            <a:off x="704850" y="2057400"/>
+            <a:ext cx="8515350" cy="4724400"/>
+          </a:xfrm>
+          <a:prstGeom prst="rect">
+            <a:avLst/>
+          </a:prstGeom>
+          <a:noFill/>
+          <a:ln>
+            <a:noFill/>
+          </a:ln>
+          <a:effectLst/>
+          <a:extLst>
+            <a:ext uri="{909E8E84-426E-40DD-AFC4-6F175D3DCCD1}">
+              <a14:hiddenFill xmlns:a14="http://schemas.microsoft.com/office/drawing/2010/main">
+                <a:solidFill>
+                  <a:schemeClr val="accent1"/>
+                </a:solidFill>
+              </a14:hiddenFill>
+            </a:ext>
+            <a:ext uri="{91240B29-F687-4F45-9708-019B960494DF}">
+              <a14:hiddenLine xmlns:a14="http://schemas.microsoft.com/office/drawing/2010/main" w="9525">
+                <a:solidFill>
+                  <a:schemeClr val="tx1"/>
+                </a:solidFill>
+                <a:miter lim="800000"/>
+                <a:headEnd/>
+                <a:tailEnd/>
+              </a14:hiddenLine>
+            </a:ext>
+            <a:ext uri="{AF507438-7753-43E0-B8FC-AC1667EBCBE1}">
+              <a14:hiddenEffects xmlns:a14="http://schemas.microsoft.com/office/drawing/2010/main">
+                <a:effectLst>
+                  <a:outerShdw dist="35921" dir="2700000" algn="ctr" rotWithShape="0">
+                    <a:schemeClr val="bg2"/>
+                  </a:outerShdw>
+                </a:effectLst>
+              </a14:hiddenEffects>
+            </a:ext>
+          </a:extLst>
+        </p:spPr>
+      </p:pic>
+    </p:spTree>
+    <p:extLst>
+      <p:ext uri="{BB962C8B-B14F-4D97-AF65-F5344CB8AC3E}">
+        <p14:creationId xmlns:p14="http://schemas.microsoft.com/office/powerpoint/2010/main" val="919292745"/>
+      </p:ext>
+    </p:extLst>
+  </p:cSld>
+  <p:clrMapOvr>
+    <a:masterClrMapping/>
+  </p:clrMapOvr>
+  <p:timing>
+    <p:tnLst>
+      <p:par>
+        <p:cTn id="1" dur="indefinite" restart="never" nodeType="tmRoot"/>
+      </p:par>
+    </p:tnLst>
+  </p:timing>
+</p:sld>
+</file>
+
+<file path=ppt/slides/slide61.xml><?xml version="1.0" encoding="utf-8"?>
+<p:sld xmlns:a="http://schemas.openxmlformats.org/drawingml/2006/main" xmlns:r="http://schemas.openxmlformats.org/officeDocument/2006/relationships" xmlns:p="http://schemas.openxmlformats.org/presentationml/2006/main">
+  <p:cSld>
+    <p:spTree>
+      <p:nvGrpSpPr>
+        <p:cNvPr id="1" name=""/>
+        <p:cNvGrpSpPr/>
+        <p:nvPr/>
+      </p:nvGrpSpPr>
+      <p:grpSpPr>
+        <a:xfrm>
+          <a:off x="0" y="0"/>
+          <a:ext cx="0" cy="0"/>
+          <a:chOff x="0" y="0"/>
+          <a:chExt cx="0" cy="0"/>
+        </a:xfrm>
+      </p:grpSpPr>
+      <p:sp>
+        <p:nvSpPr>
+          <p:cNvPr id="2" name="Content Placeholder 1"/>
+          <p:cNvSpPr>
+            <a:spLocks noGrp="1"/>
+          </p:cNvSpPr>
+          <p:nvPr>
+            <p:ph idx="1"/>
+          </p:nvPr>
+        </p:nvSpPr>
+        <p:spPr/>
+        <p:txBody>
+          <a:bodyPr/>
+          <a:lstStyle/>
+          <a:p>
+            <a:endParaRPr lang="en-US"/>
+          </a:p>
+        </p:txBody>
+      </p:sp>
+      <p:sp>
+        <p:nvSpPr>
+          <p:cNvPr id="3" name="Title 2"/>
+          <p:cNvSpPr>
+            <a:spLocks noGrp="1"/>
+          </p:cNvSpPr>
+          <p:nvPr>
+            <p:ph type="title"/>
+          </p:nvPr>
+        </p:nvSpPr>
+        <p:spPr/>
+        <p:txBody>
+          <a:bodyPr/>
+          <a:lstStyle/>
+          <a:p>
+            <a:r>
+              <a:rPr lang="en-US" dirty="0" smtClean="0"/>
+              <a:t>More completion service code</a:t>
+            </a:r>
+            <a:endParaRPr lang="en-US" dirty="0"/>
+          </a:p>
+        </p:txBody>
+      </p:sp>
+    </p:spTree>
+    <p:extLst>
+      <p:ext uri="{BB962C8B-B14F-4D97-AF65-F5344CB8AC3E}">
+        <p14:creationId xmlns:p14="http://schemas.microsoft.com/office/powerpoint/2010/main" val="69741914"/>
+      </p:ext>
+    </p:extLst>
+  </p:cSld>
+  <p:clrMapOvr>
+    <a:masterClrMapping/>
+  </p:clrMapOvr>
+  <p:timing>
+    <p:tnLst>
+      <p:par>
+        <p:cTn id="1" dur="indefinite" restart="never" nodeType="tmRoot"/>
+      </p:par>
+    </p:tnLst>
+  </p:timing>
+</p:sld>
+</file>
+
+<file path=ppt/slides/slide62.xml><?xml version="1.0" encoding="utf-8"?>
+<p:sld xmlns:a="http://schemas.openxmlformats.org/drawingml/2006/main" xmlns:r="http://schemas.openxmlformats.org/officeDocument/2006/relationships" xmlns:p="http://schemas.openxmlformats.org/presentationml/2006/main">
+  <p:cSld>
+    <p:spTree>
+      <p:nvGrpSpPr>
+        <p:cNvPr id="1" name=""/>
+        <p:cNvGrpSpPr/>
+        <p:nvPr/>
+      </p:nvGrpSpPr>
+      <p:grpSpPr>
+        <a:xfrm>
+          <a:off x="0" y="0"/>
+          <a:ext cx="0" cy="0"/>
+          <a:chOff x="0" y="0"/>
+          <a:chExt cx="0" cy="0"/>
+        </a:xfrm>
+      </p:grpSpPr>
+      <p:sp>
+        <p:nvSpPr>
+          <p:cNvPr id="2" name="Content Placeholder 1"/>
+          <p:cNvSpPr>
+            <a:spLocks noGrp="1"/>
+          </p:cNvSpPr>
+          <p:nvPr>
+            <p:ph idx="1"/>
+          </p:nvPr>
+        </p:nvSpPr>
+        <p:spPr/>
+        <p:txBody>
+          <a:bodyPr/>
+          <a:lstStyle/>
+          <a:p>
+            <a:r>
+              <a:rPr lang="en-US" dirty="0" smtClean="0"/>
+              <a:t>Enough examples to nail home</a:t>
+            </a:r>
+          </a:p>
+          <a:p>
+            <a:pPr lvl="1"/>
+            <a:r>
+              <a:rPr lang="en-US" dirty="0" smtClean="0"/>
+              <a:t>How to use the JCF in ColdFusion</a:t>
+            </a:r>
+          </a:p>
+          <a:p>
+            <a:pPr lvl="1"/>
+            <a:r>
+              <a:rPr lang="en-US" dirty="0" smtClean="0"/>
+              <a:t>Why it’s so </a:t>
+            </a:r>
+            <a:r>
+              <a:rPr lang="en-US" dirty="0" err="1" smtClean="0"/>
+              <a:t>freakin</a:t>
+            </a:r>
+            <a:r>
+              <a:rPr lang="en-US" dirty="0" smtClean="0"/>
+              <a:t>’ awesome</a:t>
+            </a:r>
+            <a:endParaRPr lang="en-US" dirty="0"/>
+          </a:p>
+        </p:txBody>
+      </p:sp>
+      <p:sp>
+        <p:nvSpPr>
+          <p:cNvPr id="3" name="Title 2"/>
+          <p:cNvSpPr>
+            <a:spLocks noGrp="1"/>
+          </p:cNvSpPr>
+          <p:nvPr>
+            <p:ph type="title"/>
+          </p:nvPr>
+        </p:nvSpPr>
+        <p:spPr/>
+        <p:txBody>
+          <a:bodyPr/>
+          <a:lstStyle/>
+          <a:p>
+            <a:r>
+              <a:rPr lang="en-US" dirty="0" smtClean="0"/>
+              <a:t>JCF Example Extravaganza</a:t>
+            </a:r>
+            <a:endParaRPr lang="en-US" dirty="0"/>
+          </a:p>
+        </p:txBody>
+      </p:sp>
+    </p:spTree>
+    <p:extLst>
+      <p:ext uri="{BB962C8B-B14F-4D97-AF65-F5344CB8AC3E}">
+        <p14:creationId xmlns:p14="http://schemas.microsoft.com/office/powerpoint/2010/main" val="616244023"/>
+      </p:ext>
+    </p:extLst>
+  </p:cSld>
+  <p:clrMapOvr>
+    <a:masterClrMapping/>
+  </p:clrMapOvr>
+  <p:timing>
+    <p:tnLst>
+      <p:par>
+        <p:cTn id="1" dur="indefinite" restart="never" nodeType="tmRoot"/>
+      </p:par>
+    </p:tnLst>
+  </p:timing>
+</p:sld>
+</file>
+
+<file path=ppt/slides/slide63.xml><?xml version="1.0" encoding="utf-8"?>
+<p:sld xmlns:a="http://schemas.openxmlformats.org/drawingml/2006/main" xmlns:r="http://schemas.openxmlformats.org/officeDocument/2006/relationships" xmlns:p="http://schemas.openxmlformats.org/presentationml/2006/main">
+  <p:cSld>
+    <p:spTree>
+      <p:nvGrpSpPr>
+        <p:cNvPr id="1" name=""/>
+        <p:cNvGrpSpPr/>
+        <p:nvPr/>
+      </p:nvGrpSpPr>
+      <p:grpSpPr>
+        <a:xfrm>
+          <a:off x="0" y="0"/>
+          <a:ext cx="0" cy="0"/>
+          <a:chOff x="0" y="0"/>
+          <a:chExt cx="0" cy="0"/>
+        </a:xfrm>
+      </p:grpSpPr>
+      <p:sp>
+        <p:nvSpPr>
+          <p:cNvPr id="2" name="Content Placeholder 1"/>
+          <p:cNvSpPr>
+            <a:spLocks noGrp="1"/>
+          </p:cNvSpPr>
+          <p:nvPr>
+            <p:ph idx="1"/>
+          </p:nvPr>
+        </p:nvSpPr>
+        <p:spPr/>
+        <p:txBody>
+          <a:bodyPr>
+            <a:normAutofit fontScale="92500" lnSpcReduction="10000"/>
+          </a:bodyPr>
+          <a:lstStyle/>
+          <a:p>
+            <a:r>
+              <a:rPr lang="en-US" dirty="0"/>
+              <a:t>http://</a:t>
+            </a:r>
+            <a:r>
+              <a:rPr lang="en-US" dirty="0" smtClean="0"/>
+              <a:t>docs.oracle.com/javase/tutorial/essential/concurrency/executors.html</a:t>
+            </a:r>
+          </a:p>
+          <a:p>
+            <a:r>
+              <a:rPr lang="en-US" dirty="0"/>
+              <a:t>http://docs.oracle.com/javase/7/docs/api/java/util/concurrent/package-summary.html</a:t>
+            </a:r>
+            <a:endParaRPr lang="en-US" dirty="0" smtClean="0"/>
+          </a:p>
+          <a:p>
+            <a:r>
+              <a:rPr lang="en-US" dirty="0" smtClean="0"/>
+              <a:t>http</a:t>
+            </a:r>
+            <a:r>
+              <a:rPr lang="en-US" dirty="0"/>
+              <a:t>://www.amazon.com/Java-Concurrency-Practice-Brian-Goetz/dp/0321349601</a:t>
+            </a:r>
+            <a:r>
+              <a:rPr lang="en-US" dirty="0" smtClean="0"/>
+              <a:t>/</a:t>
+            </a:r>
+          </a:p>
+          <a:p>
+            <a:r>
+              <a:rPr lang="en-US" dirty="0"/>
+              <a:t>http://www.vogella.de/articles/JavaConcurrency/article.html</a:t>
+            </a:r>
+            <a:endParaRPr lang="en-US" dirty="0" smtClean="0"/>
+          </a:p>
+          <a:p>
+            <a:r>
+              <a:rPr lang="en-US" dirty="0"/>
+              <a:t>http://www.ibm.com/developerworks/java/library/j-jtp02244/index.html</a:t>
+            </a:r>
+          </a:p>
+        </p:txBody>
+      </p:sp>
+      <p:sp>
+        <p:nvSpPr>
+          <p:cNvPr id="3" name="Title 2"/>
+          <p:cNvSpPr>
+            <a:spLocks noGrp="1"/>
+          </p:cNvSpPr>
+          <p:nvPr>
+            <p:ph type="title"/>
+          </p:nvPr>
+        </p:nvSpPr>
+        <p:spPr/>
+        <p:txBody>
+          <a:bodyPr/>
+          <a:lstStyle/>
+          <a:p>
+            <a:r>
+              <a:rPr lang="en-US" dirty="0" smtClean="0"/>
+              <a:t>Resources</a:t>
+            </a:r>
+            <a:endParaRPr lang="en-US" dirty="0"/>
+          </a:p>
+        </p:txBody>
+      </p:sp>
+    </p:spTree>
+    <p:extLst>
+      <p:ext uri="{BB962C8B-B14F-4D97-AF65-F5344CB8AC3E}">
+        <p14:creationId xmlns:p14="http://schemas.microsoft.com/office/powerpoint/2010/main" val="1932064281"/>
+      </p:ext>
+    </p:extLst>
+  </p:cSld>
+  <p:clrMapOvr>
+    <a:masterClrMapping/>
+  </p:clrMapOvr>
+  <p:timing>
+    <p:tnLst>
+      <p:par>
+        <p:cTn id="1" dur="indefinite" restart="never" nodeType="tmRoot"/>
+      </p:par>
+    </p:tnLst>
+  </p:timing>
+</p:sld>
+</file>
+
+<file path=ppt/slides/slide64.xml><?xml version="1.0" encoding="utf-8"?>
+<p:sld xmlns:a="http://schemas.openxmlformats.org/drawingml/2006/main" xmlns:r="http://schemas.openxmlformats.org/officeDocument/2006/relationships" xmlns:p="http://schemas.openxmlformats.org/presentationml/2006/main">
+  <p:cSld>
+    <p:spTree>
+      <p:nvGrpSpPr>
+        <p:cNvPr id="1" name=""/>
+        <p:cNvGrpSpPr/>
+        <p:nvPr/>
+      </p:nvGrpSpPr>
+      <p:grpSpPr>
+        <a:xfrm>
+          <a:off x="0" y="0"/>
+          <a:ext cx="0" cy="0"/>
+          <a:chOff x="0" y="0"/>
+          <a:chExt cx="0" cy="0"/>
+        </a:xfrm>
+      </p:grpSpPr>
+      <p:sp>
+        <p:nvSpPr>
+          <p:cNvPr id="2" name="Content Placeholder 1"/>
+          <p:cNvSpPr>
+            <a:spLocks noGrp="1"/>
+          </p:cNvSpPr>
+          <p:nvPr>
+            <p:ph idx="1"/>
+          </p:nvPr>
+        </p:nvSpPr>
+        <p:spPr/>
+        <p:txBody>
+          <a:bodyPr/>
+          <a:lstStyle/>
+          <a:p>
+            <a:r>
+              <a:rPr lang="en-US" dirty="0"/>
+              <a:t>http://</a:t>
+            </a:r>
+            <a:r>
+              <a:rPr lang="en-US" dirty="0" smtClean="0"/>
+              <a:t>gee.cs.oswego.edu/dl/classes/EDU/oswego/cs/dl/util/concurrent/intro.html	</a:t>
+            </a:r>
+          </a:p>
+          <a:p>
+            <a:r>
+              <a:rPr lang="en-US" dirty="0"/>
+              <a:t>http://</a:t>
+            </a:r>
+            <a:r>
+              <a:rPr lang="en-US" dirty="0" smtClean="0"/>
+              <a:t>en.wikipedia.org/wiki/ColdFusion#Adobe_ColdFusion_8</a:t>
+            </a:r>
+          </a:p>
+          <a:p>
+            <a:r>
+              <a:rPr lang="en-US" dirty="0"/>
+              <a:t>http://</a:t>
+            </a:r>
+            <a:r>
+              <a:rPr lang="en-US" dirty="0" smtClean="0"/>
+              <a:t>en.wikipedia.org/wiki/Java_concurrency</a:t>
+            </a:r>
+          </a:p>
+          <a:p>
+            <a:r>
+              <a:rPr lang="en-US" dirty="0"/>
+              <a:t>http://</a:t>
+            </a:r>
+            <a:r>
+              <a:rPr lang="en-US" dirty="0" smtClean="0"/>
+              <a:t>gee.cs.oswego.edu/dl/concurrency-interest/index.html</a:t>
+            </a:r>
+          </a:p>
+          <a:p>
+            <a:r>
+              <a:rPr lang="en-US" dirty="0"/>
+              <a:t>http://en.wikipedia.org/wiki/Java_version_history</a:t>
+            </a:r>
+          </a:p>
+        </p:txBody>
+      </p:sp>
+      <p:sp>
+        <p:nvSpPr>
+          <p:cNvPr id="3" name="Title 2"/>
+          <p:cNvSpPr>
+            <a:spLocks noGrp="1"/>
+          </p:cNvSpPr>
+          <p:nvPr>
+            <p:ph type="title"/>
+          </p:nvPr>
+        </p:nvSpPr>
+        <p:spPr/>
+        <p:txBody>
+          <a:bodyPr>
+            <a:normAutofit/>
+          </a:bodyPr>
+          <a:lstStyle/>
+          <a:p>
+            <a:r>
+              <a:rPr lang="en-US" dirty="0" smtClean="0"/>
+              <a:t>References</a:t>
+            </a:r>
+            <a:endParaRPr lang="en-US" dirty="0"/>
+          </a:p>
+        </p:txBody>
+      </p:sp>
+    </p:spTree>
+    <p:extLst>
+      <p:ext uri="{BB962C8B-B14F-4D97-AF65-F5344CB8AC3E}">
+        <p14:creationId xmlns:p14="http://schemas.microsoft.com/office/powerpoint/2010/main" val="3842096159"/>
+      </p:ext>
+    </p:extLst>
+  </p:cSld>
+  <p:clrMapOvr>
+    <a:masterClrMapping/>
+  </p:clrMapOvr>
+  <p:timing>
+    <p:tnLst>
+      <p:par>
+        <p:cTn id="1" dur="indefinite" restart="never" nodeType="tmRoot"/>
+      </p:par>
+    </p:tnLst>
+  </p:timing>
+</p:sld>
+</file>
+
+<file path=ppt/slides/slide7.xml><?xml version="1.0" encoding="utf-8"?>
 <p:sld xmlns:a="http://schemas.openxmlformats.org/drawingml/2006/main" xmlns:r="http://schemas.openxmlformats.org/officeDocument/2006/relationships" xmlns:p="http://schemas.openxmlformats.org/presentationml/2006/main" showMasterSp="0">
   <p:cSld>
     <p:bg>
@@ -42321,7 +41749,7 @@
 </p:sld>
 </file>
 
-<file path=ppt/slides/slide9.xml><?xml version="1.0" encoding="utf-8"?>
+<file path=ppt/slides/slide8.xml><?xml version="1.0" encoding="utf-8"?>
 <p:sld xmlns:a="http://schemas.openxmlformats.org/drawingml/2006/main" xmlns:r="http://schemas.openxmlformats.org/officeDocument/2006/relationships" xmlns:p="http://schemas.openxmlformats.org/presentationml/2006/main">
   <p:cSld>
     <p:spTree>
@@ -42400,6 +41828,370 @@
         <p:cTn id="1" dur="indefinite" restart="never" nodeType="tmRoot"/>
       </p:par>
     </p:tnLst>
+  </p:timing>
+</p:sld>
+</file>
+
+<file path=ppt/slides/slide9.xml><?xml version="1.0" encoding="utf-8"?>
+<p:sld xmlns:a="http://schemas.openxmlformats.org/drawingml/2006/main" xmlns:r="http://schemas.openxmlformats.org/officeDocument/2006/relationships" xmlns:p="http://schemas.openxmlformats.org/presentationml/2006/main">
+  <p:cSld>
+    <p:spTree>
+      <p:nvGrpSpPr>
+        <p:cNvPr id="1" name=""/>
+        <p:cNvGrpSpPr/>
+        <p:nvPr/>
+      </p:nvGrpSpPr>
+      <p:grpSpPr>
+        <a:xfrm>
+          <a:off x="0" y="0"/>
+          <a:ext cx="0" cy="0"/>
+          <a:chOff x="0" y="0"/>
+          <a:chExt cx="0" cy="0"/>
+        </a:xfrm>
+      </p:grpSpPr>
+      <p:sp>
+        <p:nvSpPr>
+          <p:cNvPr id="3" name="Title 2"/>
+          <p:cNvSpPr>
+            <a:spLocks noGrp="1"/>
+          </p:cNvSpPr>
+          <p:nvPr>
+            <p:ph type="title"/>
+          </p:nvPr>
+        </p:nvSpPr>
+        <p:spPr/>
+        <p:txBody>
+          <a:bodyPr/>
+          <a:lstStyle/>
+          <a:p>
+            <a:r>
+              <a:rPr lang="en-US" dirty="0" smtClean="0"/>
+              <a:t>1995</a:t>
+            </a:r>
+            <a:endParaRPr lang="en-US" dirty="0"/>
+          </a:p>
+        </p:txBody>
+      </p:sp>
+      <p:sp>
+        <p:nvSpPr>
+          <p:cNvPr id="5" name="Content Placeholder 1"/>
+          <p:cNvSpPr txBox="1">
+            <a:spLocks/>
+          </p:cNvSpPr>
+          <p:nvPr/>
+        </p:nvSpPr>
+        <p:spPr>
+          <a:xfrm>
+            <a:off x="1371600" y="3429000"/>
+            <a:ext cx="6629400" cy="1443566"/>
+          </a:xfrm>
+          <a:prstGeom prst="rect">
+            <a:avLst/>
+          </a:prstGeom>
+        </p:spPr>
+        <p:txBody>
+          <a:bodyPr vert="horz" lIns="91440" tIns="45720" rIns="91440" bIns="45720" rtlCol="0">
+            <a:noAutofit/>
+          </a:bodyPr>
+          <a:lstStyle>
+            <a:lvl1pPr marL="274320" indent="-274320" algn="l" defTabSz="914400" rtl="0" eaLnBrk="1" latinLnBrk="0" hangingPunct="1">
+              <a:spcBef>
+                <a:spcPct val="20000"/>
+              </a:spcBef>
+              <a:buClr>
+                <a:schemeClr val="accent1"/>
+              </a:buClr>
+              <a:buSzPct val="100000"/>
+              <a:buFont typeface="Symbol" pitchFamily="18" charset="2"/>
+              <a:buChar char=""/>
+              <a:defRPr sz="2400" kern="1200">
+                <a:solidFill>
+                  <a:schemeClr val="tx2"/>
+                </a:solidFill>
+                <a:latin typeface="+mn-lt"/>
+                <a:ea typeface="+mn-ea"/>
+                <a:cs typeface="+mn-cs"/>
+              </a:defRPr>
+            </a:lvl1pPr>
+            <a:lvl2pPr marL="576263" indent="-274320" algn="l" defTabSz="914400" rtl="0" eaLnBrk="1" latinLnBrk="0" hangingPunct="1">
+              <a:spcBef>
+                <a:spcPct val="20000"/>
+              </a:spcBef>
+              <a:buClr>
+                <a:schemeClr val="accent1"/>
+              </a:buClr>
+              <a:buSzPct val="100000"/>
+              <a:buFont typeface="Symbol" pitchFamily="18" charset="2"/>
+              <a:buChar char=""/>
+              <a:defRPr sz="2200" kern="1200">
+                <a:solidFill>
+                  <a:schemeClr val="tx2"/>
+                </a:solidFill>
+                <a:latin typeface="+mn-lt"/>
+                <a:ea typeface="+mn-ea"/>
+                <a:cs typeface="+mn-cs"/>
+              </a:defRPr>
+            </a:lvl2pPr>
+            <a:lvl3pPr marL="855663" indent="-228600" algn="l" defTabSz="914400" rtl="0" eaLnBrk="1" latinLnBrk="0" hangingPunct="1">
+              <a:spcBef>
+                <a:spcPct val="20000"/>
+              </a:spcBef>
+              <a:buClr>
+                <a:schemeClr val="accent1"/>
+              </a:buClr>
+              <a:buSzPct val="100000"/>
+              <a:buFont typeface="Symbol" pitchFamily="18" charset="2"/>
+              <a:buChar char=""/>
+              <a:defRPr sz="2000" kern="1200">
+                <a:solidFill>
+                  <a:schemeClr val="tx2"/>
+                </a:solidFill>
+                <a:latin typeface="+mn-lt"/>
+                <a:ea typeface="+mn-ea"/>
+                <a:cs typeface="+mn-cs"/>
+              </a:defRPr>
+            </a:lvl3pPr>
+            <a:lvl4pPr marL="1143000" indent="-228600" algn="l" defTabSz="914400" rtl="0" eaLnBrk="1" latinLnBrk="0" hangingPunct="1">
+              <a:spcBef>
+                <a:spcPct val="20000"/>
+              </a:spcBef>
+              <a:buClr>
+                <a:schemeClr val="accent1"/>
+              </a:buClr>
+              <a:buSzPct val="100000"/>
+              <a:buFont typeface="Symbol" pitchFamily="18" charset="2"/>
+              <a:buChar char=""/>
+              <a:defRPr sz="1800" kern="1200">
+                <a:solidFill>
+                  <a:schemeClr val="tx2"/>
+                </a:solidFill>
+                <a:latin typeface="+mn-lt"/>
+                <a:ea typeface="+mn-ea"/>
+                <a:cs typeface="+mn-cs"/>
+              </a:defRPr>
+            </a:lvl4pPr>
+            <a:lvl5pPr marL="1463040" indent="-228600" algn="l" defTabSz="914400" rtl="0" eaLnBrk="1" latinLnBrk="0" hangingPunct="1">
+              <a:spcBef>
+                <a:spcPct val="20000"/>
+              </a:spcBef>
+              <a:buClr>
+                <a:schemeClr val="accent1"/>
+              </a:buClr>
+              <a:buSzPct val="100000"/>
+              <a:buFont typeface="Symbol" pitchFamily="18" charset="2"/>
+              <a:buChar char=""/>
+              <a:defRPr sz="1600" kern="1200">
+                <a:solidFill>
+                  <a:schemeClr val="tx2"/>
+                </a:solidFill>
+                <a:latin typeface="+mn-lt"/>
+                <a:ea typeface="+mn-ea"/>
+                <a:cs typeface="+mn-cs"/>
+              </a:defRPr>
+            </a:lvl5pPr>
+            <a:lvl6pPr marL="1783080" indent="-228600" algn="l" defTabSz="914400" rtl="0" eaLnBrk="1" latinLnBrk="0" hangingPunct="1">
+              <a:spcBef>
+                <a:spcPts val="384"/>
+              </a:spcBef>
+              <a:buClr>
+                <a:schemeClr val="accent1"/>
+              </a:buClr>
+              <a:buFont typeface="Symbol" pitchFamily="18" charset="2"/>
+              <a:buChar char="*"/>
+              <a:defRPr sz="1400" kern="1200">
+                <a:solidFill>
+                  <a:schemeClr val="tx2"/>
+                </a:solidFill>
+                <a:latin typeface="+mn-lt"/>
+                <a:ea typeface="+mn-ea"/>
+                <a:cs typeface="+mn-cs"/>
+              </a:defRPr>
+            </a:lvl6pPr>
+            <a:lvl7pPr marL="2103120" indent="-228600" algn="l" defTabSz="914400" rtl="0" eaLnBrk="1" latinLnBrk="0" hangingPunct="1">
+              <a:spcBef>
+                <a:spcPts val="384"/>
+              </a:spcBef>
+              <a:buClr>
+                <a:schemeClr val="accent1"/>
+              </a:buClr>
+              <a:buFont typeface="Symbol" pitchFamily="18" charset="2"/>
+              <a:buChar char="*"/>
+              <a:defRPr sz="1400" kern="1200">
+                <a:solidFill>
+                  <a:schemeClr val="tx2"/>
+                </a:solidFill>
+                <a:latin typeface="+mn-lt"/>
+                <a:ea typeface="+mn-ea"/>
+                <a:cs typeface="+mn-cs"/>
+              </a:defRPr>
+            </a:lvl7pPr>
+            <a:lvl8pPr marL="2423160" indent="-228600" algn="l" defTabSz="914400" rtl="0" eaLnBrk="1" latinLnBrk="0" hangingPunct="1">
+              <a:spcBef>
+                <a:spcPts val="384"/>
+              </a:spcBef>
+              <a:buClr>
+                <a:schemeClr val="accent1"/>
+              </a:buClr>
+              <a:buFont typeface="Symbol" pitchFamily="18" charset="2"/>
+              <a:buChar char="*"/>
+              <a:defRPr sz="1400" kern="1200">
+                <a:solidFill>
+                  <a:schemeClr val="tx2"/>
+                </a:solidFill>
+                <a:latin typeface="+mn-lt"/>
+                <a:ea typeface="+mn-ea"/>
+                <a:cs typeface="+mn-cs"/>
+              </a:defRPr>
+            </a:lvl8pPr>
+            <a:lvl9pPr marL="2743200" indent="-228600" algn="l" defTabSz="914400" rtl="0" eaLnBrk="1" latinLnBrk="0" hangingPunct="1">
+              <a:spcBef>
+                <a:spcPts val="384"/>
+              </a:spcBef>
+              <a:buClr>
+                <a:schemeClr val="accent1"/>
+              </a:buClr>
+              <a:buFont typeface="Symbol" pitchFamily="18" charset="2"/>
+              <a:buChar char="*"/>
+              <a:defRPr sz="1400" kern="1200">
+                <a:solidFill>
+                  <a:schemeClr val="tx2"/>
+                </a:solidFill>
+                <a:latin typeface="+mn-lt"/>
+                <a:ea typeface="+mn-ea"/>
+                <a:cs typeface="+mn-cs"/>
+              </a:defRPr>
+            </a:lvl9pPr>
+          </a:lstStyle>
+          <a:p>
+            <a:pPr marL="0" indent="0" algn="ctr">
+              <a:buFont typeface="Symbol" pitchFamily="18" charset="2"/>
+              <a:buNone/>
+            </a:pPr>
+            <a:r>
+              <a:rPr lang="en-US" sz="4400" dirty="0" smtClean="0">
+                <a:solidFill>
+                  <a:srgbClr val="FF0000"/>
+                </a:solidFill>
+                <a:effectLst>
+                  <a:outerShdw blurRad="50800" dist="38100" dir="2700000" algn="tl" rotWithShape="0">
+                    <a:prstClr val="black">
+                      <a:alpha val="40000"/>
+                    </a:prstClr>
+                  </a:outerShdw>
+                </a:effectLst>
+              </a:rPr>
+              <a:t>Cold Fusion 1.0 </a:t>
+            </a:r>
+            <a:endParaRPr lang="en-US" sz="4400" dirty="0">
+              <a:solidFill>
+                <a:srgbClr val="FF0000"/>
+              </a:solidFill>
+              <a:effectLst>
+                <a:outerShdw blurRad="50800" dist="38100" dir="2700000" algn="tl" rotWithShape="0">
+                  <a:prstClr val="black">
+                    <a:alpha val="40000"/>
+                  </a:prstClr>
+                </a:outerShdw>
+              </a:effectLst>
+            </a:endParaRPr>
+          </a:p>
+        </p:txBody>
+      </p:sp>
+    </p:spTree>
+    <p:extLst>
+      <p:ext uri="{BB962C8B-B14F-4D97-AF65-F5344CB8AC3E}">
+        <p14:creationId xmlns:p14="http://schemas.microsoft.com/office/powerpoint/2010/main" val="3810099990"/>
+      </p:ext>
+    </p:extLst>
+  </p:cSld>
+  <p:clrMapOvr>
+    <a:masterClrMapping/>
+  </p:clrMapOvr>
+  <p:timing>
+    <p:tnLst>
+      <p:par>
+        <p:cTn id="1" dur="indefinite" restart="never" nodeType="tmRoot">
+          <p:childTnLst>
+            <p:seq concurrent="1" nextAc="seek">
+              <p:cTn id="2" dur="indefinite" nodeType="mainSeq">
+                <p:childTnLst>
+                  <p:par>
+                    <p:cTn id="3" fill="hold">
+                      <p:stCondLst>
+                        <p:cond delay="indefinite"/>
+                      </p:stCondLst>
+                      <p:childTnLst>
+                        <p:par>
+                          <p:cTn id="4" fill="hold">
+                            <p:stCondLst>
+                              <p:cond delay="0"/>
+                            </p:stCondLst>
+                            <p:childTnLst>
+                              <p:par>
+                                <p:cTn id="5" presetID="21" presetClass="entr" presetSubtype="1" fill="hold" grpId="0" nodeType="clickEffect">
+                                  <p:stCondLst>
+                                    <p:cond delay="0"/>
+                                  </p:stCondLst>
+                                  <p:childTnLst>
+                                    <p:set>
+                                      <p:cBhvr>
+                                        <p:cTn id="6" dur="1" fill="hold">
+                                          <p:stCondLst>
+                                            <p:cond delay="0"/>
+                                          </p:stCondLst>
+                                        </p:cTn>
+                                        <p:tgtEl>
+                                          <p:spTgt spid="5"/>
+                                        </p:tgtEl>
+                                        <p:attrNameLst>
+                                          <p:attrName>style.visibility</p:attrName>
+                                        </p:attrNameLst>
+                                      </p:cBhvr>
+                                      <p:to>
+                                        <p:strVal val="visible"/>
+                                      </p:to>
+                                    </p:set>
+                                    <p:animEffect transition="in" filter="wheel(1)">
+                                      <p:cBhvr>
+                                        <p:cTn id="7" dur="1000"/>
+                                        <p:tgtEl>
+                                          <p:spTgt spid="5"/>
+                                        </p:tgtEl>
+                                      </p:cBhvr>
+                                    </p:animEffect>
+                                  </p:childTnLst>
+                                </p:cTn>
+                              </p:par>
+                            </p:childTnLst>
+                          </p:cTn>
+                        </p:par>
+                      </p:childTnLst>
+                    </p:cTn>
+                  </p:par>
+                </p:childTnLst>
+              </p:cTn>
+              <p:prevCondLst>
+                <p:cond evt="onPrev" delay="0">
+                  <p:tgtEl>
+                    <p:sldTgt/>
+                  </p:tgtEl>
+                </p:cond>
+              </p:prevCondLst>
+              <p:nextCondLst>
+                <p:cond evt="onNext" delay="0">
+                  <p:tgtEl>
+                    <p:sldTgt/>
+                  </p:tgtEl>
+                </p:cond>
+              </p:nextCondLst>
+            </p:seq>
+          </p:childTnLst>
+        </p:cTn>
+      </p:par>
+    </p:tnLst>
+    <p:bldLst>
+      <p:bldP spid="5" grpId="0"/>
+    </p:bldLst>
   </p:timing>
 </p:sld>
 </file>

--- a/CFObjective_2012_Concurrency/preso/concurrency_zen.pptx
+++ b/CFObjective_2012_Concurrency/preso/concurrency_zen.pptx
@@ -5,7 +5,7 @@
     <p:sldMasterId id="2147483660" r:id="rId1"/>
   </p:sldMasterIdLst>
   <p:notesMasterIdLst>
-    <p:notesMasterId r:id="rId66"/>
+    <p:notesMasterId r:id="rId70"/>
   </p:notesMasterIdLst>
   <p:sldIdLst>
     <p:sldId id="256" r:id="rId2"/>
@@ -44,34 +44,38 @@
     <p:sldId id="307" r:id="rId35"/>
     <p:sldId id="324" r:id="rId36"/>
     <p:sldId id="325" r:id="rId37"/>
-    <p:sldId id="323" r:id="rId38"/>
-    <p:sldId id="334" r:id="rId39"/>
-    <p:sldId id="326" r:id="rId40"/>
-    <p:sldId id="335" r:id="rId41"/>
-    <p:sldId id="327" r:id="rId42"/>
-    <p:sldId id="336" r:id="rId43"/>
-    <p:sldId id="337" r:id="rId44"/>
-    <p:sldId id="338" r:id="rId45"/>
-    <p:sldId id="321" r:id="rId46"/>
-    <p:sldId id="328" r:id="rId47"/>
-    <p:sldId id="333" r:id="rId48"/>
-    <p:sldId id="342" r:id="rId49"/>
-    <p:sldId id="343" r:id="rId50"/>
-    <p:sldId id="329" r:id="rId51"/>
-    <p:sldId id="330" r:id="rId52"/>
-    <p:sldId id="331" r:id="rId53"/>
-    <p:sldId id="332" r:id="rId54"/>
-    <p:sldId id="346" r:id="rId55"/>
-    <p:sldId id="348" r:id="rId56"/>
-    <p:sldId id="349" r:id="rId57"/>
-    <p:sldId id="347" r:id="rId58"/>
-    <p:sldId id="278" r:id="rId59"/>
-    <p:sldId id="309" r:id="rId60"/>
-    <p:sldId id="318" r:id="rId61"/>
-    <p:sldId id="339" r:id="rId62"/>
-    <p:sldId id="281" r:id="rId63"/>
-    <p:sldId id="282" r:id="rId64"/>
-    <p:sldId id="290" r:id="rId65"/>
+    <p:sldId id="350" r:id="rId38"/>
+    <p:sldId id="323" r:id="rId39"/>
+    <p:sldId id="334" r:id="rId40"/>
+    <p:sldId id="326" r:id="rId41"/>
+    <p:sldId id="335" r:id="rId42"/>
+    <p:sldId id="327" r:id="rId43"/>
+    <p:sldId id="336" r:id="rId44"/>
+    <p:sldId id="337" r:id="rId45"/>
+    <p:sldId id="338" r:id="rId46"/>
+    <p:sldId id="321" r:id="rId47"/>
+    <p:sldId id="328" r:id="rId48"/>
+    <p:sldId id="333" r:id="rId49"/>
+    <p:sldId id="342" r:id="rId50"/>
+    <p:sldId id="343" r:id="rId51"/>
+    <p:sldId id="329" r:id="rId52"/>
+    <p:sldId id="330" r:id="rId53"/>
+    <p:sldId id="331" r:id="rId54"/>
+    <p:sldId id="332" r:id="rId55"/>
+    <p:sldId id="346" r:id="rId56"/>
+    <p:sldId id="348" r:id="rId57"/>
+    <p:sldId id="349" r:id="rId58"/>
+    <p:sldId id="347" r:id="rId59"/>
+    <p:sldId id="351" r:id="rId60"/>
+    <p:sldId id="309" r:id="rId61"/>
+    <p:sldId id="352" r:id="rId62"/>
+    <p:sldId id="353" r:id="rId63"/>
+    <p:sldId id="318" r:id="rId64"/>
+    <p:sldId id="339" r:id="rId65"/>
+    <p:sldId id="354" r:id="rId66"/>
+    <p:sldId id="355" r:id="rId67"/>
+    <p:sldId id="282" r:id="rId68"/>
+    <p:sldId id="290" r:id="rId69"/>
   </p:sldIdLst>
   <p:sldSz cx="9144000" cy="6858000" type="screen4x3"/>
   <p:notesSz cx="6858000" cy="9144000"/>
@@ -255,7 +259,7 @@
           <a:p>
             <a:fld id="{2B034D88-0871-44C9-8176-DC4F009389D7}" type="datetimeFigureOut">
               <a:rPr lang="en-US" smtClean="0"/>
-              <a:t>4/30/2012</a:t>
+              <a:t>5/2/2012</a:t>
             </a:fld>
             <a:endParaRPr lang="en-US"/>
           </a:p>
@@ -828,7 +832,7 @@
           <a:p>
             <a:fld id="{6C56C9CB-02E9-46E8-8F88-300ACCB0EB4A}" type="slidenum">
               <a:rPr lang="en-US" smtClean="0"/>
-              <a:t>46</a:t>
+              <a:t>47</a:t>
             </a:fld>
             <a:endParaRPr lang="en-US"/>
           </a:p>
@@ -946,7 +950,7 @@
           <a:p>
             <a:fld id="{6C56C9CB-02E9-46E8-8F88-300ACCB0EB4A}" type="slidenum">
               <a:rPr lang="en-US" smtClean="0"/>
-              <a:t>47</a:t>
+              <a:t>48</a:t>
             </a:fld>
             <a:endParaRPr lang="en-US"/>
           </a:p>
@@ -1030,7 +1034,7 @@
           <a:p>
             <a:fld id="{6C56C9CB-02E9-46E8-8F88-300ACCB0EB4A}" type="slidenum">
               <a:rPr lang="en-US" smtClean="0"/>
-              <a:t>48</a:t>
+              <a:t>49</a:t>
             </a:fld>
             <a:endParaRPr lang="en-US"/>
           </a:p>
@@ -1114,7 +1118,7 @@
           <a:p>
             <a:fld id="{6C56C9CB-02E9-46E8-8F88-300ACCB0EB4A}" type="slidenum">
               <a:rPr lang="en-US" smtClean="0"/>
-              <a:t>49</a:t>
+              <a:t>50</a:t>
             </a:fld>
             <a:endParaRPr lang="en-US"/>
           </a:p>
@@ -1198,7 +1202,7 @@
           <a:p>
             <a:fld id="{6C56C9CB-02E9-46E8-8F88-300ACCB0EB4A}" type="slidenum">
               <a:rPr lang="en-US" smtClean="0"/>
-              <a:t>50</a:t>
+              <a:t>51</a:t>
             </a:fld>
             <a:endParaRPr lang="en-US"/>
           </a:p>
@@ -1316,7 +1320,125 @@
           <a:p>
             <a:fld id="{6C56C9CB-02E9-46E8-8F88-300ACCB0EB4A}" type="slidenum">
               <a:rPr lang="en-US" smtClean="0"/>
-              <a:t>54</a:t>
+              <a:t>55</a:t>
+            </a:fld>
+            <a:endParaRPr lang="en-US"/>
+          </a:p>
+        </p:txBody>
+      </p:sp>
+    </p:spTree>
+    <p:extLst>
+      <p:ext uri="{BB962C8B-B14F-4D97-AF65-F5344CB8AC3E}">
+        <p14:creationId xmlns:p14="http://schemas.microsoft.com/office/powerpoint/2010/main" val="1267613892"/>
+      </p:ext>
+    </p:extLst>
+  </p:cSld>
+  <p:clrMapOvr>
+    <a:masterClrMapping/>
+  </p:clrMapOvr>
+</p:notes>
+</file>
+
+<file path=ppt/notesSlides/notesSlide17.xml><?xml version="1.0" encoding="utf-8"?>
+<p:notes xmlns:a="http://schemas.openxmlformats.org/drawingml/2006/main" xmlns:r="http://schemas.openxmlformats.org/officeDocument/2006/relationships" xmlns:p="http://schemas.openxmlformats.org/presentationml/2006/main">
+  <p:cSld>
+    <p:spTree>
+      <p:nvGrpSpPr>
+        <p:cNvPr id="1" name=""/>
+        <p:cNvGrpSpPr/>
+        <p:nvPr/>
+      </p:nvGrpSpPr>
+      <p:grpSpPr>
+        <a:xfrm>
+          <a:off x="0" y="0"/>
+          <a:ext cx="0" cy="0"/>
+          <a:chOff x="0" y="0"/>
+          <a:chExt cx="0" cy="0"/>
+        </a:xfrm>
+      </p:grpSpPr>
+      <p:sp>
+        <p:nvSpPr>
+          <p:cNvPr id="2" name="Slide Image Placeholder 1"/>
+          <p:cNvSpPr>
+            <a:spLocks noGrp="1" noRot="1" noChangeAspect="1"/>
+          </p:cNvSpPr>
+          <p:nvPr>
+            <p:ph type="sldImg"/>
+          </p:nvPr>
+        </p:nvSpPr>
+        <p:spPr/>
+      </p:sp>
+      <p:sp>
+        <p:nvSpPr>
+          <p:cNvPr id="3" name="Notes Placeholder 2"/>
+          <p:cNvSpPr>
+            <a:spLocks noGrp="1"/>
+          </p:cNvSpPr>
+          <p:nvPr>
+            <p:ph type="body" idx="1"/>
+          </p:nvPr>
+        </p:nvSpPr>
+        <p:spPr/>
+        <p:txBody>
+          <a:bodyPr/>
+          <a:lstStyle/>
+          <a:p>
+            <a:r>
+              <a:rPr lang="en-US" dirty="0" smtClean="0"/>
+              <a:t>Originally, I was going to show you how to do all of this with the java objects directly; however, while developing the presentation</a:t>
+            </a:r>
+            <a:r>
+              <a:rPr lang="en-US" baseline="0" dirty="0" smtClean="0"/>
+              <a:t> and all the examples, patterns emerged and it was obvious that a library needed to be written to kind of lube the friction between CF and Java.</a:t>
+            </a:r>
+          </a:p>
+          <a:p>
+            <a:endParaRPr lang="en-US" baseline="0" dirty="0" smtClean="0"/>
+          </a:p>
+          <a:p>
+            <a:r>
+              <a:rPr lang="en-US" baseline="0" dirty="0" smtClean="0"/>
+              <a:t>Very important to know though that it’s not a “wrapper” library… I’m not hiding Java from you… just making it a bit easier to contend with.</a:t>
+            </a:r>
+          </a:p>
+          <a:p>
+            <a:endParaRPr lang="en-US" baseline="0" dirty="0" smtClean="0"/>
+          </a:p>
+          <a:p>
+            <a:r>
+              <a:rPr lang="en-US" baseline="0" dirty="0" smtClean="0"/>
+              <a:t>And if you don’t want to use it but want to work with Java directly, you can either look at </a:t>
+            </a:r>
+            <a:r>
+              <a:rPr lang="en-US" baseline="0" dirty="0" err="1" smtClean="0"/>
+              <a:t>cfconcurrent’s</a:t>
+            </a:r>
+            <a:r>
+              <a:rPr lang="en-US" baseline="0" dirty="0" smtClean="0"/>
+              <a:t> code, or look in the code samples that you can download with this presentation</a:t>
+            </a:r>
+            <a:endParaRPr lang="en-US" dirty="0"/>
+          </a:p>
+        </p:txBody>
+      </p:sp>
+      <p:sp>
+        <p:nvSpPr>
+          <p:cNvPr id="4" name="Slide Number Placeholder 3"/>
+          <p:cNvSpPr>
+            <a:spLocks noGrp="1"/>
+          </p:cNvSpPr>
+          <p:nvPr>
+            <p:ph type="sldNum" sz="quarter" idx="10"/>
+          </p:nvPr>
+        </p:nvSpPr>
+        <p:spPr/>
+        <p:txBody>
+          <a:bodyPr/>
+          <a:lstStyle/>
+          <a:p>
+            <a:fld id="{6C56C9CB-02E9-46E8-8F88-300ACCB0EB4A}" type="slidenum">
+              <a:rPr lang="en-US" smtClean="0"/>
+              <a:t>59</a:t>
             </a:fld>
             <a:endParaRPr lang="en-US"/>
           </a:p>
@@ -4001,7 +4123,7 @@
           <a:p>
             <a:fld id="{791AA3A7-703C-498A-BF23-FBC4F5178255}" type="datetimeFigureOut">
               <a:rPr lang="en-US" smtClean="0"/>
-              <a:t>4/30/2012</a:t>
+              <a:t>5/2/2012</a:t>
             </a:fld>
             <a:endParaRPr lang="en-US"/>
           </a:p>
@@ -4182,7 +4304,7 @@
           <a:p>
             <a:fld id="{791AA3A7-703C-498A-BF23-FBC4F5178255}" type="datetimeFigureOut">
               <a:rPr lang="en-US" smtClean="0"/>
-              <a:t>4/30/2012</a:t>
+              <a:t>5/2/2012</a:t>
             </a:fld>
             <a:endParaRPr lang="en-US"/>
           </a:p>
@@ -4333,7 +4455,7 @@
           <a:p>
             <a:fld id="{791AA3A7-703C-498A-BF23-FBC4F5178255}" type="datetimeFigureOut">
               <a:rPr lang="en-US" smtClean="0"/>
-              <a:t>4/30/2012</a:t>
+              <a:t>5/2/2012</a:t>
             </a:fld>
             <a:endParaRPr lang="en-US"/>
           </a:p>
@@ -6159,7 +6281,7 @@
           <a:p>
             <a:fld id="{791AA3A7-703C-498A-BF23-FBC4F5178255}" type="datetimeFigureOut">
               <a:rPr lang="en-US" smtClean="0"/>
-              <a:t>4/30/2012</a:t>
+              <a:t>5/2/2012</a:t>
             </a:fld>
             <a:endParaRPr lang="en-US"/>
           </a:p>
@@ -8029,7 +8151,7 @@
           <a:p>
             <a:fld id="{791AA3A7-703C-498A-BF23-FBC4F5178255}" type="datetimeFigureOut">
               <a:rPr lang="en-US" smtClean="0"/>
-              <a:t>4/30/2012</a:t>
+              <a:t>5/2/2012</a:t>
             </a:fld>
             <a:endParaRPr lang="en-US"/>
           </a:p>
@@ -8142,7 +8264,7 @@
           <a:p>
             <a:fld id="{791AA3A7-703C-498A-BF23-FBC4F5178255}" type="datetimeFigureOut">
               <a:rPr lang="en-US" smtClean="0"/>
-              <a:t>4/30/2012</a:t>
+              <a:t>5/2/2012</a:t>
             </a:fld>
             <a:endParaRPr lang="en-US"/>
           </a:p>
@@ -8683,7 +8805,7 @@
           <a:p>
             <a:fld id="{791AA3A7-703C-498A-BF23-FBC4F5178255}" type="datetimeFigureOut">
               <a:rPr lang="en-US" smtClean="0"/>
-              <a:t>4/30/2012</a:t>
+              <a:t>5/2/2012</a:t>
             </a:fld>
             <a:endParaRPr lang="en-US"/>
           </a:p>
@@ -8796,7 +8918,7 @@
           <a:p>
             <a:fld id="{791AA3A7-703C-498A-BF23-FBC4F5178255}" type="datetimeFigureOut">
               <a:rPr lang="en-US" smtClean="0"/>
-              <a:t>4/30/2012</a:t>
+              <a:t>5/2/2012</a:t>
             </a:fld>
             <a:endParaRPr lang="en-US"/>
           </a:p>
@@ -10507,7 +10629,7 @@
           <a:p>
             <a:fld id="{791AA3A7-703C-498A-BF23-FBC4F5178255}" type="datetimeFigureOut">
               <a:rPr lang="en-US" smtClean="0"/>
-              <a:t>4/30/2012</a:t>
+              <a:t>5/2/2012</a:t>
             </a:fld>
             <a:endParaRPr lang="en-US"/>
           </a:p>
@@ -10658,7 +10780,7 @@
           <a:p>
             <a:fld id="{791AA3A7-703C-498A-BF23-FBC4F5178255}" type="datetimeFigureOut">
               <a:rPr lang="en-US" smtClean="0"/>
-              <a:t>4/30/2012</a:t>
+              <a:t>5/2/2012</a:t>
             </a:fld>
             <a:endParaRPr lang="en-US"/>
           </a:p>
@@ -14273,7 +14395,7 @@
           <a:p>
             <a:fld id="{791AA3A7-703C-498A-BF23-FBC4F5178255}" type="datetimeFigureOut">
               <a:rPr lang="en-US" smtClean="0"/>
-              <a:t>4/30/2012</a:t>
+              <a:t>5/2/2012</a:t>
             </a:fld>
             <a:endParaRPr lang="en-US"/>
           </a:p>
@@ -16132,7 +16254,7 @@
           <a:p>
             <a:fld id="{791AA3A7-703C-498A-BF23-FBC4F5178255}" type="datetimeFigureOut">
               <a:rPr lang="en-US" smtClean="0"/>
-              <a:t>4/30/2012</a:t>
+              <a:t>5/2/2012</a:t>
             </a:fld>
             <a:endParaRPr lang="en-US"/>
           </a:p>
@@ -28354,13 +28476,13 @@
               </a:ext>
             </a:extLst>
           </a:blip>
-          <a:srcRect b="75360"/>
+          <a:srcRect t="6452" b="81663"/>
           <a:stretch/>
         </p:blipFill>
         <p:spPr bwMode="auto">
           <a:xfrm>
-            <a:off x="664556" y="2838061"/>
-            <a:ext cx="9012844" cy="1276739"/>
+            <a:off x="664556" y="3172408"/>
+            <a:ext cx="9012844" cy="615822"/>
           </a:xfrm>
           <a:prstGeom prst="rect">
             <a:avLst/>
@@ -28462,7 +28584,7 @@
       </p:sp>
       <p:pic>
         <p:nvPicPr>
-          <p:cNvPr id="2050" name="Picture 2"/>
+          <p:cNvPr id="4" name="Picture 2"/>
           <p:cNvPicPr>
             <a:picLocks noChangeAspect="1" noChangeArrowheads="1"/>
           </p:cNvPicPr>
@@ -28476,13 +28598,13 @@
               </a:ext>
             </a:extLst>
           </a:blip>
-          <a:srcRect t="27521"/>
+          <a:srcRect b="76261"/>
           <a:stretch/>
         </p:blipFill>
         <p:spPr bwMode="auto">
           <a:xfrm>
-            <a:off x="207356" y="2873828"/>
-            <a:ext cx="9012844" cy="3755571"/>
+            <a:off x="152400" y="2209800"/>
+            <a:ext cx="9012844" cy="1230085"/>
           </a:xfrm>
           <a:prstGeom prst="rect">
             <a:avLst/>
@@ -28543,6 +28665,331 @@
 </file>
 
 <file path=ppt/slides/slide37.xml><?xml version="1.0" encoding="utf-8"?>
+<p:sld xmlns:a="http://schemas.openxmlformats.org/drawingml/2006/main" xmlns:r="http://schemas.openxmlformats.org/officeDocument/2006/relationships" xmlns:p="http://schemas.openxmlformats.org/presentationml/2006/main">
+  <p:cSld>
+    <p:spTree>
+      <p:nvGrpSpPr>
+        <p:cNvPr id="1" name=""/>
+        <p:cNvGrpSpPr/>
+        <p:nvPr/>
+      </p:nvGrpSpPr>
+      <p:grpSpPr>
+        <a:xfrm>
+          <a:off x="0" y="0"/>
+          <a:ext cx="0" cy="0"/>
+          <a:chOff x="0" y="0"/>
+          <a:chExt cx="0" cy="0"/>
+        </a:xfrm>
+      </p:grpSpPr>
+      <p:sp>
+        <p:nvSpPr>
+          <p:cNvPr id="6" name="Rectangle 5"/>
+          <p:cNvSpPr/>
+          <p:nvPr/>
+        </p:nvSpPr>
+        <p:spPr>
+          <a:xfrm>
+            <a:off x="1676400" y="3901550"/>
+            <a:ext cx="7086600" cy="2956450"/>
+          </a:xfrm>
+          <a:prstGeom prst="rect">
+            <a:avLst/>
+          </a:prstGeom>
+          <a:solidFill>
+            <a:schemeClr val="bg2">
+              <a:lumMod val="75000"/>
+            </a:schemeClr>
+          </a:solidFill>
+        </p:spPr>
+        <p:style>
+          <a:lnRef idx="2">
+            <a:schemeClr val="accent1">
+              <a:shade val="50000"/>
+            </a:schemeClr>
+          </a:lnRef>
+          <a:fillRef idx="1">
+            <a:schemeClr val="accent1"/>
+          </a:fillRef>
+          <a:effectRef idx="0">
+            <a:schemeClr val="accent1"/>
+          </a:effectRef>
+          <a:fontRef idx="minor">
+            <a:schemeClr val="lt1"/>
+          </a:fontRef>
+        </p:style>
+        <p:txBody>
+          <a:bodyPr rtlCol="0" anchor="ctr"/>
+          <a:lstStyle/>
+          <a:p>
+            <a:pPr algn="ctr"/>
+            <a:endParaRPr lang="en-US"/>
+          </a:p>
+        </p:txBody>
+      </p:sp>
+      <p:sp>
+        <p:nvSpPr>
+          <p:cNvPr id="3" name="Title 2"/>
+          <p:cNvSpPr>
+            <a:spLocks noGrp="1"/>
+          </p:cNvSpPr>
+          <p:nvPr>
+            <p:ph type="title"/>
+          </p:nvPr>
+        </p:nvSpPr>
+        <p:spPr/>
+        <p:txBody>
+          <a:bodyPr/>
+          <a:lstStyle/>
+          <a:p>
+            <a:r>
+              <a:rPr lang="en-US" dirty="0" smtClean="0"/>
+              <a:t>Sneak Peak: Executing Tasks</a:t>
+            </a:r>
+            <a:endParaRPr lang="en-US" dirty="0"/>
+          </a:p>
+        </p:txBody>
+      </p:sp>
+      <p:pic>
+        <p:nvPicPr>
+          <p:cNvPr id="4" name="Picture 2"/>
+          <p:cNvPicPr>
+            <a:picLocks noChangeAspect="1" noChangeArrowheads="1"/>
+          </p:cNvPicPr>
+          <p:nvPr/>
+        </p:nvPicPr>
+        <p:blipFill rotWithShape="1">
+          <a:blip r:embed="rId2">
+            <a:extLst>
+              <a:ext uri="{28A0092B-C50C-407E-A947-70E740481C1C}">
+                <a14:useLocalDpi xmlns:a14="http://schemas.microsoft.com/office/drawing/2010/main" val="0"/>
+              </a:ext>
+            </a:extLst>
+          </a:blip>
+          <a:srcRect b="76261"/>
+          <a:stretch/>
+        </p:blipFill>
+        <p:spPr bwMode="auto">
+          <a:xfrm>
+            <a:off x="152400" y="2209800"/>
+            <a:ext cx="9012844" cy="1230085"/>
+          </a:xfrm>
+          <a:prstGeom prst="rect">
+            <a:avLst/>
+          </a:prstGeom>
+          <a:noFill/>
+          <a:ln>
+            <a:noFill/>
+          </a:ln>
+          <a:effectLst/>
+          <a:extLst>
+            <a:ext uri="{909E8E84-426E-40DD-AFC4-6F175D3DCCD1}">
+              <a14:hiddenFill xmlns:a14="http://schemas.microsoft.com/office/drawing/2010/main">
+                <a:solidFill>
+                  <a:schemeClr val="accent1"/>
+                </a:solidFill>
+              </a14:hiddenFill>
+            </a:ext>
+            <a:ext uri="{91240B29-F687-4F45-9708-019B960494DF}">
+              <a14:hiddenLine xmlns:a14="http://schemas.microsoft.com/office/drawing/2010/main" w="9525">
+                <a:solidFill>
+                  <a:schemeClr val="tx1"/>
+                </a:solidFill>
+                <a:miter lim="800000"/>
+                <a:headEnd/>
+                <a:tailEnd/>
+              </a14:hiddenLine>
+            </a:ext>
+            <a:ext uri="{AF507438-7753-43E0-B8FC-AC1667EBCBE1}">
+              <a14:hiddenEffects xmlns:a14="http://schemas.microsoft.com/office/drawing/2010/main">
+                <a:effectLst>
+                  <a:outerShdw dist="35921" dir="2700000" algn="ctr" rotWithShape="0">
+                    <a:schemeClr val="bg2"/>
+                  </a:outerShdw>
+                </a:effectLst>
+              </a14:hiddenEffects>
+            </a:ext>
+          </a:extLst>
+        </p:spPr>
+      </p:pic>
+      <p:pic>
+        <p:nvPicPr>
+          <p:cNvPr id="5" name="Picture 3"/>
+          <p:cNvPicPr>
+            <a:picLocks noChangeAspect="1" noChangeArrowheads="1"/>
+          </p:cNvPicPr>
+          <p:nvPr/>
+        </p:nvPicPr>
+        <p:blipFill rotWithShape="1">
+          <a:blip r:embed="rId3">
+            <a:extLst>
+              <a:ext uri="{28A0092B-C50C-407E-A947-70E740481C1C}">
+                <a14:useLocalDpi xmlns:a14="http://schemas.microsoft.com/office/drawing/2010/main" val="0"/>
+              </a:ext>
+            </a:extLst>
+          </a:blip>
+          <a:srcRect l="9796" t="50000" r="17959" b="4986"/>
+          <a:stretch/>
+        </p:blipFill>
+        <p:spPr bwMode="auto">
+          <a:xfrm>
+            <a:off x="1828800" y="4155560"/>
+            <a:ext cx="6606074" cy="2450513"/>
+          </a:xfrm>
+          <a:prstGeom prst="rect">
+            <a:avLst/>
+          </a:prstGeom>
+          <a:noFill/>
+          <a:ln>
+            <a:noFill/>
+          </a:ln>
+          <a:effectLst/>
+          <a:extLst>
+            <a:ext uri="{909E8E84-426E-40DD-AFC4-6F175D3DCCD1}">
+              <a14:hiddenFill xmlns:a14="http://schemas.microsoft.com/office/drawing/2010/main">
+                <a:solidFill>
+                  <a:schemeClr val="accent1"/>
+                </a:solidFill>
+              </a14:hiddenFill>
+            </a:ext>
+            <a:ext uri="{91240B29-F687-4F45-9708-019B960494DF}">
+              <a14:hiddenLine xmlns:a14="http://schemas.microsoft.com/office/drawing/2010/main" w="9525">
+                <a:solidFill>
+                  <a:schemeClr val="tx1"/>
+                </a:solidFill>
+                <a:miter lim="800000"/>
+                <a:headEnd/>
+                <a:tailEnd/>
+              </a14:hiddenLine>
+            </a:ext>
+            <a:ext uri="{AF507438-7753-43E0-B8FC-AC1667EBCBE1}">
+              <a14:hiddenEffects xmlns:a14="http://schemas.microsoft.com/office/drawing/2010/main">
+                <a:effectLst>
+                  <a:outerShdw dist="35921" dir="2700000" algn="ctr" rotWithShape="0">
+                    <a:schemeClr val="bg2"/>
+                  </a:outerShdw>
+                </a:effectLst>
+              </a14:hiddenEffects>
+            </a:ext>
+          </a:extLst>
+        </p:spPr>
+      </p:pic>
+      <p:sp>
+        <p:nvSpPr>
+          <p:cNvPr id="2" name="TextBox 1"/>
+          <p:cNvSpPr txBox="1"/>
+          <p:nvPr/>
+        </p:nvSpPr>
+        <p:spPr>
+          <a:xfrm>
+            <a:off x="5131837" y="3439885"/>
+            <a:ext cx="3631163" cy="461665"/>
+          </a:xfrm>
+          <a:prstGeom prst="rect">
+            <a:avLst/>
+          </a:prstGeom>
+          <a:noFill/>
+        </p:spPr>
+        <p:txBody>
+          <a:bodyPr wrap="square" rtlCol="0">
+            <a:spAutoFit/>
+          </a:bodyPr>
+          <a:lstStyle/>
+          <a:p>
+            <a:r>
+              <a:rPr lang="en-US" sz="2400" dirty="0" smtClean="0">
+                <a:solidFill>
+                  <a:srgbClr val="FF0000"/>
+                </a:solidFill>
+                <a:effectLst>
+                  <a:outerShdw blurRad="38100" dist="38100" dir="2700000" algn="tl">
+                    <a:srgbClr val="000000">
+                      <a:alpha val="43137"/>
+                    </a:srgbClr>
+                  </a:outerShdw>
+                </a:effectLst>
+              </a:rPr>
+              <a:t>Remember your Task cfc?</a:t>
+            </a:r>
+            <a:endParaRPr lang="en-US" sz="2400" dirty="0">
+              <a:solidFill>
+                <a:srgbClr val="FF0000"/>
+              </a:solidFill>
+              <a:effectLst>
+                <a:outerShdw blurRad="38100" dist="38100" dir="2700000" algn="tl">
+                  <a:srgbClr val="000000">
+                    <a:alpha val="43137"/>
+                  </a:srgbClr>
+                </a:outerShdw>
+              </a:effectLst>
+            </a:endParaRPr>
+          </a:p>
+        </p:txBody>
+      </p:sp>
+      <p:sp>
+        <p:nvSpPr>
+          <p:cNvPr id="7" name="Curved Left Arrow 6"/>
+          <p:cNvSpPr/>
+          <p:nvPr/>
+        </p:nvSpPr>
+        <p:spPr>
+          <a:xfrm rot="10470036">
+            <a:off x="974451" y="3334464"/>
+            <a:ext cx="1143000" cy="2914711"/>
+          </a:xfrm>
+          <a:prstGeom prst="curvedLeftArrow">
+            <a:avLst/>
+          </a:prstGeom>
+        </p:spPr>
+        <p:style>
+          <a:lnRef idx="2">
+            <a:schemeClr val="accent1">
+              <a:shade val="50000"/>
+            </a:schemeClr>
+          </a:lnRef>
+          <a:fillRef idx="1">
+            <a:schemeClr val="accent1"/>
+          </a:fillRef>
+          <a:effectRef idx="0">
+            <a:schemeClr val="accent1"/>
+          </a:effectRef>
+          <a:fontRef idx="minor">
+            <a:schemeClr val="lt1"/>
+          </a:fontRef>
+        </p:style>
+        <p:txBody>
+          <a:bodyPr rtlCol="0" anchor="ctr"/>
+          <a:lstStyle/>
+          <a:p>
+            <a:pPr algn="ctr"/>
+            <a:endParaRPr lang="en-US">
+              <a:solidFill>
+                <a:schemeClr val="tx1"/>
+              </a:solidFill>
+            </a:endParaRPr>
+          </a:p>
+        </p:txBody>
+      </p:sp>
+    </p:spTree>
+    <p:extLst>
+      <p:ext uri="{BB962C8B-B14F-4D97-AF65-F5344CB8AC3E}">
+        <p14:creationId xmlns:p14="http://schemas.microsoft.com/office/powerpoint/2010/main" val="246814742"/>
+      </p:ext>
+    </p:extLst>
+  </p:cSld>
+  <p:clrMapOvr>
+    <a:masterClrMapping/>
+  </p:clrMapOvr>
+  <p:timing>
+    <p:tnLst>
+      <p:par>
+        <p:cTn id="1" dur="indefinite" restart="never" nodeType="tmRoot"/>
+      </p:par>
+    </p:tnLst>
+  </p:timing>
+</p:sld>
+</file>
+
+<file path=ppt/slides/slide38.xml><?xml version="1.0" encoding="utf-8"?>
 <p:sld xmlns:a="http://schemas.openxmlformats.org/drawingml/2006/main" xmlns:r="http://schemas.openxmlformats.org/officeDocument/2006/relationships" xmlns:p="http://schemas.openxmlformats.org/presentationml/2006/main">
   <p:cSld>
     <p:spTree>
@@ -29602,693 +30049,6 @@
 </p:sld>
 </file>
 
-<file path=ppt/slides/slide38.xml><?xml version="1.0" encoding="utf-8"?>
-<p:sld xmlns:a="http://schemas.openxmlformats.org/drawingml/2006/main" xmlns:r="http://schemas.openxmlformats.org/officeDocument/2006/relationships" xmlns:p="http://schemas.openxmlformats.org/presentationml/2006/main">
-  <p:cSld>
-    <p:spTree>
-      <p:nvGrpSpPr>
-        <p:cNvPr id="1" name=""/>
-        <p:cNvGrpSpPr/>
-        <p:nvPr/>
-      </p:nvGrpSpPr>
-      <p:grpSpPr>
-        <a:xfrm>
-          <a:off x="0" y="0"/>
-          <a:ext cx="0" cy="0"/>
-          <a:chOff x="0" y="0"/>
-          <a:chExt cx="0" cy="0"/>
-        </a:xfrm>
-      </p:grpSpPr>
-      <p:sp>
-        <p:nvSpPr>
-          <p:cNvPr id="3" name="Title 2"/>
-          <p:cNvSpPr>
-            <a:spLocks noGrp="1"/>
-          </p:cNvSpPr>
-          <p:nvPr>
-            <p:ph type="title"/>
-          </p:nvPr>
-        </p:nvSpPr>
-        <p:spPr/>
-        <p:txBody>
-          <a:bodyPr/>
-          <a:lstStyle/>
-          <a:p>
-            <a:r>
-              <a:rPr lang="en-US" dirty="0" smtClean="0"/>
-              <a:t>Different Types of “Executors”</a:t>
-            </a:r>
-            <a:endParaRPr lang="en-US" dirty="0"/>
-          </a:p>
-        </p:txBody>
-      </p:sp>
-      <p:sp>
-        <p:nvSpPr>
-          <p:cNvPr id="4" name="Content Placeholder 1"/>
-          <p:cNvSpPr txBox="1">
-            <a:spLocks/>
-          </p:cNvSpPr>
-          <p:nvPr/>
-        </p:nvSpPr>
-        <p:spPr>
-          <a:xfrm>
-            <a:off x="533400" y="2438400"/>
-            <a:ext cx="8001000" cy="1214966"/>
-          </a:xfrm>
-          <a:prstGeom prst="rect">
-            <a:avLst/>
-          </a:prstGeom>
-        </p:spPr>
-        <p:txBody>
-          <a:bodyPr vert="horz" lIns="91440" tIns="45720" rIns="91440" bIns="45720" rtlCol="0">
-            <a:noAutofit/>
-          </a:bodyPr>
-          <a:lstStyle>
-            <a:lvl1pPr marL="274320" indent="-274320" algn="l" defTabSz="914400" rtl="0" eaLnBrk="1" latinLnBrk="0" hangingPunct="1">
-              <a:spcBef>
-                <a:spcPct val="20000"/>
-              </a:spcBef>
-              <a:buClr>
-                <a:schemeClr val="accent1"/>
-              </a:buClr>
-              <a:buSzPct val="100000"/>
-              <a:buFont typeface="Symbol" pitchFamily="18" charset="2"/>
-              <a:buChar char=""/>
-              <a:defRPr sz="2400" kern="1200">
-                <a:solidFill>
-                  <a:schemeClr val="tx2"/>
-                </a:solidFill>
-                <a:latin typeface="+mn-lt"/>
-                <a:ea typeface="+mn-ea"/>
-                <a:cs typeface="+mn-cs"/>
-              </a:defRPr>
-            </a:lvl1pPr>
-            <a:lvl2pPr marL="576263" indent="-274320" algn="l" defTabSz="914400" rtl="0" eaLnBrk="1" latinLnBrk="0" hangingPunct="1">
-              <a:spcBef>
-                <a:spcPct val="20000"/>
-              </a:spcBef>
-              <a:buClr>
-                <a:schemeClr val="accent1"/>
-              </a:buClr>
-              <a:buSzPct val="100000"/>
-              <a:buFont typeface="Symbol" pitchFamily="18" charset="2"/>
-              <a:buChar char=""/>
-              <a:defRPr sz="2200" kern="1200">
-                <a:solidFill>
-                  <a:schemeClr val="tx2"/>
-                </a:solidFill>
-                <a:latin typeface="+mn-lt"/>
-                <a:ea typeface="+mn-ea"/>
-                <a:cs typeface="+mn-cs"/>
-              </a:defRPr>
-            </a:lvl2pPr>
-            <a:lvl3pPr marL="855663" indent="-228600" algn="l" defTabSz="914400" rtl="0" eaLnBrk="1" latinLnBrk="0" hangingPunct="1">
-              <a:spcBef>
-                <a:spcPct val="20000"/>
-              </a:spcBef>
-              <a:buClr>
-                <a:schemeClr val="accent1"/>
-              </a:buClr>
-              <a:buSzPct val="100000"/>
-              <a:buFont typeface="Symbol" pitchFamily="18" charset="2"/>
-              <a:buChar char=""/>
-              <a:defRPr sz="2000" kern="1200">
-                <a:solidFill>
-                  <a:schemeClr val="tx2"/>
-                </a:solidFill>
-                <a:latin typeface="+mn-lt"/>
-                <a:ea typeface="+mn-ea"/>
-                <a:cs typeface="+mn-cs"/>
-              </a:defRPr>
-            </a:lvl3pPr>
-            <a:lvl4pPr marL="1143000" indent="-228600" algn="l" defTabSz="914400" rtl="0" eaLnBrk="1" latinLnBrk="0" hangingPunct="1">
-              <a:spcBef>
-                <a:spcPct val="20000"/>
-              </a:spcBef>
-              <a:buClr>
-                <a:schemeClr val="accent1"/>
-              </a:buClr>
-              <a:buSzPct val="100000"/>
-              <a:buFont typeface="Symbol" pitchFamily="18" charset="2"/>
-              <a:buChar char=""/>
-              <a:defRPr sz="1800" kern="1200">
-                <a:solidFill>
-                  <a:schemeClr val="tx2"/>
-                </a:solidFill>
-                <a:latin typeface="+mn-lt"/>
-                <a:ea typeface="+mn-ea"/>
-                <a:cs typeface="+mn-cs"/>
-              </a:defRPr>
-            </a:lvl4pPr>
-            <a:lvl5pPr marL="1463040" indent="-228600" algn="l" defTabSz="914400" rtl="0" eaLnBrk="1" latinLnBrk="0" hangingPunct="1">
-              <a:spcBef>
-                <a:spcPct val="20000"/>
-              </a:spcBef>
-              <a:buClr>
-                <a:schemeClr val="accent1"/>
-              </a:buClr>
-              <a:buSzPct val="100000"/>
-              <a:buFont typeface="Symbol" pitchFamily="18" charset="2"/>
-              <a:buChar char=""/>
-              <a:defRPr sz="1600" kern="1200">
-                <a:solidFill>
-                  <a:schemeClr val="tx2"/>
-                </a:solidFill>
-                <a:latin typeface="+mn-lt"/>
-                <a:ea typeface="+mn-ea"/>
-                <a:cs typeface="+mn-cs"/>
-              </a:defRPr>
-            </a:lvl5pPr>
-            <a:lvl6pPr marL="1783080" indent="-228600" algn="l" defTabSz="914400" rtl="0" eaLnBrk="1" latinLnBrk="0" hangingPunct="1">
-              <a:spcBef>
-                <a:spcPts val="384"/>
-              </a:spcBef>
-              <a:buClr>
-                <a:schemeClr val="accent1"/>
-              </a:buClr>
-              <a:buFont typeface="Symbol" pitchFamily="18" charset="2"/>
-              <a:buChar char="*"/>
-              <a:defRPr sz="1400" kern="1200">
-                <a:solidFill>
-                  <a:schemeClr val="tx2"/>
-                </a:solidFill>
-                <a:latin typeface="+mn-lt"/>
-                <a:ea typeface="+mn-ea"/>
-                <a:cs typeface="+mn-cs"/>
-              </a:defRPr>
-            </a:lvl6pPr>
-            <a:lvl7pPr marL="2103120" indent="-228600" algn="l" defTabSz="914400" rtl="0" eaLnBrk="1" latinLnBrk="0" hangingPunct="1">
-              <a:spcBef>
-                <a:spcPts val="384"/>
-              </a:spcBef>
-              <a:buClr>
-                <a:schemeClr val="accent1"/>
-              </a:buClr>
-              <a:buFont typeface="Symbol" pitchFamily="18" charset="2"/>
-              <a:buChar char="*"/>
-              <a:defRPr sz="1400" kern="1200">
-                <a:solidFill>
-                  <a:schemeClr val="tx2"/>
-                </a:solidFill>
-                <a:latin typeface="+mn-lt"/>
-                <a:ea typeface="+mn-ea"/>
-                <a:cs typeface="+mn-cs"/>
-              </a:defRPr>
-            </a:lvl7pPr>
-            <a:lvl8pPr marL="2423160" indent="-228600" algn="l" defTabSz="914400" rtl="0" eaLnBrk="1" latinLnBrk="0" hangingPunct="1">
-              <a:spcBef>
-                <a:spcPts val="384"/>
-              </a:spcBef>
-              <a:buClr>
-                <a:schemeClr val="accent1"/>
-              </a:buClr>
-              <a:buFont typeface="Symbol" pitchFamily="18" charset="2"/>
-              <a:buChar char="*"/>
-              <a:defRPr sz="1400" kern="1200">
-                <a:solidFill>
-                  <a:schemeClr val="tx2"/>
-                </a:solidFill>
-                <a:latin typeface="+mn-lt"/>
-                <a:ea typeface="+mn-ea"/>
-                <a:cs typeface="+mn-cs"/>
-              </a:defRPr>
-            </a:lvl8pPr>
-            <a:lvl9pPr marL="2743200" indent="-228600" algn="l" defTabSz="914400" rtl="0" eaLnBrk="1" latinLnBrk="0" hangingPunct="1">
-              <a:spcBef>
-                <a:spcPts val="384"/>
-              </a:spcBef>
-              <a:buClr>
-                <a:schemeClr val="accent1"/>
-              </a:buClr>
-              <a:buFont typeface="Symbol" pitchFamily="18" charset="2"/>
-              <a:buChar char="*"/>
-              <a:defRPr sz="1400" kern="1200">
-                <a:solidFill>
-                  <a:schemeClr val="tx2"/>
-                </a:solidFill>
-                <a:latin typeface="+mn-lt"/>
-                <a:ea typeface="+mn-ea"/>
-                <a:cs typeface="+mn-cs"/>
-              </a:defRPr>
-            </a:lvl9pPr>
-          </a:lstStyle>
-          <a:p>
-            <a:pPr marL="0" indent="0">
-              <a:buFont typeface="Symbol" pitchFamily="18" charset="2"/>
-              <a:buNone/>
-            </a:pPr>
-            <a:r>
-              <a:rPr lang="en-US" sz="4400" dirty="0" smtClean="0">
-                <a:solidFill>
-                  <a:srgbClr val="002060"/>
-                </a:solidFill>
-                <a:effectLst>
-                  <a:outerShdw blurRad="50800" dist="38100" dir="2700000" algn="tl" rotWithShape="0">
-                    <a:prstClr val="black">
-                      <a:alpha val="40000"/>
-                    </a:prstClr>
-                  </a:outerShdw>
-                </a:effectLst>
-              </a:rPr>
-              <a:t>“</a:t>
-            </a:r>
-            <a:r>
-              <a:rPr lang="en-US" sz="4400" dirty="0" err="1" smtClean="0">
-                <a:solidFill>
-                  <a:srgbClr val="002060"/>
-                </a:solidFill>
-                <a:effectLst>
-                  <a:outerShdw blurRad="50800" dist="38100" dir="2700000" algn="tl" rotWithShape="0">
-                    <a:prstClr val="black">
-                      <a:alpha val="40000"/>
-                    </a:prstClr>
-                  </a:outerShdw>
-                </a:effectLst>
-              </a:rPr>
-              <a:t>ExecutorService</a:t>
-            </a:r>
-            <a:r>
-              <a:rPr lang="en-US" sz="4400" dirty="0" smtClean="0">
-                <a:solidFill>
-                  <a:srgbClr val="002060"/>
-                </a:solidFill>
-                <a:effectLst>
-                  <a:outerShdw blurRad="50800" dist="38100" dir="2700000" algn="tl" rotWithShape="0">
-                    <a:prstClr val="black">
-                      <a:alpha val="40000"/>
-                    </a:prstClr>
-                  </a:outerShdw>
-                </a:effectLst>
-              </a:rPr>
-              <a:t>”</a:t>
-            </a:r>
-          </a:p>
-        </p:txBody>
-      </p:sp>
-      <p:sp>
-        <p:nvSpPr>
-          <p:cNvPr id="5" name="Content Placeholder 1"/>
-          <p:cNvSpPr txBox="1">
-            <a:spLocks/>
-          </p:cNvSpPr>
-          <p:nvPr/>
-        </p:nvSpPr>
-        <p:spPr>
-          <a:xfrm>
-            <a:off x="1371600" y="3733800"/>
-            <a:ext cx="6629400" cy="1443566"/>
-          </a:xfrm>
-          <a:prstGeom prst="rect">
-            <a:avLst/>
-          </a:prstGeom>
-        </p:spPr>
-        <p:txBody>
-          <a:bodyPr vert="horz" lIns="91440" tIns="45720" rIns="91440" bIns="45720" rtlCol="0">
-            <a:noAutofit/>
-          </a:bodyPr>
-          <a:lstStyle>
-            <a:lvl1pPr marL="274320" indent="-274320" algn="l" defTabSz="914400" rtl="0" eaLnBrk="1" latinLnBrk="0" hangingPunct="1">
-              <a:spcBef>
-                <a:spcPct val="20000"/>
-              </a:spcBef>
-              <a:buClr>
-                <a:schemeClr val="accent1"/>
-              </a:buClr>
-              <a:buSzPct val="100000"/>
-              <a:buFont typeface="Symbol" pitchFamily="18" charset="2"/>
-              <a:buChar char=""/>
-              <a:defRPr sz="2400" kern="1200">
-                <a:solidFill>
-                  <a:schemeClr val="tx2"/>
-                </a:solidFill>
-                <a:latin typeface="+mn-lt"/>
-                <a:ea typeface="+mn-ea"/>
-                <a:cs typeface="+mn-cs"/>
-              </a:defRPr>
-            </a:lvl1pPr>
-            <a:lvl2pPr marL="576263" indent="-274320" algn="l" defTabSz="914400" rtl="0" eaLnBrk="1" latinLnBrk="0" hangingPunct="1">
-              <a:spcBef>
-                <a:spcPct val="20000"/>
-              </a:spcBef>
-              <a:buClr>
-                <a:schemeClr val="accent1"/>
-              </a:buClr>
-              <a:buSzPct val="100000"/>
-              <a:buFont typeface="Symbol" pitchFamily="18" charset="2"/>
-              <a:buChar char=""/>
-              <a:defRPr sz="2200" kern="1200">
-                <a:solidFill>
-                  <a:schemeClr val="tx2"/>
-                </a:solidFill>
-                <a:latin typeface="+mn-lt"/>
-                <a:ea typeface="+mn-ea"/>
-                <a:cs typeface="+mn-cs"/>
-              </a:defRPr>
-            </a:lvl2pPr>
-            <a:lvl3pPr marL="855663" indent="-228600" algn="l" defTabSz="914400" rtl="0" eaLnBrk="1" latinLnBrk="0" hangingPunct="1">
-              <a:spcBef>
-                <a:spcPct val="20000"/>
-              </a:spcBef>
-              <a:buClr>
-                <a:schemeClr val="accent1"/>
-              </a:buClr>
-              <a:buSzPct val="100000"/>
-              <a:buFont typeface="Symbol" pitchFamily="18" charset="2"/>
-              <a:buChar char=""/>
-              <a:defRPr sz="2000" kern="1200">
-                <a:solidFill>
-                  <a:schemeClr val="tx2"/>
-                </a:solidFill>
-                <a:latin typeface="+mn-lt"/>
-                <a:ea typeface="+mn-ea"/>
-                <a:cs typeface="+mn-cs"/>
-              </a:defRPr>
-            </a:lvl3pPr>
-            <a:lvl4pPr marL="1143000" indent="-228600" algn="l" defTabSz="914400" rtl="0" eaLnBrk="1" latinLnBrk="0" hangingPunct="1">
-              <a:spcBef>
-                <a:spcPct val="20000"/>
-              </a:spcBef>
-              <a:buClr>
-                <a:schemeClr val="accent1"/>
-              </a:buClr>
-              <a:buSzPct val="100000"/>
-              <a:buFont typeface="Symbol" pitchFamily="18" charset="2"/>
-              <a:buChar char=""/>
-              <a:defRPr sz="1800" kern="1200">
-                <a:solidFill>
-                  <a:schemeClr val="tx2"/>
-                </a:solidFill>
-                <a:latin typeface="+mn-lt"/>
-                <a:ea typeface="+mn-ea"/>
-                <a:cs typeface="+mn-cs"/>
-              </a:defRPr>
-            </a:lvl4pPr>
-            <a:lvl5pPr marL="1463040" indent="-228600" algn="l" defTabSz="914400" rtl="0" eaLnBrk="1" latinLnBrk="0" hangingPunct="1">
-              <a:spcBef>
-                <a:spcPct val="20000"/>
-              </a:spcBef>
-              <a:buClr>
-                <a:schemeClr val="accent1"/>
-              </a:buClr>
-              <a:buSzPct val="100000"/>
-              <a:buFont typeface="Symbol" pitchFamily="18" charset="2"/>
-              <a:buChar char=""/>
-              <a:defRPr sz="1600" kern="1200">
-                <a:solidFill>
-                  <a:schemeClr val="tx2"/>
-                </a:solidFill>
-                <a:latin typeface="+mn-lt"/>
-                <a:ea typeface="+mn-ea"/>
-                <a:cs typeface="+mn-cs"/>
-              </a:defRPr>
-            </a:lvl5pPr>
-            <a:lvl6pPr marL="1783080" indent="-228600" algn="l" defTabSz="914400" rtl="0" eaLnBrk="1" latinLnBrk="0" hangingPunct="1">
-              <a:spcBef>
-                <a:spcPts val="384"/>
-              </a:spcBef>
-              <a:buClr>
-                <a:schemeClr val="accent1"/>
-              </a:buClr>
-              <a:buFont typeface="Symbol" pitchFamily="18" charset="2"/>
-              <a:buChar char="*"/>
-              <a:defRPr sz="1400" kern="1200">
-                <a:solidFill>
-                  <a:schemeClr val="tx2"/>
-                </a:solidFill>
-                <a:latin typeface="+mn-lt"/>
-                <a:ea typeface="+mn-ea"/>
-                <a:cs typeface="+mn-cs"/>
-              </a:defRPr>
-            </a:lvl6pPr>
-            <a:lvl7pPr marL="2103120" indent="-228600" algn="l" defTabSz="914400" rtl="0" eaLnBrk="1" latinLnBrk="0" hangingPunct="1">
-              <a:spcBef>
-                <a:spcPts val="384"/>
-              </a:spcBef>
-              <a:buClr>
-                <a:schemeClr val="accent1"/>
-              </a:buClr>
-              <a:buFont typeface="Symbol" pitchFamily="18" charset="2"/>
-              <a:buChar char="*"/>
-              <a:defRPr sz="1400" kern="1200">
-                <a:solidFill>
-                  <a:schemeClr val="tx2"/>
-                </a:solidFill>
-                <a:latin typeface="+mn-lt"/>
-                <a:ea typeface="+mn-ea"/>
-                <a:cs typeface="+mn-cs"/>
-              </a:defRPr>
-            </a:lvl7pPr>
-            <a:lvl8pPr marL="2423160" indent="-228600" algn="l" defTabSz="914400" rtl="0" eaLnBrk="1" latinLnBrk="0" hangingPunct="1">
-              <a:spcBef>
-                <a:spcPts val="384"/>
-              </a:spcBef>
-              <a:buClr>
-                <a:schemeClr val="accent1"/>
-              </a:buClr>
-              <a:buFont typeface="Symbol" pitchFamily="18" charset="2"/>
-              <a:buChar char="*"/>
-              <a:defRPr sz="1400" kern="1200">
-                <a:solidFill>
-                  <a:schemeClr val="tx2"/>
-                </a:solidFill>
-                <a:latin typeface="+mn-lt"/>
-                <a:ea typeface="+mn-ea"/>
-                <a:cs typeface="+mn-cs"/>
-              </a:defRPr>
-            </a:lvl8pPr>
-            <a:lvl9pPr marL="2743200" indent="-228600" algn="l" defTabSz="914400" rtl="0" eaLnBrk="1" latinLnBrk="0" hangingPunct="1">
-              <a:spcBef>
-                <a:spcPts val="384"/>
-              </a:spcBef>
-              <a:buClr>
-                <a:schemeClr val="accent1"/>
-              </a:buClr>
-              <a:buFont typeface="Symbol" pitchFamily="18" charset="2"/>
-              <a:buChar char="*"/>
-              <a:defRPr sz="1400" kern="1200">
-                <a:solidFill>
-                  <a:schemeClr val="tx2"/>
-                </a:solidFill>
-                <a:latin typeface="+mn-lt"/>
-                <a:ea typeface="+mn-ea"/>
-                <a:cs typeface="+mn-cs"/>
-              </a:defRPr>
-            </a:lvl9pPr>
-          </a:lstStyle>
-          <a:p>
-            <a:pPr marL="0" indent="0" algn="ctr">
-              <a:buFont typeface="Symbol" pitchFamily="18" charset="2"/>
-              <a:buNone/>
-            </a:pPr>
-            <a:r>
-              <a:rPr lang="en-US" sz="4400" dirty="0" smtClean="0">
-                <a:solidFill>
-                  <a:srgbClr val="FF0000"/>
-                </a:solidFill>
-                <a:effectLst>
-                  <a:outerShdw blurRad="50800" dist="38100" dir="2700000" algn="tl" rotWithShape="0">
-                    <a:prstClr val="black">
-                      <a:alpha val="40000"/>
-                    </a:prstClr>
-                  </a:outerShdw>
-                </a:effectLst>
-              </a:rPr>
-              <a:t>Run 1 or more tasks</a:t>
-            </a:r>
-            <a:endParaRPr lang="en-US" sz="4400" dirty="0">
-              <a:solidFill>
-                <a:srgbClr val="FF0000"/>
-              </a:solidFill>
-              <a:effectLst>
-                <a:outerShdw blurRad="50800" dist="38100" dir="2700000" algn="tl" rotWithShape="0">
-                  <a:prstClr val="black">
-                    <a:alpha val="40000"/>
-                  </a:prstClr>
-                </a:outerShdw>
-              </a:effectLst>
-            </a:endParaRPr>
-          </a:p>
-          <a:p>
-            <a:pPr marL="0" indent="0" algn="ctr">
-              <a:buFont typeface="Symbol" pitchFamily="18" charset="2"/>
-              <a:buNone/>
-            </a:pPr>
-            <a:r>
-              <a:rPr lang="en-US" sz="4400" dirty="0" smtClean="0">
-                <a:solidFill>
-                  <a:srgbClr val="FF0000"/>
-                </a:solidFill>
-                <a:effectLst>
-                  <a:outerShdw blurRad="50800" dist="38100" dir="2700000" algn="tl" rotWithShape="0">
-                    <a:prstClr val="black">
-                      <a:alpha val="40000"/>
-                    </a:prstClr>
-                  </a:outerShdw>
-                </a:effectLst>
-              </a:rPr>
-              <a:t>Fire-and-forget</a:t>
-            </a:r>
-          </a:p>
-          <a:p>
-            <a:pPr marL="0" indent="0" algn="ctr">
-              <a:buFont typeface="Symbol" pitchFamily="18" charset="2"/>
-              <a:buNone/>
-            </a:pPr>
-            <a:r>
-              <a:rPr lang="en-US" sz="4400" dirty="0" smtClean="0">
-                <a:solidFill>
-                  <a:srgbClr val="FF0000"/>
-                </a:solidFill>
-                <a:effectLst>
-                  <a:outerShdw blurRad="50800" dist="38100" dir="2700000" algn="tl" rotWithShape="0">
-                    <a:prstClr val="black">
-                      <a:alpha val="40000"/>
-                    </a:prstClr>
-                  </a:outerShdw>
-                </a:effectLst>
-              </a:rPr>
-              <a:t>Fire-and-wait</a:t>
-            </a:r>
-          </a:p>
-        </p:txBody>
-      </p:sp>
-    </p:spTree>
-    <p:extLst>
-      <p:ext uri="{BB962C8B-B14F-4D97-AF65-F5344CB8AC3E}">
-        <p14:creationId xmlns:p14="http://schemas.microsoft.com/office/powerpoint/2010/main" val="1354502521"/>
-      </p:ext>
-    </p:extLst>
-  </p:cSld>
-  <p:clrMapOvr>
-    <a:masterClrMapping/>
-  </p:clrMapOvr>
-  <p:timing>
-    <p:tnLst>
-      <p:par>
-        <p:cTn id="1" dur="indefinite" restart="never" nodeType="tmRoot">
-          <p:childTnLst>
-            <p:seq concurrent="1" nextAc="seek">
-              <p:cTn id="2" dur="indefinite" nodeType="mainSeq">
-                <p:childTnLst>
-                  <p:par>
-                    <p:cTn id="3" fill="hold">
-                      <p:stCondLst>
-                        <p:cond delay="indefinite"/>
-                      </p:stCondLst>
-                      <p:childTnLst>
-                        <p:par>
-                          <p:cTn id="4" fill="hold">
-                            <p:stCondLst>
-                              <p:cond delay="0"/>
-                            </p:stCondLst>
-                            <p:childTnLst>
-                              <p:par>
-                                <p:cTn id="5" presetID="2" presetClass="entr" presetSubtype="4" fill="hold" grpId="0" nodeType="clickEffect">
-                                  <p:stCondLst>
-                                    <p:cond delay="0"/>
-                                  </p:stCondLst>
-                                  <p:childTnLst>
-                                    <p:set>
-                                      <p:cBhvr>
-                                        <p:cTn id="6" dur="1" fill="hold">
-                                          <p:stCondLst>
-                                            <p:cond delay="0"/>
-                                          </p:stCondLst>
-                                        </p:cTn>
-                                        <p:tgtEl>
-                                          <p:spTgt spid="5"/>
-                                        </p:tgtEl>
-                                        <p:attrNameLst>
-                                          <p:attrName>style.visibility</p:attrName>
-                                        </p:attrNameLst>
-                                      </p:cBhvr>
-                                      <p:to>
-                                        <p:strVal val="visible"/>
-                                      </p:to>
-                                    </p:set>
-                                    <p:anim calcmode="lin" valueType="num">
-                                      <p:cBhvr additive="base">
-                                        <p:cTn id="7" dur="500" fill="hold"/>
-                                        <p:tgtEl>
-                                          <p:spTgt spid="5"/>
-                                        </p:tgtEl>
-                                        <p:attrNameLst>
-                                          <p:attrName>ppt_x</p:attrName>
-                                        </p:attrNameLst>
-                                      </p:cBhvr>
-                                      <p:tavLst>
-                                        <p:tav tm="0">
-                                          <p:val>
-                                            <p:strVal val="#ppt_x"/>
-                                          </p:val>
-                                        </p:tav>
-                                        <p:tav tm="100000">
-                                          <p:val>
-                                            <p:strVal val="#ppt_x"/>
-                                          </p:val>
-                                        </p:tav>
-                                      </p:tavLst>
-                                    </p:anim>
-                                    <p:anim calcmode="lin" valueType="num">
-                                      <p:cBhvr additive="base">
-                                        <p:cTn id="8" dur="500" fill="hold"/>
-                                        <p:tgtEl>
-                                          <p:spTgt spid="5"/>
-                                        </p:tgtEl>
-                                        <p:attrNameLst>
-                                          <p:attrName>ppt_y</p:attrName>
-                                        </p:attrNameLst>
-                                      </p:cBhvr>
-                                      <p:tavLst>
-                                        <p:tav tm="0">
-                                          <p:val>
-                                            <p:strVal val="1+#ppt_h/2"/>
-                                          </p:val>
-                                        </p:tav>
-                                        <p:tav tm="100000">
-                                          <p:val>
-                                            <p:strVal val="#ppt_y"/>
-                                          </p:val>
-                                        </p:tav>
-                                      </p:tavLst>
-                                    </p:anim>
-                                  </p:childTnLst>
-                                </p:cTn>
-                              </p:par>
-                            </p:childTnLst>
-                          </p:cTn>
-                        </p:par>
-                      </p:childTnLst>
-                    </p:cTn>
-                  </p:par>
-                </p:childTnLst>
-              </p:cTn>
-              <p:prevCondLst>
-                <p:cond evt="onPrev" delay="0">
-                  <p:tgtEl>
-                    <p:sldTgt/>
-                  </p:tgtEl>
-                </p:cond>
-              </p:prevCondLst>
-              <p:nextCondLst>
-                <p:cond evt="onNext" delay="0">
-                  <p:tgtEl>
-                    <p:sldTgt/>
-                  </p:tgtEl>
-                </p:cond>
-              </p:nextCondLst>
-            </p:seq>
-          </p:childTnLst>
-        </p:cTn>
-      </p:par>
-    </p:tnLst>
-    <p:bldLst>
-      <p:bldP spid="5" grpId="0"/>
-    </p:bldLst>
-  </p:timing>
-</p:sld>
-</file>
-
 <file path=ppt/slides/slide39.xml><?xml version="1.0" encoding="utf-8"?>
 <p:sld xmlns:a="http://schemas.openxmlformats.org/drawingml/2006/main" xmlns:r="http://schemas.openxmlformats.org/officeDocument/2006/relationships" xmlns:p="http://schemas.openxmlformats.org/presentationml/2006/main">
   <p:cSld>
@@ -30525,7 +30285,7 @@
               <a:buNone/>
             </a:pPr>
             <a:r>
-              <a:rPr lang="en-US" sz="4000" dirty="0" smtClean="0">
+              <a:rPr lang="en-US" sz="4400" dirty="0" smtClean="0">
                 <a:solidFill>
                   <a:srgbClr val="002060"/>
                 </a:solidFill>
@@ -30540,7 +30300,7 @@
               <a:t>“</a:t>
             </a:r>
             <a:r>
-              <a:rPr lang="en-US" sz="4000" dirty="0" err="1" smtClean="0">
+              <a:rPr lang="en-US" sz="4400" dirty="0" err="1" smtClean="0">
                 <a:solidFill>
                   <a:srgbClr val="002060"/>
                 </a:solidFill>
@@ -30552,10 +30312,10 @@
                   </a:outerShdw>
                 </a:effectLst>
               </a:rPr>
-              <a:t>ScheduledThreadPoolExecutor</a:t>
-            </a:r>
-            <a:r>
-              <a:rPr lang="en-US" sz="4000" dirty="0" smtClean="0">
+              <a:t>ExecutorService</a:t>
+            </a:r>
+            <a:r>
+              <a:rPr lang="en-US" sz="4400" dirty="0" smtClean="0">
                 <a:solidFill>
                   <a:srgbClr val="002060"/>
                 </a:solidFill>
@@ -30582,8 +30342,8 @@
         </p:nvSpPr>
         <p:spPr>
           <a:xfrm>
-            <a:off x="381000" y="3733800"/>
-            <a:ext cx="8305800" cy="2819400"/>
+            <a:off x="1371600" y="3733800"/>
+            <a:ext cx="6629400" cy="1443566"/>
           </a:xfrm>
           <a:prstGeom prst="rect">
             <a:avLst/>
@@ -30780,8 +30540,20 @@
                   </a:outerShdw>
                 </a:effectLst>
               </a:rPr>
-              <a:t>Schedule a task to run periodically</a:t>
-            </a:r>
+              <a:t>Run 1 or more tasks</a:t>
+            </a:r>
+            <a:endParaRPr lang="en-US" sz="4400" dirty="0">
+              <a:solidFill>
+                <a:srgbClr val="FF0000"/>
+              </a:solidFill>
+              <a:effectLst>
+                <a:outerShdw blurRad="50800" dist="38100" dir="2700000" algn="tl" rotWithShape="0">
+                  <a:prstClr val="black">
+                    <a:alpha val="40000"/>
+                  </a:prstClr>
+                </a:outerShdw>
+              </a:effectLst>
+            </a:endParaRPr>
           </a:p>
           <a:p>
             <a:pPr marL="0" indent="0" algn="ctr">
@@ -30801,7 +30573,7 @@
                   </a:outerShdw>
                 </a:effectLst>
               </a:rPr>
-              <a:t>Heartbeats / Daemons</a:t>
+              <a:t>Fire-and-forget</a:t>
             </a:r>
           </a:p>
           <a:p>
@@ -30822,7 +30594,7 @@
                   </a:outerShdw>
                 </a:effectLst>
               </a:rPr>
-              <a:t>Nanosecond granularity</a:t>
+              <a:t>Fire-and-wait</a:t>
             </a:r>
           </a:p>
         </p:txBody>
@@ -30830,7 +30602,7 @@
     </p:spTree>
     <p:extLst>
       <p:ext uri="{BB962C8B-B14F-4D97-AF65-F5344CB8AC3E}">
-        <p14:creationId xmlns:p14="http://schemas.microsoft.com/office/powerpoint/2010/main" val="454129587"/>
+        <p14:creationId xmlns:p14="http://schemas.microsoft.com/office/powerpoint/2010/main" val="1354502521"/>
       </p:ext>
     </p:extLst>
   </p:cSld>
@@ -31924,7 +31696,49 @@
                   </a:outerShdw>
                 </a:effectLst>
               </a:rPr>
-              <a:t>Often used for finding work to submit to other Executors!</a:t>
+              <a:t>Schedule a task to run periodically</a:t>
+            </a:r>
+          </a:p>
+          <a:p>
+            <a:pPr marL="0" indent="0" algn="ctr">
+              <a:buFont typeface="Symbol" pitchFamily="18" charset="2"/>
+              <a:buNone/>
+            </a:pPr>
+            <a:r>
+              <a:rPr lang="en-US" sz="4400" dirty="0" smtClean="0">
+                <a:solidFill>
+                  <a:srgbClr val="FF0000"/>
+                </a:solidFill>
+                <a:effectLst>
+                  <a:outerShdw blurRad="50800" dist="38100" dir="2700000" algn="tl" rotWithShape="0">
+                    <a:prstClr val="black">
+                      <a:alpha val="40000"/>
+                    </a:prstClr>
+                  </a:outerShdw>
+                </a:effectLst>
+              </a:rPr>
+              <a:t>Heartbeats / Daemons</a:t>
+            </a:r>
+          </a:p>
+          <a:p>
+            <a:pPr marL="0" indent="0" algn="ctr">
+              <a:buFont typeface="Symbol" pitchFamily="18" charset="2"/>
+              <a:buNone/>
+            </a:pPr>
+            <a:r>
+              <a:rPr lang="en-US" sz="4400" dirty="0" smtClean="0">
+                <a:solidFill>
+                  <a:srgbClr val="FF0000"/>
+                </a:solidFill>
+                <a:effectLst>
+                  <a:outerShdw blurRad="50800" dist="38100" dir="2700000" algn="tl" rotWithShape="0">
+                    <a:prstClr val="black">
+                      <a:alpha val="40000"/>
+                    </a:prstClr>
+                  </a:outerShdw>
+                </a:effectLst>
+              </a:rPr>
+              <a:t>Nanosecond granularity</a:t>
             </a:r>
           </a:p>
         </p:txBody>
@@ -31932,7 +31746,7 @@
     </p:spTree>
     <p:extLst>
       <p:ext uri="{BB962C8B-B14F-4D97-AF65-F5344CB8AC3E}">
-        <p14:creationId xmlns:p14="http://schemas.microsoft.com/office/powerpoint/2010/main" val="236206878"/>
+        <p14:creationId xmlns:p14="http://schemas.microsoft.com/office/powerpoint/2010/main" val="454129587"/>
       </p:ext>
     </p:extLst>
   </p:cSld>
@@ -32329,7 +32143,7 @@
                   </a:outerShdw>
                 </a:effectLst>
               </a:rPr>
-              <a:t>ExecutorCompletionService</a:t>
+              <a:t>ScheduledThreadPoolExecutor</a:t>
             </a:r>
             <a:r>
               <a:rPr lang="en-US" sz="4000" dirty="0" smtClean="0">
@@ -32359,7 +32173,7 @@
         </p:nvSpPr>
         <p:spPr>
           <a:xfrm>
-            <a:off x="381000" y="3352800"/>
+            <a:off x="381000" y="3733800"/>
             <a:ext cx="8305800" cy="2819400"/>
           </a:xfrm>
           <a:prstGeom prst="rect">
@@ -32557,93 +32371,7 @@
                   </a:outerShdw>
                 </a:effectLst>
               </a:rPr>
-              <a:t>Producer / Consumer</a:t>
-            </a:r>
-          </a:p>
-          <a:p>
-            <a:pPr marL="0" indent="0" algn="ctr">
-              <a:buFont typeface="Symbol" pitchFamily="18" charset="2"/>
-              <a:buNone/>
-            </a:pPr>
-            <a:r>
-              <a:rPr lang="en-US" sz="4400" dirty="0">
-                <a:solidFill>
-                  <a:srgbClr val="FF0000"/>
-                </a:solidFill>
-                <a:effectLst>
-                  <a:outerShdw blurRad="50800" dist="38100" dir="2700000" algn="tl" rotWithShape="0">
-                    <a:prstClr val="black">
-                      <a:alpha val="40000"/>
-                    </a:prstClr>
-                  </a:outerShdw>
-                </a:effectLst>
-              </a:rPr>
-              <a:t/>
-            </a:r>
-            <a:br>
-              <a:rPr lang="en-US" sz="4400" dirty="0">
-                <a:solidFill>
-                  <a:srgbClr val="FF0000"/>
-                </a:solidFill>
-                <a:effectLst>
-                  <a:outerShdw blurRad="50800" dist="38100" dir="2700000" algn="tl" rotWithShape="0">
-                    <a:prstClr val="black">
-                      <a:alpha val="40000"/>
-                    </a:prstClr>
-                  </a:outerShdw>
-                </a:effectLst>
-              </a:rPr>
-            </a:br>
-            <a:r>
-              <a:rPr lang="en-US" sz="4400" dirty="0" smtClean="0">
-                <a:solidFill>
-                  <a:srgbClr val="FF0000"/>
-                </a:solidFill>
-                <a:effectLst>
-                  <a:outerShdw blurRad="50800" dist="38100" dir="2700000" algn="tl" rotWithShape="0">
-                    <a:prstClr val="black">
-                      <a:alpha val="40000"/>
-                    </a:prstClr>
-                  </a:outerShdw>
-                </a:effectLst>
-              </a:rPr>
-              <a:t>Many “work” tasks; </a:t>
-            </a:r>
-          </a:p>
-          <a:p>
-            <a:pPr marL="0" indent="0" algn="ctr">
-              <a:buFont typeface="Symbol" pitchFamily="18" charset="2"/>
-              <a:buNone/>
-            </a:pPr>
-            <a:r>
-              <a:rPr lang="en-US" sz="4400" dirty="0">
-                <a:solidFill>
-                  <a:srgbClr val="FF0000"/>
-                </a:solidFill>
-                <a:effectLst>
-                  <a:outerShdw blurRad="50800" dist="38100" dir="2700000" algn="tl" rotWithShape="0">
-                    <a:prstClr val="black">
-                      <a:alpha val="40000"/>
-                    </a:prstClr>
-                  </a:outerShdw>
-                </a:effectLst>
-              </a:rPr>
-              <a:t>S</a:t>
-            </a:r>
-            <a:r>
-              <a:rPr lang="en-US" sz="4400" dirty="0" smtClean="0">
-                <a:solidFill>
-                  <a:srgbClr val="FF0000"/>
-                </a:solidFill>
-                <a:effectLst>
-                  <a:outerShdw blurRad="50800" dist="38100" dir="2700000" algn="tl" rotWithShape="0">
-                    <a:prstClr val="black">
-                      <a:alpha val="40000"/>
-                    </a:prstClr>
-                  </a:outerShdw>
-                </a:effectLst>
-              </a:rPr>
-              <a:t>ingle “completion” task</a:t>
+              <a:t>Often used for finding work to submit to other Executors!</a:t>
             </a:r>
           </a:p>
         </p:txBody>
@@ -32651,7 +32379,7 @@
     </p:spTree>
     <p:extLst>
       <p:ext uri="{BB962C8B-B14F-4D97-AF65-F5344CB8AC3E}">
-        <p14:creationId xmlns:p14="http://schemas.microsoft.com/office/powerpoint/2010/main" val="1435486138"/>
+        <p14:creationId xmlns:p14="http://schemas.microsoft.com/office/powerpoint/2010/main" val="236206878"/>
       </p:ext>
     </p:extLst>
   </p:cSld>
@@ -33276,10 +33004,16 @@
                   </a:outerShdw>
                 </a:effectLst>
               </a:rPr>
-              <a:t>Task </a:t>
-            </a:r>
-            <a:r>
-              <a:rPr lang="en-US" sz="4400" dirty="0" smtClean="0">
+              <a:t>Producer / Consumer</a:t>
+            </a:r>
+          </a:p>
+          <a:p>
+            <a:pPr marL="0" indent="0" algn="ctr">
+              <a:buFont typeface="Symbol" pitchFamily="18" charset="2"/>
+              <a:buNone/>
+            </a:pPr>
+            <a:r>
+              <a:rPr lang="en-US" sz="4400" dirty="0">
                 <a:solidFill>
                   <a:srgbClr val="FF0000"/>
                 </a:solidFill>
@@ -33290,18 +33024,11 @@
                     </a:prstClr>
                   </a:outerShdw>
                 </a:effectLst>
-                <a:sym typeface="Wingdings" pitchFamily="2" charset="2"/>
               </a:rPr>
-              <a:t> Work Queue</a:t>
-            </a:r>
-          </a:p>
-          <a:p>
-            <a:pPr marL="0" indent="0" algn="ctr">
-              <a:buFont typeface="Symbol" pitchFamily="18" charset="2"/>
-              <a:buNone/>
-            </a:pPr>
-            <a:r>
-              <a:rPr lang="en-US" sz="4400" dirty="0" smtClean="0">
+              <a:t/>
+            </a:r>
+            <a:br>
+              <a:rPr lang="en-US" sz="4400" dirty="0">
                 <a:solidFill>
                   <a:srgbClr val="FF0000"/>
                 </a:solidFill>
@@ -33312,16 +33039,8 @@
                     </a:prstClr>
                   </a:outerShdw>
                 </a:effectLst>
-                <a:sym typeface="Wingdings" pitchFamily="2" charset="2"/>
               </a:rPr>
-              <a:t>Task Executes</a:t>
-            </a:r>
-          </a:p>
-          <a:p>
-            <a:pPr marL="0" indent="0" algn="ctr">
-              <a:buFont typeface="Symbol" pitchFamily="18" charset="2"/>
-              <a:buNone/>
-            </a:pPr>
+            </a:br>
             <a:r>
               <a:rPr lang="en-US" sz="4400" dirty="0" smtClean="0">
                 <a:solidFill>
@@ -33334,29 +33053,52 @@
                     </a:prstClr>
                   </a:outerShdw>
                 </a:effectLst>
-                <a:sym typeface="Wingdings" pitchFamily="2" charset="2"/>
               </a:rPr>
-              <a:t>Result  Completion Queue</a:t>
-            </a:r>
-            <a:endParaRPr lang="en-US" sz="4400" dirty="0" smtClean="0">
-              <a:solidFill>
-                <a:srgbClr val="FF0000"/>
-              </a:solidFill>
-              <a:effectLst>
-                <a:outerShdw blurRad="50800" dist="38100" dir="2700000" algn="tl" rotWithShape="0">
-                  <a:prstClr val="black">
-                    <a:alpha val="40000"/>
-                  </a:prstClr>
-                </a:outerShdw>
-              </a:effectLst>
-            </a:endParaRPr>
+              <a:t>Many “work” tasks; </a:t>
+            </a:r>
+          </a:p>
+          <a:p>
+            <a:pPr marL="0" indent="0" algn="ctr">
+              <a:buFont typeface="Symbol" pitchFamily="18" charset="2"/>
+              <a:buNone/>
+            </a:pPr>
+            <a:r>
+              <a:rPr lang="en-US" sz="4400" dirty="0">
+                <a:solidFill>
+                  <a:srgbClr val="FF0000"/>
+                </a:solidFill>
+                <a:effectLst>
+                  <a:outerShdw blurRad="50800" dist="38100" dir="2700000" algn="tl" rotWithShape="0">
+                    <a:prstClr val="black">
+                      <a:alpha val="40000"/>
+                    </a:prstClr>
+                  </a:outerShdw>
+                </a:effectLst>
+              </a:rPr>
+              <a:t>S</a:t>
+            </a:r>
+            <a:r>
+              <a:rPr lang="en-US" sz="4400" dirty="0" smtClean="0">
+                <a:solidFill>
+                  <a:srgbClr val="FF0000"/>
+                </a:solidFill>
+                <a:effectLst>
+                  <a:outerShdw blurRad="50800" dist="38100" dir="2700000" algn="tl" rotWithShape="0">
+                    <a:prstClr val="black">
+                      <a:alpha val="40000"/>
+                    </a:prstClr>
+                  </a:outerShdw>
+                </a:effectLst>
+              </a:rPr>
+              <a:t>ingle “completion” task</a:t>
+            </a:r>
           </a:p>
         </p:txBody>
       </p:sp>
     </p:spTree>
     <p:extLst>
       <p:ext uri="{BB962C8B-B14F-4D97-AF65-F5344CB8AC3E}">
-        <p14:creationId xmlns:p14="http://schemas.microsoft.com/office/powerpoint/2010/main" val="2807648595"/>
+        <p14:creationId xmlns:p14="http://schemas.microsoft.com/office/powerpoint/2010/main" val="1435486138"/>
       </p:ext>
     </p:extLst>
   </p:cSld>
@@ -33981,15 +33723,87 @@
                   </a:outerShdw>
                 </a:effectLst>
               </a:rPr>
-              <a:t>“Completion Task” is scheduled to periodically process the Completion Queue</a:t>
-            </a:r>
+              <a:t>Task </a:t>
+            </a:r>
+            <a:r>
+              <a:rPr lang="en-US" sz="4400" dirty="0" smtClean="0">
+                <a:solidFill>
+                  <a:srgbClr val="FF0000"/>
+                </a:solidFill>
+                <a:effectLst>
+                  <a:outerShdw blurRad="50800" dist="38100" dir="2700000" algn="tl" rotWithShape="0">
+                    <a:prstClr val="black">
+                      <a:alpha val="40000"/>
+                    </a:prstClr>
+                  </a:outerShdw>
+                </a:effectLst>
+                <a:sym typeface="Wingdings" pitchFamily="2" charset="2"/>
+              </a:rPr>
+              <a:t> Work Queue</a:t>
+            </a:r>
+          </a:p>
+          <a:p>
+            <a:pPr marL="0" indent="0" algn="ctr">
+              <a:buFont typeface="Symbol" pitchFamily="18" charset="2"/>
+              <a:buNone/>
+            </a:pPr>
+            <a:r>
+              <a:rPr lang="en-US" sz="4400" dirty="0" smtClean="0">
+                <a:solidFill>
+                  <a:srgbClr val="FF0000"/>
+                </a:solidFill>
+                <a:effectLst>
+                  <a:outerShdw blurRad="50800" dist="38100" dir="2700000" algn="tl" rotWithShape="0">
+                    <a:prstClr val="black">
+                      <a:alpha val="40000"/>
+                    </a:prstClr>
+                  </a:outerShdw>
+                </a:effectLst>
+                <a:sym typeface="Wingdings" pitchFamily="2" charset="2"/>
+              </a:rPr>
+              <a:t>Task Executes</a:t>
+            </a:r>
+          </a:p>
+          <a:p>
+            <a:pPr marL="0" indent="0" algn="ctr">
+              <a:buFont typeface="Symbol" pitchFamily="18" charset="2"/>
+              <a:buNone/>
+            </a:pPr>
+            <a:r>
+              <a:rPr lang="en-US" sz="4400" dirty="0" smtClean="0">
+                <a:solidFill>
+                  <a:srgbClr val="FF0000"/>
+                </a:solidFill>
+                <a:effectLst>
+                  <a:outerShdw blurRad="50800" dist="38100" dir="2700000" algn="tl" rotWithShape="0">
+                    <a:prstClr val="black">
+                      <a:alpha val="40000"/>
+                    </a:prstClr>
+                  </a:outerShdw>
+                </a:effectLst>
+                <a:sym typeface="Wingdings" pitchFamily="2" charset="2"/>
+              </a:rPr>
+              <a:t>Result  Completion Queue</a:t>
+            </a:r>
+            <a:endParaRPr lang="en-US" sz="4400" dirty="0" smtClean="0">
+              <a:solidFill>
+                <a:srgbClr val="FF0000"/>
+              </a:solidFill>
+              <a:effectLst>
+                <a:outerShdw blurRad="50800" dist="38100" dir="2700000" algn="tl" rotWithShape="0">
+                  <a:prstClr val="black">
+                    <a:alpha val="40000"/>
+                  </a:prstClr>
+                </a:outerShdw>
+              </a:effectLst>
+            </a:endParaRPr>
           </a:p>
         </p:txBody>
       </p:sp>
     </p:spTree>
     <p:extLst>
       <p:ext uri="{BB962C8B-B14F-4D97-AF65-F5344CB8AC3E}">
-        <p14:creationId xmlns:p14="http://schemas.microsoft.com/office/powerpoint/2010/main" val="175368926"/>
+        <p14:creationId xmlns:p14="http://schemas.microsoft.com/office/powerpoint/2010/main" val="2807648595"/>
       </p:ext>
     </p:extLst>
   </p:cSld>
@@ -34386,7 +34200,7 @@
                   </a:outerShdw>
                 </a:effectLst>
               </a:rPr>
-              <a:t>ForkJoinPool</a:t>
+              <a:t>ExecutorCompletionService</a:t>
             </a:r>
             <a:r>
               <a:rPr lang="en-US" sz="4000" dirty="0" smtClean="0">
@@ -34614,115 +34428,7 @@
                   </a:outerShdw>
                 </a:effectLst>
               </a:rPr>
-              <a:t>Tasks recursively create subtasks</a:t>
-            </a:r>
-          </a:p>
-          <a:p>
-            <a:pPr marL="0" indent="0" algn="ctr">
-              <a:buFont typeface="Symbol" pitchFamily="18" charset="2"/>
-              <a:buNone/>
-            </a:pPr>
-            <a:r>
-              <a:rPr lang="en-US" sz="4400" dirty="0" smtClean="0">
-                <a:solidFill>
-                  <a:srgbClr val="FF0000"/>
-                </a:solidFill>
-                <a:effectLst>
-                  <a:outerShdw blurRad="50800" dist="38100" dir="2700000" algn="tl" rotWithShape="0">
-                    <a:prstClr val="black">
-                      <a:alpha val="40000"/>
-                    </a:prstClr>
-                  </a:outerShdw>
-                </a:effectLst>
-              </a:rPr>
-              <a:t>Pool uses work-stealing</a:t>
-            </a:r>
-          </a:p>
-          <a:p>
-            <a:pPr marL="0" indent="0" algn="ctr">
-              <a:buFont typeface="Symbol" pitchFamily="18" charset="2"/>
-              <a:buNone/>
-            </a:pPr>
-            <a:r>
-              <a:rPr lang="en-US" sz="4400" dirty="0" smtClean="0">
-                <a:solidFill>
-                  <a:srgbClr val="FF0000"/>
-                </a:solidFill>
-                <a:effectLst>
-                  <a:outerShdw blurRad="50800" dist="38100" dir="2700000" algn="tl" rotWithShape="0">
-                    <a:prstClr val="black">
-                      <a:alpha val="40000"/>
-                    </a:prstClr>
-                  </a:outerShdw>
-                </a:effectLst>
-              </a:rPr>
-              <a:t>Results are “join()”</a:t>
-            </a:r>
-            <a:r>
-              <a:rPr lang="en-US" sz="4400" dirty="0" err="1" smtClean="0">
-                <a:solidFill>
-                  <a:srgbClr val="FF0000"/>
-                </a:solidFill>
-                <a:effectLst>
-                  <a:outerShdw blurRad="50800" dist="38100" dir="2700000" algn="tl" rotWithShape="0">
-                    <a:prstClr val="black">
-                      <a:alpha val="40000"/>
-                    </a:prstClr>
-                  </a:outerShdw>
-                </a:effectLst>
-              </a:rPr>
-              <a:t>ed</a:t>
-            </a:r>
-            <a:r>
-              <a:rPr lang="en-US" sz="4400" dirty="0" smtClean="0">
-                <a:solidFill>
-                  <a:srgbClr val="FF0000"/>
-                </a:solidFill>
-                <a:effectLst>
-                  <a:outerShdw blurRad="50800" dist="38100" dir="2700000" algn="tl" rotWithShape="0">
-                    <a:prstClr val="black">
-                      <a:alpha val="40000"/>
-                    </a:prstClr>
-                  </a:outerShdw>
-                </a:effectLst>
-              </a:rPr>
-              <a:t> at the end</a:t>
-            </a:r>
-          </a:p>
-          <a:p>
-            <a:pPr marL="0" indent="0" algn="ctr">
-              <a:buFont typeface="Symbol" pitchFamily="18" charset="2"/>
-              <a:buNone/>
-            </a:pPr>
-            <a:r>
-              <a:rPr lang="en-US" sz="4400" smtClean="0">
-                <a:solidFill>
-                  <a:srgbClr val="FF0000"/>
-                </a:solidFill>
-                <a:effectLst>
-                  <a:outerShdw blurRad="50800" dist="38100" dir="2700000" algn="tl" rotWithShape="0">
-                    <a:prstClr val="black">
-                      <a:alpha val="40000"/>
-                    </a:prstClr>
-                  </a:outerShdw>
-                </a:effectLst>
-              </a:rPr>
-              <a:t>“Divide </a:t>
-            </a:r>
-            <a:r>
-              <a:rPr lang="en-US" sz="4400" dirty="0" smtClean="0">
-                <a:solidFill>
-                  <a:srgbClr val="FF0000"/>
-                </a:solidFill>
-                <a:effectLst>
-                  <a:outerShdw blurRad="50800" dist="38100" dir="2700000" algn="tl" rotWithShape="0">
-                    <a:prstClr val="black">
-                      <a:alpha val="40000"/>
-                    </a:prstClr>
-                  </a:outerShdw>
-                </a:effectLst>
-              </a:rPr>
-              <a:t>and Conquer”</a:t>
+              <a:t>“Completion Task” is scheduled to periodically process the Completion Queue</a:t>
             </a:r>
           </a:p>
         </p:txBody>
@@ -34730,7 +34436,7 @@
     </p:spTree>
     <p:extLst>
       <p:ext uri="{BB962C8B-B14F-4D97-AF65-F5344CB8AC3E}">
-        <p14:creationId xmlns:p14="http://schemas.microsoft.com/office/powerpoint/2010/main" val="4019869257"/>
+        <p14:creationId xmlns:p14="http://schemas.microsoft.com/office/powerpoint/2010/main" val="175368926"/>
       </p:ext>
     </p:extLst>
   </p:cSld>
@@ -34883,6 +34589,747 @@
       </p:grpSpPr>
       <p:sp>
         <p:nvSpPr>
+          <p:cNvPr id="3" name="Title 2"/>
+          <p:cNvSpPr>
+            <a:spLocks noGrp="1"/>
+          </p:cNvSpPr>
+          <p:nvPr>
+            <p:ph type="title"/>
+          </p:nvPr>
+        </p:nvSpPr>
+        <p:spPr/>
+        <p:txBody>
+          <a:bodyPr/>
+          <a:lstStyle/>
+          <a:p>
+            <a:r>
+              <a:rPr lang="en-US" dirty="0" smtClean="0"/>
+              <a:t>Different Types of “Executors”</a:t>
+            </a:r>
+            <a:endParaRPr lang="en-US" dirty="0"/>
+          </a:p>
+        </p:txBody>
+      </p:sp>
+      <p:sp>
+        <p:nvSpPr>
+          <p:cNvPr id="4" name="Content Placeholder 1"/>
+          <p:cNvSpPr txBox="1">
+            <a:spLocks/>
+          </p:cNvSpPr>
+          <p:nvPr/>
+        </p:nvSpPr>
+        <p:spPr>
+          <a:xfrm>
+            <a:off x="533400" y="2438400"/>
+            <a:ext cx="8001000" cy="1214966"/>
+          </a:xfrm>
+          <a:prstGeom prst="rect">
+            <a:avLst/>
+          </a:prstGeom>
+        </p:spPr>
+        <p:txBody>
+          <a:bodyPr vert="horz" lIns="91440" tIns="45720" rIns="91440" bIns="45720" rtlCol="0">
+            <a:noAutofit/>
+          </a:bodyPr>
+          <a:lstStyle>
+            <a:lvl1pPr marL="274320" indent="-274320" algn="l" defTabSz="914400" rtl="0" eaLnBrk="1" latinLnBrk="0" hangingPunct="1">
+              <a:spcBef>
+                <a:spcPct val="20000"/>
+              </a:spcBef>
+              <a:buClr>
+                <a:schemeClr val="accent1"/>
+              </a:buClr>
+              <a:buSzPct val="100000"/>
+              <a:buFont typeface="Symbol" pitchFamily="18" charset="2"/>
+              <a:buChar char=""/>
+              <a:defRPr sz="2400" kern="1200">
+                <a:solidFill>
+                  <a:schemeClr val="tx2"/>
+                </a:solidFill>
+                <a:latin typeface="+mn-lt"/>
+                <a:ea typeface="+mn-ea"/>
+                <a:cs typeface="+mn-cs"/>
+              </a:defRPr>
+            </a:lvl1pPr>
+            <a:lvl2pPr marL="576263" indent="-274320" algn="l" defTabSz="914400" rtl="0" eaLnBrk="1" latinLnBrk="0" hangingPunct="1">
+              <a:spcBef>
+                <a:spcPct val="20000"/>
+              </a:spcBef>
+              <a:buClr>
+                <a:schemeClr val="accent1"/>
+              </a:buClr>
+              <a:buSzPct val="100000"/>
+              <a:buFont typeface="Symbol" pitchFamily="18" charset="2"/>
+              <a:buChar char=""/>
+              <a:defRPr sz="2200" kern="1200">
+                <a:solidFill>
+                  <a:schemeClr val="tx2"/>
+                </a:solidFill>
+                <a:latin typeface="+mn-lt"/>
+                <a:ea typeface="+mn-ea"/>
+                <a:cs typeface="+mn-cs"/>
+              </a:defRPr>
+            </a:lvl2pPr>
+            <a:lvl3pPr marL="855663" indent="-228600" algn="l" defTabSz="914400" rtl="0" eaLnBrk="1" latinLnBrk="0" hangingPunct="1">
+              <a:spcBef>
+                <a:spcPct val="20000"/>
+              </a:spcBef>
+              <a:buClr>
+                <a:schemeClr val="accent1"/>
+              </a:buClr>
+              <a:buSzPct val="100000"/>
+              <a:buFont typeface="Symbol" pitchFamily="18" charset="2"/>
+              <a:buChar char=""/>
+              <a:defRPr sz="2000" kern="1200">
+                <a:solidFill>
+                  <a:schemeClr val="tx2"/>
+                </a:solidFill>
+                <a:latin typeface="+mn-lt"/>
+                <a:ea typeface="+mn-ea"/>
+                <a:cs typeface="+mn-cs"/>
+              </a:defRPr>
+            </a:lvl3pPr>
+            <a:lvl4pPr marL="1143000" indent="-228600" algn="l" defTabSz="914400" rtl="0" eaLnBrk="1" latinLnBrk="0" hangingPunct="1">
+              <a:spcBef>
+                <a:spcPct val="20000"/>
+              </a:spcBef>
+              <a:buClr>
+                <a:schemeClr val="accent1"/>
+              </a:buClr>
+              <a:buSzPct val="100000"/>
+              <a:buFont typeface="Symbol" pitchFamily="18" charset="2"/>
+              <a:buChar char=""/>
+              <a:defRPr sz="1800" kern="1200">
+                <a:solidFill>
+                  <a:schemeClr val="tx2"/>
+                </a:solidFill>
+                <a:latin typeface="+mn-lt"/>
+                <a:ea typeface="+mn-ea"/>
+                <a:cs typeface="+mn-cs"/>
+              </a:defRPr>
+            </a:lvl4pPr>
+            <a:lvl5pPr marL="1463040" indent="-228600" algn="l" defTabSz="914400" rtl="0" eaLnBrk="1" latinLnBrk="0" hangingPunct="1">
+              <a:spcBef>
+                <a:spcPct val="20000"/>
+              </a:spcBef>
+              <a:buClr>
+                <a:schemeClr val="accent1"/>
+              </a:buClr>
+              <a:buSzPct val="100000"/>
+              <a:buFont typeface="Symbol" pitchFamily="18" charset="2"/>
+              <a:buChar char=""/>
+              <a:defRPr sz="1600" kern="1200">
+                <a:solidFill>
+                  <a:schemeClr val="tx2"/>
+                </a:solidFill>
+                <a:latin typeface="+mn-lt"/>
+                <a:ea typeface="+mn-ea"/>
+                <a:cs typeface="+mn-cs"/>
+              </a:defRPr>
+            </a:lvl5pPr>
+            <a:lvl6pPr marL="1783080" indent="-228600" algn="l" defTabSz="914400" rtl="0" eaLnBrk="1" latinLnBrk="0" hangingPunct="1">
+              <a:spcBef>
+                <a:spcPts val="384"/>
+              </a:spcBef>
+              <a:buClr>
+                <a:schemeClr val="accent1"/>
+              </a:buClr>
+              <a:buFont typeface="Symbol" pitchFamily="18" charset="2"/>
+              <a:buChar char="*"/>
+              <a:defRPr sz="1400" kern="1200">
+                <a:solidFill>
+                  <a:schemeClr val="tx2"/>
+                </a:solidFill>
+                <a:latin typeface="+mn-lt"/>
+                <a:ea typeface="+mn-ea"/>
+                <a:cs typeface="+mn-cs"/>
+              </a:defRPr>
+            </a:lvl6pPr>
+            <a:lvl7pPr marL="2103120" indent="-228600" algn="l" defTabSz="914400" rtl="0" eaLnBrk="1" latinLnBrk="0" hangingPunct="1">
+              <a:spcBef>
+                <a:spcPts val="384"/>
+              </a:spcBef>
+              <a:buClr>
+                <a:schemeClr val="accent1"/>
+              </a:buClr>
+              <a:buFont typeface="Symbol" pitchFamily="18" charset="2"/>
+              <a:buChar char="*"/>
+              <a:defRPr sz="1400" kern="1200">
+                <a:solidFill>
+                  <a:schemeClr val="tx2"/>
+                </a:solidFill>
+                <a:latin typeface="+mn-lt"/>
+                <a:ea typeface="+mn-ea"/>
+                <a:cs typeface="+mn-cs"/>
+              </a:defRPr>
+            </a:lvl7pPr>
+            <a:lvl8pPr marL="2423160" indent="-228600" algn="l" defTabSz="914400" rtl="0" eaLnBrk="1" latinLnBrk="0" hangingPunct="1">
+              <a:spcBef>
+                <a:spcPts val="384"/>
+              </a:spcBef>
+              <a:buClr>
+                <a:schemeClr val="accent1"/>
+              </a:buClr>
+              <a:buFont typeface="Symbol" pitchFamily="18" charset="2"/>
+              <a:buChar char="*"/>
+              <a:defRPr sz="1400" kern="1200">
+                <a:solidFill>
+                  <a:schemeClr val="tx2"/>
+                </a:solidFill>
+                <a:latin typeface="+mn-lt"/>
+                <a:ea typeface="+mn-ea"/>
+                <a:cs typeface="+mn-cs"/>
+              </a:defRPr>
+            </a:lvl8pPr>
+            <a:lvl9pPr marL="2743200" indent="-228600" algn="l" defTabSz="914400" rtl="0" eaLnBrk="1" latinLnBrk="0" hangingPunct="1">
+              <a:spcBef>
+                <a:spcPts val="384"/>
+              </a:spcBef>
+              <a:buClr>
+                <a:schemeClr val="accent1"/>
+              </a:buClr>
+              <a:buFont typeface="Symbol" pitchFamily="18" charset="2"/>
+              <a:buChar char="*"/>
+              <a:defRPr sz="1400" kern="1200">
+                <a:solidFill>
+                  <a:schemeClr val="tx2"/>
+                </a:solidFill>
+                <a:latin typeface="+mn-lt"/>
+                <a:ea typeface="+mn-ea"/>
+                <a:cs typeface="+mn-cs"/>
+              </a:defRPr>
+            </a:lvl9pPr>
+          </a:lstStyle>
+          <a:p>
+            <a:pPr marL="0" indent="0">
+              <a:buFont typeface="Symbol" pitchFamily="18" charset="2"/>
+              <a:buNone/>
+            </a:pPr>
+            <a:r>
+              <a:rPr lang="en-US" sz="4000" dirty="0" smtClean="0">
+                <a:solidFill>
+                  <a:srgbClr val="002060"/>
+                </a:solidFill>
+                <a:effectLst>
+                  <a:outerShdw blurRad="50800" dist="38100" dir="2700000" algn="tl" rotWithShape="0">
+                    <a:prstClr val="black">
+                      <a:alpha val="40000"/>
+                    </a:prstClr>
+                  </a:outerShdw>
+                </a:effectLst>
+              </a:rPr>
+              <a:t>“</a:t>
+            </a:r>
+            <a:r>
+              <a:rPr lang="en-US" sz="4000" dirty="0" err="1" smtClean="0">
+                <a:solidFill>
+                  <a:srgbClr val="002060"/>
+                </a:solidFill>
+                <a:effectLst>
+                  <a:outerShdw blurRad="50800" dist="38100" dir="2700000" algn="tl" rotWithShape="0">
+                    <a:prstClr val="black">
+                      <a:alpha val="40000"/>
+                    </a:prstClr>
+                  </a:outerShdw>
+                </a:effectLst>
+              </a:rPr>
+              <a:t>ForkJoinPool</a:t>
+            </a:r>
+            <a:r>
+              <a:rPr lang="en-US" sz="4000" dirty="0" smtClean="0">
+                <a:solidFill>
+                  <a:srgbClr val="002060"/>
+                </a:solidFill>
+                <a:effectLst>
+                  <a:outerShdw blurRad="50800" dist="38100" dir="2700000" algn="tl" rotWithShape="0">
+                    <a:prstClr val="black">
+                      <a:alpha val="40000"/>
+                    </a:prstClr>
+                  </a:outerShdw>
+                </a:effectLst>
+              </a:rPr>
+              <a:t>”</a:t>
+            </a:r>
+          </a:p>
+        </p:txBody>
+      </p:sp>
+      <p:sp>
+        <p:nvSpPr>
+          <p:cNvPr id="5" name="Content Placeholder 1"/>
+          <p:cNvSpPr txBox="1">
+            <a:spLocks/>
+          </p:cNvSpPr>
+          <p:nvPr/>
+        </p:nvSpPr>
+        <p:spPr>
+          <a:xfrm>
+            <a:off x="381000" y="3352800"/>
+            <a:ext cx="8305800" cy="2819400"/>
+          </a:xfrm>
+          <a:prstGeom prst="rect">
+            <a:avLst/>
+          </a:prstGeom>
+        </p:spPr>
+        <p:txBody>
+          <a:bodyPr vert="horz" lIns="91440" tIns="45720" rIns="91440" bIns="45720" rtlCol="0">
+            <a:noAutofit/>
+          </a:bodyPr>
+          <a:lstStyle>
+            <a:lvl1pPr marL="274320" indent="-274320" algn="l" defTabSz="914400" rtl="0" eaLnBrk="1" latinLnBrk="0" hangingPunct="1">
+              <a:spcBef>
+                <a:spcPct val="20000"/>
+              </a:spcBef>
+              <a:buClr>
+                <a:schemeClr val="accent1"/>
+              </a:buClr>
+              <a:buSzPct val="100000"/>
+              <a:buFont typeface="Symbol" pitchFamily="18" charset="2"/>
+              <a:buChar char=""/>
+              <a:defRPr sz="2400" kern="1200">
+                <a:solidFill>
+                  <a:schemeClr val="tx2"/>
+                </a:solidFill>
+                <a:latin typeface="+mn-lt"/>
+                <a:ea typeface="+mn-ea"/>
+                <a:cs typeface="+mn-cs"/>
+              </a:defRPr>
+            </a:lvl1pPr>
+            <a:lvl2pPr marL="576263" indent="-274320" algn="l" defTabSz="914400" rtl="0" eaLnBrk="1" latinLnBrk="0" hangingPunct="1">
+              <a:spcBef>
+                <a:spcPct val="20000"/>
+              </a:spcBef>
+              <a:buClr>
+                <a:schemeClr val="accent1"/>
+              </a:buClr>
+              <a:buSzPct val="100000"/>
+              <a:buFont typeface="Symbol" pitchFamily="18" charset="2"/>
+              <a:buChar char=""/>
+              <a:defRPr sz="2200" kern="1200">
+                <a:solidFill>
+                  <a:schemeClr val="tx2"/>
+                </a:solidFill>
+                <a:latin typeface="+mn-lt"/>
+                <a:ea typeface="+mn-ea"/>
+                <a:cs typeface="+mn-cs"/>
+              </a:defRPr>
+            </a:lvl2pPr>
+            <a:lvl3pPr marL="855663" indent="-228600" algn="l" defTabSz="914400" rtl="0" eaLnBrk="1" latinLnBrk="0" hangingPunct="1">
+              <a:spcBef>
+                <a:spcPct val="20000"/>
+              </a:spcBef>
+              <a:buClr>
+                <a:schemeClr val="accent1"/>
+              </a:buClr>
+              <a:buSzPct val="100000"/>
+              <a:buFont typeface="Symbol" pitchFamily="18" charset="2"/>
+              <a:buChar char=""/>
+              <a:defRPr sz="2000" kern="1200">
+                <a:solidFill>
+                  <a:schemeClr val="tx2"/>
+                </a:solidFill>
+                <a:latin typeface="+mn-lt"/>
+                <a:ea typeface="+mn-ea"/>
+                <a:cs typeface="+mn-cs"/>
+              </a:defRPr>
+            </a:lvl3pPr>
+            <a:lvl4pPr marL="1143000" indent="-228600" algn="l" defTabSz="914400" rtl="0" eaLnBrk="1" latinLnBrk="0" hangingPunct="1">
+              <a:spcBef>
+                <a:spcPct val="20000"/>
+              </a:spcBef>
+              <a:buClr>
+                <a:schemeClr val="accent1"/>
+              </a:buClr>
+              <a:buSzPct val="100000"/>
+              <a:buFont typeface="Symbol" pitchFamily="18" charset="2"/>
+              <a:buChar char=""/>
+              <a:defRPr sz="1800" kern="1200">
+                <a:solidFill>
+                  <a:schemeClr val="tx2"/>
+                </a:solidFill>
+                <a:latin typeface="+mn-lt"/>
+                <a:ea typeface="+mn-ea"/>
+                <a:cs typeface="+mn-cs"/>
+              </a:defRPr>
+            </a:lvl4pPr>
+            <a:lvl5pPr marL="1463040" indent="-228600" algn="l" defTabSz="914400" rtl="0" eaLnBrk="1" latinLnBrk="0" hangingPunct="1">
+              <a:spcBef>
+                <a:spcPct val="20000"/>
+              </a:spcBef>
+              <a:buClr>
+                <a:schemeClr val="accent1"/>
+              </a:buClr>
+              <a:buSzPct val="100000"/>
+              <a:buFont typeface="Symbol" pitchFamily="18" charset="2"/>
+              <a:buChar char=""/>
+              <a:defRPr sz="1600" kern="1200">
+                <a:solidFill>
+                  <a:schemeClr val="tx2"/>
+                </a:solidFill>
+                <a:latin typeface="+mn-lt"/>
+                <a:ea typeface="+mn-ea"/>
+                <a:cs typeface="+mn-cs"/>
+              </a:defRPr>
+            </a:lvl5pPr>
+            <a:lvl6pPr marL="1783080" indent="-228600" algn="l" defTabSz="914400" rtl="0" eaLnBrk="1" latinLnBrk="0" hangingPunct="1">
+              <a:spcBef>
+                <a:spcPts val="384"/>
+              </a:spcBef>
+              <a:buClr>
+                <a:schemeClr val="accent1"/>
+              </a:buClr>
+              <a:buFont typeface="Symbol" pitchFamily="18" charset="2"/>
+              <a:buChar char="*"/>
+              <a:defRPr sz="1400" kern="1200">
+                <a:solidFill>
+                  <a:schemeClr val="tx2"/>
+                </a:solidFill>
+                <a:latin typeface="+mn-lt"/>
+                <a:ea typeface="+mn-ea"/>
+                <a:cs typeface="+mn-cs"/>
+              </a:defRPr>
+            </a:lvl6pPr>
+            <a:lvl7pPr marL="2103120" indent="-228600" algn="l" defTabSz="914400" rtl="0" eaLnBrk="1" latinLnBrk="0" hangingPunct="1">
+              <a:spcBef>
+                <a:spcPts val="384"/>
+              </a:spcBef>
+              <a:buClr>
+                <a:schemeClr val="accent1"/>
+              </a:buClr>
+              <a:buFont typeface="Symbol" pitchFamily="18" charset="2"/>
+              <a:buChar char="*"/>
+              <a:defRPr sz="1400" kern="1200">
+                <a:solidFill>
+                  <a:schemeClr val="tx2"/>
+                </a:solidFill>
+                <a:latin typeface="+mn-lt"/>
+                <a:ea typeface="+mn-ea"/>
+                <a:cs typeface="+mn-cs"/>
+              </a:defRPr>
+            </a:lvl7pPr>
+            <a:lvl8pPr marL="2423160" indent="-228600" algn="l" defTabSz="914400" rtl="0" eaLnBrk="1" latinLnBrk="0" hangingPunct="1">
+              <a:spcBef>
+                <a:spcPts val="384"/>
+              </a:spcBef>
+              <a:buClr>
+                <a:schemeClr val="accent1"/>
+              </a:buClr>
+              <a:buFont typeface="Symbol" pitchFamily="18" charset="2"/>
+              <a:buChar char="*"/>
+              <a:defRPr sz="1400" kern="1200">
+                <a:solidFill>
+                  <a:schemeClr val="tx2"/>
+                </a:solidFill>
+                <a:latin typeface="+mn-lt"/>
+                <a:ea typeface="+mn-ea"/>
+                <a:cs typeface="+mn-cs"/>
+              </a:defRPr>
+            </a:lvl8pPr>
+            <a:lvl9pPr marL="2743200" indent="-228600" algn="l" defTabSz="914400" rtl="0" eaLnBrk="1" latinLnBrk="0" hangingPunct="1">
+              <a:spcBef>
+                <a:spcPts val="384"/>
+              </a:spcBef>
+              <a:buClr>
+                <a:schemeClr val="accent1"/>
+              </a:buClr>
+              <a:buFont typeface="Symbol" pitchFamily="18" charset="2"/>
+              <a:buChar char="*"/>
+              <a:defRPr sz="1400" kern="1200">
+                <a:solidFill>
+                  <a:schemeClr val="tx2"/>
+                </a:solidFill>
+                <a:latin typeface="+mn-lt"/>
+                <a:ea typeface="+mn-ea"/>
+                <a:cs typeface="+mn-cs"/>
+              </a:defRPr>
+            </a:lvl9pPr>
+          </a:lstStyle>
+          <a:p>
+            <a:pPr marL="0" indent="0" algn="ctr">
+              <a:buFont typeface="Symbol" pitchFamily="18" charset="2"/>
+              <a:buNone/>
+            </a:pPr>
+            <a:r>
+              <a:rPr lang="en-US" sz="4400" dirty="0" smtClean="0">
+                <a:solidFill>
+                  <a:srgbClr val="FF0000"/>
+                </a:solidFill>
+                <a:effectLst>
+                  <a:outerShdw blurRad="50800" dist="38100" dir="2700000" algn="tl" rotWithShape="0">
+                    <a:prstClr val="black">
+                      <a:alpha val="40000"/>
+                    </a:prstClr>
+                  </a:outerShdw>
+                </a:effectLst>
+              </a:rPr>
+              <a:t>Tasks recursively create subtasks</a:t>
+            </a:r>
+          </a:p>
+          <a:p>
+            <a:pPr marL="0" indent="0" algn="ctr">
+              <a:buFont typeface="Symbol" pitchFamily="18" charset="2"/>
+              <a:buNone/>
+            </a:pPr>
+            <a:r>
+              <a:rPr lang="en-US" sz="4400" dirty="0" smtClean="0">
+                <a:solidFill>
+                  <a:srgbClr val="FF0000"/>
+                </a:solidFill>
+                <a:effectLst>
+                  <a:outerShdw blurRad="50800" dist="38100" dir="2700000" algn="tl" rotWithShape="0">
+                    <a:prstClr val="black">
+                      <a:alpha val="40000"/>
+                    </a:prstClr>
+                  </a:outerShdw>
+                </a:effectLst>
+              </a:rPr>
+              <a:t>Pool uses work-stealing</a:t>
+            </a:r>
+          </a:p>
+          <a:p>
+            <a:pPr marL="0" indent="0" algn="ctr">
+              <a:buFont typeface="Symbol" pitchFamily="18" charset="2"/>
+              <a:buNone/>
+            </a:pPr>
+            <a:r>
+              <a:rPr lang="en-US" sz="4400" dirty="0" smtClean="0">
+                <a:solidFill>
+                  <a:srgbClr val="FF0000"/>
+                </a:solidFill>
+                <a:effectLst>
+                  <a:outerShdw blurRad="50800" dist="38100" dir="2700000" algn="tl" rotWithShape="0">
+                    <a:prstClr val="black">
+                      <a:alpha val="40000"/>
+                    </a:prstClr>
+                  </a:outerShdw>
+                </a:effectLst>
+              </a:rPr>
+              <a:t>Results are “join()”</a:t>
+            </a:r>
+            <a:r>
+              <a:rPr lang="en-US" sz="4400" dirty="0" err="1" smtClean="0">
+                <a:solidFill>
+                  <a:srgbClr val="FF0000"/>
+                </a:solidFill>
+                <a:effectLst>
+                  <a:outerShdw blurRad="50800" dist="38100" dir="2700000" algn="tl" rotWithShape="0">
+                    <a:prstClr val="black">
+                      <a:alpha val="40000"/>
+                    </a:prstClr>
+                  </a:outerShdw>
+                </a:effectLst>
+              </a:rPr>
+              <a:t>ed</a:t>
+            </a:r>
+            <a:r>
+              <a:rPr lang="en-US" sz="4400" dirty="0" smtClean="0">
+                <a:solidFill>
+                  <a:srgbClr val="FF0000"/>
+                </a:solidFill>
+                <a:effectLst>
+                  <a:outerShdw blurRad="50800" dist="38100" dir="2700000" algn="tl" rotWithShape="0">
+                    <a:prstClr val="black">
+                      <a:alpha val="40000"/>
+                    </a:prstClr>
+                  </a:outerShdw>
+                </a:effectLst>
+              </a:rPr>
+              <a:t> at the end</a:t>
+            </a:r>
+          </a:p>
+          <a:p>
+            <a:pPr marL="0" indent="0" algn="ctr">
+              <a:buFont typeface="Symbol" pitchFamily="18" charset="2"/>
+              <a:buNone/>
+            </a:pPr>
+            <a:r>
+              <a:rPr lang="en-US" sz="4400" smtClean="0">
+                <a:solidFill>
+                  <a:srgbClr val="FF0000"/>
+                </a:solidFill>
+                <a:effectLst>
+                  <a:outerShdw blurRad="50800" dist="38100" dir="2700000" algn="tl" rotWithShape="0">
+                    <a:prstClr val="black">
+                      <a:alpha val="40000"/>
+                    </a:prstClr>
+                  </a:outerShdw>
+                </a:effectLst>
+              </a:rPr>
+              <a:t>“Divide </a:t>
+            </a:r>
+            <a:r>
+              <a:rPr lang="en-US" sz="4400" dirty="0" smtClean="0">
+                <a:solidFill>
+                  <a:srgbClr val="FF0000"/>
+                </a:solidFill>
+                <a:effectLst>
+                  <a:outerShdw blurRad="50800" dist="38100" dir="2700000" algn="tl" rotWithShape="0">
+                    <a:prstClr val="black">
+                      <a:alpha val="40000"/>
+                    </a:prstClr>
+                  </a:outerShdw>
+                </a:effectLst>
+              </a:rPr>
+              <a:t>and Conquer”</a:t>
+            </a:r>
+          </a:p>
+        </p:txBody>
+      </p:sp>
+    </p:spTree>
+    <p:extLst>
+      <p:ext uri="{BB962C8B-B14F-4D97-AF65-F5344CB8AC3E}">
+        <p14:creationId xmlns:p14="http://schemas.microsoft.com/office/powerpoint/2010/main" val="4019869257"/>
+      </p:ext>
+    </p:extLst>
+  </p:cSld>
+  <p:clrMapOvr>
+    <a:masterClrMapping/>
+  </p:clrMapOvr>
+  <p:timing>
+    <p:tnLst>
+      <p:par>
+        <p:cTn id="1" dur="indefinite" restart="never" nodeType="tmRoot">
+          <p:childTnLst>
+            <p:seq concurrent="1" nextAc="seek">
+              <p:cTn id="2" dur="indefinite" nodeType="mainSeq">
+                <p:childTnLst>
+                  <p:par>
+                    <p:cTn id="3" fill="hold">
+                      <p:stCondLst>
+                        <p:cond delay="indefinite"/>
+                      </p:stCondLst>
+                      <p:childTnLst>
+                        <p:par>
+                          <p:cTn id="4" fill="hold">
+                            <p:stCondLst>
+                              <p:cond delay="0"/>
+                            </p:stCondLst>
+                            <p:childTnLst>
+                              <p:par>
+                                <p:cTn id="5" presetID="2" presetClass="entr" presetSubtype="4" fill="hold" grpId="0" nodeType="clickEffect">
+                                  <p:stCondLst>
+                                    <p:cond delay="0"/>
+                                  </p:stCondLst>
+                                  <p:childTnLst>
+                                    <p:set>
+                                      <p:cBhvr>
+                                        <p:cTn id="6" dur="1" fill="hold">
+                                          <p:stCondLst>
+                                            <p:cond delay="0"/>
+                                          </p:stCondLst>
+                                        </p:cTn>
+                                        <p:tgtEl>
+                                          <p:spTgt spid="5"/>
+                                        </p:tgtEl>
+                                        <p:attrNameLst>
+                                          <p:attrName>style.visibility</p:attrName>
+                                        </p:attrNameLst>
+                                      </p:cBhvr>
+                                      <p:to>
+                                        <p:strVal val="visible"/>
+                                      </p:to>
+                                    </p:set>
+                                    <p:anim calcmode="lin" valueType="num">
+                                      <p:cBhvr additive="base">
+                                        <p:cTn id="7" dur="500" fill="hold"/>
+                                        <p:tgtEl>
+                                          <p:spTgt spid="5"/>
+                                        </p:tgtEl>
+                                        <p:attrNameLst>
+                                          <p:attrName>ppt_x</p:attrName>
+                                        </p:attrNameLst>
+                                      </p:cBhvr>
+                                      <p:tavLst>
+                                        <p:tav tm="0">
+                                          <p:val>
+                                            <p:strVal val="#ppt_x"/>
+                                          </p:val>
+                                        </p:tav>
+                                        <p:tav tm="100000">
+                                          <p:val>
+                                            <p:strVal val="#ppt_x"/>
+                                          </p:val>
+                                        </p:tav>
+                                      </p:tavLst>
+                                    </p:anim>
+                                    <p:anim calcmode="lin" valueType="num">
+                                      <p:cBhvr additive="base">
+                                        <p:cTn id="8" dur="500" fill="hold"/>
+                                        <p:tgtEl>
+                                          <p:spTgt spid="5"/>
+                                        </p:tgtEl>
+                                        <p:attrNameLst>
+                                          <p:attrName>ppt_y</p:attrName>
+                                        </p:attrNameLst>
+                                      </p:cBhvr>
+                                      <p:tavLst>
+                                        <p:tav tm="0">
+                                          <p:val>
+                                            <p:strVal val="1+#ppt_h/2"/>
+                                          </p:val>
+                                        </p:tav>
+                                        <p:tav tm="100000">
+                                          <p:val>
+                                            <p:strVal val="#ppt_y"/>
+                                          </p:val>
+                                        </p:tav>
+                                      </p:tavLst>
+                                    </p:anim>
+                                  </p:childTnLst>
+                                </p:cTn>
+                              </p:par>
+                            </p:childTnLst>
+                          </p:cTn>
+                        </p:par>
+                      </p:childTnLst>
+                    </p:cTn>
+                  </p:par>
+                </p:childTnLst>
+              </p:cTn>
+              <p:prevCondLst>
+                <p:cond evt="onPrev" delay="0">
+                  <p:tgtEl>
+                    <p:sldTgt/>
+                  </p:tgtEl>
+                </p:cond>
+              </p:prevCondLst>
+              <p:nextCondLst>
+                <p:cond evt="onNext" delay="0">
+                  <p:tgtEl>
+                    <p:sldTgt/>
+                  </p:tgtEl>
+                </p:cond>
+              </p:nextCondLst>
+            </p:seq>
+          </p:childTnLst>
+        </p:cTn>
+      </p:par>
+    </p:tnLst>
+    <p:bldLst>
+      <p:bldP spid="5" grpId="0"/>
+    </p:bldLst>
+  </p:timing>
+</p:sld>
+</file>
+
+<file path=ppt/slides/slide46.xml><?xml version="1.0" encoding="utf-8"?>
+<p:sld xmlns:a="http://schemas.openxmlformats.org/drawingml/2006/main" xmlns:r="http://schemas.openxmlformats.org/officeDocument/2006/relationships" xmlns:p="http://schemas.openxmlformats.org/presentationml/2006/main">
+  <p:cSld>
+    <p:spTree>
+      <p:nvGrpSpPr>
+        <p:cNvPr id="1" name=""/>
+        <p:cNvGrpSpPr/>
+        <p:nvPr/>
+      </p:nvGrpSpPr>
+      <p:grpSpPr>
+        <a:xfrm>
+          <a:off x="0" y="0"/>
+          <a:ext cx="0" cy="0"/>
+          <a:chOff x="0" y="0"/>
+          <a:chExt cx="0" cy="0"/>
+        </a:xfrm>
+      </p:grpSpPr>
+      <p:sp>
+        <p:nvSpPr>
           <p:cNvPr id="2" name="Content Placeholder 1"/>
           <p:cNvSpPr>
             <a:spLocks noGrp="1"/>
@@ -34999,7 +35446,7 @@
 </p:sld>
 </file>
 
-<file path=ppt/slides/slide46.xml><?xml version="1.0" encoding="utf-8"?>
+<file path=ppt/slides/slide47.xml><?xml version="1.0" encoding="utf-8"?>
 <p:sld xmlns:a="http://schemas.openxmlformats.org/drawingml/2006/main" xmlns:r="http://schemas.openxmlformats.org/officeDocument/2006/relationships" xmlns:p="http://schemas.openxmlformats.org/presentationml/2006/main">
   <p:cSld>
     <p:spTree>
@@ -35502,7 +35949,7 @@
 </p:sld>
 </file>
 
-<file path=ppt/slides/slide47.xml><?xml version="1.0" encoding="utf-8"?>
+<file path=ppt/slides/slide48.xml><?xml version="1.0" encoding="utf-8"?>
 <p:sld xmlns:a="http://schemas.openxmlformats.org/drawingml/2006/main" xmlns:r="http://schemas.openxmlformats.org/officeDocument/2006/relationships" xmlns:p="http://schemas.openxmlformats.org/presentationml/2006/main">
   <p:cSld>
     <p:spTree>
@@ -36589,7 +37036,7 @@
 </p:sld>
 </file>
 
-<file path=ppt/slides/slide48.xml><?xml version="1.0" encoding="utf-8"?>
+<file path=ppt/slides/slide49.xml><?xml version="1.0" encoding="utf-8"?>
 <p:sld xmlns:a="http://schemas.openxmlformats.org/drawingml/2006/main" xmlns:r="http://schemas.openxmlformats.org/officeDocument/2006/relationships" xmlns:p="http://schemas.openxmlformats.org/presentationml/2006/main">
   <p:cSld>
     <p:spTree>
@@ -37593,130 +38040,6 @@
 </p:sld>
 </file>
 
-<file path=ppt/slides/slide49.xml><?xml version="1.0" encoding="utf-8"?>
-<p:sld xmlns:a="http://schemas.openxmlformats.org/drawingml/2006/main" xmlns:r="http://schemas.openxmlformats.org/officeDocument/2006/relationships" xmlns:p="http://schemas.openxmlformats.org/presentationml/2006/main">
-  <p:cSld>
-    <p:spTree>
-      <p:nvGrpSpPr>
-        <p:cNvPr id="1" name=""/>
-        <p:cNvGrpSpPr/>
-        <p:nvPr/>
-      </p:nvGrpSpPr>
-      <p:grpSpPr>
-        <a:xfrm>
-          <a:off x="0" y="0"/>
-          <a:ext cx="0" cy="0"/>
-          <a:chOff x="0" y="0"/>
-          <a:chExt cx="0" cy="0"/>
-        </a:xfrm>
-      </p:grpSpPr>
-      <p:sp>
-        <p:nvSpPr>
-          <p:cNvPr id="2" name="Title 1"/>
-          <p:cNvSpPr>
-            <a:spLocks noGrp="1"/>
-          </p:cNvSpPr>
-          <p:nvPr>
-            <p:ph type="title"/>
-          </p:nvPr>
-        </p:nvSpPr>
-        <p:spPr/>
-        <p:txBody>
-          <a:bodyPr/>
-          <a:lstStyle/>
-          <a:p>
-            <a:r>
-              <a:rPr lang="en-US" dirty="0" smtClean="0"/>
-              <a:t>Future</a:t>
-            </a:r>
-            <a:endParaRPr lang="en-US" dirty="0"/>
-          </a:p>
-        </p:txBody>
-      </p:sp>
-      <p:pic>
-        <p:nvPicPr>
-          <p:cNvPr id="1027" name="Picture 3"/>
-          <p:cNvPicPr>
-            <a:picLocks noChangeAspect="1" noChangeArrowheads="1"/>
-          </p:cNvPicPr>
-          <p:nvPr/>
-        </p:nvPicPr>
-        <p:blipFill>
-          <a:blip r:embed="rId3">
-            <a:extLst>
-              <a:ext uri="{28A0092B-C50C-407E-A947-70E740481C1C}">
-                <a14:useLocalDpi xmlns:a14="http://schemas.microsoft.com/office/drawing/2010/main" val="0"/>
-              </a:ext>
-            </a:extLst>
-          </a:blip>
-          <a:srcRect/>
-          <a:stretch>
-            <a:fillRect/>
-          </a:stretch>
-        </p:blipFill>
-        <p:spPr bwMode="auto">
-          <a:xfrm>
-            <a:off x="32657" y="2676525"/>
-            <a:ext cx="9230448" cy="1438275"/>
-          </a:xfrm>
-          <a:prstGeom prst="rect">
-            <a:avLst/>
-          </a:prstGeom>
-          <a:noFill/>
-          <a:ln>
-            <a:noFill/>
-          </a:ln>
-          <a:effectLst/>
-          <a:extLst>
-            <a:ext uri="{909E8E84-426E-40DD-AFC4-6F175D3DCCD1}">
-              <a14:hiddenFill xmlns:a14="http://schemas.microsoft.com/office/drawing/2010/main">
-                <a:solidFill>
-                  <a:schemeClr val="accent1"/>
-                </a:solidFill>
-              </a14:hiddenFill>
-            </a:ext>
-            <a:ext uri="{91240B29-F687-4F45-9708-019B960494DF}">
-              <a14:hiddenLine xmlns:a14="http://schemas.microsoft.com/office/drawing/2010/main" w="9525">
-                <a:solidFill>
-                  <a:schemeClr val="tx1"/>
-                </a:solidFill>
-                <a:miter lim="800000"/>
-                <a:headEnd/>
-                <a:tailEnd/>
-              </a14:hiddenLine>
-            </a:ext>
-            <a:ext uri="{AF507438-7753-43E0-B8FC-AC1667EBCBE1}">
-              <a14:hiddenEffects xmlns:a14="http://schemas.microsoft.com/office/drawing/2010/main">
-                <a:effectLst>
-                  <a:outerShdw dist="35921" dir="2700000" algn="ctr" rotWithShape="0">
-                    <a:schemeClr val="bg2"/>
-                  </a:outerShdw>
-                </a:effectLst>
-              </a14:hiddenEffects>
-            </a:ext>
-          </a:extLst>
-        </p:spPr>
-      </p:pic>
-    </p:spTree>
-    <p:extLst>
-      <p:ext uri="{BB962C8B-B14F-4D97-AF65-F5344CB8AC3E}">
-        <p14:creationId xmlns:p14="http://schemas.microsoft.com/office/powerpoint/2010/main" val="1665740506"/>
-      </p:ext>
-    </p:extLst>
-  </p:cSld>
-  <p:clrMapOvr>
-    <a:masterClrMapping/>
-  </p:clrMapOvr>
-  <p:timing>
-    <p:tnLst>
-      <p:par>
-        <p:cTn id="1" dur="indefinite" restart="never" nodeType="tmRoot"/>
-      </p:par>
-    </p:tnLst>
-  </p:timing>
-</p:sld>
-</file>
-
 <file path=ppt/slides/slide5.xml><?xml version="1.0" encoding="utf-8"?>
 <p:sld xmlns:a="http://schemas.openxmlformats.org/drawingml/2006/main" xmlns:r="http://schemas.openxmlformats.org/officeDocument/2006/relationships" xmlns:p="http://schemas.openxmlformats.org/presentationml/2006/main">
   <p:cSld>
@@ -38021,7 +38344,7 @@
       </p:grpSpPr>
       <p:sp>
         <p:nvSpPr>
-          <p:cNvPr id="3" name="Title 2"/>
+          <p:cNvPr id="2" name="Title 1"/>
           <p:cNvSpPr>
             <a:spLocks noGrp="1"/>
           </p:cNvSpPr>
@@ -38036,11 +38359,7 @@
           <a:p>
             <a:r>
               <a:rPr lang="en-US" dirty="0" smtClean="0"/>
-              <a:t>Using an </a:t>
-            </a:r>
-            <a:r>
-              <a:rPr lang="en-US" dirty="0" err="1" smtClean="0"/>
-              <a:t>ExecutorService</a:t>
+              <a:t>Future</a:t>
             </a:r>
             <a:endParaRPr lang="en-US" dirty="0"/>
           </a:p>
@@ -38048,7 +38367,7 @@
       </p:sp>
       <p:pic>
         <p:nvPicPr>
-          <p:cNvPr id="3077" name="Picture 5"/>
+          <p:cNvPr id="1027" name="Picture 3"/>
           <p:cNvPicPr>
             <a:picLocks noChangeAspect="1" noChangeArrowheads="1"/>
           </p:cNvPicPr>
@@ -38069,8 +38388,8 @@
         </p:blipFill>
         <p:spPr bwMode="auto">
           <a:xfrm>
-            <a:off x="-1" y="1371600"/>
-            <a:ext cx="9133027" cy="5029200"/>
+            <a:off x="32657" y="2676525"/>
+            <a:ext cx="9230448" cy="1438275"/>
           </a:xfrm>
           <a:prstGeom prst="rect">
             <a:avLst/>
@@ -38113,7 +38432,7 @@
     </p:spTree>
     <p:extLst>
       <p:ext uri="{BB962C8B-B14F-4D97-AF65-F5344CB8AC3E}">
-        <p14:creationId xmlns:p14="http://schemas.microsoft.com/office/powerpoint/2010/main" val="4144253835"/>
+        <p14:creationId xmlns:p14="http://schemas.microsoft.com/office/powerpoint/2010/main" val="1665740506"/>
       </p:ext>
     </p:extLst>
   </p:cSld>
@@ -38164,7 +38483,11 @@
           <a:p>
             <a:r>
               <a:rPr lang="en-US" dirty="0" smtClean="0"/>
-              <a:t>Using an Executor Service</a:t>
+              <a:t>Using an </a:t>
+            </a:r>
+            <a:r>
+              <a:rPr lang="en-US" dirty="0" err="1" smtClean="0"/>
+              <a:t>ExecutorService</a:t>
             </a:r>
             <a:endParaRPr lang="en-US" dirty="0"/>
           </a:p>
@@ -38172,27 +38495,29 @@
       </p:sp>
       <p:pic>
         <p:nvPicPr>
-          <p:cNvPr id="2050" name="Picture 2"/>
+          <p:cNvPr id="3077" name="Picture 5"/>
           <p:cNvPicPr>
             <a:picLocks noChangeAspect="1" noChangeArrowheads="1"/>
           </p:cNvPicPr>
           <p:nvPr/>
         </p:nvPicPr>
-        <p:blipFill rotWithShape="1">
-          <a:blip r:embed="rId2">
+        <p:blipFill>
+          <a:blip r:embed="rId3">
             <a:extLst>
               <a:ext uri="{28A0092B-C50C-407E-A947-70E740481C1C}">
                 <a14:useLocalDpi xmlns:a14="http://schemas.microsoft.com/office/drawing/2010/main" val="0"/>
               </a:ext>
             </a:extLst>
           </a:blip>
-          <a:srcRect t="511" b="-1"/>
-          <a:stretch/>
+          <a:srcRect/>
+          <a:stretch>
+            <a:fillRect/>
+          </a:stretch>
         </p:blipFill>
         <p:spPr bwMode="auto">
           <a:xfrm>
-            <a:off x="207356" y="1474238"/>
-            <a:ext cx="9012844" cy="5155162"/>
+            <a:off x="-1" y="1371600"/>
+            <a:ext cx="9133027" cy="5029200"/>
           </a:xfrm>
           <a:prstGeom prst="rect">
             <a:avLst/>
@@ -38235,7 +38560,7 @@
     </p:spTree>
     <p:extLst>
       <p:ext uri="{BB962C8B-B14F-4D97-AF65-F5344CB8AC3E}">
-        <p14:creationId xmlns:p14="http://schemas.microsoft.com/office/powerpoint/2010/main" val="68571375"/>
+        <p14:creationId xmlns:p14="http://schemas.microsoft.com/office/powerpoint/2010/main" val="4144253835"/>
       </p:ext>
     </p:extLst>
   </p:cSld>
@@ -38286,7 +38611,7 @@
           <a:p>
             <a:r>
               <a:rPr lang="en-US" dirty="0" smtClean="0"/>
-              <a:t>Executor Service and Timeouts</a:t>
+              <a:t>Using an Executor Service</a:t>
             </a:r>
             <a:endParaRPr lang="en-US" dirty="0"/>
           </a:p>
@@ -38294,7 +38619,7 @@
       </p:sp>
       <p:pic>
         <p:nvPicPr>
-          <p:cNvPr id="4099" name="Picture 3"/>
+          <p:cNvPr id="2050" name="Picture 2"/>
           <p:cNvPicPr>
             <a:picLocks noChangeAspect="1" noChangeArrowheads="1"/>
           </p:cNvPicPr>
@@ -38308,13 +38633,13 @@
               </a:ext>
             </a:extLst>
           </a:blip>
-          <a:srcRect b="63908"/>
+          <a:srcRect t="511" b="-1"/>
           <a:stretch/>
         </p:blipFill>
         <p:spPr bwMode="auto">
           <a:xfrm>
-            <a:off x="45098" y="3006493"/>
-            <a:ext cx="9098902" cy="2403707"/>
+            <a:off x="207356" y="1474238"/>
+            <a:ext cx="9012844" cy="5155162"/>
           </a:xfrm>
           <a:prstGeom prst="rect">
             <a:avLst/>
@@ -38357,7 +38682,7 @@
     </p:spTree>
     <p:extLst>
       <p:ext uri="{BB962C8B-B14F-4D97-AF65-F5344CB8AC3E}">
-        <p14:creationId xmlns:p14="http://schemas.microsoft.com/office/powerpoint/2010/main" val="3516827943"/>
+        <p14:creationId xmlns:p14="http://schemas.microsoft.com/office/powerpoint/2010/main" val="68571375"/>
       </p:ext>
     </p:extLst>
   </p:cSld>
@@ -38416,6 +38741,128 @@
       </p:sp>
       <p:pic>
         <p:nvPicPr>
+          <p:cNvPr id="4099" name="Picture 3"/>
+          <p:cNvPicPr>
+            <a:picLocks noChangeAspect="1" noChangeArrowheads="1"/>
+          </p:cNvPicPr>
+          <p:nvPr/>
+        </p:nvPicPr>
+        <p:blipFill rotWithShape="1">
+          <a:blip r:embed="rId2">
+            <a:extLst>
+              <a:ext uri="{28A0092B-C50C-407E-A947-70E740481C1C}">
+                <a14:useLocalDpi xmlns:a14="http://schemas.microsoft.com/office/drawing/2010/main" val="0"/>
+              </a:ext>
+            </a:extLst>
+          </a:blip>
+          <a:srcRect b="63908"/>
+          <a:stretch/>
+        </p:blipFill>
+        <p:spPr bwMode="auto">
+          <a:xfrm>
+            <a:off x="45098" y="3006493"/>
+            <a:ext cx="9098902" cy="2403707"/>
+          </a:xfrm>
+          <a:prstGeom prst="rect">
+            <a:avLst/>
+          </a:prstGeom>
+          <a:noFill/>
+          <a:ln>
+            <a:noFill/>
+          </a:ln>
+          <a:effectLst/>
+          <a:extLst>
+            <a:ext uri="{909E8E84-426E-40DD-AFC4-6F175D3DCCD1}">
+              <a14:hiddenFill xmlns:a14="http://schemas.microsoft.com/office/drawing/2010/main">
+                <a:solidFill>
+                  <a:schemeClr val="accent1"/>
+                </a:solidFill>
+              </a14:hiddenFill>
+            </a:ext>
+            <a:ext uri="{91240B29-F687-4F45-9708-019B960494DF}">
+              <a14:hiddenLine xmlns:a14="http://schemas.microsoft.com/office/drawing/2010/main" w="9525">
+                <a:solidFill>
+                  <a:schemeClr val="tx1"/>
+                </a:solidFill>
+                <a:miter lim="800000"/>
+                <a:headEnd/>
+                <a:tailEnd/>
+              </a14:hiddenLine>
+            </a:ext>
+            <a:ext uri="{AF507438-7753-43E0-B8FC-AC1667EBCBE1}">
+              <a14:hiddenEffects xmlns:a14="http://schemas.microsoft.com/office/drawing/2010/main">
+                <a:effectLst>
+                  <a:outerShdw dist="35921" dir="2700000" algn="ctr" rotWithShape="0">
+                    <a:schemeClr val="bg2"/>
+                  </a:outerShdw>
+                </a:effectLst>
+              </a14:hiddenEffects>
+            </a:ext>
+          </a:extLst>
+        </p:spPr>
+      </p:pic>
+    </p:spTree>
+    <p:extLst>
+      <p:ext uri="{BB962C8B-B14F-4D97-AF65-F5344CB8AC3E}">
+        <p14:creationId xmlns:p14="http://schemas.microsoft.com/office/powerpoint/2010/main" val="3516827943"/>
+      </p:ext>
+    </p:extLst>
+  </p:cSld>
+  <p:clrMapOvr>
+    <a:masterClrMapping/>
+  </p:clrMapOvr>
+  <p:timing>
+    <p:tnLst>
+      <p:par>
+        <p:cTn id="1" dur="indefinite" restart="never" nodeType="tmRoot"/>
+      </p:par>
+    </p:tnLst>
+  </p:timing>
+</p:sld>
+</file>
+
+<file path=ppt/slides/slide54.xml><?xml version="1.0" encoding="utf-8"?>
+<p:sld xmlns:a="http://schemas.openxmlformats.org/drawingml/2006/main" xmlns:r="http://schemas.openxmlformats.org/officeDocument/2006/relationships" xmlns:p="http://schemas.openxmlformats.org/presentationml/2006/main">
+  <p:cSld>
+    <p:spTree>
+      <p:nvGrpSpPr>
+        <p:cNvPr id="1" name=""/>
+        <p:cNvGrpSpPr/>
+        <p:nvPr/>
+      </p:nvGrpSpPr>
+      <p:grpSpPr>
+        <a:xfrm>
+          <a:off x="0" y="0"/>
+          <a:ext cx="0" cy="0"/>
+          <a:chOff x="0" y="0"/>
+          <a:chExt cx="0" cy="0"/>
+        </a:xfrm>
+      </p:grpSpPr>
+      <p:sp>
+        <p:nvSpPr>
+          <p:cNvPr id="3" name="Title 2"/>
+          <p:cNvSpPr>
+            <a:spLocks noGrp="1"/>
+          </p:cNvSpPr>
+          <p:nvPr>
+            <p:ph type="title"/>
+          </p:nvPr>
+        </p:nvSpPr>
+        <p:spPr/>
+        <p:txBody>
+          <a:bodyPr/>
+          <a:lstStyle/>
+          <a:p>
+            <a:r>
+              <a:rPr lang="en-US" dirty="0" smtClean="0"/>
+              <a:t>Executor Service and Timeouts</a:t>
+            </a:r>
+            <a:endParaRPr lang="en-US" dirty="0"/>
+          </a:p>
+        </p:txBody>
+      </p:sp>
+      <p:pic>
+        <p:nvPicPr>
           <p:cNvPr id="5122" name="Picture 2"/>
           <p:cNvPicPr>
             <a:picLocks noChangeAspect="1" noChangeArrowheads="1"/>
@@ -38498,7 +38945,7 @@
 </p:sld>
 </file>
 
-<file path=ppt/slides/slide54.xml><?xml version="1.0" encoding="utf-8"?>
+<file path=ppt/slides/slide55.xml><?xml version="1.0" encoding="utf-8"?>
 <p:sld xmlns:a="http://schemas.openxmlformats.org/drawingml/2006/main" xmlns:r="http://schemas.openxmlformats.org/officeDocument/2006/relationships" xmlns:p="http://schemas.openxmlformats.org/presentationml/2006/main">
   <p:cSld>
     <p:spTree>
@@ -39506,7 +39953,7 @@
 </p:sld>
 </file>
 
-<file path=ppt/slides/slide55.xml><?xml version="1.0" encoding="utf-8"?>
+<file path=ppt/slides/slide56.xml><?xml version="1.0" encoding="utf-8"?>
 <p:sld xmlns:a="http://schemas.openxmlformats.org/drawingml/2006/main" xmlns:r="http://schemas.openxmlformats.org/officeDocument/2006/relationships" xmlns:p="http://schemas.openxmlformats.org/presentationml/2006/main">
   <p:cSld>
     <p:spTree>
@@ -39620,134 +40067,6 @@
     <p:extLst>
       <p:ext uri="{BB962C8B-B14F-4D97-AF65-F5344CB8AC3E}">
         <p14:creationId xmlns:p14="http://schemas.microsoft.com/office/powerpoint/2010/main" val="1519658459"/>
-      </p:ext>
-    </p:extLst>
-  </p:cSld>
-  <p:clrMapOvr>
-    <a:masterClrMapping/>
-  </p:clrMapOvr>
-  <p:timing>
-    <p:tnLst>
-      <p:par>
-        <p:cTn id="1" dur="indefinite" restart="never" nodeType="tmRoot"/>
-      </p:par>
-    </p:tnLst>
-  </p:timing>
-</p:sld>
-</file>
-
-<file path=ppt/slides/slide56.xml><?xml version="1.0" encoding="utf-8"?>
-<p:sld xmlns:a="http://schemas.openxmlformats.org/drawingml/2006/main" xmlns:r="http://schemas.openxmlformats.org/officeDocument/2006/relationships" xmlns:p="http://schemas.openxmlformats.org/presentationml/2006/main">
-  <p:cSld>
-    <p:spTree>
-      <p:nvGrpSpPr>
-        <p:cNvPr id="1" name=""/>
-        <p:cNvGrpSpPr/>
-        <p:nvPr/>
-      </p:nvGrpSpPr>
-      <p:grpSpPr>
-        <a:xfrm>
-          <a:off x="0" y="0"/>
-          <a:ext cx="0" cy="0"/>
-          <a:chOff x="0" y="0"/>
-          <a:chExt cx="0" cy="0"/>
-        </a:xfrm>
-      </p:grpSpPr>
-      <p:sp>
-        <p:nvSpPr>
-          <p:cNvPr id="3" name="Title 2"/>
-          <p:cNvSpPr>
-            <a:spLocks noGrp="1"/>
-          </p:cNvSpPr>
-          <p:nvPr>
-            <p:ph type="title"/>
-          </p:nvPr>
-        </p:nvSpPr>
-        <p:spPr/>
-        <p:txBody>
-          <a:bodyPr/>
-          <a:lstStyle/>
-          <a:p>
-            <a:r>
-              <a:rPr lang="en-US" smtClean="0"/>
-              <a:t>Create a </a:t>
-            </a:r>
-            <a:r>
-              <a:rPr lang="en-US" dirty="0" smtClean="0"/>
-              <a:t>‘Runnable’ Task</a:t>
-            </a:r>
-            <a:endParaRPr lang="en-US" dirty="0"/>
-          </a:p>
-        </p:txBody>
-      </p:sp>
-      <p:pic>
-        <p:nvPicPr>
-          <p:cNvPr id="3075" name="Picture 3"/>
-          <p:cNvPicPr>
-            <a:picLocks noChangeAspect="1" noChangeArrowheads="1"/>
-          </p:cNvPicPr>
-          <p:nvPr/>
-        </p:nvPicPr>
-        <p:blipFill>
-          <a:blip r:embed="rId2">
-            <a:extLst>
-              <a:ext uri="{28A0092B-C50C-407E-A947-70E740481C1C}">
-                <a14:useLocalDpi xmlns:a14="http://schemas.microsoft.com/office/drawing/2010/main" val="0"/>
-              </a:ext>
-            </a:extLst>
-          </a:blip>
-          <a:srcRect/>
-          <a:stretch>
-            <a:fillRect/>
-          </a:stretch>
-        </p:blipFill>
-        <p:spPr bwMode="auto">
-          <a:xfrm>
-            <a:off x="228600" y="1371600"/>
-            <a:ext cx="8915400" cy="5544766"/>
-          </a:xfrm>
-          <a:prstGeom prst="rect">
-            <a:avLst/>
-          </a:prstGeom>
-          <a:noFill/>
-          <a:ln>
-            <a:noFill/>
-          </a:ln>
-          <a:effectLst/>
-          <a:extLst>
-            <a:ext uri="{909E8E84-426E-40DD-AFC4-6F175D3DCCD1}">
-              <a14:hiddenFill xmlns:a14="http://schemas.microsoft.com/office/drawing/2010/main">
-                <a:solidFill>
-                  <a:schemeClr val="accent1"/>
-                </a:solidFill>
-              </a14:hiddenFill>
-            </a:ext>
-            <a:ext uri="{91240B29-F687-4F45-9708-019B960494DF}">
-              <a14:hiddenLine xmlns:a14="http://schemas.microsoft.com/office/drawing/2010/main" w="9525">
-                <a:solidFill>
-                  <a:schemeClr val="tx1"/>
-                </a:solidFill>
-                <a:miter lim="800000"/>
-                <a:headEnd/>
-                <a:tailEnd/>
-              </a14:hiddenLine>
-            </a:ext>
-            <a:ext uri="{AF507438-7753-43E0-B8FC-AC1667EBCBE1}">
-              <a14:hiddenEffects xmlns:a14="http://schemas.microsoft.com/office/drawing/2010/main">
-                <a:effectLst>
-                  <a:outerShdw dist="35921" dir="2700000" algn="ctr" rotWithShape="0">
-                    <a:schemeClr val="bg2"/>
-                  </a:outerShdw>
-                </a:effectLst>
-              </a14:hiddenEffects>
-            </a:ext>
-          </a:extLst>
-        </p:spPr>
-      </p:pic>
-    </p:spTree>
-    <p:extLst>
-      <p:ext uri="{BB962C8B-B14F-4D97-AF65-F5344CB8AC3E}">
-        <p14:creationId xmlns:p14="http://schemas.microsoft.com/office/powerpoint/2010/main" val="3695919167"/>
       </p:ext>
     </p:extLst>
   </p:cSld>
@@ -39793,6 +40112,134 @@
         </p:nvSpPr>
         <p:spPr/>
         <p:txBody>
+          <a:bodyPr/>
+          <a:lstStyle/>
+          <a:p>
+            <a:r>
+              <a:rPr lang="en-US" smtClean="0"/>
+              <a:t>Create a </a:t>
+            </a:r>
+            <a:r>
+              <a:rPr lang="en-US" dirty="0" smtClean="0"/>
+              <a:t>‘Runnable’ Task</a:t>
+            </a:r>
+            <a:endParaRPr lang="en-US" dirty="0"/>
+          </a:p>
+        </p:txBody>
+      </p:sp>
+      <p:pic>
+        <p:nvPicPr>
+          <p:cNvPr id="3075" name="Picture 3"/>
+          <p:cNvPicPr>
+            <a:picLocks noChangeAspect="1" noChangeArrowheads="1"/>
+          </p:cNvPicPr>
+          <p:nvPr/>
+        </p:nvPicPr>
+        <p:blipFill>
+          <a:blip r:embed="rId2">
+            <a:extLst>
+              <a:ext uri="{28A0092B-C50C-407E-A947-70E740481C1C}">
+                <a14:useLocalDpi xmlns:a14="http://schemas.microsoft.com/office/drawing/2010/main" val="0"/>
+              </a:ext>
+            </a:extLst>
+          </a:blip>
+          <a:srcRect/>
+          <a:stretch>
+            <a:fillRect/>
+          </a:stretch>
+        </p:blipFill>
+        <p:spPr bwMode="auto">
+          <a:xfrm>
+            <a:off x="228600" y="1371600"/>
+            <a:ext cx="8915400" cy="5544766"/>
+          </a:xfrm>
+          <a:prstGeom prst="rect">
+            <a:avLst/>
+          </a:prstGeom>
+          <a:noFill/>
+          <a:ln>
+            <a:noFill/>
+          </a:ln>
+          <a:effectLst/>
+          <a:extLst>
+            <a:ext uri="{909E8E84-426E-40DD-AFC4-6F175D3DCCD1}">
+              <a14:hiddenFill xmlns:a14="http://schemas.microsoft.com/office/drawing/2010/main">
+                <a:solidFill>
+                  <a:schemeClr val="accent1"/>
+                </a:solidFill>
+              </a14:hiddenFill>
+            </a:ext>
+            <a:ext uri="{91240B29-F687-4F45-9708-019B960494DF}">
+              <a14:hiddenLine xmlns:a14="http://schemas.microsoft.com/office/drawing/2010/main" w="9525">
+                <a:solidFill>
+                  <a:schemeClr val="tx1"/>
+                </a:solidFill>
+                <a:miter lim="800000"/>
+                <a:headEnd/>
+                <a:tailEnd/>
+              </a14:hiddenLine>
+            </a:ext>
+            <a:ext uri="{AF507438-7753-43E0-B8FC-AC1667EBCBE1}">
+              <a14:hiddenEffects xmlns:a14="http://schemas.microsoft.com/office/drawing/2010/main">
+                <a:effectLst>
+                  <a:outerShdw dist="35921" dir="2700000" algn="ctr" rotWithShape="0">
+                    <a:schemeClr val="bg2"/>
+                  </a:outerShdw>
+                </a:effectLst>
+              </a14:hiddenEffects>
+            </a:ext>
+          </a:extLst>
+        </p:spPr>
+      </p:pic>
+    </p:spTree>
+    <p:extLst>
+      <p:ext uri="{BB962C8B-B14F-4D97-AF65-F5344CB8AC3E}">
+        <p14:creationId xmlns:p14="http://schemas.microsoft.com/office/powerpoint/2010/main" val="3695919167"/>
+      </p:ext>
+    </p:extLst>
+  </p:cSld>
+  <p:clrMapOvr>
+    <a:masterClrMapping/>
+  </p:clrMapOvr>
+  <p:timing>
+    <p:tnLst>
+      <p:par>
+        <p:cTn id="1" dur="indefinite" restart="never" nodeType="tmRoot"/>
+      </p:par>
+    </p:tnLst>
+  </p:timing>
+</p:sld>
+</file>
+
+<file path=ppt/slides/slide58.xml><?xml version="1.0" encoding="utf-8"?>
+<p:sld xmlns:a="http://schemas.openxmlformats.org/drawingml/2006/main" xmlns:r="http://schemas.openxmlformats.org/officeDocument/2006/relationships" xmlns:p="http://schemas.openxmlformats.org/presentationml/2006/main">
+  <p:cSld>
+    <p:spTree>
+      <p:nvGrpSpPr>
+        <p:cNvPr id="1" name=""/>
+        <p:cNvGrpSpPr/>
+        <p:nvPr/>
+      </p:nvGrpSpPr>
+      <p:grpSpPr>
+        <a:xfrm>
+          <a:off x="0" y="0"/>
+          <a:ext cx="0" cy="0"/>
+          <a:chOff x="0" y="0"/>
+          <a:chExt cx="0" cy="0"/>
+        </a:xfrm>
+      </p:grpSpPr>
+      <p:sp>
+        <p:nvSpPr>
+          <p:cNvPr id="3" name="Title 2"/>
+          <p:cNvSpPr>
+            <a:spLocks noGrp="1"/>
+          </p:cNvSpPr>
+          <p:nvPr>
+            <p:ph type="title"/>
+          </p:nvPr>
+        </p:nvSpPr>
+        <p:spPr/>
+        <p:txBody>
           <a:bodyPr>
             <a:normAutofit/>
           </a:bodyPr>
@@ -39890,7 +40337,7 @@
 </p:sld>
 </file>
 
-<file path=ppt/slides/slide58.xml><?xml version="1.0" encoding="utf-8"?>
+<file path=ppt/slides/slide59.xml><?xml version="1.0" encoding="utf-8"?>
 <p:sld xmlns:a="http://schemas.openxmlformats.org/drawingml/2006/main" xmlns:r="http://schemas.openxmlformats.org/officeDocument/2006/relationships" xmlns:p="http://schemas.openxmlformats.org/presentationml/2006/main">
   <p:cSld>
     <p:spTree>
@@ -39909,70 +40356,6 @@
       </p:grpSpPr>
       <p:sp>
         <p:nvSpPr>
-          <p:cNvPr id="2" name="Content Placeholder 1"/>
-          <p:cNvSpPr>
-            <a:spLocks noGrp="1"/>
-          </p:cNvSpPr>
-          <p:nvPr>
-            <p:ph idx="1"/>
-          </p:nvPr>
-        </p:nvSpPr>
-        <p:spPr/>
-        <p:txBody>
-          <a:bodyPr/>
-          <a:lstStyle/>
-          <a:p>
-            <a:r>
-              <a:rPr lang="en-US" dirty="0" smtClean="0"/>
-              <a:t>Configure an </a:t>
-            </a:r>
-            <a:r>
-              <a:rPr lang="en-US" dirty="0" err="1" smtClean="0"/>
-              <a:t>ExecutorCompletionService</a:t>
-            </a:r>
-            <a:endParaRPr lang="en-US" dirty="0" smtClean="0"/>
-          </a:p>
-          <a:p>
-            <a:r>
-              <a:rPr lang="en-US" dirty="0"/>
-              <a:t>Create a “Completion” </a:t>
-            </a:r>
-            <a:r>
-              <a:rPr lang="en-US" dirty="0" smtClean="0"/>
-              <a:t>Task instance</a:t>
-            </a:r>
-            <a:endParaRPr lang="en-US" dirty="0"/>
-          </a:p>
-          <a:p>
-            <a:r>
-              <a:rPr lang="en-US" dirty="0" smtClean="0"/>
-              <a:t>Create and initialize multiple “Task” CFCs</a:t>
-            </a:r>
-          </a:p>
-          <a:p>
-            <a:r>
-              <a:rPr lang="en-US" dirty="0" smtClean="0"/>
-              <a:t>“submit” tasks to the </a:t>
-            </a:r>
-            <a:r>
-              <a:rPr lang="en-US" dirty="0" err="1" smtClean="0"/>
-              <a:t>CompletionService</a:t>
-            </a:r>
-            <a:endParaRPr lang="en-US" dirty="0" smtClean="0"/>
-          </a:p>
-          <a:p>
-            <a:r>
-              <a:rPr lang="en-US" dirty="0" smtClean="0"/>
-              <a:t>Completion task periodically polls for results</a:t>
-            </a:r>
-          </a:p>
-          <a:p>
-            <a:endParaRPr lang="en-US" dirty="0"/>
-          </a:p>
-        </p:txBody>
-      </p:sp>
-      <p:sp>
-        <p:nvSpPr>
           <p:cNvPr id="3" name="Title 2"/>
           <p:cNvSpPr>
             <a:spLocks noGrp="1"/>
@@ -39983,125 +40366,221 @@
         </p:nvSpPr>
         <p:spPr/>
         <p:txBody>
-          <a:bodyPr/>
+          <a:bodyPr>
+            <a:normAutofit fontScale="90000"/>
+          </a:bodyPr>
           <a:lstStyle/>
           <a:p>
             <a:r>
               <a:rPr lang="en-US" dirty="0" err="1" smtClean="0"/>
               <a:t>ExecutorCompletionService</a:t>
+            </a:r>
+            <a:r>
+              <a:rPr lang="en-US" dirty="0" smtClean="0"/>
+              <a:t> </a:t>
+            </a:r>
+            <a:r>
+              <a:rPr lang="en-US" dirty="0" smtClean="0"/>
+              <a:t>Overview</a:t>
             </a:r>
             <a:endParaRPr lang="en-US" dirty="0"/>
           </a:p>
         </p:txBody>
       </p:sp>
-    </p:spTree>
-    <p:extLst>
-      <p:ext uri="{BB962C8B-B14F-4D97-AF65-F5344CB8AC3E}">
-        <p14:creationId xmlns:p14="http://schemas.microsoft.com/office/powerpoint/2010/main" val="1580308700"/>
-      </p:ext>
-    </p:extLst>
-  </p:cSld>
-  <p:clrMapOvr>
-    <a:masterClrMapping/>
-  </p:clrMapOvr>
-  <p:timing>
-    <p:tnLst>
-      <p:par>
-        <p:cTn id="1" dur="indefinite" restart="never" nodeType="tmRoot"/>
-      </p:par>
-    </p:tnLst>
-  </p:timing>
-</p:sld>
-</file>
-
-<file path=ppt/slides/slide59.xml><?xml version="1.0" encoding="utf-8"?>
-<p:sld xmlns:a="http://schemas.openxmlformats.org/drawingml/2006/main" xmlns:r="http://schemas.openxmlformats.org/officeDocument/2006/relationships" xmlns:p="http://schemas.openxmlformats.org/presentationml/2006/main" showMasterSp="0">
-  <p:cSld>
-    <p:spTree>
-      <p:nvGrpSpPr>
-        <p:cNvPr id="1" name=""/>
-        <p:cNvGrpSpPr/>
-        <p:nvPr/>
-      </p:nvGrpSpPr>
-      <p:grpSpPr>
-        <a:xfrm>
-          <a:off x="0" y="0"/>
-          <a:ext cx="0" cy="0"/>
-          <a:chOff x="0" y="0"/>
-          <a:chExt cx="0" cy="0"/>
-        </a:xfrm>
-      </p:grpSpPr>
-      <p:pic>
-        <p:nvPicPr>
-          <p:cNvPr id="9219" name="Picture 3" descr="C:\dev\projects\wwwroot\mxunit-cfmeetups\CFObjective_2012_Concurrency\preso\workQueue_Executor_completionQueue_apples.png"/>
-          <p:cNvPicPr>
-            <a:picLocks noChangeAspect="1" noChangeArrowheads="1"/>
-          </p:cNvPicPr>
+      <p:sp>
+        <p:nvSpPr>
+          <p:cNvPr id="5" name="Content Placeholder 1"/>
+          <p:cNvSpPr txBox="1">
+            <a:spLocks/>
+          </p:cNvSpPr>
           <p:nvPr/>
-        </p:nvPicPr>
-        <p:blipFill>
-          <a:blip r:embed="rId2">
-            <a:extLst>
-              <a:ext uri="{28A0092B-C50C-407E-A947-70E740481C1C}">
-                <a14:useLocalDpi xmlns:a14="http://schemas.microsoft.com/office/drawing/2010/main" val="0"/>
-              </a:ext>
-            </a:extLst>
-          </a:blip>
-          <a:srcRect/>
-          <a:stretch>
-            <a:fillRect/>
-          </a:stretch>
-        </p:blipFill>
-        <p:spPr bwMode="auto">
+        </p:nvSpPr>
+        <p:spPr>
           <a:xfrm>
-            <a:off x="196769" y="628548"/>
-            <a:ext cx="8914574" cy="6686652"/>
+            <a:off x="914400" y="3581400"/>
+            <a:ext cx="8077200" cy="914400"/>
           </a:xfrm>
           <a:prstGeom prst="rect">
             <a:avLst/>
           </a:prstGeom>
-          <a:noFill/>
-          <a:extLst>
-            <a:ext uri="{909E8E84-426E-40DD-AFC4-6F175D3DCCD1}">
-              <a14:hiddenFill xmlns:a14="http://schemas.microsoft.com/office/drawing/2010/main">
-                <a:solidFill>
-                  <a:srgbClr val="FFFFFF"/>
-                </a:solidFill>
-              </a14:hiddenFill>
-            </a:ext>
-          </a:extLst>
-        </p:spPr>
-      </p:pic>
-      <p:sp>
-        <p:nvSpPr>
-          <p:cNvPr id="4" name="TextBox 3"/>
-          <p:cNvSpPr txBox="1"/>
-          <p:nvPr/>
-        </p:nvSpPr>
-        <p:spPr>
-          <a:xfrm>
-            <a:off x="152400" y="164812"/>
-            <a:ext cx="2971800" cy="584775"/>
-          </a:xfrm>
-          <a:prstGeom prst="rect">
-            <a:avLst/>
-          </a:prstGeom>
-          <a:noFill/>
         </p:spPr>
         <p:txBody>
-          <a:bodyPr wrap="square" rtlCol="0">
-            <a:spAutoFit/>
+          <a:bodyPr vert="horz" lIns="91440" tIns="45720" rIns="91440" bIns="45720" rtlCol="0">
+            <a:noAutofit/>
           </a:bodyPr>
-          <a:lstStyle/>
+          <a:lstStyle>
+            <a:lvl1pPr marL="274320" indent="-274320" algn="l" defTabSz="914400" rtl="0" eaLnBrk="1" latinLnBrk="0" hangingPunct="1">
+              <a:spcBef>
+                <a:spcPct val="20000"/>
+              </a:spcBef>
+              <a:buClr>
+                <a:schemeClr val="accent1"/>
+              </a:buClr>
+              <a:buSzPct val="100000"/>
+              <a:buFont typeface="Symbol" pitchFamily="18" charset="2"/>
+              <a:buChar char=""/>
+              <a:defRPr sz="2400" kern="1200">
+                <a:solidFill>
+                  <a:schemeClr val="tx2"/>
+                </a:solidFill>
+                <a:latin typeface="+mn-lt"/>
+                <a:ea typeface="+mn-ea"/>
+                <a:cs typeface="+mn-cs"/>
+              </a:defRPr>
+            </a:lvl1pPr>
+            <a:lvl2pPr marL="576263" indent="-274320" algn="l" defTabSz="914400" rtl="0" eaLnBrk="1" latinLnBrk="0" hangingPunct="1">
+              <a:spcBef>
+                <a:spcPct val="20000"/>
+              </a:spcBef>
+              <a:buClr>
+                <a:schemeClr val="accent1"/>
+              </a:buClr>
+              <a:buSzPct val="100000"/>
+              <a:buFont typeface="Symbol" pitchFamily="18" charset="2"/>
+              <a:buChar char=""/>
+              <a:defRPr sz="2200" kern="1200">
+                <a:solidFill>
+                  <a:schemeClr val="tx2"/>
+                </a:solidFill>
+                <a:latin typeface="+mn-lt"/>
+                <a:ea typeface="+mn-ea"/>
+                <a:cs typeface="+mn-cs"/>
+              </a:defRPr>
+            </a:lvl2pPr>
+            <a:lvl3pPr marL="855663" indent="-228600" algn="l" defTabSz="914400" rtl="0" eaLnBrk="1" latinLnBrk="0" hangingPunct="1">
+              <a:spcBef>
+                <a:spcPct val="20000"/>
+              </a:spcBef>
+              <a:buClr>
+                <a:schemeClr val="accent1"/>
+              </a:buClr>
+              <a:buSzPct val="100000"/>
+              <a:buFont typeface="Symbol" pitchFamily="18" charset="2"/>
+              <a:buChar char=""/>
+              <a:defRPr sz="2000" kern="1200">
+                <a:solidFill>
+                  <a:schemeClr val="tx2"/>
+                </a:solidFill>
+                <a:latin typeface="+mn-lt"/>
+                <a:ea typeface="+mn-ea"/>
+                <a:cs typeface="+mn-cs"/>
+              </a:defRPr>
+            </a:lvl3pPr>
+            <a:lvl4pPr marL="1143000" indent="-228600" algn="l" defTabSz="914400" rtl="0" eaLnBrk="1" latinLnBrk="0" hangingPunct="1">
+              <a:spcBef>
+                <a:spcPct val="20000"/>
+              </a:spcBef>
+              <a:buClr>
+                <a:schemeClr val="accent1"/>
+              </a:buClr>
+              <a:buSzPct val="100000"/>
+              <a:buFont typeface="Symbol" pitchFamily="18" charset="2"/>
+              <a:buChar char=""/>
+              <a:defRPr sz="1800" kern="1200">
+                <a:solidFill>
+                  <a:schemeClr val="tx2"/>
+                </a:solidFill>
+                <a:latin typeface="+mn-lt"/>
+                <a:ea typeface="+mn-ea"/>
+                <a:cs typeface="+mn-cs"/>
+              </a:defRPr>
+            </a:lvl4pPr>
+            <a:lvl5pPr marL="1463040" indent="-228600" algn="l" defTabSz="914400" rtl="0" eaLnBrk="1" latinLnBrk="0" hangingPunct="1">
+              <a:spcBef>
+                <a:spcPct val="20000"/>
+              </a:spcBef>
+              <a:buClr>
+                <a:schemeClr val="accent1"/>
+              </a:buClr>
+              <a:buSzPct val="100000"/>
+              <a:buFont typeface="Symbol" pitchFamily="18" charset="2"/>
+              <a:buChar char=""/>
+              <a:defRPr sz="1600" kern="1200">
+                <a:solidFill>
+                  <a:schemeClr val="tx2"/>
+                </a:solidFill>
+                <a:latin typeface="+mn-lt"/>
+                <a:ea typeface="+mn-ea"/>
+                <a:cs typeface="+mn-cs"/>
+              </a:defRPr>
+            </a:lvl5pPr>
+            <a:lvl6pPr marL="1783080" indent="-228600" algn="l" defTabSz="914400" rtl="0" eaLnBrk="1" latinLnBrk="0" hangingPunct="1">
+              <a:spcBef>
+                <a:spcPts val="384"/>
+              </a:spcBef>
+              <a:buClr>
+                <a:schemeClr val="accent1"/>
+              </a:buClr>
+              <a:buFont typeface="Symbol" pitchFamily="18" charset="2"/>
+              <a:buChar char="*"/>
+              <a:defRPr sz="1400" kern="1200">
+                <a:solidFill>
+                  <a:schemeClr val="tx2"/>
+                </a:solidFill>
+                <a:latin typeface="+mn-lt"/>
+                <a:ea typeface="+mn-ea"/>
+                <a:cs typeface="+mn-cs"/>
+              </a:defRPr>
+            </a:lvl6pPr>
+            <a:lvl7pPr marL="2103120" indent="-228600" algn="l" defTabSz="914400" rtl="0" eaLnBrk="1" latinLnBrk="0" hangingPunct="1">
+              <a:spcBef>
+                <a:spcPts val="384"/>
+              </a:spcBef>
+              <a:buClr>
+                <a:schemeClr val="accent1"/>
+              </a:buClr>
+              <a:buFont typeface="Symbol" pitchFamily="18" charset="2"/>
+              <a:buChar char="*"/>
+              <a:defRPr sz="1400" kern="1200">
+                <a:solidFill>
+                  <a:schemeClr val="tx2"/>
+                </a:solidFill>
+                <a:latin typeface="+mn-lt"/>
+                <a:ea typeface="+mn-ea"/>
+                <a:cs typeface="+mn-cs"/>
+              </a:defRPr>
+            </a:lvl7pPr>
+            <a:lvl8pPr marL="2423160" indent="-228600" algn="l" defTabSz="914400" rtl="0" eaLnBrk="1" latinLnBrk="0" hangingPunct="1">
+              <a:spcBef>
+                <a:spcPts val="384"/>
+              </a:spcBef>
+              <a:buClr>
+                <a:schemeClr val="accent1"/>
+              </a:buClr>
+              <a:buFont typeface="Symbol" pitchFamily="18" charset="2"/>
+              <a:buChar char="*"/>
+              <a:defRPr sz="1400" kern="1200">
+                <a:solidFill>
+                  <a:schemeClr val="tx2"/>
+                </a:solidFill>
+                <a:latin typeface="+mn-lt"/>
+                <a:ea typeface="+mn-ea"/>
+                <a:cs typeface="+mn-cs"/>
+              </a:defRPr>
+            </a:lvl8pPr>
+            <a:lvl9pPr marL="2743200" indent="-228600" algn="l" defTabSz="914400" rtl="0" eaLnBrk="1" latinLnBrk="0" hangingPunct="1">
+              <a:spcBef>
+                <a:spcPts val="384"/>
+              </a:spcBef>
+              <a:buClr>
+                <a:schemeClr val="accent1"/>
+              </a:buClr>
+              <a:buFont typeface="Symbol" pitchFamily="18" charset="2"/>
+              <a:buChar char="*"/>
+              <a:defRPr sz="1400" kern="1200">
+                <a:solidFill>
+                  <a:schemeClr val="tx2"/>
+                </a:solidFill>
+                <a:latin typeface="+mn-lt"/>
+                <a:ea typeface="+mn-ea"/>
+                <a:cs typeface="+mn-cs"/>
+              </a:defRPr>
+            </a:lvl9pPr>
+          </a:lstStyle>
           <a:p>
-            <a:pPr algn="ctr">
-              <a:spcBef>
-                <a:spcPct val="20000"/>
-              </a:spcBef>
-              <a:buClr>
-                <a:schemeClr val="accent1"/>
-              </a:buClr>
-              <a:buSzPct val="100000"/>
+            <a:pPr marL="0" indent="0">
+              <a:buFont typeface="Symbol" pitchFamily="18" charset="2"/>
+              <a:buNone/>
             </a:pPr>
             <a:r>
               <a:rPr lang="en-US" sz="3200" dirty="0">
@@ -40116,42 +40595,8 @@
                   </a:outerShdw>
                 </a:effectLst>
               </a:rPr>
-              <a:t>“Work Queue”</a:t>
-            </a:r>
-          </a:p>
-        </p:txBody>
-      </p:sp>
-      <p:sp>
-        <p:nvSpPr>
-          <p:cNvPr id="6" name="TextBox 5"/>
-          <p:cNvSpPr txBox="1"/>
-          <p:nvPr/>
-        </p:nvSpPr>
-        <p:spPr>
-          <a:xfrm>
-            <a:off x="2514600" y="6096000"/>
-            <a:ext cx="4648200" cy="584775"/>
-          </a:xfrm>
-          <a:prstGeom prst="rect">
-            <a:avLst/>
-          </a:prstGeom>
-          <a:noFill/>
-        </p:spPr>
-        <p:txBody>
-          <a:bodyPr wrap="square" rtlCol="0">
-            <a:spAutoFit/>
-          </a:bodyPr>
-          <a:lstStyle/>
-          <a:p>
-            <a:pPr algn="ctr">
-              <a:spcBef>
-                <a:spcPct val="20000"/>
-              </a:spcBef>
-              <a:buClr>
-                <a:schemeClr val="accent1"/>
-              </a:buClr>
-              <a:buSzPct val="100000"/>
-            </a:pPr>
+              <a:t>2</a:t>
+            </a:r>
             <a:r>
               <a:rPr lang="en-US" sz="3200" dirty="0" smtClean="0">
                 <a:solidFill>
@@ -40165,10 +40610,10 @@
                   </a:outerShdw>
                 </a:effectLst>
               </a:rPr>
-              <a:t>“Completion </a:t>
-            </a:r>
-            <a:r>
-              <a:rPr lang="en-US" sz="3200" dirty="0">
+              <a:t>. </a:t>
+            </a:r>
+            <a:r>
+              <a:rPr lang="en-US" sz="3200" dirty="0" smtClean="0">
                 <a:solidFill>
                   <a:srgbClr val="FF0000"/>
                 </a:solidFill>
@@ -40180,8 +40625,218 @@
                   </a:outerShdw>
                 </a:effectLst>
               </a:rPr>
-              <a:t>Queue</a:t>
-            </a:r>
+              <a:t>Create and schedule a “Completion Task”:</a:t>
+            </a:r>
+            <a:endParaRPr lang="en-US" sz="3200" dirty="0">
+              <a:solidFill>
+                <a:srgbClr val="FF0000"/>
+              </a:solidFill>
+              <a:effectLst>
+                <a:outerShdw blurRad="50800" dist="38100" dir="2700000" algn="tl" rotWithShape="0">
+                  <a:prstClr val="black">
+                    <a:alpha val="40000"/>
+                  </a:prstClr>
+                </a:outerShdw>
+              </a:effectLst>
+            </a:endParaRPr>
+          </a:p>
+        </p:txBody>
+      </p:sp>
+      <p:sp>
+        <p:nvSpPr>
+          <p:cNvPr id="4" name="Content Placeholder 1"/>
+          <p:cNvSpPr txBox="1">
+            <a:spLocks/>
+          </p:cNvSpPr>
+          <p:nvPr/>
+        </p:nvSpPr>
+        <p:spPr>
+          <a:xfrm>
+            <a:off x="533400" y="2827176"/>
+            <a:ext cx="7162800" cy="914400"/>
+          </a:xfrm>
+          <a:prstGeom prst="rect">
+            <a:avLst/>
+          </a:prstGeom>
+        </p:spPr>
+        <p:txBody>
+          <a:bodyPr vert="horz" lIns="91440" tIns="45720" rIns="91440" bIns="45720" rtlCol="0">
+            <a:noAutofit/>
+          </a:bodyPr>
+          <a:lstStyle>
+            <a:lvl1pPr marL="274320" indent="-274320" algn="l" defTabSz="914400" rtl="0" eaLnBrk="1" latinLnBrk="0" hangingPunct="1">
+              <a:spcBef>
+                <a:spcPct val="20000"/>
+              </a:spcBef>
+              <a:buClr>
+                <a:schemeClr val="accent1"/>
+              </a:buClr>
+              <a:buSzPct val="100000"/>
+              <a:buFont typeface="Symbol" pitchFamily="18" charset="2"/>
+              <a:buChar char=""/>
+              <a:defRPr sz="2400" kern="1200">
+                <a:solidFill>
+                  <a:schemeClr val="tx2"/>
+                </a:solidFill>
+                <a:latin typeface="+mn-lt"/>
+                <a:ea typeface="+mn-ea"/>
+                <a:cs typeface="+mn-cs"/>
+              </a:defRPr>
+            </a:lvl1pPr>
+            <a:lvl2pPr marL="576263" indent="-274320" algn="l" defTabSz="914400" rtl="0" eaLnBrk="1" latinLnBrk="0" hangingPunct="1">
+              <a:spcBef>
+                <a:spcPct val="20000"/>
+              </a:spcBef>
+              <a:buClr>
+                <a:schemeClr val="accent1"/>
+              </a:buClr>
+              <a:buSzPct val="100000"/>
+              <a:buFont typeface="Symbol" pitchFamily="18" charset="2"/>
+              <a:buChar char=""/>
+              <a:defRPr sz="2200" kern="1200">
+                <a:solidFill>
+                  <a:schemeClr val="tx2"/>
+                </a:solidFill>
+                <a:latin typeface="+mn-lt"/>
+                <a:ea typeface="+mn-ea"/>
+                <a:cs typeface="+mn-cs"/>
+              </a:defRPr>
+            </a:lvl2pPr>
+            <a:lvl3pPr marL="855663" indent="-228600" algn="l" defTabSz="914400" rtl="0" eaLnBrk="1" latinLnBrk="0" hangingPunct="1">
+              <a:spcBef>
+                <a:spcPct val="20000"/>
+              </a:spcBef>
+              <a:buClr>
+                <a:schemeClr val="accent1"/>
+              </a:buClr>
+              <a:buSzPct val="100000"/>
+              <a:buFont typeface="Symbol" pitchFamily="18" charset="2"/>
+              <a:buChar char=""/>
+              <a:defRPr sz="2000" kern="1200">
+                <a:solidFill>
+                  <a:schemeClr val="tx2"/>
+                </a:solidFill>
+                <a:latin typeface="+mn-lt"/>
+                <a:ea typeface="+mn-ea"/>
+                <a:cs typeface="+mn-cs"/>
+              </a:defRPr>
+            </a:lvl3pPr>
+            <a:lvl4pPr marL="1143000" indent="-228600" algn="l" defTabSz="914400" rtl="0" eaLnBrk="1" latinLnBrk="0" hangingPunct="1">
+              <a:spcBef>
+                <a:spcPct val="20000"/>
+              </a:spcBef>
+              <a:buClr>
+                <a:schemeClr val="accent1"/>
+              </a:buClr>
+              <a:buSzPct val="100000"/>
+              <a:buFont typeface="Symbol" pitchFamily="18" charset="2"/>
+              <a:buChar char=""/>
+              <a:defRPr sz="1800" kern="1200">
+                <a:solidFill>
+                  <a:schemeClr val="tx2"/>
+                </a:solidFill>
+                <a:latin typeface="+mn-lt"/>
+                <a:ea typeface="+mn-ea"/>
+                <a:cs typeface="+mn-cs"/>
+              </a:defRPr>
+            </a:lvl4pPr>
+            <a:lvl5pPr marL="1463040" indent="-228600" algn="l" defTabSz="914400" rtl="0" eaLnBrk="1" latinLnBrk="0" hangingPunct="1">
+              <a:spcBef>
+                <a:spcPct val="20000"/>
+              </a:spcBef>
+              <a:buClr>
+                <a:schemeClr val="accent1"/>
+              </a:buClr>
+              <a:buSzPct val="100000"/>
+              <a:buFont typeface="Symbol" pitchFamily="18" charset="2"/>
+              <a:buChar char=""/>
+              <a:defRPr sz="1600" kern="1200">
+                <a:solidFill>
+                  <a:schemeClr val="tx2"/>
+                </a:solidFill>
+                <a:latin typeface="+mn-lt"/>
+                <a:ea typeface="+mn-ea"/>
+                <a:cs typeface="+mn-cs"/>
+              </a:defRPr>
+            </a:lvl5pPr>
+            <a:lvl6pPr marL="1783080" indent="-228600" algn="l" defTabSz="914400" rtl="0" eaLnBrk="1" latinLnBrk="0" hangingPunct="1">
+              <a:spcBef>
+                <a:spcPts val="384"/>
+              </a:spcBef>
+              <a:buClr>
+                <a:schemeClr val="accent1"/>
+              </a:buClr>
+              <a:buFont typeface="Symbol" pitchFamily="18" charset="2"/>
+              <a:buChar char="*"/>
+              <a:defRPr sz="1400" kern="1200">
+                <a:solidFill>
+                  <a:schemeClr val="tx2"/>
+                </a:solidFill>
+                <a:latin typeface="+mn-lt"/>
+                <a:ea typeface="+mn-ea"/>
+                <a:cs typeface="+mn-cs"/>
+              </a:defRPr>
+            </a:lvl6pPr>
+            <a:lvl7pPr marL="2103120" indent="-228600" algn="l" defTabSz="914400" rtl="0" eaLnBrk="1" latinLnBrk="0" hangingPunct="1">
+              <a:spcBef>
+                <a:spcPts val="384"/>
+              </a:spcBef>
+              <a:buClr>
+                <a:schemeClr val="accent1"/>
+              </a:buClr>
+              <a:buFont typeface="Symbol" pitchFamily="18" charset="2"/>
+              <a:buChar char="*"/>
+              <a:defRPr sz="1400" kern="1200">
+                <a:solidFill>
+                  <a:schemeClr val="tx2"/>
+                </a:solidFill>
+                <a:latin typeface="+mn-lt"/>
+                <a:ea typeface="+mn-ea"/>
+                <a:cs typeface="+mn-cs"/>
+              </a:defRPr>
+            </a:lvl7pPr>
+            <a:lvl8pPr marL="2423160" indent="-228600" algn="l" defTabSz="914400" rtl="0" eaLnBrk="1" latinLnBrk="0" hangingPunct="1">
+              <a:spcBef>
+                <a:spcPts val="384"/>
+              </a:spcBef>
+              <a:buClr>
+                <a:schemeClr val="accent1"/>
+              </a:buClr>
+              <a:buFont typeface="Symbol" pitchFamily="18" charset="2"/>
+              <a:buChar char="*"/>
+              <a:defRPr sz="1400" kern="1200">
+                <a:solidFill>
+                  <a:schemeClr val="tx2"/>
+                </a:solidFill>
+                <a:latin typeface="+mn-lt"/>
+                <a:ea typeface="+mn-ea"/>
+                <a:cs typeface="+mn-cs"/>
+              </a:defRPr>
+            </a:lvl8pPr>
+            <a:lvl9pPr marL="2743200" indent="-228600" algn="l" defTabSz="914400" rtl="0" eaLnBrk="1" latinLnBrk="0" hangingPunct="1">
+              <a:spcBef>
+                <a:spcPts val="384"/>
+              </a:spcBef>
+              <a:buClr>
+                <a:schemeClr val="accent1"/>
+              </a:buClr>
+              <a:buFont typeface="Symbol" pitchFamily="18" charset="2"/>
+              <a:buChar char="*"/>
+              <a:defRPr sz="1400" kern="1200">
+                <a:solidFill>
+                  <a:schemeClr val="tx2"/>
+                </a:solidFill>
+                <a:latin typeface="+mn-lt"/>
+                <a:ea typeface="+mn-ea"/>
+                <a:cs typeface="+mn-cs"/>
+              </a:defRPr>
+            </a:lvl9pPr>
+          </a:lstStyle>
+          <a:p>
+            <a:pPr marL="0" indent="0">
+              <a:buFont typeface="Symbol" pitchFamily="18" charset="2"/>
+              <a:buNone/>
+            </a:pPr>
             <a:r>
               <a:rPr lang="en-US" sz="3200" dirty="0" smtClean="0">
                 <a:solidFill>
@@ -40195,57 +40850,217 @@
                   </a:outerShdw>
                 </a:effectLst>
               </a:rPr>
-              <a:t>” </a:t>
-            </a:r>
-            <a:r>
-              <a:rPr lang="en-US" sz="3200" dirty="0" smtClean="0">
-                <a:solidFill>
-                  <a:srgbClr val="FF0000"/>
-                </a:solidFill>
-                <a:effectLst>
-                  <a:outerShdw blurRad="50800" dist="38100" dir="2700000" algn="tl" rotWithShape="0">
-                    <a:prstClr val="black">
-                      <a:alpha val="40000"/>
-                    </a:prstClr>
-                  </a:outerShdw>
-                </a:effectLst>
-                <a:sym typeface="Wingdings" pitchFamily="2" charset="2"/>
-              </a:rPr>
-              <a:t></a:t>
-            </a:r>
+              <a:t>1. Construct an app-scoped service</a:t>
+            </a:r>
+            <a:endParaRPr lang="en-US" sz="3200" dirty="0">
+              <a:solidFill>
+                <a:srgbClr val="FF0000"/>
+              </a:solidFill>
+              <a:effectLst>
+                <a:outerShdw blurRad="50800" dist="38100" dir="2700000" algn="tl" rotWithShape="0">
+                  <a:prstClr val="black">
+                    <a:alpha val="40000"/>
+                  </a:prstClr>
+                </a:outerShdw>
+              </a:effectLst>
+            </a:endParaRPr>
           </a:p>
         </p:txBody>
       </p:sp>
       <p:sp>
         <p:nvSpPr>
-          <p:cNvPr id="8" name="TextBox 7"/>
-          <p:cNvSpPr txBox="1"/>
+          <p:cNvPr id="6" name="Content Placeholder 1"/>
+          <p:cNvSpPr txBox="1">
+            <a:spLocks/>
+          </p:cNvSpPr>
           <p:nvPr/>
         </p:nvSpPr>
         <p:spPr>
           <a:xfrm>
-            <a:off x="876300" y="4572000"/>
-            <a:ext cx="3276600" cy="1077218"/>
+            <a:off x="1447800" y="4267200"/>
+            <a:ext cx="7543800" cy="1295400"/>
           </a:xfrm>
           <a:prstGeom prst="rect">
             <a:avLst/>
           </a:prstGeom>
-          <a:noFill/>
         </p:spPr>
         <p:txBody>
-          <a:bodyPr wrap="square" rtlCol="0">
-            <a:spAutoFit/>
+          <a:bodyPr vert="horz" lIns="91440" tIns="45720" rIns="91440" bIns="45720" rtlCol="0">
+            <a:noAutofit/>
           </a:bodyPr>
-          <a:lstStyle/>
+          <a:lstStyle>
+            <a:lvl1pPr marL="274320" indent="-274320" algn="l" defTabSz="914400" rtl="0" eaLnBrk="1" latinLnBrk="0" hangingPunct="1">
+              <a:spcBef>
+                <a:spcPct val="20000"/>
+              </a:spcBef>
+              <a:buClr>
+                <a:schemeClr val="accent1"/>
+              </a:buClr>
+              <a:buSzPct val="100000"/>
+              <a:buFont typeface="Symbol" pitchFamily="18" charset="2"/>
+              <a:buChar char=""/>
+              <a:defRPr sz="2400" kern="1200">
+                <a:solidFill>
+                  <a:schemeClr val="tx2"/>
+                </a:solidFill>
+                <a:latin typeface="+mn-lt"/>
+                <a:ea typeface="+mn-ea"/>
+                <a:cs typeface="+mn-cs"/>
+              </a:defRPr>
+            </a:lvl1pPr>
+            <a:lvl2pPr marL="576263" indent="-274320" algn="l" defTabSz="914400" rtl="0" eaLnBrk="1" latinLnBrk="0" hangingPunct="1">
+              <a:spcBef>
+                <a:spcPct val="20000"/>
+              </a:spcBef>
+              <a:buClr>
+                <a:schemeClr val="accent1"/>
+              </a:buClr>
+              <a:buSzPct val="100000"/>
+              <a:buFont typeface="Symbol" pitchFamily="18" charset="2"/>
+              <a:buChar char=""/>
+              <a:defRPr sz="2200" kern="1200">
+                <a:solidFill>
+                  <a:schemeClr val="tx2"/>
+                </a:solidFill>
+                <a:latin typeface="+mn-lt"/>
+                <a:ea typeface="+mn-ea"/>
+                <a:cs typeface="+mn-cs"/>
+              </a:defRPr>
+            </a:lvl2pPr>
+            <a:lvl3pPr marL="855663" indent="-228600" algn="l" defTabSz="914400" rtl="0" eaLnBrk="1" latinLnBrk="0" hangingPunct="1">
+              <a:spcBef>
+                <a:spcPct val="20000"/>
+              </a:spcBef>
+              <a:buClr>
+                <a:schemeClr val="accent1"/>
+              </a:buClr>
+              <a:buSzPct val="100000"/>
+              <a:buFont typeface="Symbol" pitchFamily="18" charset="2"/>
+              <a:buChar char=""/>
+              <a:defRPr sz="2000" kern="1200">
+                <a:solidFill>
+                  <a:schemeClr val="tx2"/>
+                </a:solidFill>
+                <a:latin typeface="+mn-lt"/>
+                <a:ea typeface="+mn-ea"/>
+                <a:cs typeface="+mn-cs"/>
+              </a:defRPr>
+            </a:lvl3pPr>
+            <a:lvl4pPr marL="1143000" indent="-228600" algn="l" defTabSz="914400" rtl="0" eaLnBrk="1" latinLnBrk="0" hangingPunct="1">
+              <a:spcBef>
+                <a:spcPct val="20000"/>
+              </a:spcBef>
+              <a:buClr>
+                <a:schemeClr val="accent1"/>
+              </a:buClr>
+              <a:buSzPct val="100000"/>
+              <a:buFont typeface="Symbol" pitchFamily="18" charset="2"/>
+              <a:buChar char=""/>
+              <a:defRPr sz="1800" kern="1200">
+                <a:solidFill>
+                  <a:schemeClr val="tx2"/>
+                </a:solidFill>
+                <a:latin typeface="+mn-lt"/>
+                <a:ea typeface="+mn-ea"/>
+                <a:cs typeface="+mn-cs"/>
+              </a:defRPr>
+            </a:lvl4pPr>
+            <a:lvl5pPr marL="1463040" indent="-228600" algn="l" defTabSz="914400" rtl="0" eaLnBrk="1" latinLnBrk="0" hangingPunct="1">
+              <a:spcBef>
+                <a:spcPct val="20000"/>
+              </a:spcBef>
+              <a:buClr>
+                <a:schemeClr val="accent1"/>
+              </a:buClr>
+              <a:buSzPct val="100000"/>
+              <a:buFont typeface="Symbol" pitchFamily="18" charset="2"/>
+              <a:buChar char=""/>
+              <a:defRPr sz="1600" kern="1200">
+                <a:solidFill>
+                  <a:schemeClr val="tx2"/>
+                </a:solidFill>
+                <a:latin typeface="+mn-lt"/>
+                <a:ea typeface="+mn-ea"/>
+                <a:cs typeface="+mn-cs"/>
+              </a:defRPr>
+            </a:lvl5pPr>
+            <a:lvl6pPr marL="1783080" indent="-228600" algn="l" defTabSz="914400" rtl="0" eaLnBrk="1" latinLnBrk="0" hangingPunct="1">
+              <a:spcBef>
+                <a:spcPts val="384"/>
+              </a:spcBef>
+              <a:buClr>
+                <a:schemeClr val="accent1"/>
+              </a:buClr>
+              <a:buFont typeface="Symbol" pitchFamily="18" charset="2"/>
+              <a:buChar char="*"/>
+              <a:defRPr sz="1400" kern="1200">
+                <a:solidFill>
+                  <a:schemeClr val="tx2"/>
+                </a:solidFill>
+                <a:latin typeface="+mn-lt"/>
+                <a:ea typeface="+mn-ea"/>
+                <a:cs typeface="+mn-cs"/>
+              </a:defRPr>
+            </a:lvl6pPr>
+            <a:lvl7pPr marL="2103120" indent="-228600" algn="l" defTabSz="914400" rtl="0" eaLnBrk="1" latinLnBrk="0" hangingPunct="1">
+              <a:spcBef>
+                <a:spcPts val="384"/>
+              </a:spcBef>
+              <a:buClr>
+                <a:schemeClr val="accent1"/>
+              </a:buClr>
+              <a:buFont typeface="Symbol" pitchFamily="18" charset="2"/>
+              <a:buChar char="*"/>
+              <a:defRPr sz="1400" kern="1200">
+                <a:solidFill>
+                  <a:schemeClr val="tx2"/>
+                </a:solidFill>
+                <a:latin typeface="+mn-lt"/>
+                <a:ea typeface="+mn-ea"/>
+                <a:cs typeface="+mn-cs"/>
+              </a:defRPr>
+            </a:lvl7pPr>
+            <a:lvl8pPr marL="2423160" indent="-228600" algn="l" defTabSz="914400" rtl="0" eaLnBrk="1" latinLnBrk="0" hangingPunct="1">
+              <a:spcBef>
+                <a:spcPts val="384"/>
+              </a:spcBef>
+              <a:buClr>
+                <a:schemeClr val="accent1"/>
+              </a:buClr>
+              <a:buFont typeface="Symbol" pitchFamily="18" charset="2"/>
+              <a:buChar char="*"/>
+              <a:defRPr sz="1400" kern="1200">
+                <a:solidFill>
+                  <a:schemeClr val="tx2"/>
+                </a:solidFill>
+                <a:latin typeface="+mn-lt"/>
+                <a:ea typeface="+mn-ea"/>
+                <a:cs typeface="+mn-cs"/>
+              </a:defRPr>
+            </a:lvl8pPr>
+            <a:lvl9pPr marL="2743200" indent="-228600" algn="l" defTabSz="914400" rtl="0" eaLnBrk="1" latinLnBrk="0" hangingPunct="1">
+              <a:spcBef>
+                <a:spcPts val="384"/>
+              </a:spcBef>
+              <a:buClr>
+                <a:schemeClr val="accent1"/>
+              </a:buClr>
+              <a:buFont typeface="Symbol" pitchFamily="18" charset="2"/>
+              <a:buChar char="*"/>
+              <a:defRPr sz="1400" kern="1200">
+                <a:solidFill>
+                  <a:schemeClr val="tx2"/>
+                </a:solidFill>
+                <a:latin typeface="+mn-lt"/>
+                <a:ea typeface="+mn-ea"/>
+                <a:cs typeface="+mn-cs"/>
+              </a:defRPr>
+            </a:lvl9pPr>
+          </a:lstStyle>
           <a:p>
-            <a:pPr algn="ctr">
-              <a:spcBef>
-                <a:spcPct val="20000"/>
-              </a:spcBef>
-              <a:buClr>
-                <a:schemeClr val="accent1"/>
-              </a:buClr>
-              <a:buSzPct val="100000"/>
+            <a:pPr marL="0" indent="0">
+              <a:buFont typeface="Symbol" pitchFamily="18" charset="2"/>
+              <a:buNone/>
             </a:pPr>
             <a:r>
               <a:rPr lang="en-US" sz="3200" dirty="0" smtClean="0">
@@ -40260,8 +41075,14 @@
                   </a:outerShdw>
                 </a:effectLst>
               </a:rPr>
-              <a:t>“Completion Service” </a:t>
-            </a:r>
+              <a:t>3. Submit “Work” Tasks using API</a:t>
+            </a:r>
+          </a:p>
+          <a:p>
+            <a:pPr marL="0" indent="0">
+              <a:buFont typeface="Symbol" pitchFamily="18" charset="2"/>
+              <a:buNone/>
+            </a:pPr>
             <a:r>
               <a:rPr lang="en-US" sz="3200" dirty="0" smtClean="0">
                 <a:solidFill>
@@ -40274,17 +41095,274 @@
                     </a:prstClr>
                   </a:outerShdw>
                 </a:effectLst>
-                <a:sym typeface="Wingdings" pitchFamily="2" charset="2"/>
               </a:rPr>
-              <a:t></a:t>
-            </a:r>
+              <a:t>	submit( …)</a:t>
+            </a:r>
+            <a:endParaRPr lang="en-US" sz="3200" dirty="0" smtClean="0">
+              <a:solidFill>
+                <a:srgbClr val="FF0000"/>
+              </a:solidFill>
+              <a:effectLst>
+                <a:outerShdw blurRad="50800" dist="38100" dir="2700000" algn="tl" rotWithShape="0">
+                  <a:prstClr val="black">
+                    <a:alpha val="40000"/>
+                  </a:prstClr>
+                </a:outerShdw>
+              </a:effectLst>
+            </a:endParaRPr>
+          </a:p>
+        </p:txBody>
+      </p:sp>
+      <p:sp>
+        <p:nvSpPr>
+          <p:cNvPr id="7" name="Content Placeholder 1"/>
+          <p:cNvSpPr txBox="1">
+            <a:spLocks/>
+          </p:cNvSpPr>
+          <p:nvPr/>
+        </p:nvSpPr>
+        <p:spPr>
+          <a:xfrm>
+            <a:off x="2133600" y="5486400"/>
+            <a:ext cx="6553200" cy="1295400"/>
+          </a:xfrm>
+          <a:prstGeom prst="rect">
+            <a:avLst/>
+          </a:prstGeom>
+        </p:spPr>
+        <p:txBody>
+          <a:bodyPr vert="horz" lIns="91440" tIns="45720" rIns="91440" bIns="45720" rtlCol="0">
+            <a:noAutofit/>
+          </a:bodyPr>
+          <a:lstStyle>
+            <a:lvl1pPr marL="274320" indent="-274320" algn="l" defTabSz="914400" rtl="0" eaLnBrk="1" latinLnBrk="0" hangingPunct="1">
+              <a:spcBef>
+                <a:spcPct val="20000"/>
+              </a:spcBef>
+              <a:buClr>
+                <a:schemeClr val="accent1"/>
+              </a:buClr>
+              <a:buSzPct val="100000"/>
+              <a:buFont typeface="Symbol" pitchFamily="18" charset="2"/>
+              <a:buChar char=""/>
+              <a:defRPr sz="2400" kern="1200">
+                <a:solidFill>
+                  <a:schemeClr val="tx2"/>
+                </a:solidFill>
+                <a:latin typeface="+mn-lt"/>
+                <a:ea typeface="+mn-ea"/>
+                <a:cs typeface="+mn-cs"/>
+              </a:defRPr>
+            </a:lvl1pPr>
+            <a:lvl2pPr marL="576263" indent="-274320" algn="l" defTabSz="914400" rtl="0" eaLnBrk="1" latinLnBrk="0" hangingPunct="1">
+              <a:spcBef>
+                <a:spcPct val="20000"/>
+              </a:spcBef>
+              <a:buClr>
+                <a:schemeClr val="accent1"/>
+              </a:buClr>
+              <a:buSzPct val="100000"/>
+              <a:buFont typeface="Symbol" pitchFamily="18" charset="2"/>
+              <a:buChar char=""/>
+              <a:defRPr sz="2200" kern="1200">
+                <a:solidFill>
+                  <a:schemeClr val="tx2"/>
+                </a:solidFill>
+                <a:latin typeface="+mn-lt"/>
+                <a:ea typeface="+mn-ea"/>
+                <a:cs typeface="+mn-cs"/>
+              </a:defRPr>
+            </a:lvl2pPr>
+            <a:lvl3pPr marL="855663" indent="-228600" algn="l" defTabSz="914400" rtl="0" eaLnBrk="1" latinLnBrk="0" hangingPunct="1">
+              <a:spcBef>
+                <a:spcPct val="20000"/>
+              </a:spcBef>
+              <a:buClr>
+                <a:schemeClr val="accent1"/>
+              </a:buClr>
+              <a:buSzPct val="100000"/>
+              <a:buFont typeface="Symbol" pitchFamily="18" charset="2"/>
+              <a:buChar char=""/>
+              <a:defRPr sz="2000" kern="1200">
+                <a:solidFill>
+                  <a:schemeClr val="tx2"/>
+                </a:solidFill>
+                <a:latin typeface="+mn-lt"/>
+                <a:ea typeface="+mn-ea"/>
+                <a:cs typeface="+mn-cs"/>
+              </a:defRPr>
+            </a:lvl3pPr>
+            <a:lvl4pPr marL="1143000" indent="-228600" algn="l" defTabSz="914400" rtl="0" eaLnBrk="1" latinLnBrk="0" hangingPunct="1">
+              <a:spcBef>
+                <a:spcPct val="20000"/>
+              </a:spcBef>
+              <a:buClr>
+                <a:schemeClr val="accent1"/>
+              </a:buClr>
+              <a:buSzPct val="100000"/>
+              <a:buFont typeface="Symbol" pitchFamily="18" charset="2"/>
+              <a:buChar char=""/>
+              <a:defRPr sz="1800" kern="1200">
+                <a:solidFill>
+                  <a:schemeClr val="tx2"/>
+                </a:solidFill>
+                <a:latin typeface="+mn-lt"/>
+                <a:ea typeface="+mn-ea"/>
+                <a:cs typeface="+mn-cs"/>
+              </a:defRPr>
+            </a:lvl4pPr>
+            <a:lvl5pPr marL="1463040" indent="-228600" algn="l" defTabSz="914400" rtl="0" eaLnBrk="1" latinLnBrk="0" hangingPunct="1">
+              <a:spcBef>
+                <a:spcPct val="20000"/>
+              </a:spcBef>
+              <a:buClr>
+                <a:schemeClr val="accent1"/>
+              </a:buClr>
+              <a:buSzPct val="100000"/>
+              <a:buFont typeface="Symbol" pitchFamily="18" charset="2"/>
+              <a:buChar char=""/>
+              <a:defRPr sz="1600" kern="1200">
+                <a:solidFill>
+                  <a:schemeClr val="tx2"/>
+                </a:solidFill>
+                <a:latin typeface="+mn-lt"/>
+                <a:ea typeface="+mn-ea"/>
+                <a:cs typeface="+mn-cs"/>
+              </a:defRPr>
+            </a:lvl5pPr>
+            <a:lvl6pPr marL="1783080" indent="-228600" algn="l" defTabSz="914400" rtl="0" eaLnBrk="1" latinLnBrk="0" hangingPunct="1">
+              <a:spcBef>
+                <a:spcPts val="384"/>
+              </a:spcBef>
+              <a:buClr>
+                <a:schemeClr val="accent1"/>
+              </a:buClr>
+              <a:buFont typeface="Symbol" pitchFamily="18" charset="2"/>
+              <a:buChar char="*"/>
+              <a:defRPr sz="1400" kern="1200">
+                <a:solidFill>
+                  <a:schemeClr val="tx2"/>
+                </a:solidFill>
+                <a:latin typeface="+mn-lt"/>
+                <a:ea typeface="+mn-ea"/>
+                <a:cs typeface="+mn-cs"/>
+              </a:defRPr>
+            </a:lvl6pPr>
+            <a:lvl7pPr marL="2103120" indent="-228600" algn="l" defTabSz="914400" rtl="0" eaLnBrk="1" latinLnBrk="0" hangingPunct="1">
+              <a:spcBef>
+                <a:spcPts val="384"/>
+              </a:spcBef>
+              <a:buClr>
+                <a:schemeClr val="accent1"/>
+              </a:buClr>
+              <a:buFont typeface="Symbol" pitchFamily="18" charset="2"/>
+              <a:buChar char="*"/>
+              <a:defRPr sz="1400" kern="1200">
+                <a:solidFill>
+                  <a:schemeClr val="tx2"/>
+                </a:solidFill>
+                <a:latin typeface="+mn-lt"/>
+                <a:ea typeface="+mn-ea"/>
+                <a:cs typeface="+mn-cs"/>
+              </a:defRPr>
+            </a:lvl7pPr>
+            <a:lvl8pPr marL="2423160" indent="-228600" algn="l" defTabSz="914400" rtl="0" eaLnBrk="1" latinLnBrk="0" hangingPunct="1">
+              <a:spcBef>
+                <a:spcPts val="384"/>
+              </a:spcBef>
+              <a:buClr>
+                <a:schemeClr val="accent1"/>
+              </a:buClr>
+              <a:buFont typeface="Symbol" pitchFamily="18" charset="2"/>
+              <a:buChar char="*"/>
+              <a:defRPr sz="1400" kern="1200">
+                <a:solidFill>
+                  <a:schemeClr val="tx2"/>
+                </a:solidFill>
+                <a:latin typeface="+mn-lt"/>
+                <a:ea typeface="+mn-ea"/>
+                <a:cs typeface="+mn-cs"/>
+              </a:defRPr>
+            </a:lvl8pPr>
+            <a:lvl9pPr marL="2743200" indent="-228600" algn="l" defTabSz="914400" rtl="0" eaLnBrk="1" latinLnBrk="0" hangingPunct="1">
+              <a:spcBef>
+                <a:spcPts val="384"/>
+              </a:spcBef>
+              <a:buClr>
+                <a:schemeClr val="accent1"/>
+              </a:buClr>
+              <a:buFont typeface="Symbol" pitchFamily="18" charset="2"/>
+              <a:buChar char="*"/>
+              <a:defRPr sz="1400" kern="1200">
+                <a:solidFill>
+                  <a:schemeClr val="tx2"/>
+                </a:solidFill>
+                <a:latin typeface="+mn-lt"/>
+                <a:ea typeface="+mn-ea"/>
+                <a:cs typeface="+mn-cs"/>
+              </a:defRPr>
+            </a:lvl9pPr>
+          </a:lstStyle>
+          <a:p>
+            <a:pPr marL="0" indent="0">
+              <a:buFont typeface="Symbol" pitchFamily="18" charset="2"/>
+              <a:buNone/>
+            </a:pPr>
+            <a:r>
+              <a:rPr lang="en-US" sz="3200" dirty="0" smtClean="0">
+                <a:solidFill>
+                  <a:srgbClr val="FF0000"/>
+                </a:solidFill>
+                <a:effectLst>
+                  <a:outerShdw blurRad="50800" dist="38100" dir="2700000" algn="tl" rotWithShape="0">
+                    <a:prstClr val="black">
+                      <a:alpha val="40000"/>
+                    </a:prstClr>
+                  </a:outerShdw>
+                </a:effectLst>
+              </a:rPr>
+              <a:t>4. Completion task periodically 	processes completed tasks</a:t>
+            </a:r>
+          </a:p>
+          <a:p>
+            <a:pPr marL="0" indent="0">
+              <a:buFont typeface="Symbol" pitchFamily="18" charset="2"/>
+              <a:buNone/>
+            </a:pPr>
+            <a:r>
+              <a:rPr lang="en-US" sz="3200" dirty="0" smtClean="0">
+                <a:solidFill>
+                  <a:srgbClr val="FF0000"/>
+                </a:solidFill>
+                <a:effectLst>
+                  <a:outerShdw blurRad="50800" dist="38100" dir="2700000" algn="tl" rotWithShape="0">
+                    <a:prstClr val="black">
+                      <a:alpha val="40000"/>
+                    </a:prstClr>
+                  </a:outerShdw>
+                </a:effectLst>
+              </a:rPr>
+              <a:t>	</a:t>
+            </a:r>
+            <a:endParaRPr lang="en-US" sz="3200" dirty="0" smtClean="0">
+              <a:solidFill>
+                <a:srgbClr val="FF0000"/>
+              </a:solidFill>
+              <a:effectLst>
+                <a:outerShdw blurRad="50800" dist="38100" dir="2700000" algn="tl" rotWithShape="0">
+                  <a:prstClr val="black">
+                    <a:alpha val="40000"/>
+                  </a:prstClr>
+                </a:outerShdw>
+              </a:effectLst>
+            </a:endParaRPr>
           </a:p>
         </p:txBody>
       </p:sp>
     </p:spTree>
     <p:extLst>
       <p:ext uri="{BB962C8B-B14F-4D97-AF65-F5344CB8AC3E}">
-        <p14:creationId xmlns:p14="http://schemas.microsoft.com/office/powerpoint/2010/main" val="1652720533"/>
+        <p14:creationId xmlns:p14="http://schemas.microsoft.com/office/powerpoint/2010/main" val="3633344139"/>
       </p:ext>
     </p:extLst>
   </p:cSld>
@@ -40303,6 +41381,9 @@
                     <p:cTn id="3" fill="hold">
                       <p:stCondLst>
                         <p:cond delay="indefinite"/>
+                        <p:cond evt="onBegin" delay="0">
+                          <p:tn val="2"/>
+                        </p:cond>
                       </p:stCondLst>
                       <p:childTnLst>
                         <p:par>
@@ -40312,7 +41393,7 @@
                             </p:stCondLst>
                             <p:childTnLst>
                               <p:par>
-                                <p:cTn id="5" presetID="1" presetClass="entr" presetSubtype="0" fill="hold" grpId="0" nodeType="clickEffect">
+                                <p:cTn id="5" presetID="1" presetClass="entr" presetSubtype="0" fill="hold" grpId="0" nodeType="withEffect">
                                   <p:stCondLst>
                                     <p:cond delay="0"/>
                                   </p:stCondLst>
@@ -40370,7 +41451,7 @@
                                           </p:stCondLst>
                                         </p:cTn>
                                         <p:tgtEl>
-                                          <p:spTgt spid="8"/>
+                                          <p:spTgt spid="5"/>
                                         </p:tgtEl>
                                         <p:attrNameLst>
                                           <p:attrName>style.visibility</p:attrName>
@@ -40434,6 +41515,51 @@
                       </p:childTnLst>
                     </p:cTn>
                   </p:par>
+                  <p:par>
+                    <p:cTn id="15" fill="hold">
+                      <p:stCondLst>
+                        <p:cond delay="indefinite"/>
+                      </p:stCondLst>
+                      <p:childTnLst>
+                        <p:par>
+                          <p:cTn id="16" fill="hold">
+                            <p:stCondLst>
+                              <p:cond delay="0"/>
+                            </p:stCondLst>
+                            <p:childTnLst>
+                              <p:par>
+                                <p:cTn id="17" presetID="1" presetClass="entr" presetSubtype="0" fill="hold" grpId="0" nodeType="clickEffect">
+                                  <p:stCondLst>
+                                    <p:cond delay="0"/>
+                                  </p:stCondLst>
+                                  <p:childTnLst>
+                                    <p:set>
+                                      <p:cBhvr>
+                                        <p:cTn id="18" dur="1" fill="hold">
+                                          <p:stCondLst>
+                                            <p:cond delay="0"/>
+                                          </p:stCondLst>
+                                        </p:cTn>
+                                        <p:tgtEl>
+                                          <p:spTgt spid="7"/>
+                                        </p:tgtEl>
+                                        <p:attrNameLst>
+                                          <p:attrName>style.visibility</p:attrName>
+                                        </p:attrNameLst>
+                                      </p:cBhvr>
+                                      <p:to>
+                                        <p:strVal val="visible"/>
+                                      </p:to>
+                                    </p:set>
+                                  </p:childTnLst>
+                                </p:cTn>
+                              </p:par>
+                            </p:childTnLst>
+                          </p:cTn>
+                        </p:par>
+                      </p:childTnLst>
+                    </p:cTn>
+                  </p:par>
                 </p:childTnLst>
               </p:cTn>
               <p:prevCondLst>
@@ -40456,9 +41582,10 @@
       </p:par>
     </p:tnLst>
     <p:bldLst>
+      <p:bldP spid="5" grpId="0"/>
       <p:bldP spid="4" grpId="0"/>
       <p:bldP spid="6" grpId="0"/>
-      <p:bldP spid="8" grpId="0"/>
+      <p:bldP spid="7" grpId="0"/>
     </p:bldLst>
   </p:timing>
 </p:sld>
@@ -41069,6 +42196,811 @@
 </file>
 
 <file path=ppt/slides/slide60.xml><?xml version="1.0" encoding="utf-8"?>
+<p:sld xmlns:a="http://schemas.openxmlformats.org/drawingml/2006/main" xmlns:r="http://schemas.openxmlformats.org/officeDocument/2006/relationships" xmlns:p="http://schemas.openxmlformats.org/presentationml/2006/main" showMasterSp="0">
+  <p:cSld>
+    <p:spTree>
+      <p:nvGrpSpPr>
+        <p:cNvPr id="1" name=""/>
+        <p:cNvGrpSpPr/>
+        <p:nvPr/>
+      </p:nvGrpSpPr>
+      <p:grpSpPr>
+        <a:xfrm>
+          <a:off x="0" y="0"/>
+          <a:ext cx="0" cy="0"/>
+          <a:chOff x="0" y="0"/>
+          <a:chExt cx="0" cy="0"/>
+        </a:xfrm>
+      </p:grpSpPr>
+      <p:pic>
+        <p:nvPicPr>
+          <p:cNvPr id="9219" name="Picture 3" descr="C:\dev\projects\wwwroot\mxunit-cfmeetups\CFObjective_2012_Concurrency\preso\workQueue_Executor_completionQueue_apples.png"/>
+          <p:cNvPicPr>
+            <a:picLocks noChangeAspect="1" noChangeArrowheads="1"/>
+          </p:cNvPicPr>
+          <p:nvPr/>
+        </p:nvPicPr>
+        <p:blipFill>
+          <a:blip r:embed="rId2">
+            <a:extLst>
+              <a:ext uri="{28A0092B-C50C-407E-A947-70E740481C1C}">
+                <a14:useLocalDpi xmlns:a14="http://schemas.microsoft.com/office/drawing/2010/main" val="0"/>
+              </a:ext>
+            </a:extLst>
+          </a:blip>
+          <a:srcRect/>
+          <a:stretch>
+            <a:fillRect/>
+          </a:stretch>
+        </p:blipFill>
+        <p:spPr bwMode="auto">
+          <a:xfrm>
+            <a:off x="196769" y="628548"/>
+            <a:ext cx="8914574" cy="6686652"/>
+          </a:xfrm>
+          <a:prstGeom prst="rect">
+            <a:avLst/>
+          </a:prstGeom>
+          <a:noFill/>
+          <a:extLst>
+            <a:ext uri="{909E8E84-426E-40DD-AFC4-6F175D3DCCD1}">
+              <a14:hiddenFill xmlns:a14="http://schemas.microsoft.com/office/drawing/2010/main">
+                <a:solidFill>
+                  <a:srgbClr val="FFFFFF"/>
+                </a:solidFill>
+              </a14:hiddenFill>
+            </a:ext>
+          </a:extLst>
+        </p:spPr>
+      </p:pic>
+      <p:sp>
+        <p:nvSpPr>
+          <p:cNvPr id="4" name="TextBox 3"/>
+          <p:cNvSpPr txBox="1"/>
+          <p:nvPr/>
+        </p:nvSpPr>
+        <p:spPr>
+          <a:xfrm>
+            <a:off x="152400" y="164812"/>
+            <a:ext cx="2971800" cy="584775"/>
+          </a:xfrm>
+          <a:prstGeom prst="rect">
+            <a:avLst/>
+          </a:prstGeom>
+          <a:noFill/>
+        </p:spPr>
+        <p:txBody>
+          <a:bodyPr wrap="square" rtlCol="0">
+            <a:spAutoFit/>
+          </a:bodyPr>
+          <a:lstStyle/>
+          <a:p>
+            <a:pPr algn="ctr">
+              <a:spcBef>
+                <a:spcPct val="20000"/>
+              </a:spcBef>
+              <a:buClr>
+                <a:schemeClr val="accent1"/>
+              </a:buClr>
+              <a:buSzPct val="100000"/>
+            </a:pPr>
+            <a:r>
+              <a:rPr lang="en-US" sz="3200" dirty="0">
+                <a:solidFill>
+                  <a:srgbClr val="FF0000"/>
+                </a:solidFill>
+                <a:effectLst>
+                  <a:outerShdw blurRad="50800" dist="38100" dir="2700000" algn="tl" rotWithShape="0">
+                    <a:prstClr val="black">
+                      <a:alpha val="40000"/>
+                    </a:prstClr>
+                  </a:outerShdw>
+                </a:effectLst>
+              </a:rPr>
+              <a:t>“Work Queue”</a:t>
+            </a:r>
+          </a:p>
+        </p:txBody>
+      </p:sp>
+      <p:sp>
+        <p:nvSpPr>
+          <p:cNvPr id="6" name="TextBox 5"/>
+          <p:cNvSpPr txBox="1"/>
+          <p:nvPr/>
+        </p:nvSpPr>
+        <p:spPr>
+          <a:xfrm>
+            <a:off x="2514600" y="6096000"/>
+            <a:ext cx="4648200" cy="584775"/>
+          </a:xfrm>
+          <a:prstGeom prst="rect">
+            <a:avLst/>
+          </a:prstGeom>
+          <a:noFill/>
+        </p:spPr>
+        <p:txBody>
+          <a:bodyPr wrap="square" rtlCol="0">
+            <a:spAutoFit/>
+          </a:bodyPr>
+          <a:lstStyle/>
+          <a:p>
+            <a:pPr algn="ctr">
+              <a:spcBef>
+                <a:spcPct val="20000"/>
+              </a:spcBef>
+              <a:buClr>
+                <a:schemeClr val="accent1"/>
+              </a:buClr>
+              <a:buSzPct val="100000"/>
+            </a:pPr>
+            <a:r>
+              <a:rPr lang="en-US" sz="3200" dirty="0" smtClean="0">
+                <a:solidFill>
+                  <a:srgbClr val="FF0000"/>
+                </a:solidFill>
+                <a:effectLst>
+                  <a:outerShdw blurRad="50800" dist="38100" dir="2700000" algn="tl" rotWithShape="0">
+                    <a:prstClr val="black">
+                      <a:alpha val="40000"/>
+                    </a:prstClr>
+                  </a:outerShdw>
+                </a:effectLst>
+              </a:rPr>
+              <a:t>“Completion </a:t>
+            </a:r>
+            <a:r>
+              <a:rPr lang="en-US" sz="3200" dirty="0">
+                <a:solidFill>
+                  <a:srgbClr val="FF0000"/>
+                </a:solidFill>
+                <a:effectLst>
+                  <a:outerShdw blurRad="50800" dist="38100" dir="2700000" algn="tl" rotWithShape="0">
+                    <a:prstClr val="black">
+                      <a:alpha val="40000"/>
+                    </a:prstClr>
+                  </a:outerShdw>
+                </a:effectLst>
+              </a:rPr>
+              <a:t>Queue</a:t>
+            </a:r>
+            <a:r>
+              <a:rPr lang="en-US" sz="3200" dirty="0" smtClean="0">
+                <a:solidFill>
+                  <a:srgbClr val="FF0000"/>
+                </a:solidFill>
+                <a:effectLst>
+                  <a:outerShdw blurRad="50800" dist="38100" dir="2700000" algn="tl" rotWithShape="0">
+                    <a:prstClr val="black">
+                      <a:alpha val="40000"/>
+                    </a:prstClr>
+                  </a:outerShdw>
+                </a:effectLst>
+              </a:rPr>
+              <a:t>” </a:t>
+            </a:r>
+            <a:r>
+              <a:rPr lang="en-US" sz="3200" dirty="0" smtClean="0">
+                <a:solidFill>
+                  <a:srgbClr val="FF0000"/>
+                </a:solidFill>
+                <a:effectLst>
+                  <a:outerShdw blurRad="50800" dist="38100" dir="2700000" algn="tl" rotWithShape="0">
+                    <a:prstClr val="black">
+                      <a:alpha val="40000"/>
+                    </a:prstClr>
+                  </a:outerShdw>
+                </a:effectLst>
+                <a:sym typeface="Wingdings" pitchFamily="2" charset="2"/>
+              </a:rPr>
+              <a:t></a:t>
+            </a:r>
+          </a:p>
+        </p:txBody>
+      </p:sp>
+      <p:sp>
+        <p:nvSpPr>
+          <p:cNvPr id="8" name="TextBox 7"/>
+          <p:cNvSpPr txBox="1"/>
+          <p:nvPr/>
+        </p:nvSpPr>
+        <p:spPr>
+          <a:xfrm>
+            <a:off x="876300" y="4572000"/>
+            <a:ext cx="3276600" cy="1077218"/>
+          </a:xfrm>
+          <a:prstGeom prst="rect">
+            <a:avLst/>
+          </a:prstGeom>
+          <a:noFill/>
+        </p:spPr>
+        <p:txBody>
+          <a:bodyPr wrap="square" rtlCol="0">
+            <a:spAutoFit/>
+          </a:bodyPr>
+          <a:lstStyle/>
+          <a:p>
+            <a:pPr algn="ctr">
+              <a:spcBef>
+                <a:spcPct val="20000"/>
+              </a:spcBef>
+              <a:buClr>
+                <a:schemeClr val="accent1"/>
+              </a:buClr>
+              <a:buSzPct val="100000"/>
+            </a:pPr>
+            <a:r>
+              <a:rPr lang="en-US" sz="3200" dirty="0" smtClean="0">
+                <a:solidFill>
+                  <a:srgbClr val="FF0000"/>
+                </a:solidFill>
+                <a:effectLst>
+                  <a:outerShdw blurRad="50800" dist="38100" dir="2700000" algn="tl" rotWithShape="0">
+                    <a:prstClr val="black">
+                      <a:alpha val="40000"/>
+                    </a:prstClr>
+                  </a:outerShdw>
+                </a:effectLst>
+              </a:rPr>
+              <a:t>“Completion Service” </a:t>
+            </a:r>
+            <a:r>
+              <a:rPr lang="en-US" sz="3200" dirty="0" smtClean="0">
+                <a:solidFill>
+                  <a:srgbClr val="FF0000"/>
+                </a:solidFill>
+                <a:effectLst>
+                  <a:outerShdw blurRad="50800" dist="38100" dir="2700000" algn="tl" rotWithShape="0">
+                    <a:prstClr val="black">
+                      <a:alpha val="40000"/>
+                    </a:prstClr>
+                  </a:outerShdw>
+                </a:effectLst>
+                <a:sym typeface="Wingdings" pitchFamily="2" charset="2"/>
+              </a:rPr>
+              <a:t></a:t>
+            </a:r>
+          </a:p>
+        </p:txBody>
+      </p:sp>
+    </p:spTree>
+    <p:extLst>
+      <p:ext uri="{BB962C8B-B14F-4D97-AF65-F5344CB8AC3E}">
+        <p14:creationId xmlns:p14="http://schemas.microsoft.com/office/powerpoint/2010/main" val="1652720533"/>
+      </p:ext>
+    </p:extLst>
+  </p:cSld>
+  <p:clrMapOvr>
+    <a:masterClrMapping/>
+  </p:clrMapOvr>
+  <p:timing>
+    <p:tnLst>
+      <p:par>
+        <p:cTn id="1" dur="indefinite" restart="never" nodeType="tmRoot">
+          <p:childTnLst>
+            <p:seq concurrent="1" nextAc="seek">
+              <p:cTn id="2" dur="indefinite" nodeType="mainSeq">
+                <p:childTnLst>
+                  <p:par>
+                    <p:cTn id="3" fill="hold">
+                      <p:stCondLst>
+                        <p:cond delay="indefinite"/>
+                      </p:stCondLst>
+                      <p:childTnLst>
+                        <p:par>
+                          <p:cTn id="4" fill="hold">
+                            <p:stCondLst>
+                              <p:cond delay="0"/>
+                            </p:stCondLst>
+                            <p:childTnLst>
+                              <p:par>
+                                <p:cTn id="5" presetID="1" presetClass="entr" presetSubtype="0" fill="hold" grpId="0" nodeType="clickEffect">
+                                  <p:stCondLst>
+                                    <p:cond delay="0"/>
+                                  </p:stCondLst>
+                                  <p:childTnLst>
+                                    <p:set>
+                                      <p:cBhvr>
+                                        <p:cTn id="6" dur="1" fill="hold">
+                                          <p:stCondLst>
+                                            <p:cond delay="0"/>
+                                          </p:stCondLst>
+                                        </p:cTn>
+                                        <p:tgtEl>
+                                          <p:spTgt spid="4"/>
+                                        </p:tgtEl>
+                                        <p:attrNameLst>
+                                          <p:attrName>style.visibility</p:attrName>
+                                        </p:attrNameLst>
+                                      </p:cBhvr>
+                                      <p:to>
+                                        <p:strVal val="visible"/>
+                                      </p:to>
+                                    </p:set>
+                                  </p:childTnLst>
+                                </p:cTn>
+                              </p:par>
+                            </p:childTnLst>
+                          </p:cTn>
+                        </p:par>
+                      </p:childTnLst>
+                    </p:cTn>
+                  </p:par>
+                  <p:par>
+                    <p:cTn id="7" fill="hold">
+                      <p:stCondLst>
+                        <p:cond delay="indefinite"/>
+                      </p:stCondLst>
+                      <p:childTnLst>
+                        <p:par>
+                          <p:cTn id="8" fill="hold">
+                            <p:stCondLst>
+                              <p:cond delay="0"/>
+                            </p:stCondLst>
+                            <p:childTnLst>
+                              <p:par>
+                                <p:cTn id="9" presetID="1" presetClass="entr" presetSubtype="0" fill="hold" grpId="0" nodeType="clickEffect">
+                                  <p:stCondLst>
+                                    <p:cond delay="0"/>
+                                  </p:stCondLst>
+                                  <p:childTnLst>
+                                    <p:set>
+                                      <p:cBhvr>
+                                        <p:cTn id="10" dur="1" fill="hold">
+                                          <p:stCondLst>
+                                            <p:cond delay="0"/>
+                                          </p:stCondLst>
+                                        </p:cTn>
+                                        <p:tgtEl>
+                                          <p:spTgt spid="8"/>
+                                        </p:tgtEl>
+                                        <p:attrNameLst>
+                                          <p:attrName>style.visibility</p:attrName>
+                                        </p:attrNameLst>
+                                      </p:cBhvr>
+                                      <p:to>
+                                        <p:strVal val="visible"/>
+                                      </p:to>
+                                    </p:set>
+                                  </p:childTnLst>
+                                </p:cTn>
+                              </p:par>
+                            </p:childTnLst>
+                          </p:cTn>
+                        </p:par>
+                      </p:childTnLst>
+                    </p:cTn>
+                  </p:par>
+                  <p:par>
+                    <p:cTn id="11" fill="hold">
+                      <p:stCondLst>
+                        <p:cond delay="indefinite"/>
+                      </p:stCondLst>
+                      <p:childTnLst>
+                        <p:par>
+                          <p:cTn id="12" fill="hold">
+                            <p:stCondLst>
+                              <p:cond delay="0"/>
+                            </p:stCondLst>
+                            <p:childTnLst>
+                              <p:par>
+                                <p:cTn id="13" presetID="1" presetClass="entr" presetSubtype="0" fill="hold" grpId="0" nodeType="clickEffect">
+                                  <p:stCondLst>
+                                    <p:cond delay="0"/>
+                                  </p:stCondLst>
+                                  <p:childTnLst>
+                                    <p:set>
+                                      <p:cBhvr>
+                                        <p:cTn id="14" dur="1" fill="hold">
+                                          <p:stCondLst>
+                                            <p:cond delay="0"/>
+                                          </p:stCondLst>
+                                        </p:cTn>
+                                        <p:tgtEl>
+                                          <p:spTgt spid="6"/>
+                                        </p:tgtEl>
+                                        <p:attrNameLst>
+                                          <p:attrName>style.visibility</p:attrName>
+                                        </p:attrNameLst>
+                                      </p:cBhvr>
+                                      <p:to>
+                                        <p:strVal val="visible"/>
+                                      </p:to>
+                                    </p:set>
+                                  </p:childTnLst>
+                                </p:cTn>
+                              </p:par>
+                            </p:childTnLst>
+                          </p:cTn>
+                        </p:par>
+                      </p:childTnLst>
+                    </p:cTn>
+                  </p:par>
+                </p:childTnLst>
+              </p:cTn>
+              <p:prevCondLst>
+                <p:cond evt="onPrev" delay="0">
+                  <p:tgtEl>
+                    <p:sldTgt/>
+                  </p:tgtEl>
+                </p:cond>
+              </p:prevCondLst>
+              <p:nextCondLst>
+                <p:cond evt="onNext" delay="0">
+                  <p:tgtEl>
+                    <p:sldTgt/>
+                  </p:tgtEl>
+                </p:cond>
+              </p:nextCondLst>
+            </p:seq>
+          </p:childTnLst>
+        </p:cTn>
+      </p:par>
+    </p:tnLst>
+    <p:bldLst>
+      <p:bldP spid="4" grpId="0"/>
+      <p:bldP spid="6" grpId="0"/>
+      <p:bldP spid="8" grpId="0"/>
+    </p:bldLst>
+  </p:timing>
+</p:sld>
+</file>
+
+<file path=ppt/slides/slide61.xml><?xml version="1.0" encoding="utf-8"?>
+<p:sld xmlns:a="http://schemas.openxmlformats.org/drawingml/2006/main" xmlns:r="http://schemas.openxmlformats.org/officeDocument/2006/relationships" xmlns:p="http://schemas.openxmlformats.org/presentationml/2006/main">
+  <p:cSld>
+    <p:spTree>
+      <p:nvGrpSpPr>
+        <p:cNvPr id="1" name=""/>
+        <p:cNvGrpSpPr/>
+        <p:nvPr/>
+      </p:nvGrpSpPr>
+      <p:grpSpPr>
+        <a:xfrm>
+          <a:off x="0" y="0"/>
+          <a:ext cx="0" cy="0"/>
+          <a:chOff x="0" y="0"/>
+          <a:chExt cx="0" cy="0"/>
+        </a:xfrm>
+      </p:grpSpPr>
+      <p:sp>
+        <p:nvSpPr>
+          <p:cNvPr id="3" name="Title 2"/>
+          <p:cNvSpPr>
+            <a:spLocks noGrp="1"/>
+          </p:cNvSpPr>
+          <p:nvPr>
+            <p:ph type="title"/>
+          </p:nvPr>
+        </p:nvSpPr>
+        <p:spPr/>
+        <p:txBody>
+          <a:bodyPr>
+            <a:normAutofit fontScale="90000"/>
+          </a:bodyPr>
+          <a:lstStyle/>
+          <a:p>
+            <a:r>
+              <a:rPr lang="en-US" dirty="0" smtClean="0"/>
+              <a:t>Start an </a:t>
+            </a:r>
+            <a:r>
+              <a:rPr lang="en-US" dirty="0" err="1" smtClean="0"/>
+              <a:t>ExecutorCompletionService</a:t>
+            </a:r>
+            <a:endParaRPr lang="en-US" dirty="0"/>
+          </a:p>
+        </p:txBody>
+      </p:sp>
+      <p:pic>
+        <p:nvPicPr>
+          <p:cNvPr id="1028" name="Picture 4"/>
+          <p:cNvPicPr>
+            <a:picLocks noChangeAspect="1" noChangeArrowheads="1"/>
+          </p:cNvPicPr>
+          <p:nvPr/>
+        </p:nvPicPr>
+        <p:blipFill>
+          <a:blip r:embed="rId2">
+            <a:extLst>
+              <a:ext uri="{28A0092B-C50C-407E-A947-70E740481C1C}">
+                <a14:useLocalDpi xmlns:a14="http://schemas.microsoft.com/office/drawing/2010/main" val="0"/>
+              </a:ext>
+            </a:extLst>
+          </a:blip>
+          <a:srcRect/>
+          <a:stretch>
+            <a:fillRect/>
+          </a:stretch>
+        </p:blipFill>
+        <p:spPr bwMode="auto">
+          <a:xfrm>
+            <a:off x="228600" y="1440608"/>
+            <a:ext cx="8686800" cy="5154252"/>
+          </a:xfrm>
+          <a:prstGeom prst="rect">
+            <a:avLst/>
+          </a:prstGeom>
+          <a:noFill/>
+          <a:ln>
+            <a:noFill/>
+          </a:ln>
+          <a:effectLst/>
+          <a:extLst>
+            <a:ext uri="{909E8E84-426E-40DD-AFC4-6F175D3DCCD1}">
+              <a14:hiddenFill xmlns:a14="http://schemas.microsoft.com/office/drawing/2010/main">
+                <a:solidFill>
+                  <a:schemeClr val="accent1"/>
+                </a:solidFill>
+              </a14:hiddenFill>
+            </a:ext>
+            <a:ext uri="{91240B29-F687-4F45-9708-019B960494DF}">
+              <a14:hiddenLine xmlns:a14="http://schemas.microsoft.com/office/drawing/2010/main" w="9525">
+                <a:solidFill>
+                  <a:schemeClr val="tx1"/>
+                </a:solidFill>
+                <a:miter lim="800000"/>
+                <a:headEnd/>
+                <a:tailEnd/>
+              </a14:hiddenLine>
+            </a:ext>
+            <a:ext uri="{AF507438-7753-43E0-B8FC-AC1667EBCBE1}">
+              <a14:hiddenEffects xmlns:a14="http://schemas.microsoft.com/office/drawing/2010/main">
+                <a:effectLst>
+                  <a:outerShdw dist="35921" dir="2700000" algn="ctr" rotWithShape="0">
+                    <a:schemeClr val="bg2"/>
+                  </a:outerShdw>
+                </a:effectLst>
+              </a14:hiddenEffects>
+            </a:ext>
+          </a:extLst>
+        </p:spPr>
+      </p:pic>
+    </p:spTree>
+    <p:extLst>
+      <p:ext uri="{BB962C8B-B14F-4D97-AF65-F5344CB8AC3E}">
+        <p14:creationId xmlns:p14="http://schemas.microsoft.com/office/powerpoint/2010/main" val="1426401565"/>
+      </p:ext>
+    </p:extLst>
+  </p:cSld>
+  <p:clrMapOvr>
+    <a:masterClrMapping/>
+  </p:clrMapOvr>
+  <p:timing>
+    <p:tnLst>
+      <p:par>
+        <p:cTn id="1" dur="indefinite" restart="never" nodeType="tmRoot"/>
+      </p:par>
+    </p:tnLst>
+  </p:timing>
+</p:sld>
+</file>
+
+<file path=ppt/slides/slide62.xml><?xml version="1.0" encoding="utf-8"?>
+<p:sld xmlns:a="http://schemas.openxmlformats.org/drawingml/2006/main" xmlns:r="http://schemas.openxmlformats.org/officeDocument/2006/relationships" xmlns:p="http://schemas.openxmlformats.org/presentationml/2006/main">
+  <p:cSld>
+    <p:spTree>
+      <p:nvGrpSpPr>
+        <p:cNvPr id="1" name=""/>
+        <p:cNvGrpSpPr/>
+        <p:nvPr/>
+      </p:nvGrpSpPr>
+      <p:grpSpPr>
+        <a:xfrm>
+          <a:off x="0" y="0"/>
+          <a:ext cx="0" cy="0"/>
+          <a:chOff x="0" y="0"/>
+          <a:chExt cx="0" cy="0"/>
+        </a:xfrm>
+      </p:grpSpPr>
+      <p:sp>
+        <p:nvSpPr>
+          <p:cNvPr id="3" name="Title 2"/>
+          <p:cNvSpPr>
+            <a:spLocks noGrp="1"/>
+          </p:cNvSpPr>
+          <p:nvPr>
+            <p:ph type="title"/>
+          </p:nvPr>
+        </p:nvSpPr>
+        <p:spPr/>
+        <p:txBody>
+          <a:bodyPr>
+            <a:normAutofit fontScale="90000"/>
+          </a:bodyPr>
+          <a:lstStyle/>
+          <a:p>
+            <a:r>
+              <a:rPr lang="en-US" dirty="0"/>
+              <a:t>Task to process Completion Queue</a:t>
+            </a:r>
+          </a:p>
+        </p:txBody>
+      </p:sp>
+      <p:pic>
+        <p:nvPicPr>
+          <p:cNvPr id="1028" name="Picture 4"/>
+          <p:cNvPicPr>
+            <a:picLocks noChangeAspect="1" noChangeArrowheads="1"/>
+          </p:cNvPicPr>
+          <p:nvPr/>
+        </p:nvPicPr>
+        <p:blipFill rotWithShape="1">
+          <a:blip r:embed="rId2">
+            <a:extLst>
+              <a:ext uri="{28A0092B-C50C-407E-A947-70E740481C1C}">
+                <a14:useLocalDpi xmlns:a14="http://schemas.microsoft.com/office/drawing/2010/main" val="0"/>
+              </a:ext>
+            </a:extLst>
+          </a:blip>
+          <a:srcRect t="53151" b="28746"/>
+          <a:stretch/>
+        </p:blipFill>
+        <p:spPr bwMode="auto">
+          <a:xfrm>
+            <a:off x="211494" y="3693367"/>
+            <a:ext cx="8686800" cy="933062"/>
+          </a:xfrm>
+          <a:prstGeom prst="rect">
+            <a:avLst/>
+          </a:prstGeom>
+          <a:noFill/>
+          <a:ln>
+            <a:noFill/>
+          </a:ln>
+          <a:effectLst/>
+          <a:extLst>
+            <a:ext uri="{909E8E84-426E-40DD-AFC4-6F175D3DCCD1}">
+              <a14:hiddenFill xmlns:a14="http://schemas.microsoft.com/office/drawing/2010/main">
+                <a:solidFill>
+                  <a:schemeClr val="accent1"/>
+                </a:solidFill>
+              </a14:hiddenFill>
+            </a:ext>
+            <a:ext uri="{91240B29-F687-4F45-9708-019B960494DF}">
+              <a14:hiddenLine xmlns:a14="http://schemas.microsoft.com/office/drawing/2010/main" w="9525">
+                <a:solidFill>
+                  <a:schemeClr val="tx1"/>
+                </a:solidFill>
+                <a:miter lim="800000"/>
+                <a:headEnd/>
+                <a:tailEnd/>
+              </a14:hiddenLine>
+            </a:ext>
+            <a:ext uri="{AF507438-7753-43E0-B8FC-AC1667EBCBE1}">
+              <a14:hiddenEffects xmlns:a14="http://schemas.microsoft.com/office/drawing/2010/main">
+                <a:effectLst>
+                  <a:outerShdw dist="35921" dir="2700000" algn="ctr" rotWithShape="0">
+                    <a:schemeClr val="bg2"/>
+                  </a:outerShdw>
+                </a:effectLst>
+              </a14:hiddenEffects>
+            </a:ext>
+          </a:extLst>
+        </p:spPr>
+      </p:pic>
+      <p:sp>
+        <p:nvSpPr>
+          <p:cNvPr id="2" name="TextBox 1"/>
+          <p:cNvSpPr txBox="1"/>
+          <p:nvPr/>
+        </p:nvSpPr>
+        <p:spPr>
+          <a:xfrm>
+            <a:off x="381000" y="2133600"/>
+            <a:ext cx="3124200" cy="1200329"/>
+          </a:xfrm>
+          <a:prstGeom prst="rect">
+            <a:avLst/>
+          </a:prstGeom>
+          <a:noFill/>
+        </p:spPr>
+        <p:txBody>
+          <a:bodyPr wrap="square" rtlCol="0">
+            <a:spAutoFit/>
+          </a:bodyPr>
+          <a:lstStyle/>
+          <a:p>
+            <a:r>
+              <a:rPr lang="en-US" sz="3600" dirty="0" smtClean="0">
+                <a:solidFill>
+                  <a:srgbClr val="FF0000"/>
+                </a:solidFill>
+                <a:effectLst>
+                  <a:outerShdw blurRad="38100" dist="38100" dir="2700000" algn="tl">
+                    <a:srgbClr val="000000">
+                      <a:alpha val="43137"/>
+                    </a:srgbClr>
+                  </a:outerShdw>
+                </a:effectLst>
+              </a:rPr>
+              <a:t>What is this thing?</a:t>
+            </a:r>
+            <a:endParaRPr lang="en-US" sz="3600" dirty="0">
+              <a:solidFill>
+                <a:srgbClr val="FF0000"/>
+              </a:solidFill>
+              <a:effectLst>
+                <a:outerShdw blurRad="38100" dist="38100" dir="2700000" algn="tl">
+                  <a:srgbClr val="000000">
+                    <a:alpha val="43137"/>
+                  </a:srgbClr>
+                </a:outerShdw>
+              </a:effectLst>
+            </a:endParaRPr>
+          </a:p>
+        </p:txBody>
+      </p:sp>
+      <p:sp>
+        <p:nvSpPr>
+          <p:cNvPr id="5" name="U-Turn Arrow 4"/>
+          <p:cNvSpPr/>
+          <p:nvPr/>
+        </p:nvSpPr>
+        <p:spPr>
+          <a:xfrm rot="5400000">
+            <a:off x="4572000" y="838200"/>
+            <a:ext cx="1905000" cy="5257800"/>
+          </a:xfrm>
+          <a:prstGeom prst="uturnArrow">
+            <a:avLst>
+              <a:gd name="adj1" fmla="val 5175"/>
+              <a:gd name="adj2" fmla="val 25000"/>
+              <a:gd name="adj3" fmla="val 9327"/>
+              <a:gd name="adj4" fmla="val 38794"/>
+              <a:gd name="adj5" fmla="val 20558"/>
+            </a:avLst>
+          </a:prstGeom>
+        </p:spPr>
+        <p:style>
+          <a:lnRef idx="2">
+            <a:schemeClr val="accent1">
+              <a:shade val="50000"/>
+            </a:schemeClr>
+          </a:lnRef>
+          <a:fillRef idx="1">
+            <a:schemeClr val="accent1"/>
+          </a:fillRef>
+          <a:effectRef idx="0">
+            <a:schemeClr val="accent1"/>
+          </a:effectRef>
+          <a:fontRef idx="minor">
+            <a:schemeClr val="lt1"/>
+          </a:fontRef>
+        </p:style>
+        <p:txBody>
+          <a:bodyPr rtlCol="0" anchor="ctr"/>
+          <a:lstStyle/>
+          <a:p>
+            <a:pPr algn="ctr"/>
+            <a:endParaRPr lang="en-US">
+              <a:solidFill>
+                <a:schemeClr val="tx1"/>
+              </a:solidFill>
+            </a:endParaRPr>
+          </a:p>
+        </p:txBody>
+      </p:sp>
+    </p:spTree>
+    <p:extLst>
+      <p:ext uri="{BB962C8B-B14F-4D97-AF65-F5344CB8AC3E}">
+        <p14:creationId xmlns:p14="http://schemas.microsoft.com/office/powerpoint/2010/main" val="2652632916"/>
+      </p:ext>
+    </p:extLst>
+  </p:cSld>
+  <p:clrMapOvr>
+    <a:masterClrMapping/>
+  </p:clrMapOvr>
+  <p:timing>
+    <p:tnLst>
+      <p:par>
+        <p:cTn id="1" dur="indefinite" restart="never" nodeType="tmRoot"/>
+      </p:par>
+    </p:tnLst>
+  </p:timing>
+</p:sld>
+</file>
+
+<file path=ppt/slides/slide63.xml><?xml version="1.0" encoding="utf-8"?>
 <p:sld xmlns:a="http://schemas.openxmlformats.org/drawingml/2006/main" xmlns:r="http://schemas.openxmlformats.org/officeDocument/2006/relationships" xmlns:p="http://schemas.openxmlformats.org/presentationml/2006/main">
   <p:cSld>
     <p:spTree>
@@ -41151,7 +43083,7 @@
       </p:pic>
       <p:pic>
         <p:nvPicPr>
-          <p:cNvPr id="15362" name="Picture 2"/>
+          <p:cNvPr id="2050" name="Picture 2"/>
           <p:cNvPicPr>
             <a:picLocks noChangeAspect="1" noChangeArrowheads="1"/>
           </p:cNvPicPr>
@@ -41172,8 +43104,328 @@
         </p:blipFill>
         <p:spPr bwMode="auto">
           <a:xfrm>
-            <a:off x="704850" y="2057400"/>
-            <a:ext cx="8515350" cy="4724400"/>
+            <a:off x="1643930" y="2438400"/>
+            <a:ext cx="7119070" cy="3214687"/>
+          </a:xfrm>
+          <a:prstGeom prst="rect">
+            <a:avLst/>
+          </a:prstGeom>
+          <a:noFill/>
+          <a:ln>
+            <a:noFill/>
+          </a:ln>
+          <a:effectLst/>
+          <a:extLst>
+            <a:ext uri="{909E8E84-426E-40DD-AFC4-6F175D3DCCD1}">
+              <a14:hiddenFill xmlns:a14="http://schemas.microsoft.com/office/drawing/2010/main">
+                <a:solidFill>
+                  <a:schemeClr val="accent1"/>
+                </a:solidFill>
+              </a14:hiddenFill>
+            </a:ext>
+            <a:ext uri="{91240B29-F687-4F45-9708-019B960494DF}">
+              <a14:hiddenLine xmlns:a14="http://schemas.microsoft.com/office/drawing/2010/main" w="9525">
+                <a:solidFill>
+                  <a:schemeClr val="tx1"/>
+                </a:solidFill>
+                <a:miter lim="800000"/>
+                <a:headEnd/>
+                <a:tailEnd/>
+              </a14:hiddenLine>
+            </a:ext>
+            <a:ext uri="{AF507438-7753-43E0-B8FC-AC1667EBCBE1}">
+              <a14:hiddenEffects xmlns:a14="http://schemas.microsoft.com/office/drawing/2010/main">
+                <a:effectLst>
+                  <a:outerShdw dist="35921" dir="2700000" algn="ctr" rotWithShape="0">
+                    <a:schemeClr val="bg2"/>
+                  </a:outerShdw>
+                </a:effectLst>
+              </a14:hiddenEffects>
+            </a:ext>
+          </a:extLst>
+        </p:spPr>
+      </p:pic>
+      <p:sp>
+        <p:nvSpPr>
+          <p:cNvPr id="6" name="TextBox 5"/>
+          <p:cNvSpPr txBox="1"/>
+          <p:nvPr/>
+        </p:nvSpPr>
+        <p:spPr>
+          <a:xfrm>
+            <a:off x="2819400" y="5867400"/>
+            <a:ext cx="5943600" cy="461665"/>
+          </a:xfrm>
+          <a:prstGeom prst="rect">
+            <a:avLst/>
+          </a:prstGeom>
+          <a:noFill/>
+        </p:spPr>
+        <p:txBody>
+          <a:bodyPr wrap="square" rtlCol="0">
+            <a:spAutoFit/>
+          </a:bodyPr>
+          <a:lstStyle/>
+          <a:p>
+            <a:r>
+              <a:rPr lang="en-US" sz="2400" dirty="0" smtClean="0">
+                <a:solidFill>
+                  <a:srgbClr val="FF0000"/>
+                </a:solidFill>
+                <a:effectLst>
+                  <a:outerShdw blurRad="38100" dist="38100" dir="2700000" algn="tl">
+                    <a:srgbClr val="000000">
+                      <a:alpha val="43137"/>
+                    </a:srgbClr>
+                  </a:outerShdw>
+                </a:effectLst>
+              </a:rPr>
+              <a:t>Note: extends </a:t>
+            </a:r>
+            <a:r>
+              <a:rPr lang="en-US" sz="2400" dirty="0" err="1" smtClean="0">
+                <a:solidFill>
+                  <a:srgbClr val="FF0000"/>
+                </a:solidFill>
+                <a:effectLst>
+                  <a:outerShdw blurRad="38100" dist="38100" dir="2700000" algn="tl">
+                    <a:srgbClr val="000000">
+                      <a:alpha val="43137"/>
+                    </a:srgbClr>
+                  </a:outerShdw>
+                </a:effectLst>
+              </a:rPr>
+              <a:t>AbstractCompletionTask</a:t>
+            </a:r>
+            <a:endParaRPr lang="en-US" sz="2400" dirty="0">
+              <a:solidFill>
+                <a:srgbClr val="FF0000"/>
+              </a:solidFill>
+              <a:effectLst>
+                <a:outerShdw blurRad="38100" dist="38100" dir="2700000" algn="tl">
+                  <a:srgbClr val="000000">
+                    <a:alpha val="43137"/>
+                  </a:srgbClr>
+                </a:outerShdw>
+              </a:effectLst>
+            </a:endParaRPr>
+          </a:p>
+        </p:txBody>
+      </p:sp>
+    </p:spTree>
+    <p:extLst>
+      <p:ext uri="{BB962C8B-B14F-4D97-AF65-F5344CB8AC3E}">
+        <p14:creationId xmlns:p14="http://schemas.microsoft.com/office/powerpoint/2010/main" val="919292745"/>
+      </p:ext>
+    </p:extLst>
+  </p:cSld>
+  <p:clrMapOvr>
+    <a:masterClrMapping/>
+  </p:clrMapOvr>
+  <p:timing>
+    <p:tnLst>
+      <p:par>
+        <p:cTn id="1" dur="indefinite" restart="never" nodeType="tmRoot">
+          <p:childTnLst>
+            <p:seq concurrent="1" nextAc="seek">
+              <p:cTn id="2" dur="indefinite" nodeType="mainSeq">
+                <p:childTnLst>
+                  <p:par>
+                    <p:cTn id="3" fill="hold">
+                      <p:stCondLst>
+                        <p:cond delay="indefinite"/>
+                      </p:stCondLst>
+                      <p:childTnLst>
+                        <p:par>
+                          <p:cTn id="4" fill="hold">
+                            <p:stCondLst>
+                              <p:cond delay="0"/>
+                            </p:stCondLst>
+                            <p:childTnLst>
+                              <p:par>
+                                <p:cTn id="5" presetID="1" presetClass="entr" presetSubtype="0" fill="hold" nodeType="clickEffect">
+                                  <p:stCondLst>
+                                    <p:cond delay="0"/>
+                                  </p:stCondLst>
+                                  <p:childTnLst>
+                                    <p:set>
+                                      <p:cBhvr>
+                                        <p:cTn id="6" dur="1" fill="hold">
+                                          <p:stCondLst>
+                                            <p:cond delay="0"/>
+                                          </p:stCondLst>
+                                        </p:cTn>
+                                        <p:tgtEl>
+                                          <p:spTgt spid="2050"/>
+                                        </p:tgtEl>
+                                        <p:attrNameLst>
+                                          <p:attrName>style.visibility</p:attrName>
+                                        </p:attrNameLst>
+                                      </p:cBhvr>
+                                      <p:to>
+                                        <p:strVal val="visible"/>
+                                      </p:to>
+                                    </p:set>
+                                  </p:childTnLst>
+                                </p:cTn>
+                              </p:par>
+                            </p:childTnLst>
+                          </p:cTn>
+                        </p:par>
+                      </p:childTnLst>
+                    </p:cTn>
+                  </p:par>
+                  <p:par>
+                    <p:cTn id="7" fill="hold">
+                      <p:stCondLst>
+                        <p:cond delay="indefinite"/>
+                      </p:stCondLst>
+                      <p:childTnLst>
+                        <p:par>
+                          <p:cTn id="8" fill="hold">
+                            <p:stCondLst>
+                              <p:cond delay="0"/>
+                            </p:stCondLst>
+                            <p:childTnLst>
+                              <p:par>
+                                <p:cTn id="9" presetID="1" presetClass="entr" presetSubtype="0" fill="hold" grpId="0" nodeType="clickEffect">
+                                  <p:stCondLst>
+                                    <p:cond delay="0"/>
+                                  </p:stCondLst>
+                                  <p:childTnLst>
+                                    <p:set>
+                                      <p:cBhvr>
+                                        <p:cTn id="10" dur="1" fill="hold">
+                                          <p:stCondLst>
+                                            <p:cond delay="0"/>
+                                          </p:stCondLst>
+                                        </p:cTn>
+                                        <p:tgtEl>
+                                          <p:spTgt spid="6"/>
+                                        </p:tgtEl>
+                                        <p:attrNameLst>
+                                          <p:attrName>style.visibility</p:attrName>
+                                        </p:attrNameLst>
+                                      </p:cBhvr>
+                                      <p:to>
+                                        <p:strVal val="visible"/>
+                                      </p:to>
+                                    </p:set>
+                                  </p:childTnLst>
+                                </p:cTn>
+                              </p:par>
+                            </p:childTnLst>
+                          </p:cTn>
+                        </p:par>
+                      </p:childTnLst>
+                    </p:cTn>
+                  </p:par>
+                </p:childTnLst>
+              </p:cTn>
+              <p:prevCondLst>
+                <p:cond evt="onPrev" delay="0">
+                  <p:tgtEl>
+                    <p:sldTgt/>
+                  </p:tgtEl>
+                </p:cond>
+              </p:prevCondLst>
+              <p:nextCondLst>
+                <p:cond evt="onNext" delay="0">
+                  <p:tgtEl>
+                    <p:sldTgt/>
+                  </p:tgtEl>
+                </p:cond>
+              </p:nextCondLst>
+            </p:seq>
+          </p:childTnLst>
+        </p:cTn>
+      </p:par>
+    </p:tnLst>
+    <p:bldLst>
+      <p:bldP spid="6" grpId="0"/>
+    </p:bldLst>
+  </p:timing>
+</p:sld>
+</file>
+
+<file path=ppt/slides/slide64.xml><?xml version="1.0" encoding="utf-8"?>
+<p:sld xmlns:a="http://schemas.openxmlformats.org/drawingml/2006/main" xmlns:r="http://schemas.openxmlformats.org/officeDocument/2006/relationships" xmlns:p="http://schemas.openxmlformats.org/presentationml/2006/main">
+  <p:cSld>
+    <p:spTree>
+      <p:nvGrpSpPr>
+        <p:cNvPr id="1" name=""/>
+        <p:cNvGrpSpPr/>
+        <p:nvPr/>
+      </p:nvGrpSpPr>
+      <p:grpSpPr>
+        <a:xfrm>
+          <a:off x="0" y="0"/>
+          <a:ext cx="0" cy="0"/>
+          <a:chOff x="0" y="0"/>
+          <a:chExt cx="0" cy="0"/>
+        </a:xfrm>
+      </p:grpSpPr>
+      <p:sp>
+        <p:nvSpPr>
+          <p:cNvPr id="3" name="Title 2"/>
+          <p:cNvSpPr>
+            <a:spLocks noGrp="1"/>
+          </p:cNvSpPr>
+          <p:nvPr>
+            <p:ph type="title"/>
+          </p:nvPr>
+        </p:nvSpPr>
+        <p:spPr/>
+        <p:txBody>
+          <a:bodyPr>
+            <a:normAutofit fontScale="90000"/>
+          </a:bodyPr>
+          <a:lstStyle/>
+          <a:p>
+            <a:r>
+              <a:rPr lang="en-US" dirty="0" err="1" smtClean="0"/>
+              <a:t>ExecutorCompletionService</a:t>
+            </a:r>
+            <a:r>
+              <a:rPr lang="en-US" dirty="0" smtClean="0"/>
+              <a:t>: </a:t>
+            </a:r>
+            <a:br>
+              <a:rPr lang="en-US" dirty="0" smtClean="0"/>
+            </a:br>
+            <a:r>
+              <a:rPr lang="en-US" dirty="0" smtClean="0"/>
+              <a:t>Submit tasks</a:t>
+            </a:r>
+            <a:endParaRPr lang="en-US" dirty="0"/>
+          </a:p>
+        </p:txBody>
+      </p:sp>
+      <p:pic>
+        <p:nvPicPr>
+          <p:cNvPr id="3074" name="Picture 2"/>
+          <p:cNvPicPr>
+            <a:picLocks noChangeAspect="1" noChangeArrowheads="1"/>
+          </p:cNvPicPr>
+          <p:nvPr/>
+        </p:nvPicPr>
+        <p:blipFill>
+          <a:blip r:embed="rId2">
+            <a:extLst>
+              <a:ext uri="{28A0092B-C50C-407E-A947-70E740481C1C}">
+                <a14:useLocalDpi xmlns:a14="http://schemas.microsoft.com/office/drawing/2010/main" val="0"/>
+              </a:ext>
+            </a:extLst>
+          </a:blip>
+          <a:srcRect/>
+          <a:stretch>
+            <a:fillRect/>
+          </a:stretch>
+        </p:blipFill>
+        <p:spPr bwMode="auto">
+          <a:xfrm>
+            <a:off x="533400" y="2590800"/>
+            <a:ext cx="8250528" cy="1905000"/>
           </a:xfrm>
           <a:prstGeom prst="rect">
             <a:avLst/>
@@ -41216,7 +43468,7 @@
     </p:spTree>
     <p:extLst>
       <p:ext uri="{BB962C8B-B14F-4D97-AF65-F5344CB8AC3E}">
-        <p14:creationId xmlns:p14="http://schemas.microsoft.com/office/powerpoint/2010/main" val="919292745"/>
+        <p14:creationId xmlns:p14="http://schemas.microsoft.com/office/powerpoint/2010/main" val="69741914"/>
       </p:ext>
     </p:extLst>
   </p:cSld>
@@ -41233,7 +43485,7 @@
 </p:sld>
 </file>
 
-<file path=ppt/slides/slide61.xml><?xml version="1.0" encoding="utf-8"?>
+<file path=ppt/slides/slide65.xml><?xml version="1.0" encoding="utf-8"?>
 <p:sld xmlns:a="http://schemas.openxmlformats.org/drawingml/2006/main" xmlns:r="http://schemas.openxmlformats.org/officeDocument/2006/relationships" xmlns:p="http://schemas.openxmlformats.org/presentationml/2006/main">
   <p:cSld>
     <p:spTree>
@@ -41252,25 +43504,6 @@
       </p:grpSpPr>
       <p:sp>
         <p:nvSpPr>
-          <p:cNvPr id="2" name="Content Placeholder 1"/>
-          <p:cNvSpPr>
-            <a:spLocks noGrp="1"/>
-          </p:cNvSpPr>
-          <p:nvPr>
-            <p:ph idx="1"/>
-          </p:nvPr>
-        </p:nvSpPr>
-        <p:spPr/>
-        <p:txBody>
-          <a:bodyPr/>
-          <a:lstStyle/>
-          <a:p>
-            <a:endParaRPr lang="en-US"/>
-          </a:p>
-        </p:txBody>
-      </p:sp>
-      <p:sp>
-        <p:nvSpPr>
           <p:cNvPr id="3" name="Title 2"/>
           <p:cNvSpPr>
             <a:spLocks noGrp="1"/>
@@ -41281,21 +43514,1380 @@
         </p:nvSpPr>
         <p:spPr/>
         <p:txBody>
-          <a:bodyPr/>
+          <a:bodyPr>
+            <a:normAutofit fontScale="90000"/>
+          </a:bodyPr>
           <a:lstStyle/>
           <a:p>
             <a:r>
+              <a:rPr lang="en-US" dirty="0" err="1" smtClean="0"/>
+              <a:t>ExecutorCompletionService</a:t>
+            </a:r>
+            <a:r>
               <a:rPr lang="en-US" dirty="0" smtClean="0"/>
-              <a:t>More completion service code</a:t>
+              <a:t>: </a:t>
+            </a:r>
+            <a:br>
+              <a:rPr lang="en-US" dirty="0" smtClean="0"/>
+            </a:br>
+            <a:r>
+              <a:rPr lang="en-US" dirty="0" smtClean="0"/>
+              <a:t>Some thoughts on Previou</a:t>
+            </a:r>
+            <a:r>
+              <a:rPr lang="en-US" dirty="0" smtClean="0"/>
+              <a:t>s Example</a:t>
             </a:r>
             <a:endParaRPr lang="en-US" dirty="0"/>
+          </a:p>
+        </p:txBody>
+      </p:sp>
+      <p:sp>
+        <p:nvSpPr>
+          <p:cNvPr id="4" name="Content Placeholder 1"/>
+          <p:cNvSpPr txBox="1">
+            <a:spLocks/>
+          </p:cNvSpPr>
+          <p:nvPr/>
+        </p:nvSpPr>
+        <p:spPr>
+          <a:xfrm>
+            <a:off x="304800" y="3421224"/>
+            <a:ext cx="8077200" cy="914400"/>
+          </a:xfrm>
+          <a:prstGeom prst="rect">
+            <a:avLst/>
+          </a:prstGeom>
+        </p:spPr>
+        <p:txBody>
+          <a:bodyPr vert="horz" lIns="91440" tIns="45720" rIns="91440" bIns="45720" rtlCol="0">
+            <a:noAutofit/>
+          </a:bodyPr>
+          <a:lstStyle>
+            <a:lvl1pPr marL="274320" indent="-274320" algn="l" defTabSz="914400" rtl="0" eaLnBrk="1" latinLnBrk="0" hangingPunct="1">
+              <a:spcBef>
+                <a:spcPct val="20000"/>
+              </a:spcBef>
+              <a:buClr>
+                <a:schemeClr val="accent1"/>
+              </a:buClr>
+              <a:buSzPct val="100000"/>
+              <a:buFont typeface="Symbol" pitchFamily="18" charset="2"/>
+              <a:buChar char=""/>
+              <a:defRPr sz="2400" kern="1200">
+                <a:solidFill>
+                  <a:schemeClr val="tx2"/>
+                </a:solidFill>
+                <a:latin typeface="+mn-lt"/>
+                <a:ea typeface="+mn-ea"/>
+                <a:cs typeface="+mn-cs"/>
+              </a:defRPr>
+            </a:lvl1pPr>
+            <a:lvl2pPr marL="576263" indent="-274320" algn="l" defTabSz="914400" rtl="0" eaLnBrk="1" latinLnBrk="0" hangingPunct="1">
+              <a:spcBef>
+                <a:spcPct val="20000"/>
+              </a:spcBef>
+              <a:buClr>
+                <a:schemeClr val="accent1"/>
+              </a:buClr>
+              <a:buSzPct val="100000"/>
+              <a:buFont typeface="Symbol" pitchFamily="18" charset="2"/>
+              <a:buChar char=""/>
+              <a:defRPr sz="2200" kern="1200">
+                <a:solidFill>
+                  <a:schemeClr val="tx2"/>
+                </a:solidFill>
+                <a:latin typeface="+mn-lt"/>
+                <a:ea typeface="+mn-ea"/>
+                <a:cs typeface="+mn-cs"/>
+              </a:defRPr>
+            </a:lvl2pPr>
+            <a:lvl3pPr marL="855663" indent="-228600" algn="l" defTabSz="914400" rtl="0" eaLnBrk="1" latinLnBrk="0" hangingPunct="1">
+              <a:spcBef>
+                <a:spcPct val="20000"/>
+              </a:spcBef>
+              <a:buClr>
+                <a:schemeClr val="accent1"/>
+              </a:buClr>
+              <a:buSzPct val="100000"/>
+              <a:buFont typeface="Symbol" pitchFamily="18" charset="2"/>
+              <a:buChar char=""/>
+              <a:defRPr sz="2000" kern="1200">
+                <a:solidFill>
+                  <a:schemeClr val="tx2"/>
+                </a:solidFill>
+                <a:latin typeface="+mn-lt"/>
+                <a:ea typeface="+mn-ea"/>
+                <a:cs typeface="+mn-cs"/>
+              </a:defRPr>
+            </a:lvl3pPr>
+            <a:lvl4pPr marL="1143000" indent="-228600" algn="l" defTabSz="914400" rtl="0" eaLnBrk="1" latinLnBrk="0" hangingPunct="1">
+              <a:spcBef>
+                <a:spcPct val="20000"/>
+              </a:spcBef>
+              <a:buClr>
+                <a:schemeClr val="accent1"/>
+              </a:buClr>
+              <a:buSzPct val="100000"/>
+              <a:buFont typeface="Symbol" pitchFamily="18" charset="2"/>
+              <a:buChar char=""/>
+              <a:defRPr sz="1800" kern="1200">
+                <a:solidFill>
+                  <a:schemeClr val="tx2"/>
+                </a:solidFill>
+                <a:latin typeface="+mn-lt"/>
+                <a:ea typeface="+mn-ea"/>
+                <a:cs typeface="+mn-cs"/>
+              </a:defRPr>
+            </a:lvl4pPr>
+            <a:lvl5pPr marL="1463040" indent="-228600" algn="l" defTabSz="914400" rtl="0" eaLnBrk="1" latinLnBrk="0" hangingPunct="1">
+              <a:spcBef>
+                <a:spcPct val="20000"/>
+              </a:spcBef>
+              <a:buClr>
+                <a:schemeClr val="accent1"/>
+              </a:buClr>
+              <a:buSzPct val="100000"/>
+              <a:buFont typeface="Symbol" pitchFamily="18" charset="2"/>
+              <a:buChar char=""/>
+              <a:defRPr sz="1600" kern="1200">
+                <a:solidFill>
+                  <a:schemeClr val="tx2"/>
+                </a:solidFill>
+                <a:latin typeface="+mn-lt"/>
+                <a:ea typeface="+mn-ea"/>
+                <a:cs typeface="+mn-cs"/>
+              </a:defRPr>
+            </a:lvl5pPr>
+            <a:lvl6pPr marL="1783080" indent="-228600" algn="l" defTabSz="914400" rtl="0" eaLnBrk="1" latinLnBrk="0" hangingPunct="1">
+              <a:spcBef>
+                <a:spcPts val="384"/>
+              </a:spcBef>
+              <a:buClr>
+                <a:schemeClr val="accent1"/>
+              </a:buClr>
+              <a:buFont typeface="Symbol" pitchFamily="18" charset="2"/>
+              <a:buChar char="*"/>
+              <a:defRPr sz="1400" kern="1200">
+                <a:solidFill>
+                  <a:schemeClr val="tx2"/>
+                </a:solidFill>
+                <a:latin typeface="+mn-lt"/>
+                <a:ea typeface="+mn-ea"/>
+                <a:cs typeface="+mn-cs"/>
+              </a:defRPr>
+            </a:lvl6pPr>
+            <a:lvl7pPr marL="2103120" indent="-228600" algn="l" defTabSz="914400" rtl="0" eaLnBrk="1" latinLnBrk="0" hangingPunct="1">
+              <a:spcBef>
+                <a:spcPts val="384"/>
+              </a:spcBef>
+              <a:buClr>
+                <a:schemeClr val="accent1"/>
+              </a:buClr>
+              <a:buFont typeface="Symbol" pitchFamily="18" charset="2"/>
+              <a:buChar char="*"/>
+              <a:defRPr sz="1400" kern="1200">
+                <a:solidFill>
+                  <a:schemeClr val="tx2"/>
+                </a:solidFill>
+                <a:latin typeface="+mn-lt"/>
+                <a:ea typeface="+mn-ea"/>
+                <a:cs typeface="+mn-cs"/>
+              </a:defRPr>
+            </a:lvl7pPr>
+            <a:lvl8pPr marL="2423160" indent="-228600" algn="l" defTabSz="914400" rtl="0" eaLnBrk="1" latinLnBrk="0" hangingPunct="1">
+              <a:spcBef>
+                <a:spcPts val="384"/>
+              </a:spcBef>
+              <a:buClr>
+                <a:schemeClr val="accent1"/>
+              </a:buClr>
+              <a:buFont typeface="Symbol" pitchFamily="18" charset="2"/>
+              <a:buChar char="*"/>
+              <a:defRPr sz="1400" kern="1200">
+                <a:solidFill>
+                  <a:schemeClr val="tx2"/>
+                </a:solidFill>
+                <a:latin typeface="+mn-lt"/>
+                <a:ea typeface="+mn-ea"/>
+                <a:cs typeface="+mn-cs"/>
+              </a:defRPr>
+            </a:lvl8pPr>
+            <a:lvl9pPr marL="2743200" indent="-228600" algn="l" defTabSz="914400" rtl="0" eaLnBrk="1" latinLnBrk="0" hangingPunct="1">
+              <a:spcBef>
+                <a:spcPts val="384"/>
+              </a:spcBef>
+              <a:buClr>
+                <a:schemeClr val="accent1"/>
+              </a:buClr>
+              <a:buFont typeface="Symbol" pitchFamily="18" charset="2"/>
+              <a:buChar char="*"/>
+              <a:defRPr sz="1400" kern="1200">
+                <a:solidFill>
+                  <a:schemeClr val="tx2"/>
+                </a:solidFill>
+                <a:latin typeface="+mn-lt"/>
+                <a:ea typeface="+mn-ea"/>
+                <a:cs typeface="+mn-cs"/>
+              </a:defRPr>
+            </a:lvl9pPr>
+          </a:lstStyle>
+          <a:p>
+            <a:pPr marL="0" indent="0">
+              <a:buFont typeface="Symbol" pitchFamily="18" charset="2"/>
+              <a:buNone/>
+            </a:pPr>
+            <a:r>
+              <a:rPr lang="en-US" sz="3200" dirty="0">
+                <a:solidFill>
+                  <a:srgbClr val="FF0000"/>
+                </a:solidFill>
+                <a:effectLst>
+                  <a:outerShdw blurRad="50800" dist="38100" dir="2700000" algn="tl" rotWithShape="0">
+                    <a:prstClr val="black">
+                      <a:alpha val="40000"/>
+                    </a:prstClr>
+                  </a:outerShdw>
+                </a:effectLst>
+              </a:rPr>
+              <a:t>2</a:t>
+            </a:r>
+            <a:r>
+              <a:rPr lang="en-US" sz="3200" dirty="0" smtClean="0">
+                <a:solidFill>
+                  <a:srgbClr val="FF0000"/>
+                </a:solidFill>
+                <a:effectLst>
+                  <a:outerShdw blurRad="50800" dist="38100" dir="2700000" algn="tl" rotWithShape="0">
+                    <a:prstClr val="black">
+                      <a:alpha val="40000"/>
+                    </a:prstClr>
+                  </a:outerShdw>
+                </a:effectLst>
+              </a:rPr>
+              <a:t>. </a:t>
+            </a:r>
+            <a:r>
+              <a:rPr lang="en-US" sz="3200" dirty="0" smtClean="0">
+                <a:solidFill>
+                  <a:srgbClr val="FF0000"/>
+                </a:solidFill>
+                <a:effectLst>
+                  <a:outerShdw blurRad="50800" dist="38100" dir="2700000" algn="tl" rotWithShape="0">
+                    <a:prstClr val="black">
+                      <a:alpha val="40000"/>
+                    </a:prstClr>
+                  </a:outerShdw>
+                </a:effectLst>
+              </a:rPr>
+              <a:t>That task can then submit tasks to the ECS</a:t>
+            </a:r>
+            <a:endParaRPr lang="en-US" sz="3200" dirty="0">
+              <a:solidFill>
+                <a:srgbClr val="FF0000"/>
+              </a:solidFill>
+              <a:effectLst>
+                <a:outerShdw blurRad="50800" dist="38100" dir="2700000" algn="tl" rotWithShape="0">
+                  <a:prstClr val="black">
+                    <a:alpha val="40000"/>
+                  </a:prstClr>
+                </a:outerShdw>
+              </a:effectLst>
+            </a:endParaRPr>
+          </a:p>
+        </p:txBody>
+      </p:sp>
+      <p:sp>
+        <p:nvSpPr>
+          <p:cNvPr id="5" name="Content Placeholder 1"/>
+          <p:cNvSpPr txBox="1">
+            <a:spLocks/>
+          </p:cNvSpPr>
+          <p:nvPr/>
+        </p:nvSpPr>
+        <p:spPr>
+          <a:xfrm>
+            <a:off x="304800" y="2667000"/>
+            <a:ext cx="8382000" cy="914400"/>
+          </a:xfrm>
+          <a:prstGeom prst="rect">
+            <a:avLst/>
+          </a:prstGeom>
+        </p:spPr>
+        <p:txBody>
+          <a:bodyPr vert="horz" lIns="91440" tIns="45720" rIns="91440" bIns="45720" rtlCol="0">
+            <a:noAutofit/>
+          </a:bodyPr>
+          <a:lstStyle>
+            <a:lvl1pPr marL="274320" indent="-274320" algn="l" defTabSz="914400" rtl="0" eaLnBrk="1" latinLnBrk="0" hangingPunct="1">
+              <a:spcBef>
+                <a:spcPct val="20000"/>
+              </a:spcBef>
+              <a:buClr>
+                <a:schemeClr val="accent1"/>
+              </a:buClr>
+              <a:buSzPct val="100000"/>
+              <a:buFont typeface="Symbol" pitchFamily="18" charset="2"/>
+              <a:buChar char=""/>
+              <a:defRPr sz="2400" kern="1200">
+                <a:solidFill>
+                  <a:schemeClr val="tx2"/>
+                </a:solidFill>
+                <a:latin typeface="+mn-lt"/>
+                <a:ea typeface="+mn-ea"/>
+                <a:cs typeface="+mn-cs"/>
+              </a:defRPr>
+            </a:lvl1pPr>
+            <a:lvl2pPr marL="576263" indent="-274320" algn="l" defTabSz="914400" rtl="0" eaLnBrk="1" latinLnBrk="0" hangingPunct="1">
+              <a:spcBef>
+                <a:spcPct val="20000"/>
+              </a:spcBef>
+              <a:buClr>
+                <a:schemeClr val="accent1"/>
+              </a:buClr>
+              <a:buSzPct val="100000"/>
+              <a:buFont typeface="Symbol" pitchFamily="18" charset="2"/>
+              <a:buChar char=""/>
+              <a:defRPr sz="2200" kern="1200">
+                <a:solidFill>
+                  <a:schemeClr val="tx2"/>
+                </a:solidFill>
+                <a:latin typeface="+mn-lt"/>
+                <a:ea typeface="+mn-ea"/>
+                <a:cs typeface="+mn-cs"/>
+              </a:defRPr>
+            </a:lvl2pPr>
+            <a:lvl3pPr marL="855663" indent="-228600" algn="l" defTabSz="914400" rtl="0" eaLnBrk="1" latinLnBrk="0" hangingPunct="1">
+              <a:spcBef>
+                <a:spcPct val="20000"/>
+              </a:spcBef>
+              <a:buClr>
+                <a:schemeClr val="accent1"/>
+              </a:buClr>
+              <a:buSzPct val="100000"/>
+              <a:buFont typeface="Symbol" pitchFamily="18" charset="2"/>
+              <a:buChar char=""/>
+              <a:defRPr sz="2000" kern="1200">
+                <a:solidFill>
+                  <a:schemeClr val="tx2"/>
+                </a:solidFill>
+                <a:latin typeface="+mn-lt"/>
+                <a:ea typeface="+mn-ea"/>
+                <a:cs typeface="+mn-cs"/>
+              </a:defRPr>
+            </a:lvl3pPr>
+            <a:lvl4pPr marL="1143000" indent="-228600" algn="l" defTabSz="914400" rtl="0" eaLnBrk="1" latinLnBrk="0" hangingPunct="1">
+              <a:spcBef>
+                <a:spcPct val="20000"/>
+              </a:spcBef>
+              <a:buClr>
+                <a:schemeClr val="accent1"/>
+              </a:buClr>
+              <a:buSzPct val="100000"/>
+              <a:buFont typeface="Symbol" pitchFamily="18" charset="2"/>
+              <a:buChar char=""/>
+              <a:defRPr sz="1800" kern="1200">
+                <a:solidFill>
+                  <a:schemeClr val="tx2"/>
+                </a:solidFill>
+                <a:latin typeface="+mn-lt"/>
+                <a:ea typeface="+mn-ea"/>
+                <a:cs typeface="+mn-cs"/>
+              </a:defRPr>
+            </a:lvl4pPr>
+            <a:lvl5pPr marL="1463040" indent="-228600" algn="l" defTabSz="914400" rtl="0" eaLnBrk="1" latinLnBrk="0" hangingPunct="1">
+              <a:spcBef>
+                <a:spcPct val="20000"/>
+              </a:spcBef>
+              <a:buClr>
+                <a:schemeClr val="accent1"/>
+              </a:buClr>
+              <a:buSzPct val="100000"/>
+              <a:buFont typeface="Symbol" pitchFamily="18" charset="2"/>
+              <a:buChar char=""/>
+              <a:defRPr sz="1600" kern="1200">
+                <a:solidFill>
+                  <a:schemeClr val="tx2"/>
+                </a:solidFill>
+                <a:latin typeface="+mn-lt"/>
+                <a:ea typeface="+mn-ea"/>
+                <a:cs typeface="+mn-cs"/>
+              </a:defRPr>
+            </a:lvl5pPr>
+            <a:lvl6pPr marL="1783080" indent="-228600" algn="l" defTabSz="914400" rtl="0" eaLnBrk="1" latinLnBrk="0" hangingPunct="1">
+              <a:spcBef>
+                <a:spcPts val="384"/>
+              </a:spcBef>
+              <a:buClr>
+                <a:schemeClr val="accent1"/>
+              </a:buClr>
+              <a:buFont typeface="Symbol" pitchFamily="18" charset="2"/>
+              <a:buChar char="*"/>
+              <a:defRPr sz="1400" kern="1200">
+                <a:solidFill>
+                  <a:schemeClr val="tx2"/>
+                </a:solidFill>
+                <a:latin typeface="+mn-lt"/>
+                <a:ea typeface="+mn-ea"/>
+                <a:cs typeface="+mn-cs"/>
+              </a:defRPr>
+            </a:lvl6pPr>
+            <a:lvl7pPr marL="2103120" indent="-228600" algn="l" defTabSz="914400" rtl="0" eaLnBrk="1" latinLnBrk="0" hangingPunct="1">
+              <a:spcBef>
+                <a:spcPts val="384"/>
+              </a:spcBef>
+              <a:buClr>
+                <a:schemeClr val="accent1"/>
+              </a:buClr>
+              <a:buFont typeface="Symbol" pitchFamily="18" charset="2"/>
+              <a:buChar char="*"/>
+              <a:defRPr sz="1400" kern="1200">
+                <a:solidFill>
+                  <a:schemeClr val="tx2"/>
+                </a:solidFill>
+                <a:latin typeface="+mn-lt"/>
+                <a:ea typeface="+mn-ea"/>
+                <a:cs typeface="+mn-cs"/>
+              </a:defRPr>
+            </a:lvl7pPr>
+            <a:lvl8pPr marL="2423160" indent="-228600" algn="l" defTabSz="914400" rtl="0" eaLnBrk="1" latinLnBrk="0" hangingPunct="1">
+              <a:spcBef>
+                <a:spcPts val="384"/>
+              </a:spcBef>
+              <a:buClr>
+                <a:schemeClr val="accent1"/>
+              </a:buClr>
+              <a:buFont typeface="Symbol" pitchFamily="18" charset="2"/>
+              <a:buChar char="*"/>
+              <a:defRPr sz="1400" kern="1200">
+                <a:solidFill>
+                  <a:schemeClr val="tx2"/>
+                </a:solidFill>
+                <a:latin typeface="+mn-lt"/>
+                <a:ea typeface="+mn-ea"/>
+                <a:cs typeface="+mn-cs"/>
+              </a:defRPr>
+            </a:lvl8pPr>
+            <a:lvl9pPr marL="2743200" indent="-228600" algn="l" defTabSz="914400" rtl="0" eaLnBrk="1" latinLnBrk="0" hangingPunct="1">
+              <a:spcBef>
+                <a:spcPts val="384"/>
+              </a:spcBef>
+              <a:buClr>
+                <a:schemeClr val="accent1"/>
+              </a:buClr>
+              <a:buFont typeface="Symbol" pitchFamily="18" charset="2"/>
+              <a:buChar char="*"/>
+              <a:defRPr sz="1400" kern="1200">
+                <a:solidFill>
+                  <a:schemeClr val="tx2"/>
+                </a:solidFill>
+                <a:latin typeface="+mn-lt"/>
+                <a:ea typeface="+mn-ea"/>
+                <a:cs typeface="+mn-cs"/>
+              </a:defRPr>
+            </a:lvl9pPr>
+          </a:lstStyle>
+          <a:p>
+            <a:pPr marL="0" indent="0">
+              <a:buFont typeface="Symbol" pitchFamily="18" charset="2"/>
+              <a:buNone/>
+            </a:pPr>
+            <a:r>
+              <a:rPr lang="en-US" sz="3200" dirty="0" smtClean="0">
+                <a:solidFill>
+                  <a:srgbClr val="FF0000"/>
+                </a:solidFill>
+                <a:effectLst>
+                  <a:outerShdw blurRad="50800" dist="38100" dir="2700000" algn="tl" rotWithShape="0">
+                    <a:prstClr val="black">
+                      <a:alpha val="40000"/>
+                    </a:prstClr>
+                  </a:outerShdw>
+                </a:effectLst>
+              </a:rPr>
+              <a:t>1. </a:t>
+            </a:r>
+            <a:r>
+              <a:rPr lang="en-US" sz="3200" dirty="0" smtClean="0">
+                <a:solidFill>
+                  <a:srgbClr val="FF0000"/>
+                </a:solidFill>
+                <a:effectLst>
+                  <a:outerShdw blurRad="50800" dist="38100" dir="2700000" algn="tl" rotWithShape="0">
+                    <a:prstClr val="black">
+                      <a:alpha val="40000"/>
+                    </a:prstClr>
+                  </a:outerShdw>
+                </a:effectLst>
+              </a:rPr>
+              <a:t>Put the </a:t>
+            </a:r>
+            <a:r>
+              <a:rPr lang="en-US" sz="3200" dirty="0" err="1" smtClean="0">
+                <a:solidFill>
+                  <a:srgbClr val="FF0000"/>
+                </a:solidFill>
+                <a:effectLst>
+                  <a:outerShdw blurRad="50800" dist="38100" dir="2700000" algn="tl" rotWithShape="0">
+                    <a:prstClr val="black">
+                      <a:alpha val="40000"/>
+                    </a:prstClr>
+                  </a:outerShdw>
+                </a:effectLst>
+              </a:rPr>
+              <a:t>directoryList</a:t>
+            </a:r>
+            <a:r>
+              <a:rPr lang="en-US" sz="3200" dirty="0" smtClean="0">
+                <a:solidFill>
+                  <a:srgbClr val="FF0000"/>
+                </a:solidFill>
+                <a:effectLst>
+                  <a:outerShdw blurRad="50800" dist="38100" dir="2700000" algn="tl" rotWithShape="0">
+                    <a:prstClr val="black">
+                      <a:alpha val="40000"/>
+                    </a:prstClr>
+                  </a:outerShdw>
+                </a:effectLst>
+              </a:rPr>
+              <a:t> in a new Scheduled Task</a:t>
+            </a:r>
+            <a:endParaRPr lang="en-US" sz="3200" dirty="0">
+              <a:solidFill>
+                <a:srgbClr val="FF0000"/>
+              </a:solidFill>
+              <a:effectLst>
+                <a:outerShdw blurRad="50800" dist="38100" dir="2700000" algn="tl" rotWithShape="0">
+                  <a:prstClr val="black">
+                    <a:alpha val="40000"/>
+                  </a:prstClr>
+                </a:outerShdw>
+              </a:effectLst>
+            </a:endParaRPr>
+          </a:p>
+        </p:txBody>
+      </p:sp>
+      <p:sp>
+        <p:nvSpPr>
+          <p:cNvPr id="6" name="Content Placeholder 1"/>
+          <p:cNvSpPr txBox="1">
+            <a:spLocks/>
+          </p:cNvSpPr>
+          <p:nvPr/>
+        </p:nvSpPr>
+        <p:spPr>
+          <a:xfrm>
+            <a:off x="304800" y="4107024"/>
+            <a:ext cx="7543800" cy="647700"/>
+          </a:xfrm>
+          <a:prstGeom prst="rect">
+            <a:avLst/>
+          </a:prstGeom>
+        </p:spPr>
+        <p:txBody>
+          <a:bodyPr vert="horz" lIns="91440" tIns="45720" rIns="91440" bIns="45720" rtlCol="0">
+            <a:noAutofit/>
+          </a:bodyPr>
+          <a:lstStyle>
+            <a:lvl1pPr marL="274320" indent="-274320" algn="l" defTabSz="914400" rtl="0" eaLnBrk="1" latinLnBrk="0" hangingPunct="1">
+              <a:spcBef>
+                <a:spcPct val="20000"/>
+              </a:spcBef>
+              <a:buClr>
+                <a:schemeClr val="accent1"/>
+              </a:buClr>
+              <a:buSzPct val="100000"/>
+              <a:buFont typeface="Symbol" pitchFamily="18" charset="2"/>
+              <a:buChar char=""/>
+              <a:defRPr sz="2400" kern="1200">
+                <a:solidFill>
+                  <a:schemeClr val="tx2"/>
+                </a:solidFill>
+                <a:latin typeface="+mn-lt"/>
+                <a:ea typeface="+mn-ea"/>
+                <a:cs typeface="+mn-cs"/>
+              </a:defRPr>
+            </a:lvl1pPr>
+            <a:lvl2pPr marL="576263" indent="-274320" algn="l" defTabSz="914400" rtl="0" eaLnBrk="1" latinLnBrk="0" hangingPunct="1">
+              <a:spcBef>
+                <a:spcPct val="20000"/>
+              </a:spcBef>
+              <a:buClr>
+                <a:schemeClr val="accent1"/>
+              </a:buClr>
+              <a:buSzPct val="100000"/>
+              <a:buFont typeface="Symbol" pitchFamily="18" charset="2"/>
+              <a:buChar char=""/>
+              <a:defRPr sz="2200" kern="1200">
+                <a:solidFill>
+                  <a:schemeClr val="tx2"/>
+                </a:solidFill>
+                <a:latin typeface="+mn-lt"/>
+                <a:ea typeface="+mn-ea"/>
+                <a:cs typeface="+mn-cs"/>
+              </a:defRPr>
+            </a:lvl2pPr>
+            <a:lvl3pPr marL="855663" indent="-228600" algn="l" defTabSz="914400" rtl="0" eaLnBrk="1" latinLnBrk="0" hangingPunct="1">
+              <a:spcBef>
+                <a:spcPct val="20000"/>
+              </a:spcBef>
+              <a:buClr>
+                <a:schemeClr val="accent1"/>
+              </a:buClr>
+              <a:buSzPct val="100000"/>
+              <a:buFont typeface="Symbol" pitchFamily="18" charset="2"/>
+              <a:buChar char=""/>
+              <a:defRPr sz="2000" kern="1200">
+                <a:solidFill>
+                  <a:schemeClr val="tx2"/>
+                </a:solidFill>
+                <a:latin typeface="+mn-lt"/>
+                <a:ea typeface="+mn-ea"/>
+                <a:cs typeface="+mn-cs"/>
+              </a:defRPr>
+            </a:lvl3pPr>
+            <a:lvl4pPr marL="1143000" indent="-228600" algn="l" defTabSz="914400" rtl="0" eaLnBrk="1" latinLnBrk="0" hangingPunct="1">
+              <a:spcBef>
+                <a:spcPct val="20000"/>
+              </a:spcBef>
+              <a:buClr>
+                <a:schemeClr val="accent1"/>
+              </a:buClr>
+              <a:buSzPct val="100000"/>
+              <a:buFont typeface="Symbol" pitchFamily="18" charset="2"/>
+              <a:buChar char=""/>
+              <a:defRPr sz="1800" kern="1200">
+                <a:solidFill>
+                  <a:schemeClr val="tx2"/>
+                </a:solidFill>
+                <a:latin typeface="+mn-lt"/>
+                <a:ea typeface="+mn-ea"/>
+                <a:cs typeface="+mn-cs"/>
+              </a:defRPr>
+            </a:lvl4pPr>
+            <a:lvl5pPr marL="1463040" indent="-228600" algn="l" defTabSz="914400" rtl="0" eaLnBrk="1" latinLnBrk="0" hangingPunct="1">
+              <a:spcBef>
+                <a:spcPct val="20000"/>
+              </a:spcBef>
+              <a:buClr>
+                <a:schemeClr val="accent1"/>
+              </a:buClr>
+              <a:buSzPct val="100000"/>
+              <a:buFont typeface="Symbol" pitchFamily="18" charset="2"/>
+              <a:buChar char=""/>
+              <a:defRPr sz="1600" kern="1200">
+                <a:solidFill>
+                  <a:schemeClr val="tx2"/>
+                </a:solidFill>
+                <a:latin typeface="+mn-lt"/>
+                <a:ea typeface="+mn-ea"/>
+                <a:cs typeface="+mn-cs"/>
+              </a:defRPr>
+            </a:lvl5pPr>
+            <a:lvl6pPr marL="1783080" indent="-228600" algn="l" defTabSz="914400" rtl="0" eaLnBrk="1" latinLnBrk="0" hangingPunct="1">
+              <a:spcBef>
+                <a:spcPts val="384"/>
+              </a:spcBef>
+              <a:buClr>
+                <a:schemeClr val="accent1"/>
+              </a:buClr>
+              <a:buFont typeface="Symbol" pitchFamily="18" charset="2"/>
+              <a:buChar char="*"/>
+              <a:defRPr sz="1400" kern="1200">
+                <a:solidFill>
+                  <a:schemeClr val="tx2"/>
+                </a:solidFill>
+                <a:latin typeface="+mn-lt"/>
+                <a:ea typeface="+mn-ea"/>
+                <a:cs typeface="+mn-cs"/>
+              </a:defRPr>
+            </a:lvl6pPr>
+            <a:lvl7pPr marL="2103120" indent="-228600" algn="l" defTabSz="914400" rtl="0" eaLnBrk="1" latinLnBrk="0" hangingPunct="1">
+              <a:spcBef>
+                <a:spcPts val="384"/>
+              </a:spcBef>
+              <a:buClr>
+                <a:schemeClr val="accent1"/>
+              </a:buClr>
+              <a:buFont typeface="Symbol" pitchFamily="18" charset="2"/>
+              <a:buChar char="*"/>
+              <a:defRPr sz="1400" kern="1200">
+                <a:solidFill>
+                  <a:schemeClr val="tx2"/>
+                </a:solidFill>
+                <a:latin typeface="+mn-lt"/>
+                <a:ea typeface="+mn-ea"/>
+                <a:cs typeface="+mn-cs"/>
+              </a:defRPr>
+            </a:lvl7pPr>
+            <a:lvl8pPr marL="2423160" indent="-228600" algn="l" defTabSz="914400" rtl="0" eaLnBrk="1" latinLnBrk="0" hangingPunct="1">
+              <a:spcBef>
+                <a:spcPts val="384"/>
+              </a:spcBef>
+              <a:buClr>
+                <a:schemeClr val="accent1"/>
+              </a:buClr>
+              <a:buFont typeface="Symbol" pitchFamily="18" charset="2"/>
+              <a:buChar char="*"/>
+              <a:defRPr sz="1400" kern="1200">
+                <a:solidFill>
+                  <a:schemeClr val="tx2"/>
+                </a:solidFill>
+                <a:latin typeface="+mn-lt"/>
+                <a:ea typeface="+mn-ea"/>
+                <a:cs typeface="+mn-cs"/>
+              </a:defRPr>
+            </a:lvl8pPr>
+            <a:lvl9pPr marL="2743200" indent="-228600" algn="l" defTabSz="914400" rtl="0" eaLnBrk="1" latinLnBrk="0" hangingPunct="1">
+              <a:spcBef>
+                <a:spcPts val="384"/>
+              </a:spcBef>
+              <a:buClr>
+                <a:schemeClr val="accent1"/>
+              </a:buClr>
+              <a:buFont typeface="Symbol" pitchFamily="18" charset="2"/>
+              <a:buChar char="*"/>
+              <a:defRPr sz="1400" kern="1200">
+                <a:solidFill>
+                  <a:schemeClr val="tx2"/>
+                </a:solidFill>
+                <a:latin typeface="+mn-lt"/>
+                <a:ea typeface="+mn-ea"/>
+                <a:cs typeface="+mn-cs"/>
+              </a:defRPr>
+            </a:lvl9pPr>
+          </a:lstStyle>
+          <a:p>
+            <a:pPr marL="0" indent="0">
+              <a:buFont typeface="Symbol" pitchFamily="18" charset="2"/>
+              <a:buNone/>
+            </a:pPr>
+            <a:r>
+              <a:rPr lang="en-US" sz="3200" dirty="0" smtClean="0">
+                <a:solidFill>
+                  <a:srgbClr val="FF0000"/>
+                </a:solidFill>
+                <a:effectLst>
+                  <a:outerShdw blurRad="50800" dist="38100" dir="2700000" algn="tl" rotWithShape="0">
+                    <a:prstClr val="black">
+                      <a:alpha val="40000"/>
+                    </a:prstClr>
+                  </a:outerShdw>
+                </a:effectLst>
+              </a:rPr>
+              <a:t>3. Thus the entire process becomes </a:t>
+            </a:r>
+            <a:r>
+              <a:rPr lang="en-US" sz="3200" dirty="0" err="1" smtClean="0">
+                <a:solidFill>
+                  <a:srgbClr val="FF0000"/>
+                </a:solidFill>
+                <a:effectLst>
+                  <a:outerShdw blurRad="50800" dist="38100" dir="2700000" algn="tl" rotWithShape="0">
+                    <a:prstClr val="black">
+                      <a:alpha val="40000"/>
+                    </a:prstClr>
+                  </a:outerShdw>
+                </a:effectLst>
+              </a:rPr>
+              <a:t>async</a:t>
+            </a:r>
+            <a:endParaRPr lang="en-US" sz="3200" dirty="0" smtClean="0">
+              <a:solidFill>
+                <a:srgbClr val="FF0000"/>
+              </a:solidFill>
+              <a:effectLst>
+                <a:outerShdw blurRad="50800" dist="38100" dir="2700000" algn="tl" rotWithShape="0">
+                  <a:prstClr val="black">
+                    <a:alpha val="40000"/>
+                  </a:prstClr>
+                </a:outerShdw>
+              </a:effectLst>
+            </a:endParaRPr>
+          </a:p>
+          <a:p>
+            <a:pPr marL="0" indent="0">
+              <a:buFont typeface="Symbol" pitchFamily="18" charset="2"/>
+              <a:buNone/>
+            </a:pPr>
+            <a:r>
+              <a:rPr lang="en-US" sz="3200" dirty="0" smtClean="0">
+                <a:solidFill>
+                  <a:srgbClr val="FF0000"/>
+                </a:solidFill>
+                <a:effectLst>
+                  <a:outerShdw blurRad="50800" dist="38100" dir="2700000" algn="tl" rotWithShape="0">
+                    <a:prstClr val="black">
+                      <a:alpha val="40000"/>
+                    </a:prstClr>
+                  </a:outerShdw>
+                </a:effectLst>
+              </a:rPr>
+              <a:t>	</a:t>
+            </a:r>
+            <a:endParaRPr lang="en-US" sz="3200" dirty="0" smtClean="0">
+              <a:solidFill>
+                <a:srgbClr val="FF0000"/>
+              </a:solidFill>
+              <a:effectLst>
+                <a:outerShdw blurRad="50800" dist="38100" dir="2700000" algn="tl" rotWithShape="0">
+                  <a:prstClr val="black">
+                    <a:alpha val="40000"/>
+                  </a:prstClr>
+                </a:outerShdw>
+              </a:effectLst>
+            </a:endParaRPr>
+          </a:p>
+        </p:txBody>
+      </p:sp>
+      <p:sp>
+        <p:nvSpPr>
+          <p:cNvPr id="7" name="Content Placeholder 1"/>
+          <p:cNvSpPr txBox="1">
+            <a:spLocks/>
+          </p:cNvSpPr>
+          <p:nvPr/>
+        </p:nvSpPr>
+        <p:spPr>
+          <a:xfrm>
+            <a:off x="311020" y="5029200"/>
+            <a:ext cx="8070980" cy="914400"/>
+          </a:xfrm>
+          <a:prstGeom prst="rect">
+            <a:avLst/>
+          </a:prstGeom>
+        </p:spPr>
+        <p:txBody>
+          <a:bodyPr vert="horz" lIns="91440" tIns="45720" rIns="91440" bIns="45720" rtlCol="0">
+            <a:noAutofit/>
+          </a:bodyPr>
+          <a:lstStyle>
+            <a:lvl1pPr marL="274320" indent="-274320" algn="l" defTabSz="914400" rtl="0" eaLnBrk="1" latinLnBrk="0" hangingPunct="1">
+              <a:spcBef>
+                <a:spcPct val="20000"/>
+              </a:spcBef>
+              <a:buClr>
+                <a:schemeClr val="accent1"/>
+              </a:buClr>
+              <a:buSzPct val="100000"/>
+              <a:buFont typeface="Symbol" pitchFamily="18" charset="2"/>
+              <a:buChar char=""/>
+              <a:defRPr sz="2400" kern="1200">
+                <a:solidFill>
+                  <a:schemeClr val="tx2"/>
+                </a:solidFill>
+                <a:latin typeface="+mn-lt"/>
+                <a:ea typeface="+mn-ea"/>
+                <a:cs typeface="+mn-cs"/>
+              </a:defRPr>
+            </a:lvl1pPr>
+            <a:lvl2pPr marL="576263" indent="-274320" algn="l" defTabSz="914400" rtl="0" eaLnBrk="1" latinLnBrk="0" hangingPunct="1">
+              <a:spcBef>
+                <a:spcPct val="20000"/>
+              </a:spcBef>
+              <a:buClr>
+                <a:schemeClr val="accent1"/>
+              </a:buClr>
+              <a:buSzPct val="100000"/>
+              <a:buFont typeface="Symbol" pitchFamily="18" charset="2"/>
+              <a:buChar char=""/>
+              <a:defRPr sz="2200" kern="1200">
+                <a:solidFill>
+                  <a:schemeClr val="tx2"/>
+                </a:solidFill>
+                <a:latin typeface="+mn-lt"/>
+                <a:ea typeface="+mn-ea"/>
+                <a:cs typeface="+mn-cs"/>
+              </a:defRPr>
+            </a:lvl2pPr>
+            <a:lvl3pPr marL="855663" indent="-228600" algn="l" defTabSz="914400" rtl="0" eaLnBrk="1" latinLnBrk="0" hangingPunct="1">
+              <a:spcBef>
+                <a:spcPct val="20000"/>
+              </a:spcBef>
+              <a:buClr>
+                <a:schemeClr val="accent1"/>
+              </a:buClr>
+              <a:buSzPct val="100000"/>
+              <a:buFont typeface="Symbol" pitchFamily="18" charset="2"/>
+              <a:buChar char=""/>
+              <a:defRPr sz="2000" kern="1200">
+                <a:solidFill>
+                  <a:schemeClr val="tx2"/>
+                </a:solidFill>
+                <a:latin typeface="+mn-lt"/>
+                <a:ea typeface="+mn-ea"/>
+                <a:cs typeface="+mn-cs"/>
+              </a:defRPr>
+            </a:lvl3pPr>
+            <a:lvl4pPr marL="1143000" indent="-228600" algn="l" defTabSz="914400" rtl="0" eaLnBrk="1" latinLnBrk="0" hangingPunct="1">
+              <a:spcBef>
+                <a:spcPct val="20000"/>
+              </a:spcBef>
+              <a:buClr>
+                <a:schemeClr val="accent1"/>
+              </a:buClr>
+              <a:buSzPct val="100000"/>
+              <a:buFont typeface="Symbol" pitchFamily="18" charset="2"/>
+              <a:buChar char=""/>
+              <a:defRPr sz="1800" kern="1200">
+                <a:solidFill>
+                  <a:schemeClr val="tx2"/>
+                </a:solidFill>
+                <a:latin typeface="+mn-lt"/>
+                <a:ea typeface="+mn-ea"/>
+                <a:cs typeface="+mn-cs"/>
+              </a:defRPr>
+            </a:lvl4pPr>
+            <a:lvl5pPr marL="1463040" indent="-228600" algn="l" defTabSz="914400" rtl="0" eaLnBrk="1" latinLnBrk="0" hangingPunct="1">
+              <a:spcBef>
+                <a:spcPct val="20000"/>
+              </a:spcBef>
+              <a:buClr>
+                <a:schemeClr val="accent1"/>
+              </a:buClr>
+              <a:buSzPct val="100000"/>
+              <a:buFont typeface="Symbol" pitchFamily="18" charset="2"/>
+              <a:buChar char=""/>
+              <a:defRPr sz="1600" kern="1200">
+                <a:solidFill>
+                  <a:schemeClr val="tx2"/>
+                </a:solidFill>
+                <a:latin typeface="+mn-lt"/>
+                <a:ea typeface="+mn-ea"/>
+                <a:cs typeface="+mn-cs"/>
+              </a:defRPr>
+            </a:lvl5pPr>
+            <a:lvl6pPr marL="1783080" indent="-228600" algn="l" defTabSz="914400" rtl="0" eaLnBrk="1" latinLnBrk="0" hangingPunct="1">
+              <a:spcBef>
+                <a:spcPts val="384"/>
+              </a:spcBef>
+              <a:buClr>
+                <a:schemeClr val="accent1"/>
+              </a:buClr>
+              <a:buFont typeface="Symbol" pitchFamily="18" charset="2"/>
+              <a:buChar char="*"/>
+              <a:defRPr sz="1400" kern="1200">
+                <a:solidFill>
+                  <a:schemeClr val="tx2"/>
+                </a:solidFill>
+                <a:latin typeface="+mn-lt"/>
+                <a:ea typeface="+mn-ea"/>
+                <a:cs typeface="+mn-cs"/>
+              </a:defRPr>
+            </a:lvl6pPr>
+            <a:lvl7pPr marL="2103120" indent="-228600" algn="l" defTabSz="914400" rtl="0" eaLnBrk="1" latinLnBrk="0" hangingPunct="1">
+              <a:spcBef>
+                <a:spcPts val="384"/>
+              </a:spcBef>
+              <a:buClr>
+                <a:schemeClr val="accent1"/>
+              </a:buClr>
+              <a:buFont typeface="Symbol" pitchFamily="18" charset="2"/>
+              <a:buChar char="*"/>
+              <a:defRPr sz="1400" kern="1200">
+                <a:solidFill>
+                  <a:schemeClr val="tx2"/>
+                </a:solidFill>
+                <a:latin typeface="+mn-lt"/>
+                <a:ea typeface="+mn-ea"/>
+                <a:cs typeface="+mn-cs"/>
+              </a:defRPr>
+            </a:lvl7pPr>
+            <a:lvl8pPr marL="2423160" indent="-228600" algn="l" defTabSz="914400" rtl="0" eaLnBrk="1" latinLnBrk="0" hangingPunct="1">
+              <a:spcBef>
+                <a:spcPts val="384"/>
+              </a:spcBef>
+              <a:buClr>
+                <a:schemeClr val="accent1"/>
+              </a:buClr>
+              <a:buFont typeface="Symbol" pitchFamily="18" charset="2"/>
+              <a:buChar char="*"/>
+              <a:defRPr sz="1400" kern="1200">
+                <a:solidFill>
+                  <a:schemeClr val="tx2"/>
+                </a:solidFill>
+                <a:latin typeface="+mn-lt"/>
+                <a:ea typeface="+mn-ea"/>
+                <a:cs typeface="+mn-cs"/>
+              </a:defRPr>
+            </a:lvl8pPr>
+            <a:lvl9pPr marL="2743200" indent="-228600" algn="l" defTabSz="914400" rtl="0" eaLnBrk="1" latinLnBrk="0" hangingPunct="1">
+              <a:spcBef>
+                <a:spcPts val="384"/>
+              </a:spcBef>
+              <a:buClr>
+                <a:schemeClr val="accent1"/>
+              </a:buClr>
+              <a:buFont typeface="Symbol" pitchFamily="18" charset="2"/>
+              <a:buChar char="*"/>
+              <a:defRPr sz="1400" kern="1200">
+                <a:solidFill>
+                  <a:schemeClr val="tx2"/>
+                </a:solidFill>
+                <a:latin typeface="+mn-lt"/>
+                <a:ea typeface="+mn-ea"/>
+                <a:cs typeface="+mn-cs"/>
+              </a:defRPr>
+            </a:lvl9pPr>
+          </a:lstStyle>
+          <a:p>
+            <a:pPr marL="0" indent="0">
+              <a:buFont typeface="Symbol" pitchFamily="18" charset="2"/>
+              <a:buNone/>
+            </a:pPr>
+            <a:r>
+              <a:rPr lang="en-US" sz="3200" dirty="0" smtClean="0">
+                <a:solidFill>
+                  <a:srgbClr val="FF0000"/>
+                </a:solidFill>
+                <a:effectLst>
+                  <a:outerShdw blurRad="50800" dist="38100" dir="2700000" algn="tl" rotWithShape="0">
+                    <a:prstClr val="black">
+                      <a:alpha val="40000"/>
+                    </a:prstClr>
+                  </a:outerShdw>
+                </a:effectLst>
+              </a:rPr>
+              <a:t>4. Perfect use case for Fork-Join!</a:t>
+            </a:r>
+          </a:p>
+          <a:p>
+            <a:pPr marL="0" indent="0">
+              <a:buFont typeface="Symbol" pitchFamily="18" charset="2"/>
+              <a:buNone/>
+            </a:pPr>
+            <a:r>
+              <a:rPr lang="en-US" sz="3200" dirty="0" smtClean="0">
+                <a:solidFill>
+                  <a:srgbClr val="FF0000"/>
+                </a:solidFill>
+                <a:effectLst>
+                  <a:outerShdw blurRad="50800" dist="38100" dir="2700000" algn="tl" rotWithShape="0">
+                    <a:prstClr val="black">
+                      <a:alpha val="40000"/>
+                    </a:prstClr>
+                  </a:outerShdw>
+                </a:effectLst>
+              </a:rPr>
+              <a:t>	</a:t>
+            </a:r>
+            <a:endParaRPr lang="en-US" sz="3200" dirty="0" smtClean="0">
+              <a:solidFill>
+                <a:srgbClr val="FF0000"/>
+              </a:solidFill>
+              <a:effectLst>
+                <a:outerShdw blurRad="50800" dist="38100" dir="2700000" algn="tl" rotWithShape="0">
+                  <a:prstClr val="black">
+                    <a:alpha val="40000"/>
+                  </a:prstClr>
+                </a:outerShdw>
+              </a:effectLst>
+            </a:endParaRPr>
           </a:p>
         </p:txBody>
       </p:sp>
     </p:spTree>
     <p:extLst>
       <p:ext uri="{BB962C8B-B14F-4D97-AF65-F5344CB8AC3E}">
-        <p14:creationId xmlns:p14="http://schemas.microsoft.com/office/powerpoint/2010/main" val="69741914"/>
+        <p14:creationId xmlns:p14="http://schemas.microsoft.com/office/powerpoint/2010/main" val="4049433371"/>
+      </p:ext>
+    </p:extLst>
+  </p:cSld>
+  <p:clrMapOvr>
+    <a:masterClrMapping/>
+  </p:clrMapOvr>
+  <p:timing>
+    <p:tnLst>
+      <p:par>
+        <p:cTn id="1" dur="indefinite" restart="never" nodeType="tmRoot">
+          <p:childTnLst>
+            <p:seq concurrent="1" nextAc="seek">
+              <p:cTn id="2" dur="indefinite" nodeType="mainSeq">
+                <p:childTnLst>
+                  <p:par>
+                    <p:cTn id="3" fill="hold">
+                      <p:stCondLst>
+                        <p:cond delay="indefinite"/>
+                        <p:cond evt="onBegin" delay="0">
+                          <p:tn val="2"/>
+                        </p:cond>
+                      </p:stCondLst>
+                      <p:childTnLst>
+                        <p:par>
+                          <p:cTn id="4" fill="hold">
+                            <p:stCondLst>
+                              <p:cond delay="0"/>
+                            </p:stCondLst>
+                            <p:childTnLst>
+                              <p:par>
+                                <p:cTn id="5" presetID="1" presetClass="entr" presetSubtype="0" fill="hold" grpId="0" nodeType="withEffect">
+                                  <p:stCondLst>
+                                    <p:cond delay="0"/>
+                                  </p:stCondLst>
+                                  <p:childTnLst>
+                                    <p:set>
+                                      <p:cBhvr>
+                                        <p:cTn id="6" dur="1" fill="hold">
+                                          <p:stCondLst>
+                                            <p:cond delay="0"/>
+                                          </p:stCondLst>
+                                        </p:cTn>
+                                        <p:tgtEl>
+                                          <p:spTgt spid="5"/>
+                                        </p:tgtEl>
+                                        <p:attrNameLst>
+                                          <p:attrName>style.visibility</p:attrName>
+                                        </p:attrNameLst>
+                                      </p:cBhvr>
+                                      <p:to>
+                                        <p:strVal val="visible"/>
+                                      </p:to>
+                                    </p:set>
+                                  </p:childTnLst>
+                                </p:cTn>
+                              </p:par>
+                            </p:childTnLst>
+                          </p:cTn>
+                        </p:par>
+                      </p:childTnLst>
+                    </p:cTn>
+                  </p:par>
+                  <p:par>
+                    <p:cTn id="7" fill="hold">
+                      <p:stCondLst>
+                        <p:cond delay="indefinite"/>
+                      </p:stCondLst>
+                      <p:childTnLst>
+                        <p:par>
+                          <p:cTn id="8" fill="hold">
+                            <p:stCondLst>
+                              <p:cond delay="0"/>
+                            </p:stCondLst>
+                            <p:childTnLst>
+                              <p:par>
+                                <p:cTn id="9" presetID="1" presetClass="entr" presetSubtype="0" fill="hold" grpId="0" nodeType="clickEffect">
+                                  <p:stCondLst>
+                                    <p:cond delay="0"/>
+                                  </p:stCondLst>
+                                  <p:childTnLst>
+                                    <p:set>
+                                      <p:cBhvr>
+                                        <p:cTn id="10" dur="1" fill="hold">
+                                          <p:stCondLst>
+                                            <p:cond delay="0"/>
+                                          </p:stCondLst>
+                                        </p:cTn>
+                                        <p:tgtEl>
+                                          <p:spTgt spid="4"/>
+                                        </p:tgtEl>
+                                        <p:attrNameLst>
+                                          <p:attrName>style.visibility</p:attrName>
+                                        </p:attrNameLst>
+                                      </p:cBhvr>
+                                      <p:to>
+                                        <p:strVal val="visible"/>
+                                      </p:to>
+                                    </p:set>
+                                  </p:childTnLst>
+                                </p:cTn>
+                              </p:par>
+                            </p:childTnLst>
+                          </p:cTn>
+                        </p:par>
+                      </p:childTnLst>
+                    </p:cTn>
+                  </p:par>
+                  <p:par>
+                    <p:cTn id="11" fill="hold">
+                      <p:stCondLst>
+                        <p:cond delay="indefinite"/>
+                      </p:stCondLst>
+                      <p:childTnLst>
+                        <p:par>
+                          <p:cTn id="12" fill="hold">
+                            <p:stCondLst>
+                              <p:cond delay="0"/>
+                            </p:stCondLst>
+                            <p:childTnLst>
+                              <p:par>
+                                <p:cTn id="13" presetID="1" presetClass="entr" presetSubtype="0" fill="hold" grpId="0" nodeType="clickEffect">
+                                  <p:stCondLst>
+                                    <p:cond delay="0"/>
+                                  </p:stCondLst>
+                                  <p:childTnLst>
+                                    <p:set>
+                                      <p:cBhvr>
+                                        <p:cTn id="14" dur="1" fill="hold">
+                                          <p:stCondLst>
+                                            <p:cond delay="0"/>
+                                          </p:stCondLst>
+                                        </p:cTn>
+                                        <p:tgtEl>
+                                          <p:spTgt spid="6"/>
+                                        </p:tgtEl>
+                                        <p:attrNameLst>
+                                          <p:attrName>style.visibility</p:attrName>
+                                        </p:attrNameLst>
+                                      </p:cBhvr>
+                                      <p:to>
+                                        <p:strVal val="visible"/>
+                                      </p:to>
+                                    </p:set>
+                                  </p:childTnLst>
+                                </p:cTn>
+                              </p:par>
+                            </p:childTnLst>
+                          </p:cTn>
+                        </p:par>
+                      </p:childTnLst>
+                    </p:cTn>
+                  </p:par>
+                  <p:par>
+                    <p:cTn id="15" fill="hold">
+                      <p:stCondLst>
+                        <p:cond delay="indefinite"/>
+                      </p:stCondLst>
+                      <p:childTnLst>
+                        <p:par>
+                          <p:cTn id="16" fill="hold">
+                            <p:stCondLst>
+                              <p:cond delay="0"/>
+                            </p:stCondLst>
+                            <p:childTnLst>
+                              <p:par>
+                                <p:cTn id="17" presetID="1" presetClass="entr" presetSubtype="0" fill="hold" grpId="0" nodeType="clickEffect">
+                                  <p:stCondLst>
+                                    <p:cond delay="0"/>
+                                  </p:stCondLst>
+                                  <p:childTnLst>
+                                    <p:set>
+                                      <p:cBhvr>
+                                        <p:cTn id="18" dur="1" fill="hold">
+                                          <p:stCondLst>
+                                            <p:cond delay="0"/>
+                                          </p:stCondLst>
+                                        </p:cTn>
+                                        <p:tgtEl>
+                                          <p:spTgt spid="7"/>
+                                        </p:tgtEl>
+                                        <p:attrNameLst>
+                                          <p:attrName>style.visibility</p:attrName>
+                                        </p:attrNameLst>
+                                      </p:cBhvr>
+                                      <p:to>
+                                        <p:strVal val="visible"/>
+                                      </p:to>
+                                    </p:set>
+                                  </p:childTnLst>
+                                </p:cTn>
+                              </p:par>
+                            </p:childTnLst>
+                          </p:cTn>
+                        </p:par>
+                      </p:childTnLst>
+                    </p:cTn>
+                  </p:par>
+                </p:childTnLst>
+              </p:cTn>
+              <p:prevCondLst>
+                <p:cond evt="onPrev" delay="0">
+                  <p:tgtEl>
+                    <p:sldTgt/>
+                  </p:tgtEl>
+                </p:cond>
+              </p:prevCondLst>
+              <p:nextCondLst>
+                <p:cond evt="onNext" delay="0">
+                  <p:tgtEl>
+                    <p:sldTgt/>
+                  </p:tgtEl>
+                </p:cond>
+              </p:nextCondLst>
+            </p:seq>
+          </p:childTnLst>
+        </p:cTn>
+      </p:par>
+    </p:tnLst>
+    <p:bldLst>
+      <p:bldP spid="4" grpId="0"/>
+      <p:bldP spid="5" grpId="0"/>
+      <p:bldP spid="6" grpId="0"/>
+      <p:bldP spid="7" grpId="0"/>
+    </p:bldLst>
+  </p:timing>
+</p:sld>
+</file>
+
+<file path=ppt/slides/slide66.xml><?xml version="1.0" encoding="utf-8"?>
+<p:sld xmlns:a="http://schemas.openxmlformats.org/drawingml/2006/main" xmlns:r="http://schemas.openxmlformats.org/officeDocument/2006/relationships" xmlns:p="http://schemas.openxmlformats.org/presentationml/2006/main" showMasterSp="0">
+  <p:cSld>
+    <p:bg>
+      <p:bgPr>
+        <a:solidFill>
+          <a:schemeClr val="tx1"/>
+        </a:solidFill>
+        <a:effectLst/>
+      </p:bgPr>
+    </p:bg>
+    <p:spTree>
+      <p:nvGrpSpPr>
+        <p:cNvPr id="1" name=""/>
+        <p:cNvGrpSpPr/>
+        <p:nvPr/>
+      </p:nvGrpSpPr>
+      <p:grpSpPr>
+        <a:xfrm>
+          <a:off x="0" y="0"/>
+          <a:ext cx="0" cy="0"/>
+          <a:chOff x="0" y="0"/>
+          <a:chExt cx="0" cy="0"/>
+        </a:xfrm>
+      </p:grpSpPr>
+      <p:pic>
+        <p:nvPicPr>
+          <p:cNvPr id="4098" name="Picture 2" descr="C:\dev\projects\wwwroot\mxunit-cfmeetups\CFObjective_2012_Concurrency\preso\mitmitw_cfconcurrent.jpg"/>
+          <p:cNvPicPr>
+            <a:picLocks noChangeAspect="1" noChangeArrowheads="1"/>
+          </p:cNvPicPr>
+          <p:nvPr/>
+        </p:nvPicPr>
+        <p:blipFill>
+          <a:blip r:embed="rId2">
+            <a:extLst>
+              <a:ext uri="{28A0092B-C50C-407E-A947-70E740481C1C}">
+                <a14:useLocalDpi xmlns:a14="http://schemas.microsoft.com/office/drawing/2010/main" val="0"/>
+              </a:ext>
+            </a:extLst>
+          </a:blip>
+          <a:srcRect/>
+          <a:stretch>
+            <a:fillRect/>
+          </a:stretch>
+        </p:blipFill>
+        <p:spPr bwMode="auto">
+          <a:xfrm>
+            <a:off x="1752600" y="0"/>
+            <a:ext cx="5486400" cy="6871716"/>
+          </a:xfrm>
+          <a:prstGeom prst="rect">
+            <a:avLst/>
+          </a:prstGeom>
+          <a:noFill/>
+          <a:extLst>
+            <a:ext uri="{909E8E84-426E-40DD-AFC4-6F175D3DCCD1}">
+              <a14:hiddenFill xmlns:a14="http://schemas.microsoft.com/office/drawing/2010/main">
+                <a:solidFill>
+                  <a:srgbClr val="FFFFFF"/>
+                </a:solidFill>
+              </a14:hiddenFill>
+            </a:ext>
+          </a:extLst>
+        </p:spPr>
+      </p:pic>
+    </p:spTree>
+    <p:extLst>
+      <p:ext uri="{BB962C8B-B14F-4D97-AF65-F5344CB8AC3E}">
+        <p14:creationId xmlns:p14="http://schemas.microsoft.com/office/powerpoint/2010/main" val="1178991830"/>
       </p:ext>
     </p:extLst>
   </p:cSld>
@@ -41312,112 +44904,7 @@
 </p:sld>
 </file>
 
-<file path=ppt/slides/slide62.xml><?xml version="1.0" encoding="utf-8"?>
-<p:sld xmlns:a="http://schemas.openxmlformats.org/drawingml/2006/main" xmlns:r="http://schemas.openxmlformats.org/officeDocument/2006/relationships" xmlns:p="http://schemas.openxmlformats.org/presentationml/2006/main">
-  <p:cSld>
-    <p:spTree>
-      <p:nvGrpSpPr>
-        <p:cNvPr id="1" name=""/>
-        <p:cNvGrpSpPr/>
-        <p:nvPr/>
-      </p:nvGrpSpPr>
-      <p:grpSpPr>
-        <a:xfrm>
-          <a:off x="0" y="0"/>
-          <a:ext cx="0" cy="0"/>
-          <a:chOff x="0" y="0"/>
-          <a:chExt cx="0" cy="0"/>
-        </a:xfrm>
-      </p:grpSpPr>
-      <p:sp>
-        <p:nvSpPr>
-          <p:cNvPr id="2" name="Content Placeholder 1"/>
-          <p:cNvSpPr>
-            <a:spLocks noGrp="1"/>
-          </p:cNvSpPr>
-          <p:nvPr>
-            <p:ph idx="1"/>
-          </p:nvPr>
-        </p:nvSpPr>
-        <p:spPr/>
-        <p:txBody>
-          <a:bodyPr/>
-          <a:lstStyle/>
-          <a:p>
-            <a:r>
-              <a:rPr lang="en-US" dirty="0" smtClean="0"/>
-              <a:t>Enough examples to nail home</a:t>
-            </a:r>
-          </a:p>
-          <a:p>
-            <a:pPr lvl="1"/>
-            <a:r>
-              <a:rPr lang="en-US" dirty="0" smtClean="0"/>
-              <a:t>How to use the JCF in ColdFusion</a:t>
-            </a:r>
-          </a:p>
-          <a:p>
-            <a:pPr lvl="1"/>
-            <a:r>
-              <a:rPr lang="en-US" dirty="0" smtClean="0"/>
-              <a:t>Why it’s so </a:t>
-            </a:r>
-            <a:r>
-              <a:rPr lang="en-US" dirty="0" err="1" smtClean="0"/>
-              <a:t>freakin</a:t>
-            </a:r>
-            <a:r>
-              <a:rPr lang="en-US" dirty="0" smtClean="0"/>
-              <a:t>’ awesome</a:t>
-            </a:r>
-            <a:endParaRPr lang="en-US" dirty="0"/>
-          </a:p>
-        </p:txBody>
-      </p:sp>
-      <p:sp>
-        <p:nvSpPr>
-          <p:cNvPr id="3" name="Title 2"/>
-          <p:cNvSpPr>
-            <a:spLocks noGrp="1"/>
-          </p:cNvSpPr>
-          <p:nvPr>
-            <p:ph type="title"/>
-          </p:nvPr>
-        </p:nvSpPr>
-        <p:spPr/>
-        <p:txBody>
-          <a:bodyPr/>
-          <a:lstStyle/>
-          <a:p>
-            <a:r>
-              <a:rPr lang="en-US" dirty="0" smtClean="0"/>
-              <a:t>JCF Example Extravaganza</a:t>
-            </a:r>
-            <a:endParaRPr lang="en-US" dirty="0"/>
-          </a:p>
-        </p:txBody>
-      </p:sp>
-    </p:spTree>
-    <p:extLst>
-      <p:ext uri="{BB962C8B-B14F-4D97-AF65-F5344CB8AC3E}">
-        <p14:creationId xmlns:p14="http://schemas.microsoft.com/office/powerpoint/2010/main" val="616244023"/>
-      </p:ext>
-    </p:extLst>
-  </p:cSld>
-  <p:clrMapOvr>
-    <a:masterClrMapping/>
-  </p:clrMapOvr>
-  <p:timing>
-    <p:tnLst>
-      <p:par>
-        <p:cTn id="1" dur="indefinite" restart="never" nodeType="tmRoot"/>
-      </p:par>
-    </p:tnLst>
-  </p:timing>
-</p:sld>
-</file>
-
-<file path=ppt/slides/slide63.xml><?xml version="1.0" encoding="utf-8"?>
+<file path=ppt/slides/slide67.xml><?xml version="1.0" encoding="utf-8"?>
 <p:sld xmlns:a="http://schemas.openxmlformats.org/drawingml/2006/main" xmlns:r="http://schemas.openxmlformats.org/officeDocument/2006/relationships" xmlns:p="http://schemas.openxmlformats.org/presentationml/2006/main">
   <p:cSld>
     <p:spTree>
@@ -41539,7 +45026,7 @@
 </p:sld>
 </file>
 
-<file path=ppt/slides/slide64.xml><?xml version="1.0" encoding="utf-8"?>
+<file path=ppt/slides/slide68.xml><?xml version="1.0" encoding="utf-8"?>
 <p:sld xmlns:a="http://schemas.openxmlformats.org/drawingml/2006/main" xmlns:r="http://schemas.openxmlformats.org/officeDocument/2006/relationships" xmlns:p="http://schemas.openxmlformats.org/presentationml/2006/main">
   <p:cSld>
     <p:spTree>
